--- a/70-533-05-ARMTemplates.pptx
+++ b/70-533-05-ARMTemplates.pptx
@@ -5,10 +5,10 @@
     <p:sldMasterId id="2147483660" r:id="rId1"/>
   </p:sldMasterIdLst>
   <p:notesMasterIdLst>
-    <p:notesMasterId r:id="rId44"/>
+    <p:notesMasterId r:id="rId47"/>
   </p:notesMasterIdLst>
   <p:handoutMasterIdLst>
-    <p:handoutMasterId r:id="rId45"/>
+    <p:handoutMasterId r:id="rId48"/>
   </p:handoutMasterIdLst>
   <p:sldIdLst>
     <p:sldId id="256" r:id="rId2"/>
@@ -47,55 +47,51 @@
     <p:sldId id="340" r:id="rId35"/>
     <p:sldId id="341" r:id="rId36"/>
     <p:sldId id="342" r:id="rId37"/>
-    <p:sldId id="343" r:id="rId38"/>
-    <p:sldId id="344" r:id="rId39"/>
-    <p:sldId id="346" r:id="rId40"/>
-    <p:sldId id="345" r:id="rId41"/>
-    <p:sldId id="309" r:id="rId42"/>
-    <p:sldId id="310" r:id="rId43"/>
+    <p:sldId id="351" r:id="rId38"/>
+    <p:sldId id="343" r:id="rId39"/>
+    <p:sldId id="352" r:id="rId40"/>
+    <p:sldId id="344" r:id="rId41"/>
+    <p:sldId id="353" r:id="rId42"/>
+    <p:sldId id="346" r:id="rId43"/>
+    <p:sldId id="354" r:id="rId44"/>
+    <p:sldId id="355" r:id="rId45"/>
+    <p:sldId id="345" r:id="rId46"/>
   </p:sldIdLst>
   <p:sldSz cx="9144000" cy="6858000" type="screen4x3"/>
   <p:notesSz cx="6858000" cy="9144000"/>
   <p:embeddedFontLst>
     <p:embeddedFont>
       <p:font typeface="Segoe UI" panose="020B0502040204020203" pitchFamily="34" charset="0"/>
-      <p:regular r:id="rId46"/>
-      <p:bold r:id="rId47"/>
-      <p:italic r:id="rId48"/>
-      <p:boldItalic r:id="rId49"/>
+      <p:regular r:id="rId49"/>
+      <p:bold r:id="rId50"/>
+      <p:italic r:id="rId51"/>
+      <p:boldItalic r:id="rId52"/>
+    </p:embeddedFont>
+    <p:embeddedFont>
+      <p:font typeface="Verdana" panose="020B0604030504040204" pitchFamily="34" charset="0"/>
+      <p:regular r:id="rId53"/>
+      <p:bold r:id="rId54"/>
+      <p:italic r:id="rId55"/>
+      <p:boldItalic r:id="rId56"/>
+    </p:embeddedFont>
+    <p:embeddedFont>
+      <p:font typeface="Consolas" panose="020B0609020204030204" pitchFamily="49" charset="0"/>
+      <p:regular r:id="rId57"/>
+      <p:bold r:id="rId58"/>
+      <p:italic r:id="rId59"/>
+      <p:boldItalic r:id="rId60"/>
+    </p:embeddedFont>
+    <p:embeddedFont>
+      <p:font typeface="Calibri" panose="020F0502020204030204" pitchFamily="34" charset="0"/>
+      <p:regular r:id="rId61"/>
+      <p:bold r:id="rId62"/>
+      <p:italic r:id="rId63"/>
+      <p:boldItalic r:id="rId64"/>
     </p:embeddedFont>
     <p:embeddedFont>
       <p:font typeface="Segoe UI Light" panose="020B0502040204020203" pitchFamily="34" charset="0"/>
-      <p:regular r:id="rId50"/>
-      <p:italic r:id="rId51"/>
-    </p:embeddedFont>
-    <p:embeddedFont>
-      <p:font typeface="Verdana" panose="020B0604030504040204" pitchFamily="34" charset="0"/>
-      <p:regular r:id="rId52"/>
-      <p:bold r:id="rId53"/>
-      <p:italic r:id="rId54"/>
-      <p:boldItalic r:id="rId55"/>
-    </p:embeddedFont>
-    <p:embeddedFont>
-      <p:font typeface="Segoe" panose="020B0604020202020204" charset="0"/>
-      <p:regular r:id="rId56"/>
-      <p:bold r:id="rId57"/>
-      <p:italic r:id="rId58"/>
-      <p:boldItalic r:id="rId59"/>
-    </p:embeddedFont>
-    <p:embeddedFont>
-      <p:font typeface="Consolas" panose="020B0609020204030204" pitchFamily="49" charset="0"/>
-      <p:regular r:id="rId60"/>
-      <p:bold r:id="rId61"/>
-      <p:italic r:id="rId62"/>
-      <p:boldItalic r:id="rId63"/>
-    </p:embeddedFont>
-    <p:embeddedFont>
-      <p:font typeface="Calibri" panose="020F0502020204030204" pitchFamily="34" charset="0"/>
-      <p:regular r:id="rId64"/>
-      <p:bold r:id="rId65"/>
+      <p:regular r:id="rId65"/>
       <p:italic r:id="rId66"/>
-      <p:boldItalic r:id="rId67"/>
     </p:embeddedFont>
   </p:embeddedFontLst>
   <p:defaultTextStyle>
@@ -280,12 +276,15 @@
             <p14:sldId id="340"/>
             <p14:sldId id="341"/>
             <p14:sldId id="342"/>
+            <p14:sldId id="351"/>
             <p14:sldId id="343"/>
+            <p14:sldId id="352"/>
             <p14:sldId id="344"/>
+            <p14:sldId id="353"/>
             <p14:sldId id="346"/>
+            <p14:sldId id="354"/>
+            <p14:sldId id="355"/>
             <p14:sldId id="345"/>
-            <p14:sldId id="309"/>
-            <p14:sldId id="310"/>
           </p14:sldIdLst>
         </p14:section>
       </p14:sectionLst>
@@ -298,10 +297,6 @@
     </p:ext>
   </p:extLst>
 </p:presentation>
-</file>
-
-<file path=ppt/revisionInfo.xml><?xml version="1.0" encoding="utf-8"?>
-<p1510:revInfo xmlns:a="http://schemas.openxmlformats.org/drawingml/2006/main" xmlns:r="http://schemas.openxmlformats.org/officeDocument/2006/relationships" xmlns:p1510="http://schemas.microsoft.com/office/powerpoint/2015/10/main"/>
 </file>
 
 <file path=ppt/diagrams/colors1.xml><?xml version="1.0" encoding="utf-8"?>
@@ -2225,7 +2220,7 @@
   <dgm:whole/>
   <dgm:extLst>
     <a:ext uri="http://schemas.microsoft.com/office/drawing/2008/diagram">
-      <dsp:dataModelExt xmlns:dsp="http://schemas.microsoft.com/office/drawing/2008/diagram" relId="rId6" minVer="http://schemas.openxmlformats.org/drawingml/2006/diagram"/>
+      <dsp:dataModelExt xmlns:dsp="http://schemas.microsoft.com/office/drawing/2008/diagram" relId="rId7" minVer="http://schemas.openxmlformats.org/drawingml/2006/diagram"/>
     </a:ext>
   </dgm:extLst>
 </dgm:dataModel>
@@ -2395,7 +2390,7 @@
   <dgm:whole/>
   <dgm:extLst>
     <a:ext uri="http://schemas.microsoft.com/office/drawing/2008/diagram">
-      <dsp:dataModelExt xmlns:dsp="http://schemas.microsoft.com/office/drawing/2008/diagram" relId="rId7" minVer="http://schemas.openxmlformats.org/drawingml/2006/diagram"/>
+      <dsp:dataModelExt xmlns:dsp="http://schemas.microsoft.com/office/drawing/2008/diagram" relId="rId8" minVer="http://schemas.openxmlformats.org/drawingml/2006/diagram"/>
     </a:ext>
     <a:ext uri="{C62137D5-CB1D-491B-B009-E17868A290BF}">
       <dgm14:recolorImg xmlns:dgm14="http://schemas.microsoft.com/office/drawing/2010/diagram" val="1"/>
@@ -6539,7 +6534,7 @@
           <a:p>
             <a:fld id="{7D784404-57E5-4341-9230-5EC072B8C3C5}" type="datetimeFigureOut">
               <a:rPr lang="en-US" smtClean="0"/>
-              <a:t>1/29/2018</a:t>
+              <a:t>2/6/2018</a:t>
             </a:fld>
             <a:endParaRPr lang="en-US"/>
           </a:p>
@@ -6716,7 +6711,7 @@
           <a:p>
             <a:fld id="{9933EFA3-31EF-403B-8080-9776000D59FF}" type="datetimeFigureOut">
               <a:rPr lang="en-US" smtClean="0"/>
-              <a:t>1/29/2018</a:t>
+              <a:t>2/6/2018</a:t>
             </a:fld>
             <a:endParaRPr lang="en-US" dirty="0"/>
           </a:p>
@@ -7719,6 +7714,896 @@
 </p:notes>
 </file>
 
+<file path=ppt/notesSlides/notesSlide10.xml><?xml version="1.0" encoding="utf-8"?>
+<p:notes xmlns:a="http://schemas.openxmlformats.org/drawingml/2006/main" xmlns:r="http://schemas.openxmlformats.org/officeDocument/2006/relationships" xmlns:p="http://schemas.openxmlformats.org/presentationml/2006/main">
+  <p:cSld>
+    <p:spTree>
+      <p:nvGrpSpPr>
+        <p:cNvPr id="1" name=""/>
+        <p:cNvGrpSpPr/>
+        <p:nvPr/>
+      </p:nvGrpSpPr>
+      <p:grpSpPr>
+        <a:xfrm>
+          <a:off x="0" y="0"/>
+          <a:ext cx="0" cy="0"/>
+          <a:chOff x="0" y="0"/>
+          <a:chExt cx="0" cy="0"/>
+        </a:xfrm>
+      </p:grpSpPr>
+      <p:sp>
+        <p:nvSpPr>
+          <p:cNvPr id="2" name="Slide Image Placeholder 1"/>
+          <p:cNvSpPr>
+            <a:spLocks noGrp="1" noRot="1" noChangeAspect="1"/>
+          </p:cNvSpPr>
+          <p:nvPr>
+            <p:ph type="sldImg"/>
+          </p:nvPr>
+        </p:nvSpPr>
+        <p:spPr>
+          <a:xfrm>
+            <a:off x="4325938" y="73025"/>
+            <a:ext cx="2466975" cy="1851025"/>
+          </a:xfrm>
+        </p:spPr>
+      </p:sp>
+      <p:sp>
+        <p:nvSpPr>
+          <p:cNvPr id="3" name="Notes Placeholder 2"/>
+          <p:cNvSpPr>
+            <a:spLocks noGrp="1"/>
+          </p:cNvSpPr>
+          <p:nvPr>
+            <p:ph type="body" idx="1"/>
+          </p:nvPr>
+        </p:nvSpPr>
+        <p:spPr/>
+        <p:txBody>
+          <a:bodyPr/>
+          <a:lstStyle/>
+          <a:p>
+            <a:endParaRPr lang="en-US"/>
+          </a:p>
+        </p:txBody>
+      </p:sp>
+      <p:sp>
+        <p:nvSpPr>
+          <p:cNvPr id="4" name="Slide Number Placeholder 3"/>
+          <p:cNvSpPr>
+            <a:spLocks noGrp="1"/>
+          </p:cNvSpPr>
+          <p:nvPr>
+            <p:ph type="sldNum" sz="quarter" idx="10"/>
+          </p:nvPr>
+        </p:nvSpPr>
+        <p:spPr/>
+        <p:txBody>
+          <a:bodyPr/>
+          <a:lstStyle/>
+          <a:p>
+            <a:fld id="{F19E9337-0361-41F3-9C17-1F4FFD1214BA}" type="slidenum">
+              <a:rPr lang="en-US" smtClean="0"/>
+              <a:t>10</a:t>
+            </a:fld>
+            <a:endParaRPr lang="en-US" dirty="0"/>
+          </a:p>
+        </p:txBody>
+      </p:sp>
+    </p:spTree>
+    <p:extLst>
+      <p:ext uri="{BB962C8B-B14F-4D97-AF65-F5344CB8AC3E}">
+        <p14:creationId xmlns:p14="http://schemas.microsoft.com/office/powerpoint/2010/main" val="1202332735"/>
+      </p:ext>
+    </p:extLst>
+  </p:cSld>
+  <p:clrMapOvr>
+    <a:masterClrMapping/>
+  </p:clrMapOvr>
+</p:notes>
+</file>
+
+<file path=ppt/notesSlides/notesSlide11.xml><?xml version="1.0" encoding="utf-8"?>
+<p:notes xmlns:a="http://schemas.openxmlformats.org/drawingml/2006/main" xmlns:r="http://schemas.openxmlformats.org/officeDocument/2006/relationships" xmlns:p="http://schemas.openxmlformats.org/presentationml/2006/main">
+  <p:cSld>
+    <p:spTree>
+      <p:nvGrpSpPr>
+        <p:cNvPr id="1" name=""/>
+        <p:cNvGrpSpPr/>
+        <p:nvPr/>
+      </p:nvGrpSpPr>
+      <p:grpSpPr>
+        <a:xfrm>
+          <a:off x="0" y="0"/>
+          <a:ext cx="0" cy="0"/>
+          <a:chOff x="0" y="0"/>
+          <a:chExt cx="0" cy="0"/>
+        </a:xfrm>
+      </p:grpSpPr>
+      <p:sp>
+        <p:nvSpPr>
+          <p:cNvPr id="2" name="Slide Image Placeholder 1"/>
+          <p:cNvSpPr>
+            <a:spLocks noGrp="1" noRot="1" noChangeAspect="1"/>
+          </p:cNvSpPr>
+          <p:nvPr>
+            <p:ph type="sldImg"/>
+          </p:nvPr>
+        </p:nvSpPr>
+        <p:spPr>
+          <a:xfrm>
+            <a:off x="4325938" y="73025"/>
+            <a:ext cx="2466975" cy="1851025"/>
+          </a:xfrm>
+        </p:spPr>
+      </p:sp>
+      <p:sp>
+        <p:nvSpPr>
+          <p:cNvPr id="3" name="Notes Placeholder 2"/>
+          <p:cNvSpPr>
+            <a:spLocks noGrp="1"/>
+          </p:cNvSpPr>
+          <p:nvPr>
+            <p:ph type="body" idx="1"/>
+          </p:nvPr>
+        </p:nvSpPr>
+        <p:spPr/>
+        <p:txBody>
+          <a:bodyPr/>
+          <a:lstStyle/>
+          <a:p>
+            <a:endParaRPr lang="en-US"/>
+          </a:p>
+        </p:txBody>
+      </p:sp>
+      <p:sp>
+        <p:nvSpPr>
+          <p:cNvPr id="4" name="Slide Number Placeholder 3"/>
+          <p:cNvSpPr>
+            <a:spLocks noGrp="1"/>
+          </p:cNvSpPr>
+          <p:nvPr>
+            <p:ph type="sldNum" sz="quarter" idx="10"/>
+          </p:nvPr>
+        </p:nvSpPr>
+        <p:spPr/>
+        <p:txBody>
+          <a:bodyPr/>
+          <a:lstStyle/>
+          <a:p>
+            <a:fld id="{F19E9337-0361-41F3-9C17-1F4FFD1214BA}" type="slidenum">
+              <a:rPr lang="en-US" smtClean="0"/>
+              <a:t>11</a:t>
+            </a:fld>
+            <a:endParaRPr lang="en-US" dirty="0"/>
+          </a:p>
+        </p:txBody>
+      </p:sp>
+    </p:spTree>
+    <p:extLst>
+      <p:ext uri="{BB962C8B-B14F-4D97-AF65-F5344CB8AC3E}">
+        <p14:creationId xmlns:p14="http://schemas.microsoft.com/office/powerpoint/2010/main" val="2370640682"/>
+      </p:ext>
+    </p:extLst>
+  </p:cSld>
+  <p:clrMapOvr>
+    <a:masterClrMapping/>
+  </p:clrMapOvr>
+</p:notes>
+</file>
+
+<file path=ppt/notesSlides/notesSlide12.xml><?xml version="1.0" encoding="utf-8"?>
+<p:notes xmlns:a="http://schemas.openxmlformats.org/drawingml/2006/main" xmlns:r="http://schemas.openxmlformats.org/officeDocument/2006/relationships" xmlns:p="http://schemas.openxmlformats.org/presentationml/2006/main">
+  <p:cSld>
+    <p:spTree>
+      <p:nvGrpSpPr>
+        <p:cNvPr id="1" name=""/>
+        <p:cNvGrpSpPr/>
+        <p:nvPr/>
+      </p:nvGrpSpPr>
+      <p:grpSpPr>
+        <a:xfrm>
+          <a:off x="0" y="0"/>
+          <a:ext cx="0" cy="0"/>
+          <a:chOff x="0" y="0"/>
+          <a:chExt cx="0" cy="0"/>
+        </a:xfrm>
+      </p:grpSpPr>
+      <p:sp>
+        <p:nvSpPr>
+          <p:cNvPr id="2" name="Slide Image Placeholder 1"/>
+          <p:cNvSpPr>
+            <a:spLocks noGrp="1" noRot="1" noChangeAspect="1"/>
+          </p:cNvSpPr>
+          <p:nvPr>
+            <p:ph type="sldImg"/>
+          </p:nvPr>
+        </p:nvSpPr>
+        <p:spPr>
+          <a:xfrm>
+            <a:off x="4325938" y="73025"/>
+            <a:ext cx="2466975" cy="1851025"/>
+          </a:xfrm>
+        </p:spPr>
+      </p:sp>
+      <p:sp>
+        <p:nvSpPr>
+          <p:cNvPr id="3" name="Notes Placeholder 2"/>
+          <p:cNvSpPr>
+            <a:spLocks noGrp="1"/>
+          </p:cNvSpPr>
+          <p:nvPr>
+            <p:ph type="body" idx="1"/>
+          </p:nvPr>
+        </p:nvSpPr>
+        <p:spPr/>
+        <p:txBody>
+          <a:bodyPr/>
+          <a:lstStyle/>
+          <a:p>
+            <a:endParaRPr lang="en-US"/>
+          </a:p>
+        </p:txBody>
+      </p:sp>
+      <p:sp>
+        <p:nvSpPr>
+          <p:cNvPr id="4" name="Slide Number Placeholder 3"/>
+          <p:cNvSpPr>
+            <a:spLocks noGrp="1"/>
+          </p:cNvSpPr>
+          <p:nvPr>
+            <p:ph type="sldNum" sz="quarter" idx="10"/>
+          </p:nvPr>
+        </p:nvSpPr>
+        <p:spPr/>
+        <p:txBody>
+          <a:bodyPr/>
+          <a:lstStyle/>
+          <a:p>
+            <a:fld id="{F19E9337-0361-41F3-9C17-1F4FFD1214BA}" type="slidenum">
+              <a:rPr lang="en-US" smtClean="0"/>
+              <a:t>12</a:t>
+            </a:fld>
+            <a:endParaRPr lang="en-US" dirty="0"/>
+          </a:p>
+        </p:txBody>
+      </p:sp>
+    </p:spTree>
+    <p:extLst>
+      <p:ext uri="{BB962C8B-B14F-4D97-AF65-F5344CB8AC3E}">
+        <p14:creationId xmlns:p14="http://schemas.microsoft.com/office/powerpoint/2010/main" val="2877734114"/>
+      </p:ext>
+    </p:extLst>
+  </p:cSld>
+  <p:clrMapOvr>
+    <a:masterClrMapping/>
+  </p:clrMapOvr>
+</p:notes>
+</file>
+
+<file path=ppt/notesSlides/notesSlide13.xml><?xml version="1.0" encoding="utf-8"?>
+<p:notes xmlns:a="http://schemas.openxmlformats.org/drawingml/2006/main" xmlns:r="http://schemas.openxmlformats.org/officeDocument/2006/relationships" xmlns:p="http://schemas.openxmlformats.org/presentationml/2006/main">
+  <p:cSld>
+    <p:spTree>
+      <p:nvGrpSpPr>
+        <p:cNvPr id="1" name=""/>
+        <p:cNvGrpSpPr/>
+        <p:nvPr/>
+      </p:nvGrpSpPr>
+      <p:grpSpPr>
+        <a:xfrm>
+          <a:off x="0" y="0"/>
+          <a:ext cx="0" cy="0"/>
+          <a:chOff x="0" y="0"/>
+          <a:chExt cx="0" cy="0"/>
+        </a:xfrm>
+      </p:grpSpPr>
+      <p:sp>
+        <p:nvSpPr>
+          <p:cNvPr id="2" name="Slide Image Placeholder 1"/>
+          <p:cNvSpPr>
+            <a:spLocks noGrp="1" noRot="1" noChangeAspect="1"/>
+          </p:cNvSpPr>
+          <p:nvPr>
+            <p:ph type="sldImg"/>
+          </p:nvPr>
+        </p:nvSpPr>
+        <p:spPr>
+          <a:xfrm>
+            <a:off x="4325938" y="73025"/>
+            <a:ext cx="2466975" cy="1851025"/>
+          </a:xfrm>
+        </p:spPr>
+      </p:sp>
+      <p:sp>
+        <p:nvSpPr>
+          <p:cNvPr id="3" name="Notes Placeholder 2"/>
+          <p:cNvSpPr>
+            <a:spLocks noGrp="1"/>
+          </p:cNvSpPr>
+          <p:nvPr>
+            <p:ph type="body" idx="1"/>
+          </p:nvPr>
+        </p:nvSpPr>
+        <p:spPr/>
+        <p:txBody>
+          <a:bodyPr/>
+          <a:lstStyle/>
+          <a:p>
+            <a:endParaRPr lang="en-US"/>
+          </a:p>
+        </p:txBody>
+      </p:sp>
+      <p:sp>
+        <p:nvSpPr>
+          <p:cNvPr id="4" name="Slide Number Placeholder 3"/>
+          <p:cNvSpPr>
+            <a:spLocks noGrp="1"/>
+          </p:cNvSpPr>
+          <p:nvPr>
+            <p:ph type="sldNum" sz="quarter" idx="10"/>
+          </p:nvPr>
+        </p:nvSpPr>
+        <p:spPr/>
+        <p:txBody>
+          <a:bodyPr/>
+          <a:lstStyle/>
+          <a:p>
+            <a:fld id="{F19E9337-0361-41F3-9C17-1F4FFD1214BA}" type="slidenum">
+              <a:rPr lang="en-US" smtClean="0"/>
+              <a:t>13</a:t>
+            </a:fld>
+            <a:endParaRPr lang="en-US" dirty="0"/>
+          </a:p>
+        </p:txBody>
+      </p:sp>
+    </p:spTree>
+    <p:extLst>
+      <p:ext uri="{BB962C8B-B14F-4D97-AF65-F5344CB8AC3E}">
+        <p14:creationId xmlns:p14="http://schemas.microsoft.com/office/powerpoint/2010/main" val="321013850"/>
+      </p:ext>
+    </p:extLst>
+  </p:cSld>
+  <p:clrMapOvr>
+    <a:masterClrMapping/>
+  </p:clrMapOvr>
+</p:notes>
+</file>
+
+<file path=ppt/notesSlides/notesSlide14.xml><?xml version="1.0" encoding="utf-8"?>
+<p:notes xmlns:a="http://schemas.openxmlformats.org/drawingml/2006/main" xmlns:r="http://schemas.openxmlformats.org/officeDocument/2006/relationships" xmlns:p="http://schemas.openxmlformats.org/presentationml/2006/main">
+  <p:cSld>
+    <p:spTree>
+      <p:nvGrpSpPr>
+        <p:cNvPr id="1" name=""/>
+        <p:cNvGrpSpPr/>
+        <p:nvPr/>
+      </p:nvGrpSpPr>
+      <p:grpSpPr>
+        <a:xfrm>
+          <a:off x="0" y="0"/>
+          <a:ext cx="0" cy="0"/>
+          <a:chOff x="0" y="0"/>
+          <a:chExt cx="0" cy="0"/>
+        </a:xfrm>
+      </p:grpSpPr>
+      <p:sp>
+        <p:nvSpPr>
+          <p:cNvPr id="2" name="Slide Image Placeholder 1"/>
+          <p:cNvSpPr>
+            <a:spLocks noGrp="1" noRot="1" noChangeAspect="1"/>
+          </p:cNvSpPr>
+          <p:nvPr>
+            <p:ph type="sldImg"/>
+          </p:nvPr>
+        </p:nvSpPr>
+        <p:spPr>
+          <a:xfrm>
+            <a:off x="4325938" y="73025"/>
+            <a:ext cx="2466975" cy="1851025"/>
+          </a:xfrm>
+        </p:spPr>
+      </p:sp>
+      <p:sp>
+        <p:nvSpPr>
+          <p:cNvPr id="3" name="Notes Placeholder 2"/>
+          <p:cNvSpPr>
+            <a:spLocks noGrp="1"/>
+          </p:cNvSpPr>
+          <p:nvPr>
+            <p:ph type="body" idx="1"/>
+          </p:nvPr>
+        </p:nvSpPr>
+        <p:spPr/>
+        <p:txBody>
+          <a:bodyPr/>
+          <a:lstStyle/>
+          <a:p>
+            <a:endParaRPr lang="en-US"/>
+          </a:p>
+        </p:txBody>
+      </p:sp>
+      <p:sp>
+        <p:nvSpPr>
+          <p:cNvPr id="4" name="Slide Number Placeholder 3"/>
+          <p:cNvSpPr>
+            <a:spLocks noGrp="1"/>
+          </p:cNvSpPr>
+          <p:nvPr>
+            <p:ph type="sldNum" sz="quarter" idx="10"/>
+          </p:nvPr>
+        </p:nvSpPr>
+        <p:spPr/>
+        <p:txBody>
+          <a:bodyPr/>
+          <a:lstStyle/>
+          <a:p>
+            <a:fld id="{F19E9337-0361-41F3-9C17-1F4FFD1214BA}" type="slidenum">
+              <a:rPr lang="en-US" smtClean="0"/>
+              <a:t>14</a:t>
+            </a:fld>
+            <a:endParaRPr lang="en-US" dirty="0"/>
+          </a:p>
+        </p:txBody>
+      </p:sp>
+    </p:spTree>
+    <p:extLst>
+      <p:ext uri="{BB962C8B-B14F-4D97-AF65-F5344CB8AC3E}">
+        <p14:creationId xmlns:p14="http://schemas.microsoft.com/office/powerpoint/2010/main" val="2504785124"/>
+      </p:ext>
+    </p:extLst>
+  </p:cSld>
+  <p:clrMapOvr>
+    <a:masterClrMapping/>
+  </p:clrMapOvr>
+</p:notes>
+</file>
+
+<file path=ppt/notesSlides/notesSlide15.xml><?xml version="1.0" encoding="utf-8"?>
+<p:notes xmlns:a="http://schemas.openxmlformats.org/drawingml/2006/main" xmlns:r="http://schemas.openxmlformats.org/officeDocument/2006/relationships" xmlns:p="http://schemas.openxmlformats.org/presentationml/2006/main">
+  <p:cSld>
+    <p:spTree>
+      <p:nvGrpSpPr>
+        <p:cNvPr id="1" name=""/>
+        <p:cNvGrpSpPr/>
+        <p:nvPr/>
+      </p:nvGrpSpPr>
+      <p:grpSpPr>
+        <a:xfrm>
+          <a:off x="0" y="0"/>
+          <a:ext cx="0" cy="0"/>
+          <a:chOff x="0" y="0"/>
+          <a:chExt cx="0" cy="0"/>
+        </a:xfrm>
+      </p:grpSpPr>
+      <p:sp>
+        <p:nvSpPr>
+          <p:cNvPr id="2" name="Slide Image Placeholder 1"/>
+          <p:cNvSpPr>
+            <a:spLocks noGrp="1" noRot="1" noChangeAspect="1"/>
+          </p:cNvSpPr>
+          <p:nvPr>
+            <p:ph type="sldImg"/>
+          </p:nvPr>
+        </p:nvSpPr>
+        <p:spPr>
+          <a:xfrm>
+            <a:off x="4325938" y="73025"/>
+            <a:ext cx="2466975" cy="1851025"/>
+          </a:xfrm>
+        </p:spPr>
+      </p:sp>
+      <p:sp>
+        <p:nvSpPr>
+          <p:cNvPr id="3" name="Notes Placeholder 2"/>
+          <p:cNvSpPr>
+            <a:spLocks noGrp="1"/>
+          </p:cNvSpPr>
+          <p:nvPr>
+            <p:ph type="body" idx="1"/>
+          </p:nvPr>
+        </p:nvSpPr>
+        <p:spPr/>
+        <p:txBody>
+          <a:bodyPr/>
+          <a:lstStyle/>
+          <a:p>
+            <a:endParaRPr lang="en-US"/>
+          </a:p>
+        </p:txBody>
+      </p:sp>
+      <p:sp>
+        <p:nvSpPr>
+          <p:cNvPr id="4" name="Slide Number Placeholder 3"/>
+          <p:cNvSpPr>
+            <a:spLocks noGrp="1"/>
+          </p:cNvSpPr>
+          <p:nvPr>
+            <p:ph type="sldNum" sz="quarter" idx="10"/>
+          </p:nvPr>
+        </p:nvSpPr>
+        <p:spPr/>
+        <p:txBody>
+          <a:bodyPr/>
+          <a:lstStyle/>
+          <a:p>
+            <a:fld id="{F19E9337-0361-41F3-9C17-1F4FFD1214BA}" type="slidenum">
+              <a:rPr lang="en-US" smtClean="0"/>
+              <a:t>15</a:t>
+            </a:fld>
+            <a:endParaRPr lang="en-US" dirty="0"/>
+          </a:p>
+        </p:txBody>
+      </p:sp>
+    </p:spTree>
+    <p:extLst>
+      <p:ext uri="{BB962C8B-B14F-4D97-AF65-F5344CB8AC3E}">
+        <p14:creationId xmlns:p14="http://schemas.microsoft.com/office/powerpoint/2010/main" val="842283387"/>
+      </p:ext>
+    </p:extLst>
+  </p:cSld>
+  <p:clrMapOvr>
+    <a:masterClrMapping/>
+  </p:clrMapOvr>
+</p:notes>
+</file>
+
+<file path=ppt/notesSlides/notesSlide16.xml><?xml version="1.0" encoding="utf-8"?>
+<p:notes xmlns:a="http://schemas.openxmlformats.org/drawingml/2006/main" xmlns:r="http://schemas.openxmlformats.org/officeDocument/2006/relationships" xmlns:p="http://schemas.openxmlformats.org/presentationml/2006/main">
+  <p:cSld>
+    <p:spTree>
+      <p:nvGrpSpPr>
+        <p:cNvPr id="1" name=""/>
+        <p:cNvGrpSpPr/>
+        <p:nvPr/>
+      </p:nvGrpSpPr>
+      <p:grpSpPr>
+        <a:xfrm>
+          <a:off x="0" y="0"/>
+          <a:ext cx="0" cy="0"/>
+          <a:chOff x="0" y="0"/>
+          <a:chExt cx="0" cy="0"/>
+        </a:xfrm>
+      </p:grpSpPr>
+      <p:sp>
+        <p:nvSpPr>
+          <p:cNvPr id="2" name="Slide Image Placeholder 1"/>
+          <p:cNvSpPr>
+            <a:spLocks noGrp="1" noRot="1" noChangeAspect="1"/>
+          </p:cNvSpPr>
+          <p:nvPr>
+            <p:ph type="sldImg"/>
+          </p:nvPr>
+        </p:nvSpPr>
+        <p:spPr>
+          <a:xfrm>
+            <a:off x="4325938" y="73025"/>
+            <a:ext cx="2466975" cy="1851025"/>
+          </a:xfrm>
+        </p:spPr>
+      </p:sp>
+      <p:sp>
+        <p:nvSpPr>
+          <p:cNvPr id="3" name="Notes Placeholder 2"/>
+          <p:cNvSpPr>
+            <a:spLocks noGrp="1"/>
+          </p:cNvSpPr>
+          <p:nvPr>
+            <p:ph type="body" idx="1"/>
+          </p:nvPr>
+        </p:nvSpPr>
+        <p:spPr/>
+        <p:txBody>
+          <a:bodyPr/>
+          <a:lstStyle/>
+          <a:p>
+            <a:endParaRPr lang="en-US"/>
+          </a:p>
+        </p:txBody>
+      </p:sp>
+      <p:sp>
+        <p:nvSpPr>
+          <p:cNvPr id="4" name="Slide Number Placeholder 3"/>
+          <p:cNvSpPr>
+            <a:spLocks noGrp="1"/>
+          </p:cNvSpPr>
+          <p:nvPr>
+            <p:ph type="sldNum" sz="quarter" idx="10"/>
+          </p:nvPr>
+        </p:nvSpPr>
+        <p:spPr/>
+        <p:txBody>
+          <a:bodyPr/>
+          <a:lstStyle/>
+          <a:p>
+            <a:fld id="{F19E9337-0361-41F3-9C17-1F4FFD1214BA}" type="slidenum">
+              <a:rPr lang="en-US" smtClean="0"/>
+              <a:t>16</a:t>
+            </a:fld>
+            <a:endParaRPr lang="en-US" dirty="0"/>
+          </a:p>
+        </p:txBody>
+      </p:sp>
+    </p:spTree>
+    <p:extLst>
+      <p:ext uri="{BB962C8B-B14F-4D97-AF65-F5344CB8AC3E}">
+        <p14:creationId xmlns:p14="http://schemas.microsoft.com/office/powerpoint/2010/main" val="2312306634"/>
+      </p:ext>
+    </p:extLst>
+  </p:cSld>
+  <p:clrMapOvr>
+    <a:masterClrMapping/>
+  </p:clrMapOvr>
+</p:notes>
+</file>
+
+<file path=ppt/notesSlides/notesSlide17.xml><?xml version="1.0" encoding="utf-8"?>
+<p:notes xmlns:a="http://schemas.openxmlformats.org/drawingml/2006/main" xmlns:r="http://schemas.openxmlformats.org/officeDocument/2006/relationships" xmlns:p="http://schemas.openxmlformats.org/presentationml/2006/main">
+  <p:cSld>
+    <p:spTree>
+      <p:nvGrpSpPr>
+        <p:cNvPr id="1" name=""/>
+        <p:cNvGrpSpPr/>
+        <p:nvPr/>
+      </p:nvGrpSpPr>
+      <p:grpSpPr>
+        <a:xfrm>
+          <a:off x="0" y="0"/>
+          <a:ext cx="0" cy="0"/>
+          <a:chOff x="0" y="0"/>
+          <a:chExt cx="0" cy="0"/>
+        </a:xfrm>
+      </p:grpSpPr>
+      <p:sp>
+        <p:nvSpPr>
+          <p:cNvPr id="2" name="Slide Image Placeholder 1"/>
+          <p:cNvSpPr>
+            <a:spLocks noGrp="1" noRot="1" noChangeAspect="1"/>
+          </p:cNvSpPr>
+          <p:nvPr>
+            <p:ph type="sldImg"/>
+          </p:nvPr>
+        </p:nvSpPr>
+        <p:spPr>
+          <a:xfrm>
+            <a:off x="4325938" y="73025"/>
+            <a:ext cx="2466975" cy="1851025"/>
+          </a:xfrm>
+        </p:spPr>
+      </p:sp>
+      <p:sp>
+        <p:nvSpPr>
+          <p:cNvPr id="3" name="Notes Placeholder 2"/>
+          <p:cNvSpPr>
+            <a:spLocks noGrp="1"/>
+          </p:cNvSpPr>
+          <p:nvPr>
+            <p:ph type="body" idx="1"/>
+          </p:nvPr>
+        </p:nvSpPr>
+        <p:spPr/>
+        <p:txBody>
+          <a:bodyPr/>
+          <a:lstStyle/>
+          <a:p>
+            <a:endParaRPr lang="en-US"/>
+          </a:p>
+        </p:txBody>
+      </p:sp>
+      <p:sp>
+        <p:nvSpPr>
+          <p:cNvPr id="4" name="Slide Number Placeholder 3"/>
+          <p:cNvSpPr>
+            <a:spLocks noGrp="1"/>
+          </p:cNvSpPr>
+          <p:nvPr>
+            <p:ph type="sldNum" sz="quarter" idx="10"/>
+          </p:nvPr>
+        </p:nvSpPr>
+        <p:spPr/>
+        <p:txBody>
+          <a:bodyPr/>
+          <a:lstStyle/>
+          <a:p>
+            <a:fld id="{F19E9337-0361-41F3-9C17-1F4FFD1214BA}" type="slidenum">
+              <a:rPr lang="en-US" smtClean="0"/>
+              <a:t>17</a:t>
+            </a:fld>
+            <a:endParaRPr lang="en-US" dirty="0"/>
+          </a:p>
+        </p:txBody>
+      </p:sp>
+    </p:spTree>
+    <p:extLst>
+      <p:ext uri="{BB962C8B-B14F-4D97-AF65-F5344CB8AC3E}">
+        <p14:creationId xmlns:p14="http://schemas.microsoft.com/office/powerpoint/2010/main" val="1739143907"/>
+      </p:ext>
+    </p:extLst>
+  </p:cSld>
+  <p:clrMapOvr>
+    <a:masterClrMapping/>
+  </p:clrMapOvr>
+</p:notes>
+</file>
+
+<file path=ppt/notesSlides/notesSlide18.xml><?xml version="1.0" encoding="utf-8"?>
+<p:notes xmlns:a="http://schemas.openxmlformats.org/drawingml/2006/main" xmlns:r="http://schemas.openxmlformats.org/officeDocument/2006/relationships" xmlns:p="http://schemas.openxmlformats.org/presentationml/2006/main">
+  <p:cSld>
+    <p:spTree>
+      <p:nvGrpSpPr>
+        <p:cNvPr id="1" name=""/>
+        <p:cNvGrpSpPr/>
+        <p:nvPr/>
+      </p:nvGrpSpPr>
+      <p:grpSpPr>
+        <a:xfrm>
+          <a:off x="0" y="0"/>
+          <a:ext cx="0" cy="0"/>
+          <a:chOff x="0" y="0"/>
+          <a:chExt cx="0" cy="0"/>
+        </a:xfrm>
+      </p:grpSpPr>
+      <p:sp>
+        <p:nvSpPr>
+          <p:cNvPr id="2" name="Slide Image Placeholder 1"/>
+          <p:cNvSpPr>
+            <a:spLocks noGrp="1" noRot="1" noChangeAspect="1"/>
+          </p:cNvSpPr>
+          <p:nvPr>
+            <p:ph type="sldImg"/>
+          </p:nvPr>
+        </p:nvSpPr>
+        <p:spPr>
+          <a:xfrm>
+            <a:off x="4325938" y="73025"/>
+            <a:ext cx="2466975" cy="1851025"/>
+          </a:xfrm>
+        </p:spPr>
+      </p:sp>
+      <p:sp>
+        <p:nvSpPr>
+          <p:cNvPr id="3" name="Notes Placeholder 2"/>
+          <p:cNvSpPr>
+            <a:spLocks noGrp="1"/>
+          </p:cNvSpPr>
+          <p:nvPr>
+            <p:ph type="body" idx="1"/>
+          </p:nvPr>
+        </p:nvSpPr>
+        <p:spPr/>
+        <p:txBody>
+          <a:bodyPr/>
+          <a:lstStyle/>
+          <a:p>
+            <a:endParaRPr lang="en-US"/>
+          </a:p>
+        </p:txBody>
+      </p:sp>
+      <p:sp>
+        <p:nvSpPr>
+          <p:cNvPr id="4" name="Slide Number Placeholder 3"/>
+          <p:cNvSpPr>
+            <a:spLocks noGrp="1"/>
+          </p:cNvSpPr>
+          <p:nvPr>
+            <p:ph type="sldNum" sz="quarter" idx="10"/>
+          </p:nvPr>
+        </p:nvSpPr>
+        <p:spPr/>
+        <p:txBody>
+          <a:bodyPr/>
+          <a:lstStyle/>
+          <a:p>
+            <a:fld id="{F19E9337-0361-41F3-9C17-1F4FFD1214BA}" type="slidenum">
+              <a:rPr lang="en-US" smtClean="0"/>
+              <a:t>18</a:t>
+            </a:fld>
+            <a:endParaRPr lang="en-US" dirty="0"/>
+          </a:p>
+        </p:txBody>
+      </p:sp>
+    </p:spTree>
+    <p:extLst>
+      <p:ext uri="{BB962C8B-B14F-4D97-AF65-F5344CB8AC3E}">
+        <p14:creationId xmlns:p14="http://schemas.microsoft.com/office/powerpoint/2010/main" val="3458029675"/>
+      </p:ext>
+    </p:extLst>
+  </p:cSld>
+  <p:clrMapOvr>
+    <a:masterClrMapping/>
+  </p:clrMapOvr>
+</p:notes>
+</file>
+
+<file path=ppt/notesSlides/notesSlide19.xml><?xml version="1.0" encoding="utf-8"?>
+<p:notes xmlns:a="http://schemas.openxmlformats.org/drawingml/2006/main" xmlns:r="http://schemas.openxmlformats.org/officeDocument/2006/relationships" xmlns:p="http://schemas.openxmlformats.org/presentationml/2006/main">
+  <p:cSld>
+    <p:spTree>
+      <p:nvGrpSpPr>
+        <p:cNvPr id="1" name=""/>
+        <p:cNvGrpSpPr/>
+        <p:nvPr/>
+      </p:nvGrpSpPr>
+      <p:grpSpPr>
+        <a:xfrm>
+          <a:off x="0" y="0"/>
+          <a:ext cx="0" cy="0"/>
+          <a:chOff x="0" y="0"/>
+          <a:chExt cx="0" cy="0"/>
+        </a:xfrm>
+      </p:grpSpPr>
+      <p:sp>
+        <p:nvSpPr>
+          <p:cNvPr id="2" name="Slide Image Placeholder 1"/>
+          <p:cNvSpPr>
+            <a:spLocks noGrp="1" noRot="1" noChangeAspect="1"/>
+          </p:cNvSpPr>
+          <p:nvPr>
+            <p:ph type="sldImg"/>
+          </p:nvPr>
+        </p:nvSpPr>
+        <p:spPr>
+          <a:xfrm>
+            <a:off x="4325938" y="73025"/>
+            <a:ext cx="2466975" cy="1851025"/>
+          </a:xfrm>
+        </p:spPr>
+      </p:sp>
+      <p:sp>
+        <p:nvSpPr>
+          <p:cNvPr id="3" name="Notes Placeholder 2"/>
+          <p:cNvSpPr>
+            <a:spLocks noGrp="1"/>
+          </p:cNvSpPr>
+          <p:nvPr>
+            <p:ph type="body" idx="1"/>
+          </p:nvPr>
+        </p:nvSpPr>
+        <p:spPr/>
+        <p:txBody>
+          <a:bodyPr/>
+          <a:lstStyle/>
+          <a:p>
+            <a:endParaRPr lang="en-US"/>
+          </a:p>
+        </p:txBody>
+      </p:sp>
+      <p:sp>
+        <p:nvSpPr>
+          <p:cNvPr id="4" name="Slide Number Placeholder 3"/>
+          <p:cNvSpPr>
+            <a:spLocks noGrp="1"/>
+          </p:cNvSpPr>
+          <p:nvPr>
+            <p:ph type="sldNum" sz="quarter" idx="10"/>
+          </p:nvPr>
+        </p:nvSpPr>
+        <p:spPr/>
+        <p:txBody>
+          <a:bodyPr/>
+          <a:lstStyle/>
+          <a:p>
+            <a:fld id="{F19E9337-0361-41F3-9C17-1F4FFD1214BA}" type="slidenum">
+              <a:rPr lang="en-US" smtClean="0"/>
+              <a:t>19</a:t>
+            </a:fld>
+            <a:endParaRPr lang="en-US" dirty="0"/>
+          </a:p>
+        </p:txBody>
+      </p:sp>
+    </p:spTree>
+    <p:extLst>
+      <p:ext uri="{BB962C8B-B14F-4D97-AF65-F5344CB8AC3E}">
+        <p14:creationId xmlns:p14="http://schemas.microsoft.com/office/powerpoint/2010/main" val="3856776382"/>
+      </p:ext>
+    </p:extLst>
+  </p:cSld>
+  <p:clrMapOvr>
+    <a:masterClrMapping/>
+  </p:clrMapOvr>
+</p:notes>
+</file>
+
 <file path=ppt/notesSlides/notesSlide2.xml><?xml version="1.0" encoding="utf-8"?>
 <p:notes xmlns:a="http://schemas.openxmlformats.org/drawingml/2006/main" xmlns:r="http://schemas.openxmlformats.org/officeDocument/2006/relationships" xmlns:p="http://schemas.openxmlformats.org/presentationml/2006/main">
   <p:cSld>
@@ -7799,6 +8684,896 @@
     <p:extLst>
       <p:ext uri="{BB962C8B-B14F-4D97-AF65-F5344CB8AC3E}">
         <p14:creationId xmlns:p14="http://schemas.microsoft.com/office/powerpoint/2010/main" val="1100409942"/>
+      </p:ext>
+    </p:extLst>
+  </p:cSld>
+  <p:clrMapOvr>
+    <a:masterClrMapping/>
+  </p:clrMapOvr>
+</p:notes>
+</file>
+
+<file path=ppt/notesSlides/notesSlide20.xml><?xml version="1.0" encoding="utf-8"?>
+<p:notes xmlns:a="http://schemas.openxmlformats.org/drawingml/2006/main" xmlns:r="http://schemas.openxmlformats.org/officeDocument/2006/relationships" xmlns:p="http://schemas.openxmlformats.org/presentationml/2006/main">
+  <p:cSld>
+    <p:spTree>
+      <p:nvGrpSpPr>
+        <p:cNvPr id="1" name=""/>
+        <p:cNvGrpSpPr/>
+        <p:nvPr/>
+      </p:nvGrpSpPr>
+      <p:grpSpPr>
+        <a:xfrm>
+          <a:off x="0" y="0"/>
+          <a:ext cx="0" cy="0"/>
+          <a:chOff x="0" y="0"/>
+          <a:chExt cx="0" cy="0"/>
+        </a:xfrm>
+      </p:grpSpPr>
+      <p:sp>
+        <p:nvSpPr>
+          <p:cNvPr id="2" name="Slide Image Placeholder 1"/>
+          <p:cNvSpPr>
+            <a:spLocks noGrp="1" noRot="1" noChangeAspect="1"/>
+          </p:cNvSpPr>
+          <p:nvPr>
+            <p:ph type="sldImg"/>
+          </p:nvPr>
+        </p:nvSpPr>
+        <p:spPr>
+          <a:xfrm>
+            <a:off x="4325938" y="73025"/>
+            <a:ext cx="2466975" cy="1851025"/>
+          </a:xfrm>
+        </p:spPr>
+      </p:sp>
+      <p:sp>
+        <p:nvSpPr>
+          <p:cNvPr id="3" name="Notes Placeholder 2"/>
+          <p:cNvSpPr>
+            <a:spLocks noGrp="1"/>
+          </p:cNvSpPr>
+          <p:nvPr>
+            <p:ph type="body" idx="1"/>
+          </p:nvPr>
+        </p:nvSpPr>
+        <p:spPr/>
+        <p:txBody>
+          <a:bodyPr/>
+          <a:lstStyle/>
+          <a:p>
+            <a:endParaRPr lang="en-US"/>
+          </a:p>
+        </p:txBody>
+      </p:sp>
+      <p:sp>
+        <p:nvSpPr>
+          <p:cNvPr id="4" name="Slide Number Placeholder 3"/>
+          <p:cNvSpPr>
+            <a:spLocks noGrp="1"/>
+          </p:cNvSpPr>
+          <p:nvPr>
+            <p:ph type="sldNum" sz="quarter" idx="10"/>
+          </p:nvPr>
+        </p:nvSpPr>
+        <p:spPr/>
+        <p:txBody>
+          <a:bodyPr/>
+          <a:lstStyle/>
+          <a:p>
+            <a:fld id="{F19E9337-0361-41F3-9C17-1F4FFD1214BA}" type="slidenum">
+              <a:rPr lang="en-US" smtClean="0"/>
+              <a:t>20</a:t>
+            </a:fld>
+            <a:endParaRPr lang="en-US" dirty="0"/>
+          </a:p>
+        </p:txBody>
+      </p:sp>
+    </p:spTree>
+    <p:extLst>
+      <p:ext uri="{BB962C8B-B14F-4D97-AF65-F5344CB8AC3E}">
+        <p14:creationId xmlns:p14="http://schemas.microsoft.com/office/powerpoint/2010/main" val="4236399341"/>
+      </p:ext>
+    </p:extLst>
+  </p:cSld>
+  <p:clrMapOvr>
+    <a:masterClrMapping/>
+  </p:clrMapOvr>
+</p:notes>
+</file>
+
+<file path=ppt/notesSlides/notesSlide21.xml><?xml version="1.0" encoding="utf-8"?>
+<p:notes xmlns:a="http://schemas.openxmlformats.org/drawingml/2006/main" xmlns:r="http://schemas.openxmlformats.org/officeDocument/2006/relationships" xmlns:p="http://schemas.openxmlformats.org/presentationml/2006/main">
+  <p:cSld>
+    <p:spTree>
+      <p:nvGrpSpPr>
+        <p:cNvPr id="1" name=""/>
+        <p:cNvGrpSpPr/>
+        <p:nvPr/>
+      </p:nvGrpSpPr>
+      <p:grpSpPr>
+        <a:xfrm>
+          <a:off x="0" y="0"/>
+          <a:ext cx="0" cy="0"/>
+          <a:chOff x="0" y="0"/>
+          <a:chExt cx="0" cy="0"/>
+        </a:xfrm>
+      </p:grpSpPr>
+      <p:sp>
+        <p:nvSpPr>
+          <p:cNvPr id="2" name="Slide Image Placeholder 1"/>
+          <p:cNvSpPr>
+            <a:spLocks noGrp="1" noRot="1" noChangeAspect="1"/>
+          </p:cNvSpPr>
+          <p:nvPr>
+            <p:ph type="sldImg"/>
+          </p:nvPr>
+        </p:nvSpPr>
+        <p:spPr>
+          <a:xfrm>
+            <a:off x="4325938" y="73025"/>
+            <a:ext cx="2466975" cy="1851025"/>
+          </a:xfrm>
+        </p:spPr>
+      </p:sp>
+      <p:sp>
+        <p:nvSpPr>
+          <p:cNvPr id="3" name="Notes Placeholder 2"/>
+          <p:cNvSpPr>
+            <a:spLocks noGrp="1"/>
+          </p:cNvSpPr>
+          <p:nvPr>
+            <p:ph type="body" idx="1"/>
+          </p:nvPr>
+        </p:nvSpPr>
+        <p:spPr/>
+        <p:txBody>
+          <a:bodyPr/>
+          <a:lstStyle/>
+          <a:p>
+            <a:endParaRPr lang="en-US"/>
+          </a:p>
+        </p:txBody>
+      </p:sp>
+      <p:sp>
+        <p:nvSpPr>
+          <p:cNvPr id="4" name="Slide Number Placeholder 3"/>
+          <p:cNvSpPr>
+            <a:spLocks noGrp="1"/>
+          </p:cNvSpPr>
+          <p:nvPr>
+            <p:ph type="sldNum" sz="quarter" idx="10"/>
+          </p:nvPr>
+        </p:nvSpPr>
+        <p:spPr/>
+        <p:txBody>
+          <a:bodyPr/>
+          <a:lstStyle/>
+          <a:p>
+            <a:fld id="{F19E9337-0361-41F3-9C17-1F4FFD1214BA}" type="slidenum">
+              <a:rPr lang="en-US" smtClean="0"/>
+              <a:t>21</a:t>
+            </a:fld>
+            <a:endParaRPr lang="en-US" dirty="0"/>
+          </a:p>
+        </p:txBody>
+      </p:sp>
+    </p:spTree>
+    <p:extLst>
+      <p:ext uri="{BB962C8B-B14F-4D97-AF65-F5344CB8AC3E}">
+        <p14:creationId xmlns:p14="http://schemas.microsoft.com/office/powerpoint/2010/main" val="2312366050"/>
+      </p:ext>
+    </p:extLst>
+  </p:cSld>
+  <p:clrMapOvr>
+    <a:masterClrMapping/>
+  </p:clrMapOvr>
+</p:notes>
+</file>
+
+<file path=ppt/notesSlides/notesSlide22.xml><?xml version="1.0" encoding="utf-8"?>
+<p:notes xmlns:a="http://schemas.openxmlformats.org/drawingml/2006/main" xmlns:r="http://schemas.openxmlformats.org/officeDocument/2006/relationships" xmlns:p="http://schemas.openxmlformats.org/presentationml/2006/main">
+  <p:cSld>
+    <p:spTree>
+      <p:nvGrpSpPr>
+        <p:cNvPr id="1" name=""/>
+        <p:cNvGrpSpPr/>
+        <p:nvPr/>
+      </p:nvGrpSpPr>
+      <p:grpSpPr>
+        <a:xfrm>
+          <a:off x="0" y="0"/>
+          <a:ext cx="0" cy="0"/>
+          <a:chOff x="0" y="0"/>
+          <a:chExt cx="0" cy="0"/>
+        </a:xfrm>
+      </p:grpSpPr>
+      <p:sp>
+        <p:nvSpPr>
+          <p:cNvPr id="2" name="Slide Image Placeholder 1"/>
+          <p:cNvSpPr>
+            <a:spLocks noGrp="1" noRot="1" noChangeAspect="1"/>
+          </p:cNvSpPr>
+          <p:nvPr>
+            <p:ph type="sldImg"/>
+          </p:nvPr>
+        </p:nvSpPr>
+        <p:spPr>
+          <a:xfrm>
+            <a:off x="4325938" y="73025"/>
+            <a:ext cx="2466975" cy="1851025"/>
+          </a:xfrm>
+        </p:spPr>
+      </p:sp>
+      <p:sp>
+        <p:nvSpPr>
+          <p:cNvPr id="3" name="Notes Placeholder 2"/>
+          <p:cNvSpPr>
+            <a:spLocks noGrp="1"/>
+          </p:cNvSpPr>
+          <p:nvPr>
+            <p:ph type="body" idx="1"/>
+          </p:nvPr>
+        </p:nvSpPr>
+        <p:spPr/>
+        <p:txBody>
+          <a:bodyPr/>
+          <a:lstStyle/>
+          <a:p>
+            <a:endParaRPr lang="en-US"/>
+          </a:p>
+        </p:txBody>
+      </p:sp>
+      <p:sp>
+        <p:nvSpPr>
+          <p:cNvPr id="4" name="Slide Number Placeholder 3"/>
+          <p:cNvSpPr>
+            <a:spLocks noGrp="1"/>
+          </p:cNvSpPr>
+          <p:nvPr>
+            <p:ph type="sldNum" sz="quarter" idx="10"/>
+          </p:nvPr>
+        </p:nvSpPr>
+        <p:spPr/>
+        <p:txBody>
+          <a:bodyPr/>
+          <a:lstStyle/>
+          <a:p>
+            <a:fld id="{F19E9337-0361-41F3-9C17-1F4FFD1214BA}" type="slidenum">
+              <a:rPr lang="en-US" smtClean="0"/>
+              <a:t>22</a:t>
+            </a:fld>
+            <a:endParaRPr lang="en-US" dirty="0"/>
+          </a:p>
+        </p:txBody>
+      </p:sp>
+    </p:spTree>
+    <p:extLst>
+      <p:ext uri="{BB962C8B-B14F-4D97-AF65-F5344CB8AC3E}">
+        <p14:creationId xmlns:p14="http://schemas.microsoft.com/office/powerpoint/2010/main" val="1041892802"/>
+      </p:ext>
+    </p:extLst>
+  </p:cSld>
+  <p:clrMapOvr>
+    <a:masterClrMapping/>
+  </p:clrMapOvr>
+</p:notes>
+</file>
+
+<file path=ppt/notesSlides/notesSlide23.xml><?xml version="1.0" encoding="utf-8"?>
+<p:notes xmlns:a="http://schemas.openxmlformats.org/drawingml/2006/main" xmlns:r="http://schemas.openxmlformats.org/officeDocument/2006/relationships" xmlns:p="http://schemas.openxmlformats.org/presentationml/2006/main">
+  <p:cSld>
+    <p:spTree>
+      <p:nvGrpSpPr>
+        <p:cNvPr id="1" name=""/>
+        <p:cNvGrpSpPr/>
+        <p:nvPr/>
+      </p:nvGrpSpPr>
+      <p:grpSpPr>
+        <a:xfrm>
+          <a:off x="0" y="0"/>
+          <a:ext cx="0" cy="0"/>
+          <a:chOff x="0" y="0"/>
+          <a:chExt cx="0" cy="0"/>
+        </a:xfrm>
+      </p:grpSpPr>
+      <p:sp>
+        <p:nvSpPr>
+          <p:cNvPr id="2" name="Slide Image Placeholder 1"/>
+          <p:cNvSpPr>
+            <a:spLocks noGrp="1" noRot="1" noChangeAspect="1"/>
+          </p:cNvSpPr>
+          <p:nvPr>
+            <p:ph type="sldImg"/>
+          </p:nvPr>
+        </p:nvSpPr>
+        <p:spPr>
+          <a:xfrm>
+            <a:off x="4325938" y="73025"/>
+            <a:ext cx="2466975" cy="1851025"/>
+          </a:xfrm>
+        </p:spPr>
+      </p:sp>
+      <p:sp>
+        <p:nvSpPr>
+          <p:cNvPr id="3" name="Notes Placeholder 2"/>
+          <p:cNvSpPr>
+            <a:spLocks noGrp="1"/>
+          </p:cNvSpPr>
+          <p:nvPr>
+            <p:ph type="body" idx="1"/>
+          </p:nvPr>
+        </p:nvSpPr>
+        <p:spPr/>
+        <p:txBody>
+          <a:bodyPr/>
+          <a:lstStyle/>
+          <a:p>
+            <a:endParaRPr lang="en-US"/>
+          </a:p>
+        </p:txBody>
+      </p:sp>
+      <p:sp>
+        <p:nvSpPr>
+          <p:cNvPr id="4" name="Slide Number Placeholder 3"/>
+          <p:cNvSpPr>
+            <a:spLocks noGrp="1"/>
+          </p:cNvSpPr>
+          <p:nvPr>
+            <p:ph type="sldNum" sz="quarter" idx="10"/>
+          </p:nvPr>
+        </p:nvSpPr>
+        <p:spPr/>
+        <p:txBody>
+          <a:bodyPr/>
+          <a:lstStyle/>
+          <a:p>
+            <a:fld id="{F19E9337-0361-41F3-9C17-1F4FFD1214BA}" type="slidenum">
+              <a:rPr lang="en-US" smtClean="0"/>
+              <a:t>23</a:t>
+            </a:fld>
+            <a:endParaRPr lang="en-US" dirty="0"/>
+          </a:p>
+        </p:txBody>
+      </p:sp>
+    </p:spTree>
+    <p:extLst>
+      <p:ext uri="{BB962C8B-B14F-4D97-AF65-F5344CB8AC3E}">
+        <p14:creationId xmlns:p14="http://schemas.microsoft.com/office/powerpoint/2010/main" val="4099177349"/>
+      </p:ext>
+    </p:extLst>
+  </p:cSld>
+  <p:clrMapOvr>
+    <a:masterClrMapping/>
+  </p:clrMapOvr>
+</p:notes>
+</file>
+
+<file path=ppt/notesSlides/notesSlide24.xml><?xml version="1.0" encoding="utf-8"?>
+<p:notes xmlns:a="http://schemas.openxmlformats.org/drawingml/2006/main" xmlns:r="http://schemas.openxmlformats.org/officeDocument/2006/relationships" xmlns:p="http://schemas.openxmlformats.org/presentationml/2006/main">
+  <p:cSld>
+    <p:spTree>
+      <p:nvGrpSpPr>
+        <p:cNvPr id="1" name=""/>
+        <p:cNvGrpSpPr/>
+        <p:nvPr/>
+      </p:nvGrpSpPr>
+      <p:grpSpPr>
+        <a:xfrm>
+          <a:off x="0" y="0"/>
+          <a:ext cx="0" cy="0"/>
+          <a:chOff x="0" y="0"/>
+          <a:chExt cx="0" cy="0"/>
+        </a:xfrm>
+      </p:grpSpPr>
+      <p:sp>
+        <p:nvSpPr>
+          <p:cNvPr id="2" name="Slide Image Placeholder 1"/>
+          <p:cNvSpPr>
+            <a:spLocks noGrp="1" noRot="1" noChangeAspect="1"/>
+          </p:cNvSpPr>
+          <p:nvPr>
+            <p:ph type="sldImg"/>
+          </p:nvPr>
+        </p:nvSpPr>
+        <p:spPr>
+          <a:xfrm>
+            <a:off x="4325938" y="73025"/>
+            <a:ext cx="2466975" cy="1851025"/>
+          </a:xfrm>
+        </p:spPr>
+      </p:sp>
+      <p:sp>
+        <p:nvSpPr>
+          <p:cNvPr id="3" name="Notes Placeholder 2"/>
+          <p:cNvSpPr>
+            <a:spLocks noGrp="1"/>
+          </p:cNvSpPr>
+          <p:nvPr>
+            <p:ph type="body" idx="1"/>
+          </p:nvPr>
+        </p:nvSpPr>
+        <p:spPr/>
+        <p:txBody>
+          <a:bodyPr/>
+          <a:lstStyle/>
+          <a:p>
+            <a:endParaRPr lang="en-US"/>
+          </a:p>
+        </p:txBody>
+      </p:sp>
+      <p:sp>
+        <p:nvSpPr>
+          <p:cNvPr id="4" name="Slide Number Placeholder 3"/>
+          <p:cNvSpPr>
+            <a:spLocks noGrp="1"/>
+          </p:cNvSpPr>
+          <p:nvPr>
+            <p:ph type="sldNum" sz="quarter" idx="10"/>
+          </p:nvPr>
+        </p:nvSpPr>
+        <p:spPr/>
+        <p:txBody>
+          <a:bodyPr/>
+          <a:lstStyle/>
+          <a:p>
+            <a:fld id="{F19E9337-0361-41F3-9C17-1F4FFD1214BA}" type="slidenum">
+              <a:rPr lang="en-US" smtClean="0"/>
+              <a:t>24</a:t>
+            </a:fld>
+            <a:endParaRPr lang="en-US" dirty="0"/>
+          </a:p>
+        </p:txBody>
+      </p:sp>
+    </p:spTree>
+    <p:extLst>
+      <p:ext uri="{BB962C8B-B14F-4D97-AF65-F5344CB8AC3E}">
+        <p14:creationId xmlns:p14="http://schemas.microsoft.com/office/powerpoint/2010/main" val="3407890676"/>
+      </p:ext>
+    </p:extLst>
+  </p:cSld>
+  <p:clrMapOvr>
+    <a:masterClrMapping/>
+  </p:clrMapOvr>
+</p:notes>
+</file>
+
+<file path=ppt/notesSlides/notesSlide25.xml><?xml version="1.0" encoding="utf-8"?>
+<p:notes xmlns:a="http://schemas.openxmlformats.org/drawingml/2006/main" xmlns:r="http://schemas.openxmlformats.org/officeDocument/2006/relationships" xmlns:p="http://schemas.openxmlformats.org/presentationml/2006/main">
+  <p:cSld>
+    <p:spTree>
+      <p:nvGrpSpPr>
+        <p:cNvPr id="1" name=""/>
+        <p:cNvGrpSpPr/>
+        <p:nvPr/>
+      </p:nvGrpSpPr>
+      <p:grpSpPr>
+        <a:xfrm>
+          <a:off x="0" y="0"/>
+          <a:ext cx="0" cy="0"/>
+          <a:chOff x="0" y="0"/>
+          <a:chExt cx="0" cy="0"/>
+        </a:xfrm>
+      </p:grpSpPr>
+      <p:sp>
+        <p:nvSpPr>
+          <p:cNvPr id="2" name="Slide Image Placeholder 1"/>
+          <p:cNvSpPr>
+            <a:spLocks noGrp="1" noRot="1" noChangeAspect="1"/>
+          </p:cNvSpPr>
+          <p:nvPr>
+            <p:ph type="sldImg"/>
+          </p:nvPr>
+        </p:nvSpPr>
+        <p:spPr>
+          <a:xfrm>
+            <a:off x="4325938" y="73025"/>
+            <a:ext cx="2466975" cy="1851025"/>
+          </a:xfrm>
+        </p:spPr>
+      </p:sp>
+      <p:sp>
+        <p:nvSpPr>
+          <p:cNvPr id="3" name="Notes Placeholder 2"/>
+          <p:cNvSpPr>
+            <a:spLocks noGrp="1"/>
+          </p:cNvSpPr>
+          <p:nvPr>
+            <p:ph type="body" idx="1"/>
+          </p:nvPr>
+        </p:nvSpPr>
+        <p:spPr/>
+        <p:txBody>
+          <a:bodyPr/>
+          <a:lstStyle/>
+          <a:p>
+            <a:endParaRPr lang="en-US"/>
+          </a:p>
+        </p:txBody>
+      </p:sp>
+      <p:sp>
+        <p:nvSpPr>
+          <p:cNvPr id="4" name="Slide Number Placeholder 3"/>
+          <p:cNvSpPr>
+            <a:spLocks noGrp="1"/>
+          </p:cNvSpPr>
+          <p:nvPr>
+            <p:ph type="sldNum" sz="quarter" idx="10"/>
+          </p:nvPr>
+        </p:nvSpPr>
+        <p:spPr/>
+        <p:txBody>
+          <a:bodyPr/>
+          <a:lstStyle/>
+          <a:p>
+            <a:fld id="{F19E9337-0361-41F3-9C17-1F4FFD1214BA}" type="slidenum">
+              <a:rPr lang="en-US" smtClean="0"/>
+              <a:t>25</a:t>
+            </a:fld>
+            <a:endParaRPr lang="en-US" dirty="0"/>
+          </a:p>
+        </p:txBody>
+      </p:sp>
+    </p:spTree>
+    <p:extLst>
+      <p:ext uri="{BB962C8B-B14F-4D97-AF65-F5344CB8AC3E}">
+        <p14:creationId xmlns:p14="http://schemas.microsoft.com/office/powerpoint/2010/main" val="4205241877"/>
+      </p:ext>
+    </p:extLst>
+  </p:cSld>
+  <p:clrMapOvr>
+    <a:masterClrMapping/>
+  </p:clrMapOvr>
+</p:notes>
+</file>
+
+<file path=ppt/notesSlides/notesSlide26.xml><?xml version="1.0" encoding="utf-8"?>
+<p:notes xmlns:a="http://schemas.openxmlformats.org/drawingml/2006/main" xmlns:r="http://schemas.openxmlformats.org/officeDocument/2006/relationships" xmlns:p="http://schemas.openxmlformats.org/presentationml/2006/main">
+  <p:cSld>
+    <p:spTree>
+      <p:nvGrpSpPr>
+        <p:cNvPr id="1" name=""/>
+        <p:cNvGrpSpPr/>
+        <p:nvPr/>
+      </p:nvGrpSpPr>
+      <p:grpSpPr>
+        <a:xfrm>
+          <a:off x="0" y="0"/>
+          <a:ext cx="0" cy="0"/>
+          <a:chOff x="0" y="0"/>
+          <a:chExt cx="0" cy="0"/>
+        </a:xfrm>
+      </p:grpSpPr>
+      <p:sp>
+        <p:nvSpPr>
+          <p:cNvPr id="2" name="Slide Image Placeholder 1"/>
+          <p:cNvSpPr>
+            <a:spLocks noGrp="1" noRot="1" noChangeAspect="1"/>
+          </p:cNvSpPr>
+          <p:nvPr>
+            <p:ph type="sldImg"/>
+          </p:nvPr>
+        </p:nvSpPr>
+        <p:spPr>
+          <a:xfrm>
+            <a:off x="4325938" y="73025"/>
+            <a:ext cx="2466975" cy="1851025"/>
+          </a:xfrm>
+        </p:spPr>
+      </p:sp>
+      <p:sp>
+        <p:nvSpPr>
+          <p:cNvPr id="3" name="Notes Placeholder 2"/>
+          <p:cNvSpPr>
+            <a:spLocks noGrp="1"/>
+          </p:cNvSpPr>
+          <p:nvPr>
+            <p:ph type="body" idx="1"/>
+          </p:nvPr>
+        </p:nvSpPr>
+        <p:spPr/>
+        <p:txBody>
+          <a:bodyPr/>
+          <a:lstStyle/>
+          <a:p>
+            <a:endParaRPr lang="en-US"/>
+          </a:p>
+        </p:txBody>
+      </p:sp>
+      <p:sp>
+        <p:nvSpPr>
+          <p:cNvPr id="4" name="Slide Number Placeholder 3"/>
+          <p:cNvSpPr>
+            <a:spLocks noGrp="1"/>
+          </p:cNvSpPr>
+          <p:nvPr>
+            <p:ph type="sldNum" sz="quarter" idx="10"/>
+          </p:nvPr>
+        </p:nvSpPr>
+        <p:spPr/>
+        <p:txBody>
+          <a:bodyPr/>
+          <a:lstStyle/>
+          <a:p>
+            <a:fld id="{F19E9337-0361-41F3-9C17-1F4FFD1214BA}" type="slidenum">
+              <a:rPr lang="en-US" smtClean="0"/>
+              <a:t>26</a:t>
+            </a:fld>
+            <a:endParaRPr lang="en-US" dirty="0"/>
+          </a:p>
+        </p:txBody>
+      </p:sp>
+    </p:spTree>
+    <p:extLst>
+      <p:ext uri="{BB962C8B-B14F-4D97-AF65-F5344CB8AC3E}">
+        <p14:creationId xmlns:p14="http://schemas.microsoft.com/office/powerpoint/2010/main" val="1336079974"/>
+      </p:ext>
+    </p:extLst>
+  </p:cSld>
+  <p:clrMapOvr>
+    <a:masterClrMapping/>
+  </p:clrMapOvr>
+</p:notes>
+</file>
+
+<file path=ppt/notesSlides/notesSlide27.xml><?xml version="1.0" encoding="utf-8"?>
+<p:notes xmlns:a="http://schemas.openxmlformats.org/drawingml/2006/main" xmlns:r="http://schemas.openxmlformats.org/officeDocument/2006/relationships" xmlns:p="http://schemas.openxmlformats.org/presentationml/2006/main">
+  <p:cSld>
+    <p:spTree>
+      <p:nvGrpSpPr>
+        <p:cNvPr id="1" name=""/>
+        <p:cNvGrpSpPr/>
+        <p:nvPr/>
+      </p:nvGrpSpPr>
+      <p:grpSpPr>
+        <a:xfrm>
+          <a:off x="0" y="0"/>
+          <a:ext cx="0" cy="0"/>
+          <a:chOff x="0" y="0"/>
+          <a:chExt cx="0" cy="0"/>
+        </a:xfrm>
+      </p:grpSpPr>
+      <p:sp>
+        <p:nvSpPr>
+          <p:cNvPr id="2" name="Slide Image Placeholder 1"/>
+          <p:cNvSpPr>
+            <a:spLocks noGrp="1" noRot="1" noChangeAspect="1"/>
+          </p:cNvSpPr>
+          <p:nvPr>
+            <p:ph type="sldImg"/>
+          </p:nvPr>
+        </p:nvSpPr>
+        <p:spPr>
+          <a:xfrm>
+            <a:off x="4325938" y="73025"/>
+            <a:ext cx="2466975" cy="1851025"/>
+          </a:xfrm>
+        </p:spPr>
+      </p:sp>
+      <p:sp>
+        <p:nvSpPr>
+          <p:cNvPr id="3" name="Notes Placeholder 2"/>
+          <p:cNvSpPr>
+            <a:spLocks noGrp="1"/>
+          </p:cNvSpPr>
+          <p:nvPr>
+            <p:ph type="body" idx="1"/>
+          </p:nvPr>
+        </p:nvSpPr>
+        <p:spPr/>
+        <p:txBody>
+          <a:bodyPr/>
+          <a:lstStyle/>
+          <a:p>
+            <a:endParaRPr lang="en-US"/>
+          </a:p>
+        </p:txBody>
+      </p:sp>
+      <p:sp>
+        <p:nvSpPr>
+          <p:cNvPr id="4" name="Slide Number Placeholder 3"/>
+          <p:cNvSpPr>
+            <a:spLocks noGrp="1"/>
+          </p:cNvSpPr>
+          <p:nvPr>
+            <p:ph type="sldNum" sz="quarter" idx="10"/>
+          </p:nvPr>
+        </p:nvSpPr>
+        <p:spPr/>
+        <p:txBody>
+          <a:bodyPr/>
+          <a:lstStyle/>
+          <a:p>
+            <a:fld id="{F19E9337-0361-41F3-9C17-1F4FFD1214BA}" type="slidenum">
+              <a:rPr lang="en-US" smtClean="0"/>
+              <a:t>27</a:t>
+            </a:fld>
+            <a:endParaRPr lang="en-US" dirty="0"/>
+          </a:p>
+        </p:txBody>
+      </p:sp>
+    </p:spTree>
+    <p:extLst>
+      <p:ext uri="{BB962C8B-B14F-4D97-AF65-F5344CB8AC3E}">
+        <p14:creationId xmlns:p14="http://schemas.microsoft.com/office/powerpoint/2010/main" val="3357517983"/>
+      </p:ext>
+    </p:extLst>
+  </p:cSld>
+  <p:clrMapOvr>
+    <a:masterClrMapping/>
+  </p:clrMapOvr>
+</p:notes>
+</file>
+
+<file path=ppt/notesSlides/notesSlide28.xml><?xml version="1.0" encoding="utf-8"?>
+<p:notes xmlns:a="http://schemas.openxmlformats.org/drawingml/2006/main" xmlns:r="http://schemas.openxmlformats.org/officeDocument/2006/relationships" xmlns:p="http://schemas.openxmlformats.org/presentationml/2006/main">
+  <p:cSld>
+    <p:spTree>
+      <p:nvGrpSpPr>
+        <p:cNvPr id="1" name=""/>
+        <p:cNvGrpSpPr/>
+        <p:nvPr/>
+      </p:nvGrpSpPr>
+      <p:grpSpPr>
+        <a:xfrm>
+          <a:off x="0" y="0"/>
+          <a:ext cx="0" cy="0"/>
+          <a:chOff x="0" y="0"/>
+          <a:chExt cx="0" cy="0"/>
+        </a:xfrm>
+      </p:grpSpPr>
+      <p:sp>
+        <p:nvSpPr>
+          <p:cNvPr id="2" name="Slide Image Placeholder 1"/>
+          <p:cNvSpPr>
+            <a:spLocks noGrp="1" noRot="1" noChangeAspect="1"/>
+          </p:cNvSpPr>
+          <p:nvPr>
+            <p:ph type="sldImg"/>
+          </p:nvPr>
+        </p:nvSpPr>
+        <p:spPr>
+          <a:xfrm>
+            <a:off x="4325938" y="73025"/>
+            <a:ext cx="2466975" cy="1851025"/>
+          </a:xfrm>
+        </p:spPr>
+      </p:sp>
+      <p:sp>
+        <p:nvSpPr>
+          <p:cNvPr id="3" name="Notes Placeholder 2"/>
+          <p:cNvSpPr>
+            <a:spLocks noGrp="1"/>
+          </p:cNvSpPr>
+          <p:nvPr>
+            <p:ph type="body" idx="1"/>
+          </p:nvPr>
+        </p:nvSpPr>
+        <p:spPr/>
+        <p:txBody>
+          <a:bodyPr/>
+          <a:lstStyle/>
+          <a:p>
+            <a:endParaRPr lang="en-US"/>
+          </a:p>
+        </p:txBody>
+      </p:sp>
+      <p:sp>
+        <p:nvSpPr>
+          <p:cNvPr id="4" name="Slide Number Placeholder 3"/>
+          <p:cNvSpPr>
+            <a:spLocks noGrp="1"/>
+          </p:cNvSpPr>
+          <p:nvPr>
+            <p:ph type="sldNum" sz="quarter" idx="10"/>
+          </p:nvPr>
+        </p:nvSpPr>
+        <p:spPr/>
+        <p:txBody>
+          <a:bodyPr/>
+          <a:lstStyle/>
+          <a:p>
+            <a:fld id="{F19E9337-0361-41F3-9C17-1F4FFD1214BA}" type="slidenum">
+              <a:rPr lang="en-US" smtClean="0"/>
+              <a:t>28</a:t>
+            </a:fld>
+            <a:endParaRPr lang="en-US" dirty="0"/>
+          </a:p>
+        </p:txBody>
+      </p:sp>
+    </p:spTree>
+    <p:extLst>
+      <p:ext uri="{BB962C8B-B14F-4D97-AF65-F5344CB8AC3E}">
+        <p14:creationId xmlns:p14="http://schemas.microsoft.com/office/powerpoint/2010/main" val="1615013471"/>
+      </p:ext>
+    </p:extLst>
+  </p:cSld>
+  <p:clrMapOvr>
+    <a:masterClrMapping/>
+  </p:clrMapOvr>
+</p:notes>
+</file>
+
+<file path=ppt/notesSlides/notesSlide29.xml><?xml version="1.0" encoding="utf-8"?>
+<p:notes xmlns:a="http://schemas.openxmlformats.org/drawingml/2006/main" xmlns:r="http://schemas.openxmlformats.org/officeDocument/2006/relationships" xmlns:p="http://schemas.openxmlformats.org/presentationml/2006/main">
+  <p:cSld>
+    <p:spTree>
+      <p:nvGrpSpPr>
+        <p:cNvPr id="1" name=""/>
+        <p:cNvGrpSpPr/>
+        <p:nvPr/>
+      </p:nvGrpSpPr>
+      <p:grpSpPr>
+        <a:xfrm>
+          <a:off x="0" y="0"/>
+          <a:ext cx="0" cy="0"/>
+          <a:chOff x="0" y="0"/>
+          <a:chExt cx="0" cy="0"/>
+        </a:xfrm>
+      </p:grpSpPr>
+      <p:sp>
+        <p:nvSpPr>
+          <p:cNvPr id="2" name="Slide Image Placeholder 1"/>
+          <p:cNvSpPr>
+            <a:spLocks noGrp="1" noRot="1" noChangeAspect="1"/>
+          </p:cNvSpPr>
+          <p:nvPr>
+            <p:ph type="sldImg"/>
+          </p:nvPr>
+        </p:nvSpPr>
+        <p:spPr>
+          <a:xfrm>
+            <a:off x="4325938" y="73025"/>
+            <a:ext cx="2466975" cy="1851025"/>
+          </a:xfrm>
+        </p:spPr>
+      </p:sp>
+      <p:sp>
+        <p:nvSpPr>
+          <p:cNvPr id="3" name="Notes Placeholder 2"/>
+          <p:cNvSpPr>
+            <a:spLocks noGrp="1"/>
+          </p:cNvSpPr>
+          <p:nvPr>
+            <p:ph type="body" idx="1"/>
+          </p:nvPr>
+        </p:nvSpPr>
+        <p:spPr/>
+        <p:txBody>
+          <a:bodyPr/>
+          <a:lstStyle/>
+          <a:p>
+            <a:endParaRPr lang="en-US"/>
+          </a:p>
+        </p:txBody>
+      </p:sp>
+      <p:sp>
+        <p:nvSpPr>
+          <p:cNvPr id="4" name="Slide Number Placeholder 3"/>
+          <p:cNvSpPr>
+            <a:spLocks noGrp="1"/>
+          </p:cNvSpPr>
+          <p:nvPr>
+            <p:ph type="sldNum" sz="quarter" idx="10"/>
+          </p:nvPr>
+        </p:nvSpPr>
+        <p:spPr/>
+        <p:txBody>
+          <a:bodyPr/>
+          <a:lstStyle/>
+          <a:p>
+            <a:fld id="{F19E9337-0361-41F3-9C17-1F4FFD1214BA}" type="slidenum">
+              <a:rPr lang="en-US" smtClean="0"/>
+              <a:t>29</a:t>
+            </a:fld>
+            <a:endParaRPr lang="en-US" dirty="0"/>
+          </a:p>
+        </p:txBody>
+      </p:sp>
+    </p:spTree>
+    <p:extLst>
+      <p:ext uri="{BB962C8B-B14F-4D97-AF65-F5344CB8AC3E}">
+        <p14:creationId xmlns:p14="http://schemas.microsoft.com/office/powerpoint/2010/main" val="2986685548"/>
       </p:ext>
     </p:extLst>
   </p:cSld>
@@ -7897,6 +9672,896 @@
 </p:notes>
 </file>
 
+<file path=ppt/notesSlides/notesSlide30.xml><?xml version="1.0" encoding="utf-8"?>
+<p:notes xmlns:a="http://schemas.openxmlformats.org/drawingml/2006/main" xmlns:r="http://schemas.openxmlformats.org/officeDocument/2006/relationships" xmlns:p="http://schemas.openxmlformats.org/presentationml/2006/main">
+  <p:cSld>
+    <p:spTree>
+      <p:nvGrpSpPr>
+        <p:cNvPr id="1" name=""/>
+        <p:cNvGrpSpPr/>
+        <p:nvPr/>
+      </p:nvGrpSpPr>
+      <p:grpSpPr>
+        <a:xfrm>
+          <a:off x="0" y="0"/>
+          <a:ext cx="0" cy="0"/>
+          <a:chOff x="0" y="0"/>
+          <a:chExt cx="0" cy="0"/>
+        </a:xfrm>
+      </p:grpSpPr>
+      <p:sp>
+        <p:nvSpPr>
+          <p:cNvPr id="2" name="Slide Image Placeholder 1"/>
+          <p:cNvSpPr>
+            <a:spLocks noGrp="1" noRot="1" noChangeAspect="1"/>
+          </p:cNvSpPr>
+          <p:nvPr>
+            <p:ph type="sldImg"/>
+          </p:nvPr>
+        </p:nvSpPr>
+        <p:spPr>
+          <a:xfrm>
+            <a:off x="4325938" y="73025"/>
+            <a:ext cx="2466975" cy="1851025"/>
+          </a:xfrm>
+        </p:spPr>
+      </p:sp>
+      <p:sp>
+        <p:nvSpPr>
+          <p:cNvPr id="3" name="Notes Placeholder 2"/>
+          <p:cNvSpPr>
+            <a:spLocks noGrp="1"/>
+          </p:cNvSpPr>
+          <p:nvPr>
+            <p:ph type="body" idx="1"/>
+          </p:nvPr>
+        </p:nvSpPr>
+        <p:spPr/>
+        <p:txBody>
+          <a:bodyPr/>
+          <a:lstStyle/>
+          <a:p>
+            <a:endParaRPr lang="en-US"/>
+          </a:p>
+        </p:txBody>
+      </p:sp>
+      <p:sp>
+        <p:nvSpPr>
+          <p:cNvPr id="4" name="Slide Number Placeholder 3"/>
+          <p:cNvSpPr>
+            <a:spLocks noGrp="1"/>
+          </p:cNvSpPr>
+          <p:nvPr>
+            <p:ph type="sldNum" sz="quarter" idx="10"/>
+          </p:nvPr>
+        </p:nvSpPr>
+        <p:spPr/>
+        <p:txBody>
+          <a:bodyPr/>
+          <a:lstStyle/>
+          <a:p>
+            <a:fld id="{F19E9337-0361-41F3-9C17-1F4FFD1214BA}" type="slidenum">
+              <a:rPr lang="en-US" smtClean="0"/>
+              <a:t>30</a:t>
+            </a:fld>
+            <a:endParaRPr lang="en-US" dirty="0"/>
+          </a:p>
+        </p:txBody>
+      </p:sp>
+    </p:spTree>
+    <p:extLst>
+      <p:ext uri="{BB962C8B-B14F-4D97-AF65-F5344CB8AC3E}">
+        <p14:creationId xmlns:p14="http://schemas.microsoft.com/office/powerpoint/2010/main" val="500444123"/>
+      </p:ext>
+    </p:extLst>
+  </p:cSld>
+  <p:clrMapOvr>
+    <a:masterClrMapping/>
+  </p:clrMapOvr>
+</p:notes>
+</file>
+
+<file path=ppt/notesSlides/notesSlide31.xml><?xml version="1.0" encoding="utf-8"?>
+<p:notes xmlns:a="http://schemas.openxmlformats.org/drawingml/2006/main" xmlns:r="http://schemas.openxmlformats.org/officeDocument/2006/relationships" xmlns:p="http://schemas.openxmlformats.org/presentationml/2006/main">
+  <p:cSld>
+    <p:spTree>
+      <p:nvGrpSpPr>
+        <p:cNvPr id="1" name=""/>
+        <p:cNvGrpSpPr/>
+        <p:nvPr/>
+      </p:nvGrpSpPr>
+      <p:grpSpPr>
+        <a:xfrm>
+          <a:off x="0" y="0"/>
+          <a:ext cx="0" cy="0"/>
+          <a:chOff x="0" y="0"/>
+          <a:chExt cx="0" cy="0"/>
+        </a:xfrm>
+      </p:grpSpPr>
+      <p:sp>
+        <p:nvSpPr>
+          <p:cNvPr id="2" name="Slide Image Placeholder 1"/>
+          <p:cNvSpPr>
+            <a:spLocks noGrp="1" noRot="1" noChangeAspect="1"/>
+          </p:cNvSpPr>
+          <p:nvPr>
+            <p:ph type="sldImg"/>
+          </p:nvPr>
+        </p:nvSpPr>
+        <p:spPr>
+          <a:xfrm>
+            <a:off x="4325938" y="73025"/>
+            <a:ext cx="2466975" cy="1851025"/>
+          </a:xfrm>
+        </p:spPr>
+      </p:sp>
+      <p:sp>
+        <p:nvSpPr>
+          <p:cNvPr id="3" name="Notes Placeholder 2"/>
+          <p:cNvSpPr>
+            <a:spLocks noGrp="1"/>
+          </p:cNvSpPr>
+          <p:nvPr>
+            <p:ph type="body" idx="1"/>
+          </p:nvPr>
+        </p:nvSpPr>
+        <p:spPr/>
+        <p:txBody>
+          <a:bodyPr/>
+          <a:lstStyle/>
+          <a:p>
+            <a:endParaRPr lang="en-US"/>
+          </a:p>
+        </p:txBody>
+      </p:sp>
+      <p:sp>
+        <p:nvSpPr>
+          <p:cNvPr id="4" name="Slide Number Placeholder 3"/>
+          <p:cNvSpPr>
+            <a:spLocks noGrp="1"/>
+          </p:cNvSpPr>
+          <p:nvPr>
+            <p:ph type="sldNum" sz="quarter" idx="10"/>
+          </p:nvPr>
+        </p:nvSpPr>
+        <p:spPr/>
+        <p:txBody>
+          <a:bodyPr/>
+          <a:lstStyle/>
+          <a:p>
+            <a:fld id="{F19E9337-0361-41F3-9C17-1F4FFD1214BA}" type="slidenum">
+              <a:rPr lang="en-US" smtClean="0"/>
+              <a:t>31</a:t>
+            </a:fld>
+            <a:endParaRPr lang="en-US" dirty="0"/>
+          </a:p>
+        </p:txBody>
+      </p:sp>
+    </p:spTree>
+    <p:extLst>
+      <p:ext uri="{BB962C8B-B14F-4D97-AF65-F5344CB8AC3E}">
+        <p14:creationId xmlns:p14="http://schemas.microsoft.com/office/powerpoint/2010/main" val="814790543"/>
+      </p:ext>
+    </p:extLst>
+  </p:cSld>
+  <p:clrMapOvr>
+    <a:masterClrMapping/>
+  </p:clrMapOvr>
+</p:notes>
+</file>
+
+<file path=ppt/notesSlides/notesSlide32.xml><?xml version="1.0" encoding="utf-8"?>
+<p:notes xmlns:a="http://schemas.openxmlformats.org/drawingml/2006/main" xmlns:r="http://schemas.openxmlformats.org/officeDocument/2006/relationships" xmlns:p="http://schemas.openxmlformats.org/presentationml/2006/main">
+  <p:cSld>
+    <p:spTree>
+      <p:nvGrpSpPr>
+        <p:cNvPr id="1" name=""/>
+        <p:cNvGrpSpPr/>
+        <p:nvPr/>
+      </p:nvGrpSpPr>
+      <p:grpSpPr>
+        <a:xfrm>
+          <a:off x="0" y="0"/>
+          <a:ext cx="0" cy="0"/>
+          <a:chOff x="0" y="0"/>
+          <a:chExt cx="0" cy="0"/>
+        </a:xfrm>
+      </p:grpSpPr>
+      <p:sp>
+        <p:nvSpPr>
+          <p:cNvPr id="2" name="Slide Image Placeholder 1"/>
+          <p:cNvSpPr>
+            <a:spLocks noGrp="1" noRot="1" noChangeAspect="1"/>
+          </p:cNvSpPr>
+          <p:nvPr>
+            <p:ph type="sldImg"/>
+          </p:nvPr>
+        </p:nvSpPr>
+        <p:spPr>
+          <a:xfrm>
+            <a:off x="4325938" y="73025"/>
+            <a:ext cx="2466975" cy="1851025"/>
+          </a:xfrm>
+        </p:spPr>
+      </p:sp>
+      <p:sp>
+        <p:nvSpPr>
+          <p:cNvPr id="3" name="Notes Placeholder 2"/>
+          <p:cNvSpPr>
+            <a:spLocks noGrp="1"/>
+          </p:cNvSpPr>
+          <p:nvPr>
+            <p:ph type="body" idx="1"/>
+          </p:nvPr>
+        </p:nvSpPr>
+        <p:spPr/>
+        <p:txBody>
+          <a:bodyPr/>
+          <a:lstStyle/>
+          <a:p>
+            <a:endParaRPr lang="en-US"/>
+          </a:p>
+        </p:txBody>
+      </p:sp>
+      <p:sp>
+        <p:nvSpPr>
+          <p:cNvPr id="4" name="Slide Number Placeholder 3"/>
+          <p:cNvSpPr>
+            <a:spLocks noGrp="1"/>
+          </p:cNvSpPr>
+          <p:nvPr>
+            <p:ph type="sldNum" sz="quarter" idx="10"/>
+          </p:nvPr>
+        </p:nvSpPr>
+        <p:spPr/>
+        <p:txBody>
+          <a:bodyPr/>
+          <a:lstStyle/>
+          <a:p>
+            <a:fld id="{F19E9337-0361-41F3-9C17-1F4FFD1214BA}" type="slidenum">
+              <a:rPr lang="en-US" smtClean="0"/>
+              <a:t>32</a:t>
+            </a:fld>
+            <a:endParaRPr lang="en-US" dirty="0"/>
+          </a:p>
+        </p:txBody>
+      </p:sp>
+    </p:spTree>
+    <p:extLst>
+      <p:ext uri="{BB962C8B-B14F-4D97-AF65-F5344CB8AC3E}">
+        <p14:creationId xmlns:p14="http://schemas.microsoft.com/office/powerpoint/2010/main" val="1792223811"/>
+      </p:ext>
+    </p:extLst>
+  </p:cSld>
+  <p:clrMapOvr>
+    <a:masterClrMapping/>
+  </p:clrMapOvr>
+</p:notes>
+</file>
+
+<file path=ppt/notesSlides/notesSlide33.xml><?xml version="1.0" encoding="utf-8"?>
+<p:notes xmlns:a="http://schemas.openxmlformats.org/drawingml/2006/main" xmlns:r="http://schemas.openxmlformats.org/officeDocument/2006/relationships" xmlns:p="http://schemas.openxmlformats.org/presentationml/2006/main">
+  <p:cSld>
+    <p:spTree>
+      <p:nvGrpSpPr>
+        <p:cNvPr id="1" name=""/>
+        <p:cNvGrpSpPr/>
+        <p:nvPr/>
+      </p:nvGrpSpPr>
+      <p:grpSpPr>
+        <a:xfrm>
+          <a:off x="0" y="0"/>
+          <a:ext cx="0" cy="0"/>
+          <a:chOff x="0" y="0"/>
+          <a:chExt cx="0" cy="0"/>
+        </a:xfrm>
+      </p:grpSpPr>
+      <p:sp>
+        <p:nvSpPr>
+          <p:cNvPr id="2" name="Slide Image Placeholder 1"/>
+          <p:cNvSpPr>
+            <a:spLocks noGrp="1" noRot="1" noChangeAspect="1"/>
+          </p:cNvSpPr>
+          <p:nvPr>
+            <p:ph type="sldImg"/>
+          </p:nvPr>
+        </p:nvSpPr>
+        <p:spPr>
+          <a:xfrm>
+            <a:off x="4325938" y="73025"/>
+            <a:ext cx="2466975" cy="1851025"/>
+          </a:xfrm>
+        </p:spPr>
+      </p:sp>
+      <p:sp>
+        <p:nvSpPr>
+          <p:cNvPr id="3" name="Notes Placeholder 2"/>
+          <p:cNvSpPr>
+            <a:spLocks noGrp="1"/>
+          </p:cNvSpPr>
+          <p:nvPr>
+            <p:ph type="body" idx="1"/>
+          </p:nvPr>
+        </p:nvSpPr>
+        <p:spPr/>
+        <p:txBody>
+          <a:bodyPr/>
+          <a:lstStyle/>
+          <a:p>
+            <a:endParaRPr lang="en-US"/>
+          </a:p>
+        </p:txBody>
+      </p:sp>
+      <p:sp>
+        <p:nvSpPr>
+          <p:cNvPr id="4" name="Slide Number Placeholder 3"/>
+          <p:cNvSpPr>
+            <a:spLocks noGrp="1"/>
+          </p:cNvSpPr>
+          <p:nvPr>
+            <p:ph type="sldNum" sz="quarter" idx="10"/>
+          </p:nvPr>
+        </p:nvSpPr>
+        <p:spPr/>
+        <p:txBody>
+          <a:bodyPr/>
+          <a:lstStyle/>
+          <a:p>
+            <a:fld id="{F19E9337-0361-41F3-9C17-1F4FFD1214BA}" type="slidenum">
+              <a:rPr lang="en-US" smtClean="0"/>
+              <a:t>33</a:t>
+            </a:fld>
+            <a:endParaRPr lang="en-US" dirty="0"/>
+          </a:p>
+        </p:txBody>
+      </p:sp>
+    </p:spTree>
+    <p:extLst>
+      <p:ext uri="{BB962C8B-B14F-4D97-AF65-F5344CB8AC3E}">
+        <p14:creationId xmlns:p14="http://schemas.microsoft.com/office/powerpoint/2010/main" val="863471099"/>
+      </p:ext>
+    </p:extLst>
+  </p:cSld>
+  <p:clrMapOvr>
+    <a:masterClrMapping/>
+  </p:clrMapOvr>
+</p:notes>
+</file>
+
+<file path=ppt/notesSlides/notesSlide34.xml><?xml version="1.0" encoding="utf-8"?>
+<p:notes xmlns:a="http://schemas.openxmlformats.org/drawingml/2006/main" xmlns:r="http://schemas.openxmlformats.org/officeDocument/2006/relationships" xmlns:p="http://schemas.openxmlformats.org/presentationml/2006/main">
+  <p:cSld>
+    <p:spTree>
+      <p:nvGrpSpPr>
+        <p:cNvPr id="1" name=""/>
+        <p:cNvGrpSpPr/>
+        <p:nvPr/>
+      </p:nvGrpSpPr>
+      <p:grpSpPr>
+        <a:xfrm>
+          <a:off x="0" y="0"/>
+          <a:ext cx="0" cy="0"/>
+          <a:chOff x="0" y="0"/>
+          <a:chExt cx="0" cy="0"/>
+        </a:xfrm>
+      </p:grpSpPr>
+      <p:sp>
+        <p:nvSpPr>
+          <p:cNvPr id="2" name="Slide Image Placeholder 1"/>
+          <p:cNvSpPr>
+            <a:spLocks noGrp="1" noRot="1" noChangeAspect="1"/>
+          </p:cNvSpPr>
+          <p:nvPr>
+            <p:ph type="sldImg"/>
+          </p:nvPr>
+        </p:nvSpPr>
+        <p:spPr>
+          <a:xfrm>
+            <a:off x="4325938" y="73025"/>
+            <a:ext cx="2466975" cy="1851025"/>
+          </a:xfrm>
+        </p:spPr>
+      </p:sp>
+      <p:sp>
+        <p:nvSpPr>
+          <p:cNvPr id="3" name="Notes Placeholder 2"/>
+          <p:cNvSpPr>
+            <a:spLocks noGrp="1"/>
+          </p:cNvSpPr>
+          <p:nvPr>
+            <p:ph type="body" idx="1"/>
+          </p:nvPr>
+        </p:nvSpPr>
+        <p:spPr/>
+        <p:txBody>
+          <a:bodyPr/>
+          <a:lstStyle/>
+          <a:p>
+            <a:endParaRPr lang="en-US"/>
+          </a:p>
+        </p:txBody>
+      </p:sp>
+      <p:sp>
+        <p:nvSpPr>
+          <p:cNvPr id="4" name="Slide Number Placeholder 3"/>
+          <p:cNvSpPr>
+            <a:spLocks noGrp="1"/>
+          </p:cNvSpPr>
+          <p:nvPr>
+            <p:ph type="sldNum" sz="quarter" idx="10"/>
+          </p:nvPr>
+        </p:nvSpPr>
+        <p:spPr/>
+        <p:txBody>
+          <a:bodyPr/>
+          <a:lstStyle/>
+          <a:p>
+            <a:fld id="{F19E9337-0361-41F3-9C17-1F4FFD1214BA}" type="slidenum">
+              <a:rPr lang="en-US" smtClean="0"/>
+              <a:t>34</a:t>
+            </a:fld>
+            <a:endParaRPr lang="en-US" dirty="0"/>
+          </a:p>
+        </p:txBody>
+      </p:sp>
+    </p:spTree>
+    <p:extLst>
+      <p:ext uri="{BB962C8B-B14F-4D97-AF65-F5344CB8AC3E}">
+        <p14:creationId xmlns:p14="http://schemas.microsoft.com/office/powerpoint/2010/main" val="3356902691"/>
+      </p:ext>
+    </p:extLst>
+  </p:cSld>
+  <p:clrMapOvr>
+    <a:masterClrMapping/>
+  </p:clrMapOvr>
+</p:notes>
+</file>
+
+<file path=ppt/notesSlides/notesSlide35.xml><?xml version="1.0" encoding="utf-8"?>
+<p:notes xmlns:a="http://schemas.openxmlformats.org/drawingml/2006/main" xmlns:r="http://schemas.openxmlformats.org/officeDocument/2006/relationships" xmlns:p="http://schemas.openxmlformats.org/presentationml/2006/main">
+  <p:cSld>
+    <p:spTree>
+      <p:nvGrpSpPr>
+        <p:cNvPr id="1" name=""/>
+        <p:cNvGrpSpPr/>
+        <p:nvPr/>
+      </p:nvGrpSpPr>
+      <p:grpSpPr>
+        <a:xfrm>
+          <a:off x="0" y="0"/>
+          <a:ext cx="0" cy="0"/>
+          <a:chOff x="0" y="0"/>
+          <a:chExt cx="0" cy="0"/>
+        </a:xfrm>
+      </p:grpSpPr>
+      <p:sp>
+        <p:nvSpPr>
+          <p:cNvPr id="2" name="Slide Image Placeholder 1"/>
+          <p:cNvSpPr>
+            <a:spLocks noGrp="1" noRot="1" noChangeAspect="1"/>
+          </p:cNvSpPr>
+          <p:nvPr>
+            <p:ph type="sldImg"/>
+          </p:nvPr>
+        </p:nvSpPr>
+        <p:spPr>
+          <a:xfrm>
+            <a:off x="4325938" y="73025"/>
+            <a:ext cx="2466975" cy="1851025"/>
+          </a:xfrm>
+        </p:spPr>
+      </p:sp>
+      <p:sp>
+        <p:nvSpPr>
+          <p:cNvPr id="3" name="Notes Placeholder 2"/>
+          <p:cNvSpPr>
+            <a:spLocks noGrp="1"/>
+          </p:cNvSpPr>
+          <p:nvPr>
+            <p:ph type="body" idx="1"/>
+          </p:nvPr>
+        </p:nvSpPr>
+        <p:spPr/>
+        <p:txBody>
+          <a:bodyPr/>
+          <a:lstStyle/>
+          <a:p>
+            <a:endParaRPr lang="en-US"/>
+          </a:p>
+        </p:txBody>
+      </p:sp>
+      <p:sp>
+        <p:nvSpPr>
+          <p:cNvPr id="4" name="Slide Number Placeholder 3"/>
+          <p:cNvSpPr>
+            <a:spLocks noGrp="1"/>
+          </p:cNvSpPr>
+          <p:nvPr>
+            <p:ph type="sldNum" sz="quarter" idx="10"/>
+          </p:nvPr>
+        </p:nvSpPr>
+        <p:spPr/>
+        <p:txBody>
+          <a:bodyPr/>
+          <a:lstStyle/>
+          <a:p>
+            <a:fld id="{F19E9337-0361-41F3-9C17-1F4FFD1214BA}" type="slidenum">
+              <a:rPr lang="en-US" smtClean="0"/>
+              <a:t>35</a:t>
+            </a:fld>
+            <a:endParaRPr lang="en-US" dirty="0"/>
+          </a:p>
+        </p:txBody>
+      </p:sp>
+    </p:spTree>
+    <p:extLst>
+      <p:ext uri="{BB962C8B-B14F-4D97-AF65-F5344CB8AC3E}">
+        <p14:creationId xmlns:p14="http://schemas.microsoft.com/office/powerpoint/2010/main" val="836828335"/>
+      </p:ext>
+    </p:extLst>
+  </p:cSld>
+  <p:clrMapOvr>
+    <a:masterClrMapping/>
+  </p:clrMapOvr>
+</p:notes>
+</file>
+
+<file path=ppt/notesSlides/notesSlide36.xml><?xml version="1.0" encoding="utf-8"?>
+<p:notes xmlns:a="http://schemas.openxmlformats.org/drawingml/2006/main" xmlns:r="http://schemas.openxmlformats.org/officeDocument/2006/relationships" xmlns:p="http://schemas.openxmlformats.org/presentationml/2006/main">
+  <p:cSld>
+    <p:spTree>
+      <p:nvGrpSpPr>
+        <p:cNvPr id="1" name=""/>
+        <p:cNvGrpSpPr/>
+        <p:nvPr/>
+      </p:nvGrpSpPr>
+      <p:grpSpPr>
+        <a:xfrm>
+          <a:off x="0" y="0"/>
+          <a:ext cx="0" cy="0"/>
+          <a:chOff x="0" y="0"/>
+          <a:chExt cx="0" cy="0"/>
+        </a:xfrm>
+      </p:grpSpPr>
+      <p:sp>
+        <p:nvSpPr>
+          <p:cNvPr id="2" name="Slide Image Placeholder 1"/>
+          <p:cNvSpPr>
+            <a:spLocks noGrp="1" noRot="1" noChangeAspect="1"/>
+          </p:cNvSpPr>
+          <p:nvPr>
+            <p:ph type="sldImg"/>
+          </p:nvPr>
+        </p:nvSpPr>
+        <p:spPr>
+          <a:xfrm>
+            <a:off x="4325938" y="73025"/>
+            <a:ext cx="2466975" cy="1851025"/>
+          </a:xfrm>
+        </p:spPr>
+      </p:sp>
+      <p:sp>
+        <p:nvSpPr>
+          <p:cNvPr id="3" name="Notes Placeholder 2"/>
+          <p:cNvSpPr>
+            <a:spLocks noGrp="1"/>
+          </p:cNvSpPr>
+          <p:nvPr>
+            <p:ph type="body" idx="1"/>
+          </p:nvPr>
+        </p:nvSpPr>
+        <p:spPr/>
+        <p:txBody>
+          <a:bodyPr/>
+          <a:lstStyle/>
+          <a:p>
+            <a:endParaRPr lang="en-US"/>
+          </a:p>
+        </p:txBody>
+      </p:sp>
+      <p:sp>
+        <p:nvSpPr>
+          <p:cNvPr id="4" name="Slide Number Placeholder 3"/>
+          <p:cNvSpPr>
+            <a:spLocks noGrp="1"/>
+          </p:cNvSpPr>
+          <p:nvPr>
+            <p:ph type="sldNum" sz="quarter" idx="10"/>
+          </p:nvPr>
+        </p:nvSpPr>
+        <p:spPr/>
+        <p:txBody>
+          <a:bodyPr/>
+          <a:lstStyle/>
+          <a:p>
+            <a:fld id="{F19E9337-0361-41F3-9C17-1F4FFD1214BA}" type="slidenum">
+              <a:rPr lang="en-US" smtClean="0"/>
+              <a:t>36</a:t>
+            </a:fld>
+            <a:endParaRPr lang="en-US" dirty="0"/>
+          </a:p>
+        </p:txBody>
+      </p:sp>
+    </p:spTree>
+    <p:extLst>
+      <p:ext uri="{BB962C8B-B14F-4D97-AF65-F5344CB8AC3E}">
+        <p14:creationId xmlns:p14="http://schemas.microsoft.com/office/powerpoint/2010/main" val="3191825217"/>
+      </p:ext>
+    </p:extLst>
+  </p:cSld>
+  <p:clrMapOvr>
+    <a:masterClrMapping/>
+  </p:clrMapOvr>
+</p:notes>
+</file>
+
+<file path=ppt/notesSlides/notesSlide37.xml><?xml version="1.0" encoding="utf-8"?>
+<p:notes xmlns:a="http://schemas.openxmlformats.org/drawingml/2006/main" xmlns:r="http://schemas.openxmlformats.org/officeDocument/2006/relationships" xmlns:p="http://schemas.openxmlformats.org/presentationml/2006/main">
+  <p:cSld>
+    <p:spTree>
+      <p:nvGrpSpPr>
+        <p:cNvPr id="1" name=""/>
+        <p:cNvGrpSpPr/>
+        <p:nvPr/>
+      </p:nvGrpSpPr>
+      <p:grpSpPr>
+        <a:xfrm>
+          <a:off x="0" y="0"/>
+          <a:ext cx="0" cy="0"/>
+          <a:chOff x="0" y="0"/>
+          <a:chExt cx="0" cy="0"/>
+        </a:xfrm>
+      </p:grpSpPr>
+      <p:sp>
+        <p:nvSpPr>
+          <p:cNvPr id="2" name="Slide Image Placeholder 1"/>
+          <p:cNvSpPr>
+            <a:spLocks noGrp="1" noRot="1" noChangeAspect="1"/>
+          </p:cNvSpPr>
+          <p:nvPr>
+            <p:ph type="sldImg"/>
+          </p:nvPr>
+        </p:nvSpPr>
+        <p:spPr>
+          <a:xfrm>
+            <a:off x="4325938" y="73025"/>
+            <a:ext cx="2466975" cy="1851025"/>
+          </a:xfrm>
+        </p:spPr>
+      </p:sp>
+      <p:sp>
+        <p:nvSpPr>
+          <p:cNvPr id="3" name="Notes Placeholder 2"/>
+          <p:cNvSpPr>
+            <a:spLocks noGrp="1"/>
+          </p:cNvSpPr>
+          <p:nvPr>
+            <p:ph type="body" idx="1"/>
+          </p:nvPr>
+        </p:nvSpPr>
+        <p:spPr/>
+        <p:txBody>
+          <a:bodyPr/>
+          <a:lstStyle/>
+          <a:p>
+            <a:endParaRPr lang="en-US"/>
+          </a:p>
+        </p:txBody>
+      </p:sp>
+      <p:sp>
+        <p:nvSpPr>
+          <p:cNvPr id="4" name="Slide Number Placeholder 3"/>
+          <p:cNvSpPr>
+            <a:spLocks noGrp="1"/>
+          </p:cNvSpPr>
+          <p:nvPr>
+            <p:ph type="sldNum" sz="quarter" idx="10"/>
+          </p:nvPr>
+        </p:nvSpPr>
+        <p:spPr/>
+        <p:txBody>
+          <a:bodyPr/>
+          <a:lstStyle/>
+          <a:p>
+            <a:fld id="{F19E9337-0361-41F3-9C17-1F4FFD1214BA}" type="slidenum">
+              <a:rPr lang="en-US" smtClean="0"/>
+              <a:t>37</a:t>
+            </a:fld>
+            <a:endParaRPr lang="en-US" dirty="0"/>
+          </a:p>
+        </p:txBody>
+      </p:sp>
+    </p:spTree>
+    <p:extLst>
+      <p:ext uri="{BB962C8B-B14F-4D97-AF65-F5344CB8AC3E}">
+        <p14:creationId xmlns:p14="http://schemas.microsoft.com/office/powerpoint/2010/main" val="1752771350"/>
+      </p:ext>
+    </p:extLst>
+  </p:cSld>
+  <p:clrMapOvr>
+    <a:masterClrMapping/>
+  </p:clrMapOvr>
+</p:notes>
+</file>
+
+<file path=ppt/notesSlides/notesSlide38.xml><?xml version="1.0" encoding="utf-8"?>
+<p:notes xmlns:a="http://schemas.openxmlformats.org/drawingml/2006/main" xmlns:r="http://schemas.openxmlformats.org/officeDocument/2006/relationships" xmlns:p="http://schemas.openxmlformats.org/presentationml/2006/main">
+  <p:cSld>
+    <p:spTree>
+      <p:nvGrpSpPr>
+        <p:cNvPr id="1" name=""/>
+        <p:cNvGrpSpPr/>
+        <p:nvPr/>
+      </p:nvGrpSpPr>
+      <p:grpSpPr>
+        <a:xfrm>
+          <a:off x="0" y="0"/>
+          <a:ext cx="0" cy="0"/>
+          <a:chOff x="0" y="0"/>
+          <a:chExt cx="0" cy="0"/>
+        </a:xfrm>
+      </p:grpSpPr>
+      <p:sp>
+        <p:nvSpPr>
+          <p:cNvPr id="2" name="Slide Image Placeholder 1"/>
+          <p:cNvSpPr>
+            <a:spLocks noGrp="1" noRot="1" noChangeAspect="1"/>
+          </p:cNvSpPr>
+          <p:nvPr>
+            <p:ph type="sldImg"/>
+          </p:nvPr>
+        </p:nvSpPr>
+        <p:spPr>
+          <a:xfrm>
+            <a:off x="4325938" y="73025"/>
+            <a:ext cx="2466975" cy="1851025"/>
+          </a:xfrm>
+        </p:spPr>
+      </p:sp>
+      <p:sp>
+        <p:nvSpPr>
+          <p:cNvPr id="3" name="Notes Placeholder 2"/>
+          <p:cNvSpPr>
+            <a:spLocks noGrp="1"/>
+          </p:cNvSpPr>
+          <p:nvPr>
+            <p:ph type="body" idx="1"/>
+          </p:nvPr>
+        </p:nvSpPr>
+        <p:spPr/>
+        <p:txBody>
+          <a:bodyPr/>
+          <a:lstStyle/>
+          <a:p>
+            <a:endParaRPr lang="en-US"/>
+          </a:p>
+        </p:txBody>
+      </p:sp>
+      <p:sp>
+        <p:nvSpPr>
+          <p:cNvPr id="4" name="Slide Number Placeholder 3"/>
+          <p:cNvSpPr>
+            <a:spLocks noGrp="1"/>
+          </p:cNvSpPr>
+          <p:nvPr>
+            <p:ph type="sldNum" sz="quarter" idx="10"/>
+          </p:nvPr>
+        </p:nvSpPr>
+        <p:spPr/>
+        <p:txBody>
+          <a:bodyPr/>
+          <a:lstStyle/>
+          <a:p>
+            <a:fld id="{F19E9337-0361-41F3-9C17-1F4FFD1214BA}" type="slidenum">
+              <a:rPr lang="en-US" smtClean="0"/>
+              <a:t>38</a:t>
+            </a:fld>
+            <a:endParaRPr lang="en-US" dirty="0"/>
+          </a:p>
+        </p:txBody>
+      </p:sp>
+    </p:spTree>
+    <p:extLst>
+      <p:ext uri="{BB962C8B-B14F-4D97-AF65-F5344CB8AC3E}">
+        <p14:creationId xmlns:p14="http://schemas.microsoft.com/office/powerpoint/2010/main" val="2912997927"/>
+      </p:ext>
+    </p:extLst>
+  </p:cSld>
+  <p:clrMapOvr>
+    <a:masterClrMapping/>
+  </p:clrMapOvr>
+</p:notes>
+</file>
+
+<file path=ppt/notesSlides/notesSlide39.xml><?xml version="1.0" encoding="utf-8"?>
+<p:notes xmlns:a="http://schemas.openxmlformats.org/drawingml/2006/main" xmlns:r="http://schemas.openxmlformats.org/officeDocument/2006/relationships" xmlns:p="http://schemas.openxmlformats.org/presentationml/2006/main">
+  <p:cSld>
+    <p:spTree>
+      <p:nvGrpSpPr>
+        <p:cNvPr id="1" name=""/>
+        <p:cNvGrpSpPr/>
+        <p:nvPr/>
+      </p:nvGrpSpPr>
+      <p:grpSpPr>
+        <a:xfrm>
+          <a:off x="0" y="0"/>
+          <a:ext cx="0" cy="0"/>
+          <a:chOff x="0" y="0"/>
+          <a:chExt cx="0" cy="0"/>
+        </a:xfrm>
+      </p:grpSpPr>
+      <p:sp>
+        <p:nvSpPr>
+          <p:cNvPr id="2" name="Slide Image Placeholder 1"/>
+          <p:cNvSpPr>
+            <a:spLocks noGrp="1" noRot="1" noChangeAspect="1"/>
+          </p:cNvSpPr>
+          <p:nvPr>
+            <p:ph type="sldImg"/>
+          </p:nvPr>
+        </p:nvSpPr>
+        <p:spPr>
+          <a:xfrm>
+            <a:off x="4325938" y="73025"/>
+            <a:ext cx="2466975" cy="1851025"/>
+          </a:xfrm>
+        </p:spPr>
+      </p:sp>
+      <p:sp>
+        <p:nvSpPr>
+          <p:cNvPr id="3" name="Notes Placeholder 2"/>
+          <p:cNvSpPr>
+            <a:spLocks noGrp="1"/>
+          </p:cNvSpPr>
+          <p:nvPr>
+            <p:ph type="body" idx="1"/>
+          </p:nvPr>
+        </p:nvSpPr>
+        <p:spPr/>
+        <p:txBody>
+          <a:bodyPr/>
+          <a:lstStyle/>
+          <a:p>
+            <a:endParaRPr lang="en-US"/>
+          </a:p>
+        </p:txBody>
+      </p:sp>
+      <p:sp>
+        <p:nvSpPr>
+          <p:cNvPr id="4" name="Slide Number Placeholder 3"/>
+          <p:cNvSpPr>
+            <a:spLocks noGrp="1"/>
+          </p:cNvSpPr>
+          <p:nvPr>
+            <p:ph type="sldNum" sz="quarter" idx="10"/>
+          </p:nvPr>
+        </p:nvSpPr>
+        <p:spPr/>
+        <p:txBody>
+          <a:bodyPr/>
+          <a:lstStyle/>
+          <a:p>
+            <a:fld id="{F19E9337-0361-41F3-9C17-1F4FFD1214BA}" type="slidenum">
+              <a:rPr lang="en-US" smtClean="0"/>
+              <a:t>39</a:t>
+            </a:fld>
+            <a:endParaRPr lang="en-US" dirty="0"/>
+          </a:p>
+        </p:txBody>
+      </p:sp>
+    </p:spTree>
+    <p:extLst>
+      <p:ext uri="{BB962C8B-B14F-4D97-AF65-F5344CB8AC3E}">
+        <p14:creationId xmlns:p14="http://schemas.microsoft.com/office/powerpoint/2010/main" val="526048375"/>
+      </p:ext>
+    </p:extLst>
+  </p:cSld>
+  <p:clrMapOvr>
+    <a:masterClrMapping/>
+  </p:clrMapOvr>
+</p:notes>
+</file>
+
 <file path=ppt/notesSlides/notesSlide4.xml><?xml version="1.0" encoding="utf-8"?>
 <p:notes xmlns:a="http://schemas.openxmlformats.org/drawingml/2006/main" xmlns:r="http://schemas.openxmlformats.org/officeDocument/2006/relationships" xmlns:p="http://schemas.openxmlformats.org/presentationml/2006/main">
   <p:cSld>
@@ -7977,6 +10642,540 @@
     <p:extLst>
       <p:ext uri="{BB962C8B-B14F-4D97-AF65-F5344CB8AC3E}">
         <p14:creationId xmlns:p14="http://schemas.microsoft.com/office/powerpoint/2010/main" val="1902671431"/>
+      </p:ext>
+    </p:extLst>
+  </p:cSld>
+  <p:clrMapOvr>
+    <a:masterClrMapping/>
+  </p:clrMapOvr>
+</p:notes>
+</file>
+
+<file path=ppt/notesSlides/notesSlide40.xml><?xml version="1.0" encoding="utf-8"?>
+<p:notes xmlns:a="http://schemas.openxmlformats.org/drawingml/2006/main" xmlns:r="http://schemas.openxmlformats.org/officeDocument/2006/relationships" xmlns:p="http://schemas.openxmlformats.org/presentationml/2006/main">
+  <p:cSld>
+    <p:spTree>
+      <p:nvGrpSpPr>
+        <p:cNvPr id="1" name=""/>
+        <p:cNvGrpSpPr/>
+        <p:nvPr/>
+      </p:nvGrpSpPr>
+      <p:grpSpPr>
+        <a:xfrm>
+          <a:off x="0" y="0"/>
+          <a:ext cx="0" cy="0"/>
+          <a:chOff x="0" y="0"/>
+          <a:chExt cx="0" cy="0"/>
+        </a:xfrm>
+      </p:grpSpPr>
+      <p:sp>
+        <p:nvSpPr>
+          <p:cNvPr id="2" name="Slide Image Placeholder 1"/>
+          <p:cNvSpPr>
+            <a:spLocks noGrp="1" noRot="1" noChangeAspect="1"/>
+          </p:cNvSpPr>
+          <p:nvPr>
+            <p:ph type="sldImg"/>
+          </p:nvPr>
+        </p:nvSpPr>
+        <p:spPr>
+          <a:xfrm>
+            <a:off x="4325938" y="73025"/>
+            <a:ext cx="2466975" cy="1851025"/>
+          </a:xfrm>
+        </p:spPr>
+      </p:sp>
+      <p:sp>
+        <p:nvSpPr>
+          <p:cNvPr id="3" name="Notes Placeholder 2"/>
+          <p:cNvSpPr>
+            <a:spLocks noGrp="1"/>
+          </p:cNvSpPr>
+          <p:nvPr>
+            <p:ph type="body" idx="1"/>
+          </p:nvPr>
+        </p:nvSpPr>
+        <p:spPr/>
+        <p:txBody>
+          <a:bodyPr/>
+          <a:lstStyle/>
+          <a:p>
+            <a:endParaRPr lang="en-US"/>
+          </a:p>
+        </p:txBody>
+      </p:sp>
+      <p:sp>
+        <p:nvSpPr>
+          <p:cNvPr id="4" name="Slide Number Placeholder 3"/>
+          <p:cNvSpPr>
+            <a:spLocks noGrp="1"/>
+          </p:cNvSpPr>
+          <p:nvPr>
+            <p:ph type="sldNum" sz="quarter" idx="10"/>
+          </p:nvPr>
+        </p:nvSpPr>
+        <p:spPr/>
+        <p:txBody>
+          <a:bodyPr/>
+          <a:lstStyle/>
+          <a:p>
+            <a:fld id="{F19E9337-0361-41F3-9C17-1F4FFD1214BA}" type="slidenum">
+              <a:rPr lang="en-US" smtClean="0"/>
+              <a:t>40</a:t>
+            </a:fld>
+            <a:endParaRPr lang="en-US" dirty="0"/>
+          </a:p>
+        </p:txBody>
+      </p:sp>
+    </p:spTree>
+    <p:extLst>
+      <p:ext uri="{BB962C8B-B14F-4D97-AF65-F5344CB8AC3E}">
+        <p14:creationId xmlns:p14="http://schemas.microsoft.com/office/powerpoint/2010/main" val="677315144"/>
+      </p:ext>
+    </p:extLst>
+  </p:cSld>
+  <p:clrMapOvr>
+    <a:masterClrMapping/>
+  </p:clrMapOvr>
+</p:notes>
+</file>
+
+<file path=ppt/notesSlides/notesSlide41.xml><?xml version="1.0" encoding="utf-8"?>
+<p:notes xmlns:a="http://schemas.openxmlformats.org/drawingml/2006/main" xmlns:r="http://schemas.openxmlformats.org/officeDocument/2006/relationships" xmlns:p="http://schemas.openxmlformats.org/presentationml/2006/main">
+  <p:cSld>
+    <p:spTree>
+      <p:nvGrpSpPr>
+        <p:cNvPr id="1" name=""/>
+        <p:cNvGrpSpPr/>
+        <p:nvPr/>
+      </p:nvGrpSpPr>
+      <p:grpSpPr>
+        <a:xfrm>
+          <a:off x="0" y="0"/>
+          <a:ext cx="0" cy="0"/>
+          <a:chOff x="0" y="0"/>
+          <a:chExt cx="0" cy="0"/>
+        </a:xfrm>
+      </p:grpSpPr>
+      <p:sp>
+        <p:nvSpPr>
+          <p:cNvPr id="2" name="Slide Image Placeholder 1"/>
+          <p:cNvSpPr>
+            <a:spLocks noGrp="1" noRot="1" noChangeAspect="1"/>
+          </p:cNvSpPr>
+          <p:nvPr>
+            <p:ph type="sldImg"/>
+          </p:nvPr>
+        </p:nvSpPr>
+        <p:spPr>
+          <a:xfrm>
+            <a:off x="4325938" y="73025"/>
+            <a:ext cx="2466975" cy="1851025"/>
+          </a:xfrm>
+        </p:spPr>
+      </p:sp>
+      <p:sp>
+        <p:nvSpPr>
+          <p:cNvPr id="3" name="Notes Placeholder 2"/>
+          <p:cNvSpPr>
+            <a:spLocks noGrp="1"/>
+          </p:cNvSpPr>
+          <p:nvPr>
+            <p:ph type="body" idx="1"/>
+          </p:nvPr>
+        </p:nvSpPr>
+        <p:spPr/>
+        <p:txBody>
+          <a:bodyPr/>
+          <a:lstStyle/>
+          <a:p>
+            <a:endParaRPr lang="en-US"/>
+          </a:p>
+        </p:txBody>
+      </p:sp>
+      <p:sp>
+        <p:nvSpPr>
+          <p:cNvPr id="4" name="Slide Number Placeholder 3"/>
+          <p:cNvSpPr>
+            <a:spLocks noGrp="1"/>
+          </p:cNvSpPr>
+          <p:nvPr>
+            <p:ph type="sldNum" sz="quarter" idx="10"/>
+          </p:nvPr>
+        </p:nvSpPr>
+        <p:spPr/>
+        <p:txBody>
+          <a:bodyPr/>
+          <a:lstStyle/>
+          <a:p>
+            <a:fld id="{F19E9337-0361-41F3-9C17-1F4FFD1214BA}" type="slidenum">
+              <a:rPr lang="en-US" smtClean="0"/>
+              <a:t>41</a:t>
+            </a:fld>
+            <a:endParaRPr lang="en-US" dirty="0"/>
+          </a:p>
+        </p:txBody>
+      </p:sp>
+    </p:spTree>
+    <p:extLst>
+      <p:ext uri="{BB962C8B-B14F-4D97-AF65-F5344CB8AC3E}">
+        <p14:creationId xmlns:p14="http://schemas.microsoft.com/office/powerpoint/2010/main" val="3576153868"/>
+      </p:ext>
+    </p:extLst>
+  </p:cSld>
+  <p:clrMapOvr>
+    <a:masterClrMapping/>
+  </p:clrMapOvr>
+</p:notes>
+</file>
+
+<file path=ppt/notesSlides/notesSlide42.xml><?xml version="1.0" encoding="utf-8"?>
+<p:notes xmlns:a="http://schemas.openxmlformats.org/drawingml/2006/main" xmlns:r="http://schemas.openxmlformats.org/officeDocument/2006/relationships" xmlns:p="http://schemas.openxmlformats.org/presentationml/2006/main">
+  <p:cSld>
+    <p:spTree>
+      <p:nvGrpSpPr>
+        <p:cNvPr id="1" name=""/>
+        <p:cNvGrpSpPr/>
+        <p:nvPr/>
+      </p:nvGrpSpPr>
+      <p:grpSpPr>
+        <a:xfrm>
+          <a:off x="0" y="0"/>
+          <a:ext cx="0" cy="0"/>
+          <a:chOff x="0" y="0"/>
+          <a:chExt cx="0" cy="0"/>
+        </a:xfrm>
+      </p:grpSpPr>
+      <p:sp>
+        <p:nvSpPr>
+          <p:cNvPr id="2" name="Slide Image Placeholder 1"/>
+          <p:cNvSpPr>
+            <a:spLocks noGrp="1" noRot="1" noChangeAspect="1"/>
+          </p:cNvSpPr>
+          <p:nvPr>
+            <p:ph type="sldImg"/>
+          </p:nvPr>
+        </p:nvSpPr>
+        <p:spPr>
+          <a:xfrm>
+            <a:off x="4325938" y="73025"/>
+            <a:ext cx="2466975" cy="1851025"/>
+          </a:xfrm>
+        </p:spPr>
+      </p:sp>
+      <p:sp>
+        <p:nvSpPr>
+          <p:cNvPr id="3" name="Notes Placeholder 2"/>
+          <p:cNvSpPr>
+            <a:spLocks noGrp="1"/>
+          </p:cNvSpPr>
+          <p:nvPr>
+            <p:ph type="body" idx="1"/>
+          </p:nvPr>
+        </p:nvSpPr>
+        <p:spPr/>
+        <p:txBody>
+          <a:bodyPr/>
+          <a:lstStyle/>
+          <a:p>
+            <a:endParaRPr lang="en-US"/>
+          </a:p>
+        </p:txBody>
+      </p:sp>
+      <p:sp>
+        <p:nvSpPr>
+          <p:cNvPr id="4" name="Slide Number Placeholder 3"/>
+          <p:cNvSpPr>
+            <a:spLocks noGrp="1"/>
+          </p:cNvSpPr>
+          <p:nvPr>
+            <p:ph type="sldNum" sz="quarter" idx="10"/>
+          </p:nvPr>
+        </p:nvSpPr>
+        <p:spPr/>
+        <p:txBody>
+          <a:bodyPr/>
+          <a:lstStyle/>
+          <a:p>
+            <a:fld id="{F19E9337-0361-41F3-9C17-1F4FFD1214BA}" type="slidenum">
+              <a:rPr lang="en-US" smtClean="0"/>
+              <a:t>42</a:t>
+            </a:fld>
+            <a:endParaRPr lang="en-US" dirty="0"/>
+          </a:p>
+        </p:txBody>
+      </p:sp>
+    </p:spTree>
+    <p:extLst>
+      <p:ext uri="{BB962C8B-B14F-4D97-AF65-F5344CB8AC3E}">
+        <p14:creationId xmlns:p14="http://schemas.microsoft.com/office/powerpoint/2010/main" val="4058153303"/>
+      </p:ext>
+    </p:extLst>
+  </p:cSld>
+  <p:clrMapOvr>
+    <a:masterClrMapping/>
+  </p:clrMapOvr>
+</p:notes>
+</file>
+
+<file path=ppt/notesSlides/notesSlide43.xml><?xml version="1.0" encoding="utf-8"?>
+<p:notes xmlns:a="http://schemas.openxmlformats.org/drawingml/2006/main" xmlns:r="http://schemas.openxmlformats.org/officeDocument/2006/relationships" xmlns:p="http://schemas.openxmlformats.org/presentationml/2006/main">
+  <p:cSld>
+    <p:spTree>
+      <p:nvGrpSpPr>
+        <p:cNvPr id="1" name=""/>
+        <p:cNvGrpSpPr/>
+        <p:nvPr/>
+      </p:nvGrpSpPr>
+      <p:grpSpPr>
+        <a:xfrm>
+          <a:off x="0" y="0"/>
+          <a:ext cx="0" cy="0"/>
+          <a:chOff x="0" y="0"/>
+          <a:chExt cx="0" cy="0"/>
+        </a:xfrm>
+      </p:grpSpPr>
+      <p:sp>
+        <p:nvSpPr>
+          <p:cNvPr id="2" name="Slide Image Placeholder 1"/>
+          <p:cNvSpPr>
+            <a:spLocks noGrp="1" noRot="1" noChangeAspect="1"/>
+          </p:cNvSpPr>
+          <p:nvPr>
+            <p:ph type="sldImg"/>
+          </p:nvPr>
+        </p:nvSpPr>
+        <p:spPr>
+          <a:xfrm>
+            <a:off x="4325938" y="73025"/>
+            <a:ext cx="2466975" cy="1851025"/>
+          </a:xfrm>
+        </p:spPr>
+      </p:sp>
+      <p:sp>
+        <p:nvSpPr>
+          <p:cNvPr id="3" name="Notes Placeholder 2"/>
+          <p:cNvSpPr>
+            <a:spLocks noGrp="1"/>
+          </p:cNvSpPr>
+          <p:nvPr>
+            <p:ph type="body" idx="1"/>
+          </p:nvPr>
+        </p:nvSpPr>
+        <p:spPr/>
+        <p:txBody>
+          <a:bodyPr/>
+          <a:lstStyle/>
+          <a:p>
+            <a:endParaRPr lang="en-US"/>
+          </a:p>
+        </p:txBody>
+      </p:sp>
+      <p:sp>
+        <p:nvSpPr>
+          <p:cNvPr id="4" name="Slide Number Placeholder 3"/>
+          <p:cNvSpPr>
+            <a:spLocks noGrp="1"/>
+          </p:cNvSpPr>
+          <p:nvPr>
+            <p:ph type="sldNum" sz="quarter" idx="10"/>
+          </p:nvPr>
+        </p:nvSpPr>
+        <p:spPr/>
+        <p:txBody>
+          <a:bodyPr/>
+          <a:lstStyle/>
+          <a:p>
+            <a:fld id="{F19E9337-0361-41F3-9C17-1F4FFD1214BA}" type="slidenum">
+              <a:rPr lang="en-US" smtClean="0"/>
+              <a:t>43</a:t>
+            </a:fld>
+            <a:endParaRPr lang="en-US" dirty="0"/>
+          </a:p>
+        </p:txBody>
+      </p:sp>
+    </p:spTree>
+    <p:extLst>
+      <p:ext uri="{BB962C8B-B14F-4D97-AF65-F5344CB8AC3E}">
+        <p14:creationId xmlns:p14="http://schemas.microsoft.com/office/powerpoint/2010/main" val="2922837321"/>
+      </p:ext>
+    </p:extLst>
+  </p:cSld>
+  <p:clrMapOvr>
+    <a:masterClrMapping/>
+  </p:clrMapOvr>
+</p:notes>
+</file>
+
+<file path=ppt/notesSlides/notesSlide44.xml><?xml version="1.0" encoding="utf-8"?>
+<p:notes xmlns:a="http://schemas.openxmlformats.org/drawingml/2006/main" xmlns:r="http://schemas.openxmlformats.org/officeDocument/2006/relationships" xmlns:p="http://schemas.openxmlformats.org/presentationml/2006/main">
+  <p:cSld>
+    <p:spTree>
+      <p:nvGrpSpPr>
+        <p:cNvPr id="1" name=""/>
+        <p:cNvGrpSpPr/>
+        <p:nvPr/>
+      </p:nvGrpSpPr>
+      <p:grpSpPr>
+        <a:xfrm>
+          <a:off x="0" y="0"/>
+          <a:ext cx="0" cy="0"/>
+          <a:chOff x="0" y="0"/>
+          <a:chExt cx="0" cy="0"/>
+        </a:xfrm>
+      </p:grpSpPr>
+      <p:sp>
+        <p:nvSpPr>
+          <p:cNvPr id="2" name="Slide Image Placeholder 1"/>
+          <p:cNvSpPr>
+            <a:spLocks noGrp="1" noRot="1" noChangeAspect="1"/>
+          </p:cNvSpPr>
+          <p:nvPr>
+            <p:ph type="sldImg"/>
+          </p:nvPr>
+        </p:nvSpPr>
+        <p:spPr>
+          <a:xfrm>
+            <a:off x="4325938" y="73025"/>
+            <a:ext cx="2466975" cy="1851025"/>
+          </a:xfrm>
+        </p:spPr>
+      </p:sp>
+      <p:sp>
+        <p:nvSpPr>
+          <p:cNvPr id="3" name="Notes Placeholder 2"/>
+          <p:cNvSpPr>
+            <a:spLocks noGrp="1"/>
+          </p:cNvSpPr>
+          <p:nvPr>
+            <p:ph type="body" idx="1"/>
+          </p:nvPr>
+        </p:nvSpPr>
+        <p:spPr/>
+        <p:txBody>
+          <a:bodyPr/>
+          <a:lstStyle/>
+          <a:p>
+            <a:endParaRPr lang="en-US"/>
+          </a:p>
+        </p:txBody>
+      </p:sp>
+      <p:sp>
+        <p:nvSpPr>
+          <p:cNvPr id="4" name="Slide Number Placeholder 3"/>
+          <p:cNvSpPr>
+            <a:spLocks noGrp="1"/>
+          </p:cNvSpPr>
+          <p:nvPr>
+            <p:ph type="sldNum" sz="quarter" idx="10"/>
+          </p:nvPr>
+        </p:nvSpPr>
+        <p:spPr/>
+        <p:txBody>
+          <a:bodyPr/>
+          <a:lstStyle/>
+          <a:p>
+            <a:fld id="{F19E9337-0361-41F3-9C17-1F4FFD1214BA}" type="slidenum">
+              <a:rPr lang="en-US" smtClean="0"/>
+              <a:t>44</a:t>
+            </a:fld>
+            <a:endParaRPr lang="en-US" dirty="0"/>
+          </a:p>
+        </p:txBody>
+      </p:sp>
+    </p:spTree>
+    <p:extLst>
+      <p:ext uri="{BB962C8B-B14F-4D97-AF65-F5344CB8AC3E}">
+        <p14:creationId xmlns:p14="http://schemas.microsoft.com/office/powerpoint/2010/main" val="2122548498"/>
+      </p:ext>
+    </p:extLst>
+  </p:cSld>
+  <p:clrMapOvr>
+    <a:masterClrMapping/>
+  </p:clrMapOvr>
+</p:notes>
+</file>
+
+<file path=ppt/notesSlides/notesSlide45.xml><?xml version="1.0" encoding="utf-8"?>
+<p:notes xmlns:a="http://schemas.openxmlformats.org/drawingml/2006/main" xmlns:r="http://schemas.openxmlformats.org/officeDocument/2006/relationships" xmlns:p="http://schemas.openxmlformats.org/presentationml/2006/main">
+  <p:cSld>
+    <p:spTree>
+      <p:nvGrpSpPr>
+        <p:cNvPr id="1" name=""/>
+        <p:cNvGrpSpPr/>
+        <p:nvPr/>
+      </p:nvGrpSpPr>
+      <p:grpSpPr>
+        <a:xfrm>
+          <a:off x="0" y="0"/>
+          <a:ext cx="0" cy="0"/>
+          <a:chOff x="0" y="0"/>
+          <a:chExt cx="0" cy="0"/>
+        </a:xfrm>
+      </p:grpSpPr>
+      <p:sp>
+        <p:nvSpPr>
+          <p:cNvPr id="2" name="Slide Image Placeholder 1"/>
+          <p:cNvSpPr>
+            <a:spLocks noGrp="1" noRot="1" noChangeAspect="1"/>
+          </p:cNvSpPr>
+          <p:nvPr>
+            <p:ph type="sldImg"/>
+          </p:nvPr>
+        </p:nvSpPr>
+        <p:spPr>
+          <a:xfrm>
+            <a:off x="4325938" y="73025"/>
+            <a:ext cx="2466975" cy="1851025"/>
+          </a:xfrm>
+        </p:spPr>
+      </p:sp>
+      <p:sp>
+        <p:nvSpPr>
+          <p:cNvPr id="3" name="Notes Placeholder 2"/>
+          <p:cNvSpPr>
+            <a:spLocks noGrp="1"/>
+          </p:cNvSpPr>
+          <p:nvPr>
+            <p:ph type="body" idx="1"/>
+          </p:nvPr>
+        </p:nvSpPr>
+        <p:spPr/>
+        <p:txBody>
+          <a:bodyPr/>
+          <a:lstStyle/>
+          <a:p>
+            <a:endParaRPr lang="en-US"/>
+          </a:p>
+        </p:txBody>
+      </p:sp>
+      <p:sp>
+        <p:nvSpPr>
+          <p:cNvPr id="4" name="Slide Number Placeholder 3"/>
+          <p:cNvSpPr>
+            <a:spLocks noGrp="1"/>
+          </p:cNvSpPr>
+          <p:nvPr>
+            <p:ph type="sldNum" sz="quarter" idx="10"/>
+          </p:nvPr>
+        </p:nvSpPr>
+        <p:spPr/>
+        <p:txBody>
+          <a:bodyPr/>
+          <a:lstStyle/>
+          <a:p>
+            <a:fld id="{F19E9337-0361-41F3-9C17-1F4FFD1214BA}" type="slidenum">
+              <a:rPr lang="en-US" smtClean="0"/>
+              <a:t>45</a:t>
+            </a:fld>
+            <a:endParaRPr lang="en-US" dirty="0"/>
+          </a:p>
+        </p:txBody>
+      </p:sp>
+    </p:spTree>
+    <p:extLst>
+      <p:ext uri="{BB962C8B-B14F-4D97-AF65-F5344CB8AC3E}">
+        <p14:creationId xmlns:p14="http://schemas.microsoft.com/office/powerpoint/2010/main" val="3093780954"/>
       </p:ext>
     </p:extLst>
   </p:cSld>
@@ -8056,7 +11255,7 @@
           <a:p>
             <a:fld id="{F19E9337-0361-41F3-9C17-1F4FFD1214BA}" type="slidenum">
               <a:rPr lang="en-US" smtClean="0"/>
-              <a:t>17</a:t>
+              <a:t>5</a:t>
             </a:fld>
             <a:endParaRPr lang="en-US" dirty="0"/>
           </a:p>
@@ -8065,7 +11264,7 @@
     </p:spTree>
     <p:extLst>
       <p:ext uri="{BB962C8B-B14F-4D97-AF65-F5344CB8AC3E}">
-        <p14:creationId xmlns:p14="http://schemas.microsoft.com/office/powerpoint/2010/main" val="1739143907"/>
+        <p14:creationId xmlns:p14="http://schemas.microsoft.com/office/powerpoint/2010/main" val="3120101404"/>
       </p:ext>
     </p:extLst>
   </p:cSld>
@@ -8145,7 +11344,7 @@
           <a:p>
             <a:fld id="{F19E9337-0361-41F3-9C17-1F4FFD1214BA}" type="slidenum">
               <a:rPr lang="en-US" smtClean="0"/>
-              <a:t>28</a:t>
+              <a:t>6</a:t>
             </a:fld>
             <a:endParaRPr lang="en-US" dirty="0"/>
           </a:p>
@@ -8154,7 +11353,7 @@
     </p:spTree>
     <p:extLst>
       <p:ext uri="{BB962C8B-B14F-4D97-AF65-F5344CB8AC3E}">
-        <p14:creationId xmlns:p14="http://schemas.microsoft.com/office/powerpoint/2010/main" val="1615013471"/>
+        <p14:creationId xmlns:p14="http://schemas.microsoft.com/office/powerpoint/2010/main" val="1812614491"/>
       </p:ext>
     </p:extLst>
   </p:cSld>
@@ -8213,9 +11412,7 @@
           <a:bodyPr/>
           <a:lstStyle/>
           <a:p>
-            <a:endParaRPr lang="en-IE" sz="1000" baseline="0" dirty="0">
-              <a:latin typeface="Segoe" panose="020B0502040504020203" pitchFamily="34" charset="0"/>
-            </a:endParaRPr>
+            <a:endParaRPr lang="en-US"/>
           </a:p>
         </p:txBody>
       </p:sp>
@@ -8234,88 +11431,10 @@
           <a:bodyPr/>
           <a:lstStyle/>
           <a:p>
-            <a:fld id="{E2FF7759-803D-4F76-9AEC-98B2D9A07B0D}" type="slidenum">
+            <a:fld id="{F19E9337-0361-41F3-9C17-1F4FFD1214BA}" type="slidenum">
               <a:rPr lang="en-US" smtClean="0"/>
-              <a:pPr/>
-              <a:t>41</a:t>
+              <a:t>7</a:t>
             </a:fld>
-            <a:endParaRPr lang="en-US" dirty="0"/>
-          </a:p>
-        </p:txBody>
-      </p:sp>
-      <p:sp>
-        <p:nvSpPr>
-          <p:cNvPr id="5" name="Rectangle 3"/>
-          <p:cNvSpPr>
-            <a:spLocks noGrp="1" noChangeArrowheads="1"/>
-          </p:cNvSpPr>
-          <p:nvPr>
-            <p:ph type="dt" sz="quarter" idx="1"/>
-          </p:nvPr>
-        </p:nvSpPr>
-        <p:spPr>
-          <a:xfrm>
-            <a:off x="264815" y="186683"/>
-            <a:ext cx="1955088" cy="485365"/>
-          </a:xfrm>
-        </p:spPr>
-        <p:txBody>
-          <a:bodyPr/>
-          <a:lstStyle/>
-          <a:p>
-            <a:pPr algn="l">
-              <a:defRPr/>
-            </a:pPr>
-            <a:r>
-              <a:rPr lang="en-US" b="1" dirty="0">
-                <a:latin typeface="Arial" pitchFamily="34" charset="0"/>
-                <a:cs typeface="Arial" pitchFamily="34" charset="0"/>
-              </a:rPr>
-              <a:t>Course 20533D</a:t>
-            </a:r>
-          </a:p>
-          <a:p>
-            <a:pPr algn="l">
-              <a:defRPr/>
-            </a:pPr>
-            <a:r>
-              <a:rPr lang="en-US" b="1" dirty="0">
-                <a:solidFill>
-                  <a:srgbClr val="336699"/>
-                </a:solidFill>
-                <a:latin typeface="Arial" pitchFamily="34" charset="0"/>
-                <a:cs typeface="Arial" pitchFamily="34" charset="0"/>
-              </a:rPr>
-              <a:t>Module</a:t>
-            </a:r>
-            <a:r>
-              <a:rPr lang="en-US" b="1" dirty="0">
-                <a:latin typeface="Arial" pitchFamily="34" charset="0"/>
-                <a:cs typeface="Arial" pitchFamily="34" charset="0"/>
-              </a:rPr>
-              <a:t> </a:t>
-            </a:r>
-            <a:r>
-              <a:rPr lang="en-US" b="1" dirty="0">
-                <a:solidFill>
-                  <a:srgbClr val="336699"/>
-                </a:solidFill>
-                <a:latin typeface="Arial" pitchFamily="34" charset="0"/>
-                <a:cs typeface="Arial" pitchFamily="34" charset="0"/>
-              </a:rPr>
-              <a:t>0: Introduction</a:t>
-            </a:r>
-          </a:p>
-          <a:p>
-            <a:pPr>
-              <a:defRPr/>
-            </a:pPr>
-            <a:endParaRPr lang="en-US" dirty="0"/>
-          </a:p>
-          <a:p>
-            <a:pPr>
-              <a:defRPr/>
-            </a:pPr>
             <a:endParaRPr lang="en-US" dirty="0"/>
           </a:p>
         </p:txBody>
@@ -8323,7 +11442,7 @@
     </p:spTree>
     <p:extLst>
       <p:ext uri="{BB962C8B-B14F-4D97-AF65-F5344CB8AC3E}">
-        <p14:creationId xmlns:p14="http://schemas.microsoft.com/office/powerpoint/2010/main" val="468583715"/>
+        <p14:creationId xmlns:p14="http://schemas.microsoft.com/office/powerpoint/2010/main" val="1681336937"/>
       </p:ext>
     </p:extLst>
   </p:cSld>
@@ -8382,9 +11501,7 @@
           <a:bodyPr/>
           <a:lstStyle/>
           <a:p>
-            <a:endParaRPr lang="en-IE" sz="1000" baseline="0" dirty="0">
-              <a:latin typeface="Segoe" panose="020B0502040504020203" pitchFamily="34" charset="0"/>
-            </a:endParaRPr>
+            <a:endParaRPr lang="en-US"/>
           </a:p>
         </p:txBody>
       </p:sp>
@@ -8403,88 +11520,99 @@
           <a:bodyPr/>
           <a:lstStyle/>
           <a:p>
-            <a:fld id="{E2FF7759-803D-4F76-9AEC-98B2D9A07B0D}" type="slidenum">
+            <a:fld id="{F19E9337-0361-41F3-9C17-1F4FFD1214BA}" type="slidenum">
               <a:rPr lang="en-US" smtClean="0"/>
-              <a:pPr/>
-              <a:t>42</a:t>
+              <a:t>8</a:t>
             </a:fld>
             <a:endParaRPr lang="en-US" dirty="0"/>
           </a:p>
         </p:txBody>
       </p:sp>
-      <p:sp>
-        <p:nvSpPr>
-          <p:cNvPr id="5" name="Rectangle 3"/>
-          <p:cNvSpPr>
-            <a:spLocks noGrp="1" noChangeArrowheads="1"/>
-          </p:cNvSpPr>
-          <p:nvPr>
-            <p:ph type="dt" sz="quarter" idx="1"/>
+    </p:spTree>
+    <p:extLst>
+      <p:ext uri="{BB962C8B-B14F-4D97-AF65-F5344CB8AC3E}">
+        <p14:creationId xmlns:p14="http://schemas.microsoft.com/office/powerpoint/2010/main" val="2801374813"/>
+      </p:ext>
+    </p:extLst>
+  </p:cSld>
+  <p:clrMapOvr>
+    <a:masterClrMapping/>
+  </p:clrMapOvr>
+</p:notes>
+</file>
+
+<file path=ppt/notesSlides/notesSlide9.xml><?xml version="1.0" encoding="utf-8"?>
+<p:notes xmlns:a="http://schemas.openxmlformats.org/drawingml/2006/main" xmlns:r="http://schemas.openxmlformats.org/officeDocument/2006/relationships" xmlns:p="http://schemas.openxmlformats.org/presentationml/2006/main">
+  <p:cSld>
+    <p:spTree>
+      <p:nvGrpSpPr>
+        <p:cNvPr id="1" name=""/>
+        <p:cNvGrpSpPr/>
+        <p:nvPr/>
+      </p:nvGrpSpPr>
+      <p:grpSpPr>
+        <a:xfrm>
+          <a:off x="0" y="0"/>
+          <a:ext cx="0" cy="0"/>
+          <a:chOff x="0" y="0"/>
+          <a:chExt cx="0" cy="0"/>
+        </a:xfrm>
+      </p:grpSpPr>
+      <p:sp>
+        <p:nvSpPr>
+          <p:cNvPr id="2" name="Slide Image Placeholder 1"/>
+          <p:cNvSpPr>
+            <a:spLocks noGrp="1" noRot="1" noChangeAspect="1"/>
+          </p:cNvSpPr>
+          <p:nvPr>
+            <p:ph type="sldImg"/>
           </p:nvPr>
         </p:nvSpPr>
         <p:spPr>
           <a:xfrm>
-            <a:off x="264815" y="186683"/>
-            <a:ext cx="1955088" cy="485365"/>
+            <a:off x="4325938" y="73025"/>
+            <a:ext cx="2466975" cy="1851025"/>
           </a:xfrm>
         </p:spPr>
+      </p:sp>
+      <p:sp>
+        <p:nvSpPr>
+          <p:cNvPr id="3" name="Notes Placeholder 2"/>
+          <p:cNvSpPr>
+            <a:spLocks noGrp="1"/>
+          </p:cNvSpPr>
+          <p:nvPr>
+            <p:ph type="body" idx="1"/>
+          </p:nvPr>
+        </p:nvSpPr>
+        <p:spPr/>
         <p:txBody>
           <a:bodyPr/>
           <a:lstStyle/>
           <a:p>
-            <a:pPr algn="l">
-              <a:defRPr/>
-            </a:pPr>
-            <a:r>
-              <a:rPr lang="en-US" b="1" dirty="0">
-                <a:latin typeface="Arial" pitchFamily="34" charset="0"/>
-                <a:cs typeface="Arial" pitchFamily="34" charset="0"/>
-              </a:rPr>
-              <a:t>Course 20533D</a:t>
-            </a:r>
-          </a:p>
-          <a:p>
-            <a:pPr algn="l">
-              <a:defRPr/>
-            </a:pPr>
-            <a:r>
-              <a:rPr lang="en-US" b="1" dirty="0">
-                <a:solidFill>
-                  <a:srgbClr val="336699"/>
-                </a:solidFill>
-                <a:latin typeface="Arial" pitchFamily="34" charset="0"/>
-                <a:cs typeface="Arial" pitchFamily="34" charset="0"/>
-              </a:rPr>
-              <a:t>Module</a:t>
-            </a:r>
-            <a:r>
-              <a:rPr lang="en-US" b="1" dirty="0">
-                <a:latin typeface="Arial" pitchFamily="34" charset="0"/>
-                <a:cs typeface="Arial" pitchFamily="34" charset="0"/>
-              </a:rPr>
-              <a:t> </a:t>
-            </a:r>
-            <a:r>
-              <a:rPr lang="en-US" b="1" dirty="0">
-                <a:solidFill>
-                  <a:srgbClr val="336699"/>
-                </a:solidFill>
-                <a:latin typeface="Arial" pitchFamily="34" charset="0"/>
-                <a:cs typeface="Arial" pitchFamily="34" charset="0"/>
-              </a:rPr>
-              <a:t>0: Introduction</a:t>
-            </a:r>
-          </a:p>
-          <a:p>
-            <a:pPr>
-              <a:defRPr/>
-            </a:pPr>
-            <a:endParaRPr lang="en-US" dirty="0"/>
-          </a:p>
-          <a:p>
-            <a:pPr>
-              <a:defRPr/>
-            </a:pPr>
+            <a:endParaRPr lang="en-US"/>
+          </a:p>
+        </p:txBody>
+      </p:sp>
+      <p:sp>
+        <p:nvSpPr>
+          <p:cNvPr id="4" name="Slide Number Placeholder 3"/>
+          <p:cNvSpPr>
+            <a:spLocks noGrp="1"/>
+          </p:cNvSpPr>
+          <p:nvPr>
+            <p:ph type="sldNum" sz="quarter" idx="10"/>
+          </p:nvPr>
+        </p:nvSpPr>
+        <p:spPr/>
+        <p:txBody>
+          <a:bodyPr/>
+          <a:lstStyle/>
+          <a:p>
+            <a:fld id="{F19E9337-0361-41F3-9C17-1F4FFD1214BA}" type="slidenum">
+              <a:rPr lang="en-US" smtClean="0"/>
+              <a:t>9</a:t>
+            </a:fld>
             <a:endParaRPr lang="en-US" dirty="0"/>
           </a:p>
         </p:txBody>
@@ -8492,7 +11620,7 @@
     </p:spTree>
     <p:extLst>
       <p:ext uri="{BB962C8B-B14F-4D97-AF65-F5344CB8AC3E}">
-        <p14:creationId xmlns:p14="http://schemas.microsoft.com/office/powerpoint/2010/main" val="1487420928"/>
+        <p14:creationId xmlns:p14="http://schemas.microsoft.com/office/powerpoint/2010/main" val="98875361"/>
       </p:ext>
     </p:extLst>
   </p:cSld>
@@ -12479,292 +15607,6 @@
 </p:sldLayout>
 </file>
 
-<file path=ppt/slideLayouts/slideLayout20.xml><?xml version="1.0" encoding="utf-8"?>
-<p:sldLayout xmlns:a="http://schemas.openxmlformats.org/drawingml/2006/main" xmlns:r="http://schemas.openxmlformats.org/officeDocument/2006/relationships" xmlns:p="http://schemas.openxmlformats.org/presentationml/2006/main" userDrawn="1">
-  <p:cSld name="32pt Slide Title ">
-    <p:spTree>
-      <p:nvGrpSpPr>
-        <p:cNvPr id="1" name=""/>
-        <p:cNvGrpSpPr/>
-        <p:nvPr/>
-      </p:nvGrpSpPr>
-      <p:grpSpPr>
-        <a:xfrm>
-          <a:off x="0" y="0"/>
-          <a:ext cx="0" cy="0"/>
-          <a:chOff x="0" y="0"/>
-          <a:chExt cx="0" cy="0"/>
-        </a:xfrm>
-      </p:grpSpPr>
-      <p:sp>
-        <p:nvSpPr>
-          <p:cNvPr id="8" name="Rectangle 7"/>
-          <p:cNvSpPr/>
-          <p:nvPr userDrawn="1"/>
-        </p:nvSpPr>
-        <p:spPr>
-          <a:xfrm>
-            <a:off x="0" y="0"/>
-            <a:ext cx="9144000" cy="822960"/>
-          </a:xfrm>
-          <a:prstGeom prst="rect">
-            <a:avLst/>
-          </a:prstGeom>
-          <a:solidFill>
-            <a:srgbClr val="0070C0"/>
-          </a:solidFill>
-          <a:ln>
-            <a:noFill/>
-          </a:ln>
-        </p:spPr>
-        <p:style>
-          <a:lnRef idx="2">
-            <a:schemeClr val="accent1">
-              <a:shade val="50000"/>
-            </a:schemeClr>
-          </a:lnRef>
-          <a:fillRef idx="1">
-            <a:schemeClr val="accent1"/>
-          </a:fillRef>
-          <a:effectRef idx="0">
-            <a:schemeClr val="accent1"/>
-          </a:effectRef>
-          <a:fontRef idx="minor">
-            <a:schemeClr val="lt1"/>
-          </a:fontRef>
-        </p:style>
-        <p:txBody>
-          <a:bodyPr rtlCol="0" anchor="ctr"/>
-          <a:lstStyle/>
-          <a:p>
-            <a:pPr algn="ctr"/>
-            <a:endParaRPr lang="en-US" dirty="0"/>
-          </a:p>
-        </p:txBody>
-      </p:sp>
-      <p:sp>
-        <p:nvSpPr>
-          <p:cNvPr id="2" name="Title 1"/>
-          <p:cNvSpPr>
-            <a:spLocks noGrp="1"/>
-          </p:cNvSpPr>
-          <p:nvPr>
-            <p:ph type="title" hasCustomPrompt="1"/>
-          </p:nvPr>
-        </p:nvSpPr>
-        <p:spPr>
-          <a:xfrm>
-            <a:off x="457200" y="0"/>
-            <a:ext cx="8229600" cy="822960"/>
-          </a:xfrm>
-        </p:spPr>
-        <p:txBody>
-          <a:bodyPr>
-            <a:noAutofit/>
-          </a:bodyPr>
-          <a:lstStyle>
-            <a:lvl1pPr algn="l">
-              <a:lnSpc>
-                <a:spcPct val="90000"/>
-              </a:lnSpc>
-              <a:defRPr sz="2800" baseline="0">
-                <a:solidFill>
-                  <a:schemeClr val="bg1"/>
-                </a:solidFill>
-                <a:latin typeface="Segoe UI Light" panose="020B0502040204020203" pitchFamily="34" charset="0"/>
-                <a:ea typeface="Segoe UI Light" panose="020B0502040204020203" pitchFamily="34" charset="0"/>
-                <a:cs typeface="Segoe UI Light" panose="020B0502040204020203" pitchFamily="34" charset="0"/>
-              </a:defRPr>
-            </a:lvl1pPr>
-          </a:lstStyle>
-          <a:p>
-            <a:r>
-              <a:rPr lang="en-US" dirty="0"/>
-              <a:t>28pt Slide Title</a:t>
-            </a:r>
-          </a:p>
-        </p:txBody>
-      </p:sp>
-      <p:sp>
-        <p:nvSpPr>
-          <p:cNvPr id="10" name="Slide Number Placeholder 9"/>
-          <p:cNvSpPr>
-            <a:spLocks noGrp="1"/>
-          </p:cNvSpPr>
-          <p:nvPr>
-            <p:ph type="sldNum" sz="quarter" idx="12"/>
-          </p:nvPr>
-        </p:nvSpPr>
-        <p:spPr/>
-        <p:txBody>
-          <a:bodyPr/>
-          <a:lstStyle>
-            <a:lvl1pPr>
-              <a:defRPr sz="1200">
-                <a:solidFill>
-                  <a:schemeClr val="tx1">
-                    <a:lumMod val="65000"/>
-                    <a:lumOff val="35000"/>
-                  </a:schemeClr>
-                </a:solidFill>
-                <a:latin typeface="Segoe UI" pitchFamily="34" charset="0"/>
-                <a:ea typeface="Segoe UI" pitchFamily="34" charset="0"/>
-                <a:cs typeface="Segoe UI" pitchFamily="34" charset="0"/>
-              </a:defRPr>
-            </a:lvl1pPr>
-          </a:lstStyle>
-          <a:p>
-            <a:fld id="{D814DA60-3BEE-4BCE-BEDB-E433FD970963}" type="slidenum">
-              <a:rPr lang="en-US" smtClean="0"/>
-              <a:pPr/>
-              <a:t>‹#›</a:t>
-            </a:fld>
-            <a:endParaRPr lang="en-US" dirty="0"/>
-          </a:p>
-        </p:txBody>
-      </p:sp>
-      <p:sp>
-        <p:nvSpPr>
-          <p:cNvPr id="6" name="Footer Placeholder 8"/>
-          <p:cNvSpPr>
-            <a:spLocks noGrp="1"/>
-          </p:cNvSpPr>
-          <p:nvPr>
-            <p:ph type="ftr" sz="quarter" idx="11"/>
-          </p:nvPr>
-        </p:nvSpPr>
-        <p:spPr>
-          <a:xfrm>
-            <a:off x="457200" y="6324600"/>
-            <a:ext cx="2895600" cy="365125"/>
-          </a:xfrm>
-          <a:prstGeom prst="rect">
-            <a:avLst/>
-          </a:prstGeom>
-        </p:spPr>
-        <p:txBody>
-          <a:bodyPr/>
-          <a:lstStyle>
-            <a:lvl1pPr algn="l">
-              <a:defRPr/>
-            </a:lvl1pPr>
-          </a:lstStyle>
-          <a:p>
-            <a:endParaRPr lang="en-US" dirty="0"/>
-          </a:p>
-        </p:txBody>
-      </p:sp>
-      <p:sp>
-        <p:nvSpPr>
-          <p:cNvPr id="9" name="Text Placeholder 4"/>
-          <p:cNvSpPr>
-            <a:spLocks noGrp="1"/>
-          </p:cNvSpPr>
-          <p:nvPr>
-            <p:ph type="body" sz="quarter" idx="13"/>
-          </p:nvPr>
-        </p:nvSpPr>
-        <p:spPr>
-          <a:xfrm>
-            <a:off x="457200" y="1066800"/>
-            <a:ext cx="8229600" cy="5105400"/>
-          </a:xfrm>
-          <a:prstGeom prst="rect">
-            <a:avLst/>
-          </a:prstGeom>
-        </p:spPr>
-        <p:txBody>
-          <a:bodyPr/>
-          <a:lstStyle>
-            <a:lvl1pPr marL="457200" indent="-457200">
-              <a:buClr>
-                <a:srgbClr val="0070C0"/>
-              </a:buClr>
-              <a:buFont typeface="Arial" pitchFamily="34" charset="0"/>
-              <a:buChar char="•"/>
-              <a:defRPr sz="2800" b="0">
-                <a:latin typeface="Segoe UI" pitchFamily="34" charset="0"/>
-                <a:ea typeface="Segoe UI" pitchFamily="34" charset="0"/>
-                <a:cs typeface="Segoe UI" pitchFamily="34" charset="0"/>
-              </a:defRPr>
-            </a:lvl1pPr>
-            <a:lvl2pPr marL="800100" indent="-342900">
-              <a:buClr>
-                <a:srgbClr val="0070C0"/>
-              </a:buClr>
-              <a:buFont typeface="Arial" pitchFamily="34" charset="0"/>
-              <a:buChar char="•"/>
-              <a:defRPr sz="2400" b="0">
-                <a:latin typeface="Segoe UI" pitchFamily="34" charset="0"/>
-                <a:ea typeface="Segoe UI" pitchFamily="34" charset="0"/>
-                <a:cs typeface="Segoe UI" pitchFamily="34" charset="0"/>
-              </a:defRPr>
-            </a:lvl2pPr>
-            <a:lvl3pPr marL="1257300" indent="-342900">
-              <a:buClr>
-                <a:srgbClr val="0070C0"/>
-              </a:buClr>
-              <a:buFont typeface="Arial" pitchFamily="34" charset="0"/>
-              <a:buChar char="•"/>
-              <a:defRPr sz="2000" b="0">
-                <a:latin typeface="Segoe UI" pitchFamily="34" charset="0"/>
-                <a:ea typeface="Segoe UI" pitchFamily="34" charset="0"/>
-                <a:cs typeface="Segoe UI" pitchFamily="34" charset="0"/>
-              </a:defRPr>
-            </a:lvl3pPr>
-            <a:lvl4pPr marL="1371600" indent="0">
-              <a:buNone/>
-              <a:defRPr>
-                <a:latin typeface="Segoe UI" pitchFamily="34" charset="0"/>
-                <a:ea typeface="Segoe UI" pitchFamily="34" charset="0"/>
-                <a:cs typeface="Segoe UI" pitchFamily="34" charset="0"/>
-              </a:defRPr>
-            </a:lvl4pPr>
-            <a:lvl5pPr>
-              <a:defRPr>
-                <a:latin typeface="Segoe UI" pitchFamily="34" charset="0"/>
-                <a:ea typeface="Segoe UI" pitchFamily="34" charset="0"/>
-                <a:cs typeface="Segoe UI" pitchFamily="34" charset="0"/>
-              </a:defRPr>
-            </a:lvl5pPr>
-          </a:lstStyle>
-          <a:p>
-            <a:pPr lvl="0"/>
-            <a:r>
-              <a:rPr lang="en-US" dirty="0"/>
-              <a:t>Click to edit Master text styles</a:t>
-            </a:r>
-          </a:p>
-          <a:p>
-            <a:pPr lvl="1"/>
-            <a:r>
-              <a:rPr lang="en-US" dirty="0"/>
-              <a:t>Second level</a:t>
-            </a:r>
-          </a:p>
-          <a:p>
-            <a:pPr lvl="2"/>
-            <a:r>
-              <a:rPr lang="en-US" dirty="0"/>
-              <a:t>Third level</a:t>
-            </a:r>
-          </a:p>
-        </p:txBody>
-      </p:sp>
-    </p:spTree>
-    <p:extLst>
-      <p:ext uri="{BB962C8B-B14F-4D97-AF65-F5344CB8AC3E}">
-        <p14:creationId xmlns:p14="http://schemas.microsoft.com/office/powerpoint/2010/main" val="2705765972"/>
-      </p:ext>
-    </p:extLst>
-  </p:cSld>
-  <p:clrMapOvr>
-    <a:masterClrMapping/>
-  </p:clrMapOvr>
-  <p:hf hdr="0" ftr="0" dt="0"/>
-</p:sldLayout>
-</file>
-
 <file path=ppt/slideLayouts/slideLayout3.xml><?xml version="1.0" encoding="utf-8"?>
 <p:sldLayout xmlns:a="http://schemas.openxmlformats.org/drawingml/2006/main" xmlns:r="http://schemas.openxmlformats.org/officeDocument/2006/relationships" xmlns:p="http://schemas.openxmlformats.org/presentationml/2006/main" preserve="1" userDrawn="1">
   <p:cSld name="Title Only">
@@ -14756,7 +17598,6 @@
     <p:sldLayoutId id="2147483669" r:id="rId17"/>
     <p:sldLayoutId id="2147483670" r:id="rId18"/>
     <p:sldLayoutId id="2147483671" r:id="rId19"/>
-    <p:sldLayoutId id="2147483673" r:id="rId20"/>
   </p:sldLayoutIdLst>
   <p:txStyles>
     <p:titleStyle>
@@ -15720,7 +18561,10 @@
           <a:bodyPr/>
           <a:lstStyle/>
           <a:p>
-            <a:endParaRPr lang="en-US"/>
+            <a:r>
+              <a:rPr lang="en-US" dirty="0"/>
+              <a:t>https://docs.microsoft.com/en-us/azure/cloud-shell/persisting-shell-storage</a:t>
+            </a:r>
           </a:p>
         </p:txBody>
       </p:sp>
@@ -15739,7 +18583,7 @@
           <p:nvPr/>
         </p:nvPicPr>
         <p:blipFill>
-          <a:blip r:embed="rId2"/>
+          <a:blip r:embed="rId3"/>
           <a:stretch>
             <a:fillRect/>
           </a:stretch>
@@ -15799,7 +18643,7 @@
           <p:nvPr/>
         </p:nvPicPr>
         <p:blipFill>
-          <a:blip r:embed="rId3"/>
+          <a:blip r:embed="rId4"/>
           <a:stretch>
             <a:fillRect/>
           </a:stretch>
@@ -15859,7 +18703,7 @@
           <p:nvPr/>
         </p:nvPicPr>
         <p:blipFill>
-          <a:blip r:embed="rId4"/>
+          <a:blip r:embed="rId5"/>
           <a:stretch>
             <a:fillRect/>
           </a:stretch>
@@ -16433,12 +19277,46 @@
             <p:ph type="body" sz="quarter" idx="10"/>
           </p:nvPr>
         </p:nvSpPr>
-        <p:spPr/>
+        <p:spPr>
+          <a:xfrm>
+            <a:off x="270197" y="6090924"/>
+            <a:ext cx="8574837" cy="410903"/>
+          </a:xfrm>
+        </p:spPr>
         <p:txBody>
           <a:bodyPr/>
           <a:lstStyle/>
           <a:p>
-            <a:endParaRPr lang="en-US"/>
+            <a:r>
+              <a:rPr lang="en-US" sz="1200" dirty="0"/>
+              <a:t>CLI: </a:t>
+            </a:r>
+            <a:r>
+              <a:rPr lang="en-US" sz="1200" dirty="0">
+                <a:hlinkClick r:id="rId3"/>
+              </a:rPr>
+              <a:t>https://docs.microsoft.com/en-us/azure/azure-resource-manager/resource-group-template-deploy-cli</a:t>
+            </a:r>
+            <a:r>
+              <a:rPr lang="en-US" sz="1200" dirty="0"/>
+              <a:t> </a:t>
+            </a:r>
+          </a:p>
+          <a:p>
+            <a:r>
+              <a:rPr lang="en-US" sz="1200" dirty="0"/>
+              <a:t>PowerShell: </a:t>
+            </a:r>
+            <a:r>
+              <a:rPr lang="en-US" sz="1200" dirty="0">
+                <a:hlinkClick r:id="rId4"/>
+              </a:rPr>
+              <a:t>https://docs.microsoft.com/en-us/azure/azure-resource-manager/resource-group-template-deploy</a:t>
+            </a:r>
+            <a:r>
+              <a:rPr lang="en-US" sz="1200" dirty="0"/>
+              <a:t> </a:t>
+            </a:r>
           </a:p>
         </p:txBody>
       </p:sp>
@@ -19280,7 +22158,16 @@
           <a:bodyPr/>
           <a:lstStyle/>
           <a:p>
-            <a:endParaRPr lang="en-US"/>
+            <a:r>
+              <a:rPr lang="en-US" dirty="0">
+                <a:hlinkClick r:id="rId3"/>
+              </a:rPr>
+              <a:t>https://docs.microsoft.com/en-us/azure/azure-resource-manager/resource-group-authenticate-service-principal</a:t>
+            </a:r>
+            <a:r>
+              <a:rPr lang="en-US" dirty="0"/>
+              <a:t> </a:t>
+            </a:r>
           </a:p>
         </p:txBody>
       </p:sp>
@@ -19880,7 +22767,16 @@
           <a:bodyPr/>
           <a:lstStyle/>
           <a:p>
-            <a:endParaRPr lang="en-US"/>
+            <a:r>
+              <a:rPr lang="en-US" dirty="0">
+                <a:hlinkClick r:id="rId3"/>
+              </a:rPr>
+              <a:t>https://docs.microsoft.com/en-us/azure/azure-resource-manager/resource-group-authenticate-service-principal</a:t>
+            </a:r>
+            <a:r>
+              <a:rPr lang="en-US" dirty="0"/>
+              <a:t> </a:t>
+            </a:r>
           </a:p>
         </p:txBody>
       </p:sp>
@@ -20266,7 +23162,7 @@
         </p:xfrm>
         <a:graphic>
           <a:graphicData uri="http://schemas.openxmlformats.org/drawingml/2006/diagram">
-            <dgm:relIds xmlns:dgm="http://schemas.openxmlformats.org/drawingml/2006/diagram" xmlns:r="http://schemas.openxmlformats.org/officeDocument/2006/relationships" r:dm="rId2" r:lo="rId3" r:qs="rId4" r:cs="rId5"/>
+            <dgm:relIds xmlns:dgm="http://schemas.openxmlformats.org/drawingml/2006/diagram" xmlns:r="http://schemas.openxmlformats.org/officeDocument/2006/relationships" r:dm="rId3" r:lo="rId4" r:qs="rId5" r:cs="rId6"/>
           </a:graphicData>
         </a:graphic>
       </p:graphicFrame>
@@ -20291,7 +23187,16 @@
           <a:bodyPr/>
           <a:lstStyle/>
           <a:p>
-            <a:endParaRPr lang="en-US"/>
+            <a:r>
+              <a:rPr lang="en-US" dirty="0">
+                <a:hlinkClick r:id="rId8"/>
+              </a:rPr>
+              <a:t>https://docs.microsoft.com/en-us/azure/azure-resource-manager/resource-group-lock-resources</a:t>
+            </a:r>
+            <a:r>
+              <a:rPr lang="en-US" dirty="0"/>
+              <a:t> </a:t>
+            </a:r>
           </a:p>
         </p:txBody>
       </p:sp>
@@ -20656,7 +23561,7 @@
           <p:nvPr/>
         </p:nvPicPr>
         <p:blipFill>
-          <a:blip r:embed="rId2"/>
+          <a:blip r:embed="rId3"/>
           <a:stretch>
             <a:fillRect/>
           </a:stretch>
@@ -20721,7 +23626,7 @@
           <p:nvPr/>
         </p:nvPicPr>
         <p:blipFill>
-          <a:blip r:embed="rId3"/>
+          <a:blip r:embed="rId4"/>
           <a:stretch>
             <a:fillRect/>
           </a:stretch>
@@ -20761,7 +23666,7 @@
           <p:nvPr/>
         </p:nvPicPr>
         <p:blipFill>
-          <a:blip r:embed="rId4"/>
+          <a:blip r:embed="rId5"/>
           <a:stretch>
             <a:fillRect/>
           </a:stretch>
@@ -21048,7 +23953,7 @@
           <p:nvPr/>
         </p:nvPicPr>
         <p:blipFill>
-          <a:blip r:embed="rId2"/>
+          <a:blip r:embed="rId3"/>
           <a:stretch>
             <a:fillRect/>
           </a:stretch>
@@ -21715,7 +24620,16 @@
           <a:bodyPr/>
           <a:lstStyle/>
           <a:p>
-            <a:endParaRPr lang="en-US"/>
+            <a:r>
+              <a:rPr lang="en-US" dirty="0">
+                <a:hlinkClick r:id="rId3"/>
+              </a:rPr>
+              <a:t>https://docs.microsoft.com/en-us/azure/azure-resource-manager/resource-group-lock-resources</a:t>
+            </a:r>
+            <a:r>
+              <a:rPr lang="en-US" dirty="0"/>
+              <a:t> </a:t>
+            </a:r>
           </a:p>
         </p:txBody>
       </p:sp>
@@ -22368,7 +25282,33 @@
           <a:p>
             <a:r>
               <a:rPr lang="en-US" dirty="0"/>
-              <a:t>2000 role assignments per subscription</a:t>
+              <a:t>2000 role assignments per subscription </a:t>
+            </a:r>
+          </a:p>
+          <a:p>
+            <a:pPr lvl="1"/>
+            <a:r>
+              <a:rPr lang="en-US" dirty="0"/>
+              <a:t>Examples Owner, Contributor, Reader, View access, Add Access </a:t>
+            </a:r>
+          </a:p>
+          <a:p>
+            <a:r>
+              <a:rPr lang="en-US" dirty="0"/>
+              <a:t>Built-in roles for Azure role-based access control</a:t>
+            </a:r>
+          </a:p>
+          <a:p>
+            <a:pPr lvl="1"/>
+            <a:r>
+              <a:rPr lang="en-US" dirty="0">
+                <a:hlinkClick r:id="rId3"/>
+              </a:rPr>
+              <a:t>https://docs.microsoft.com/en-us/azure/active-directory/role-based-access-built-in-roles</a:t>
+            </a:r>
+            <a:r>
+              <a:rPr lang="en-US" dirty="0"/>
+              <a:t> </a:t>
             </a:r>
           </a:p>
         </p:txBody>
@@ -22394,7 +25334,66 @@
           <a:bodyPr/>
           <a:lstStyle/>
           <a:p>
-            <a:endParaRPr lang="en-US"/>
+            <a:r>
+              <a:rPr lang="en-US" dirty="0">
+                <a:hlinkClick r:id="rId4"/>
+              </a:rPr>
+              <a:t>https://docs.microsoft.com/en-us/azure/active-directory/role-based-access-control-configure</a:t>
+            </a:r>
+            <a:r>
+              <a:rPr lang="en-US" dirty="0"/>
+              <a:t> </a:t>
+            </a:r>
+          </a:p>
+        </p:txBody>
+      </p:sp>
+      <p:sp>
+        <p:nvSpPr>
+          <p:cNvPr id="5" name="Rectangle 4">
+            <a:extLst>
+              <a:ext uri="{FF2B5EF4-FFF2-40B4-BE49-F238E27FC236}">
+                <a16:creationId xmlns:a16="http://schemas.microsoft.com/office/drawing/2014/main" id="{6E5B2783-A323-46B8-9265-6B3A1F29C0E9}"/>
+              </a:ext>
+            </a:extLst>
+          </p:cNvPr>
+          <p:cNvSpPr/>
+          <p:nvPr/>
+        </p:nvSpPr>
+        <p:spPr>
+          <a:xfrm>
+            <a:off x="150898" y="5516845"/>
+            <a:ext cx="8826438" cy="369332"/>
+          </a:xfrm>
+          <a:prstGeom prst="rect">
+            <a:avLst/>
+          </a:prstGeom>
+        </p:spPr>
+        <p:txBody>
+          <a:bodyPr wrap="square">
+            <a:spAutoFit/>
+          </a:bodyPr>
+          <a:lstStyle/>
+          <a:p>
+            <a:r>
+              <a:rPr lang="en-US" dirty="0"/>
+              <a:t>Use the </a:t>
+            </a:r>
+            <a:r>
+              <a:rPr lang="en-US" u="sng" dirty="0">
+                <a:hlinkClick r:id="rId5"/>
+              </a:rPr>
+              <a:t>Get-</a:t>
+            </a:r>
+            <a:r>
+              <a:rPr lang="en-US" u="sng" dirty="0" err="1">
+                <a:hlinkClick r:id="rId5"/>
+              </a:rPr>
+              <a:t>AzureRmRoleDefinition</a:t>
+            </a:r>
+            <a:r>
+              <a:rPr lang="en-US" dirty="0"/>
+              <a:t> cmdlet to list all current roles</a:t>
+            </a:r>
           </a:p>
         </p:txBody>
       </p:sp>
@@ -22615,7 +25614,7 @@
           <p:nvPr/>
         </p:nvPicPr>
         <p:blipFill>
-          <a:blip r:embed="rId2"/>
+          <a:blip r:embed="rId3"/>
           <a:stretch>
             <a:fillRect/>
           </a:stretch>
@@ -22654,7 +25653,7 @@
         </p:xfrm>
         <a:graphic>
           <a:graphicData uri="http://schemas.openxmlformats.org/drawingml/2006/diagram">
-            <dgm:relIds xmlns:dgm="http://schemas.openxmlformats.org/drawingml/2006/diagram" xmlns:r="http://schemas.openxmlformats.org/officeDocument/2006/relationships" r:dm="rId3" r:lo="rId4" r:qs="rId5" r:cs="rId6"/>
+            <dgm:relIds xmlns:dgm="http://schemas.openxmlformats.org/drawingml/2006/diagram" xmlns:r="http://schemas.openxmlformats.org/officeDocument/2006/relationships" r:dm="rId4" r:lo="rId5" r:qs="rId6" r:cs="rId7"/>
           </a:graphicData>
         </a:graphic>
       </p:graphicFrame>
@@ -22698,7 +25697,7 @@
           <p:nvPr/>
         </p:nvPicPr>
         <p:blipFill>
-          <a:blip r:embed="rId8"/>
+          <a:blip r:embed="rId9"/>
           <a:stretch>
             <a:fillRect/>
           </a:stretch>
@@ -22728,7 +25727,7 @@
           <p:nvPr/>
         </p:nvPicPr>
         <p:blipFill>
-          <a:blip r:embed="rId9"/>
+          <a:blip r:embed="rId10"/>
           <a:stretch>
             <a:fillRect/>
           </a:stretch>
@@ -22959,18 +25958,8 @@
           <a:lstStyle/>
           <a:p>
             <a:r>
-              <a:rPr lang="en-US" dirty="0" err="1"/>
-              <a:t>az</a:t>
-            </a:r>
-            <a:r>
               <a:rPr lang="en-US" dirty="0"/>
-              <a:t> role definition</a:t>
-            </a:r>
-          </a:p>
-          <a:p>
-            <a:r>
-              <a:rPr lang="en-US" dirty="0"/>
-              <a:t>Unrestricted permissions</a:t>
+              <a:t>Unrestricted permissions - Can manage everything, including access</a:t>
             </a:r>
           </a:p>
           <a:p>
@@ -22999,10 +25988,6 @@
               <a:rPr lang="en-US" dirty="0"/>
               <a:t>Resource</a:t>
             </a:r>
-          </a:p>
-          <a:p>
-            <a:pPr lvl="1"/>
-            <a:endParaRPr lang="en-US" dirty="0"/>
           </a:p>
         </p:txBody>
       </p:sp>
@@ -23319,15 +26304,7 @@
           <a:p>
             <a:r>
               <a:rPr lang="en-US" dirty="0"/>
-              <a:t>Can read any </a:t>
-            </a:r>
-            <a:r>
-              <a:rPr lang="en-US" dirty="0" err="1"/>
-              <a:t>reosource</a:t>
-            </a:r>
-            <a:r>
-              <a:rPr lang="en-US" dirty="0"/>
-              <a:t> which is ‘/’</a:t>
+              <a:t>Can read any resource which is ‘/’</a:t>
             </a:r>
           </a:p>
         </p:txBody>
@@ -24282,6 +27259,190 @@
           </a:p>
         </p:txBody>
       </p:sp>
+    </p:spTree>
+    <p:extLst>
+      <p:ext uri="{BB962C8B-B14F-4D97-AF65-F5344CB8AC3E}">
+        <p14:creationId xmlns:p14="http://schemas.microsoft.com/office/powerpoint/2010/main" val="458200466"/>
+      </p:ext>
+    </p:extLst>
+  </p:cSld>
+  <p:clrMapOvr>
+    <a:masterClrMapping/>
+  </p:clrMapOvr>
+</p:sld>
+</file>
+
+<file path=ppt/slides/slide37.xml><?xml version="1.0" encoding="utf-8"?>
+<p:sld xmlns:a="http://schemas.openxmlformats.org/drawingml/2006/main" xmlns:r="http://schemas.openxmlformats.org/officeDocument/2006/relationships" xmlns:p="http://schemas.openxmlformats.org/presentationml/2006/main">
+  <p:cSld>
+    <p:spTree>
+      <p:nvGrpSpPr>
+        <p:cNvPr id="1" name=""/>
+        <p:cNvGrpSpPr/>
+        <p:nvPr/>
+      </p:nvGrpSpPr>
+      <p:grpSpPr>
+        <a:xfrm>
+          <a:off x="0" y="0"/>
+          <a:ext cx="0" cy="0"/>
+          <a:chOff x="0" y="0"/>
+          <a:chExt cx="0" cy="0"/>
+        </a:xfrm>
+      </p:grpSpPr>
+      <p:sp>
+        <p:nvSpPr>
+          <p:cNvPr id="8" name="Title 7">
+            <a:extLst>
+              <a:ext uri="{FF2B5EF4-FFF2-40B4-BE49-F238E27FC236}">
+                <a16:creationId xmlns:a16="http://schemas.microsoft.com/office/drawing/2014/main" id="{8E9C381C-E4CB-486C-94B5-D64BC6582851}"/>
+              </a:ext>
+            </a:extLst>
+          </p:cNvPr>
+          <p:cNvSpPr>
+            <a:spLocks noGrp="1"/>
+          </p:cNvSpPr>
+          <p:nvPr>
+            <p:ph type="title"/>
+          </p:nvPr>
+        </p:nvSpPr>
+        <p:spPr/>
+        <p:txBody>
+          <a:bodyPr/>
+          <a:lstStyle/>
+          <a:p>
+            <a:r>
+              <a:rPr lang="en-US" dirty="0"/>
+              <a:t>A developer creates an application that needs access to external resources.  This application will be deployed in the domain.  </a:t>
+            </a:r>
+          </a:p>
+        </p:txBody>
+      </p:sp>
+      <p:sp>
+        <p:nvSpPr>
+          <p:cNvPr id="9" name="Content Placeholder 8">
+            <a:extLst>
+              <a:ext uri="{FF2B5EF4-FFF2-40B4-BE49-F238E27FC236}">
+                <a16:creationId xmlns:a16="http://schemas.microsoft.com/office/drawing/2014/main" id="{AB5D2560-5E87-43FB-A68C-7D71519928A6}"/>
+              </a:ext>
+            </a:extLst>
+          </p:cNvPr>
+          <p:cNvSpPr>
+            <a:spLocks noGrp="1"/>
+          </p:cNvSpPr>
+          <p:nvPr>
+            <p:ph idx="1"/>
+          </p:nvPr>
+        </p:nvSpPr>
+        <p:spPr/>
+        <p:txBody>
+          <a:bodyPr/>
+          <a:lstStyle/>
+          <a:p>
+            <a:r>
+              <a:rPr lang="en-US" sz="2400" dirty="0"/>
+              <a:t>You need to use Azure Command-Line Interface (CLI) to create a service principle.  How should you configure the command? </a:t>
+            </a:r>
+          </a:p>
+          <a:p>
+            <a:endParaRPr lang="en-US" sz="2400" dirty="0"/>
+          </a:p>
+          <a:p>
+            <a:r>
+              <a:rPr lang="en-US" sz="2400" dirty="0"/>
+              <a:t>Command segment </a:t>
+            </a:r>
+          </a:p>
+          <a:p>
+            <a:pPr lvl="1"/>
+            <a:r>
+              <a:rPr lang="en-US" sz="2000" dirty="0"/>
+              <a:t>Service Principal 			</a:t>
+            </a:r>
+            <a:r>
+              <a:rPr lang="en-US" sz="2000" dirty="0" err="1"/>
+              <a:t>unvalidated</a:t>
+            </a:r>
+            <a:r>
+              <a:rPr lang="en-US" sz="2000" dirty="0"/>
+              <a:t> URI</a:t>
+            </a:r>
+            <a:br>
+              <a:rPr lang="en-US" sz="2000" dirty="0"/>
+            </a:br>
+            <a:r>
+              <a:rPr lang="en-US" sz="2000" dirty="0"/>
+              <a:t>					network path</a:t>
+            </a:r>
+            <a:br>
+              <a:rPr lang="en-US" sz="2000" dirty="0"/>
+            </a:br>
+            <a:r>
+              <a:rPr lang="en-US" sz="2000" dirty="0"/>
+              <a:t>					file path </a:t>
+            </a:r>
+          </a:p>
+          <a:p>
+            <a:pPr lvl="1"/>
+            <a:r>
+              <a:rPr lang="en-US" sz="2000" dirty="0"/>
+              <a:t>Service Principal permissions:  	Reader</a:t>
+            </a:r>
+            <a:br>
+              <a:rPr lang="en-US" sz="2000" dirty="0"/>
+            </a:br>
+            <a:r>
+              <a:rPr lang="en-US" sz="2000" dirty="0"/>
+              <a:t>					Contributor</a:t>
+            </a:r>
+            <a:br>
+              <a:rPr lang="en-US" sz="2000" dirty="0"/>
+            </a:br>
+            <a:r>
+              <a:rPr lang="en-US" sz="2000" dirty="0"/>
+              <a:t>					Owner</a:t>
+            </a:r>
+            <a:br>
+              <a:rPr lang="en-US" sz="2000" dirty="0"/>
+            </a:br>
+            <a:r>
+              <a:rPr lang="en-US" sz="2000" dirty="0"/>
+              <a:t>					User Access Administrator</a:t>
+            </a:r>
+            <a:br>
+              <a:rPr lang="en-US" sz="2000" dirty="0"/>
+            </a:br>
+            <a:r>
+              <a:rPr lang="en-US" sz="2000" dirty="0"/>
+              <a:t>					Website Contributor</a:t>
+            </a:r>
+          </a:p>
+        </p:txBody>
+      </p:sp>
+      <p:sp>
+        <p:nvSpPr>
+          <p:cNvPr id="2" name="Text Placeholder 1">
+            <a:extLst>
+              <a:ext uri="{FF2B5EF4-FFF2-40B4-BE49-F238E27FC236}">
+                <a16:creationId xmlns:a16="http://schemas.microsoft.com/office/drawing/2014/main" id="{CAD323CF-6264-4FE3-9145-BFD61F03D18C}"/>
+              </a:ext>
+            </a:extLst>
+          </p:cNvPr>
+          <p:cNvSpPr>
+            <a:spLocks noGrp="1"/>
+          </p:cNvSpPr>
+          <p:nvPr>
+            <p:ph type="body" sz="quarter" idx="10"/>
+          </p:nvPr>
+        </p:nvSpPr>
+        <p:spPr/>
+        <p:txBody>
+          <a:bodyPr/>
+          <a:lstStyle/>
+          <a:p>
+            <a:endParaRPr lang="en-US"/>
+          </a:p>
+        </p:txBody>
+      </p:sp>
       <p:sp>
         <p:nvSpPr>
           <p:cNvPr id="11" name="Rectangle 10">
@@ -24431,7 +27592,7 @@
     </p:spTree>
     <p:extLst>
       <p:ext uri="{BB962C8B-B14F-4D97-AF65-F5344CB8AC3E}">
-        <p14:creationId xmlns:p14="http://schemas.microsoft.com/office/powerpoint/2010/main" val="458200466"/>
+        <p14:creationId xmlns:p14="http://schemas.microsoft.com/office/powerpoint/2010/main" val="3507507558"/>
       </p:ext>
     </p:extLst>
   </p:cSld>
@@ -24450,6 +27611,9 @@
                     <p:cTn id="3" fill="hold">
                       <p:stCondLst>
                         <p:cond delay="indefinite"/>
+                        <p:cond evt="onBegin" delay="0">
+                          <p:tn val="2"/>
+                        </p:cond>
                       </p:stCondLst>
                       <p:childTnLst>
                         <p:par>
@@ -24459,7 +27623,7 @@
                             </p:stCondLst>
                             <p:childTnLst>
                               <p:par>
-                                <p:cTn id="5" presetID="10" presetClass="entr" presetSubtype="0" fill="hold" grpId="0" nodeType="clickEffect">
+                                <p:cTn id="5" presetID="10" presetClass="entr" presetSubtype="0" fill="hold" grpId="0" nodeType="withEffect">
                                   <p:stCondLst>
                                     <p:cond delay="0"/>
                                   </p:stCondLst>
@@ -24496,30 +27660,21 @@
                             </p:childTnLst>
                           </p:cTn>
                         </p:par>
-                      </p:childTnLst>
-                    </p:cTn>
-                  </p:par>
-                  <p:par>
-                    <p:cTn id="8" fill="hold">
-                      <p:stCondLst>
-                        <p:cond delay="indefinite"/>
-                      </p:stCondLst>
-                      <p:childTnLst>
                         <p:par>
-                          <p:cTn id="9" fill="hold">
+                          <p:cTn id="8" fill="hold">
                             <p:stCondLst>
-                              <p:cond delay="0"/>
+                              <p:cond delay="500"/>
                             </p:stCondLst>
                             <p:childTnLst>
                               <p:par>
-                                <p:cTn id="10" presetID="10" presetClass="entr" presetSubtype="0" fill="hold" grpId="0" nodeType="clickEffect">
+                                <p:cTn id="9" presetID="10" presetClass="entr" presetSubtype="0" fill="hold" grpId="0" nodeType="afterEffect">
                                   <p:stCondLst>
                                     <p:cond delay="0"/>
                                   </p:stCondLst>
                                   <p:childTnLst>
                                     <p:set>
                                       <p:cBhvr>
-                                        <p:cTn id="11" dur="1" fill="hold">
+                                        <p:cTn id="10" dur="1" fill="hold">
                                           <p:stCondLst>
                                             <p:cond delay="0"/>
                                           </p:stCondLst>
@@ -24537,7 +27692,7 @@
                                     </p:set>
                                     <p:animEffect transition="in" filter="fade">
                                       <p:cBhvr>
-                                        <p:cTn id="12" dur="500"/>
+                                        <p:cTn id="11" dur="500"/>
                                         <p:tgtEl>
                                           <p:spTgt spid="12"/>
                                         </p:tgtEl>
@@ -24581,250 +27736,6 @@
 </p:sld>
 </file>
 
-<file path=ppt/slides/slide37.xml><?xml version="1.0" encoding="utf-8"?>
-<p:sld xmlns:a="http://schemas.openxmlformats.org/drawingml/2006/main" xmlns:r="http://schemas.openxmlformats.org/officeDocument/2006/relationships" xmlns:p="http://schemas.openxmlformats.org/presentationml/2006/main">
-  <p:cSld>
-    <p:spTree>
-      <p:nvGrpSpPr>
-        <p:cNvPr id="1" name=""/>
-        <p:cNvGrpSpPr/>
-        <p:nvPr/>
-      </p:nvGrpSpPr>
-      <p:grpSpPr>
-        <a:xfrm>
-          <a:off x="0" y="0"/>
-          <a:ext cx="0" cy="0"/>
-          <a:chOff x="0" y="0"/>
-          <a:chExt cx="0" cy="0"/>
-        </a:xfrm>
-      </p:grpSpPr>
-      <p:sp>
-        <p:nvSpPr>
-          <p:cNvPr id="2" name="Title 1">
-            <a:extLst>
-              <a:ext uri="{FF2B5EF4-FFF2-40B4-BE49-F238E27FC236}">
-                <a16:creationId xmlns:a16="http://schemas.microsoft.com/office/drawing/2014/main" id="{FDB3C014-1B46-458D-B710-4411FD3C74BB}"/>
-              </a:ext>
-            </a:extLst>
-          </p:cNvPr>
-          <p:cNvSpPr>
-            <a:spLocks noGrp="1"/>
-          </p:cNvSpPr>
-          <p:nvPr>
-            <p:ph type="title"/>
-          </p:nvPr>
-        </p:nvSpPr>
-        <p:spPr/>
-        <p:txBody>
-          <a:bodyPr/>
-          <a:lstStyle/>
-          <a:p>
-            <a:r>
-              <a:rPr lang="en-US" dirty="0"/>
-              <a:t>You are updating an Azure Resource Manager (ARM) template.  </a:t>
-            </a:r>
-          </a:p>
-        </p:txBody>
-      </p:sp>
-      <p:sp>
-        <p:nvSpPr>
-          <p:cNvPr id="3" name="Content Placeholder 2">
-            <a:extLst>
-              <a:ext uri="{FF2B5EF4-FFF2-40B4-BE49-F238E27FC236}">
-                <a16:creationId xmlns:a16="http://schemas.microsoft.com/office/drawing/2014/main" id="{885A74C6-0D38-42E8-898B-330FC0C960C2}"/>
-              </a:ext>
-            </a:extLst>
-          </p:cNvPr>
-          <p:cNvSpPr>
-            <a:spLocks noGrp="1"/>
-          </p:cNvSpPr>
-          <p:nvPr>
-            <p:ph idx="1"/>
-          </p:nvPr>
-        </p:nvSpPr>
-        <p:spPr/>
-        <p:txBody>
-          <a:bodyPr/>
-          <a:lstStyle/>
-          <a:p>
-            <a:r>
-              <a:rPr lang="en-US" dirty="0"/>
-              <a:t>You need to ensure that the JSON file uses the latest version available.   Which template element should you modify.</a:t>
-            </a:r>
-            <a:br>
-              <a:rPr lang="en-US" dirty="0"/>
-            </a:br>
-            <a:endParaRPr lang="en-US" dirty="0"/>
-          </a:p>
-          <a:p>
-            <a:pPr marL="514350" indent="-514350">
-              <a:buFont typeface="+mj-lt"/>
-              <a:buAutoNum type="alphaUcPeriod"/>
-            </a:pPr>
-            <a:r>
-              <a:rPr lang="en-US" dirty="0"/>
-              <a:t>$schema </a:t>
-            </a:r>
-          </a:p>
-          <a:p>
-            <a:pPr marL="514350" indent="-514350">
-              <a:buFont typeface="+mj-lt"/>
-              <a:buAutoNum type="alphaUcPeriod"/>
-            </a:pPr>
-            <a:r>
-              <a:rPr lang="en-US" dirty="0"/>
-              <a:t>variables </a:t>
-            </a:r>
-          </a:p>
-          <a:p>
-            <a:pPr marL="514350" indent="-514350">
-              <a:buFont typeface="+mj-lt"/>
-              <a:buAutoNum type="alphaUcPeriod"/>
-            </a:pPr>
-            <a:r>
-              <a:rPr lang="en-US" dirty="0"/>
-              <a:t>resources</a:t>
-            </a:r>
-          </a:p>
-          <a:p>
-            <a:pPr marL="514350" indent="-514350">
-              <a:buFont typeface="+mj-lt"/>
-              <a:buAutoNum type="alphaUcPeriod"/>
-            </a:pPr>
-            <a:r>
-              <a:rPr lang="en-US" dirty="0"/>
-              <a:t>parameters</a:t>
-            </a:r>
-          </a:p>
-          <a:p>
-            <a:pPr marL="514350" indent="-514350">
-              <a:buFont typeface="+mj-lt"/>
-              <a:buAutoNum type="alphaUcPeriod"/>
-            </a:pPr>
-            <a:endParaRPr lang="en-US" dirty="0"/>
-          </a:p>
-          <a:p>
-            <a:pPr marL="514350" indent="-514350">
-              <a:buFont typeface="+mj-lt"/>
-              <a:buAutoNum type="alphaUcPeriod"/>
-            </a:pPr>
-            <a:endParaRPr lang="en-US" dirty="0"/>
-          </a:p>
-        </p:txBody>
-      </p:sp>
-      <p:sp>
-        <p:nvSpPr>
-          <p:cNvPr id="4" name="Text Placeholder 3">
-            <a:extLst>
-              <a:ext uri="{FF2B5EF4-FFF2-40B4-BE49-F238E27FC236}">
-                <a16:creationId xmlns:a16="http://schemas.microsoft.com/office/drawing/2014/main" id="{7B6A381F-4692-4C36-95C6-60D26316E193}"/>
-              </a:ext>
-            </a:extLst>
-          </p:cNvPr>
-          <p:cNvSpPr>
-            <a:spLocks noGrp="1"/>
-          </p:cNvSpPr>
-          <p:nvPr>
-            <p:ph type="body" sz="quarter" idx="10"/>
-          </p:nvPr>
-        </p:nvSpPr>
-        <p:spPr/>
-        <p:txBody>
-          <a:bodyPr/>
-          <a:lstStyle/>
-          <a:p>
-            <a:endParaRPr lang="en-US"/>
-          </a:p>
-        </p:txBody>
-      </p:sp>
-    </p:spTree>
-    <p:extLst>
-      <p:ext uri="{BB962C8B-B14F-4D97-AF65-F5344CB8AC3E}">
-        <p14:creationId xmlns:p14="http://schemas.microsoft.com/office/powerpoint/2010/main" val="1730212763"/>
-      </p:ext>
-    </p:extLst>
-  </p:cSld>
-  <p:clrMapOvr>
-    <a:masterClrMapping/>
-  </p:clrMapOvr>
-  <p:timing>
-    <p:tnLst>
-      <p:par>
-        <p:cTn id="1" dur="indefinite" restart="never" nodeType="tmRoot">
-          <p:childTnLst>
-            <p:seq concurrent="1" nextAc="seek">
-              <p:cTn id="2" dur="indefinite" nodeType="mainSeq">
-                <p:childTnLst>
-                  <p:par>
-                    <p:cTn id="3" fill="hold">
-                      <p:stCondLst>
-                        <p:cond delay="indefinite"/>
-                      </p:stCondLst>
-                      <p:childTnLst>
-                        <p:par>
-                          <p:cTn id="4" fill="hold">
-                            <p:stCondLst>
-                              <p:cond delay="0"/>
-                            </p:stCondLst>
-                            <p:childTnLst>
-                              <p:par>
-                                <p:cTn id="5" presetID="3" presetClass="emph" presetSubtype="2" fill="hold" nodeType="clickEffect">
-                                  <p:stCondLst>
-                                    <p:cond delay="0"/>
-                                  </p:stCondLst>
-                                  <p:childTnLst>
-                                    <p:animClr clrSpc="rgb" dir="cw">
-                                      <p:cBhvr override="childStyle">
-                                        <p:cTn id="6" dur="2000" fill="hold"/>
-                                        <p:tgtEl>
-                                          <p:spTgt spid="3">
-                                            <p:txEl>
-                                              <p:pRg st="4" end="4"/>
-                                            </p:txEl>
-                                          </p:spTgt>
-                                        </p:tgtEl>
-                                        <p:attrNameLst>
-                                          <p:attrName>style.color</p:attrName>
-                                        </p:attrNameLst>
-                                      </p:cBhvr>
-                                      <p:to>
-                                        <a:srgbClr val="FF0000"/>
-                                      </p:to>
-                                    </p:animClr>
-                                  </p:childTnLst>
-                                </p:cTn>
-                              </p:par>
-                            </p:childTnLst>
-                          </p:cTn>
-                        </p:par>
-                      </p:childTnLst>
-                    </p:cTn>
-                  </p:par>
-                </p:childTnLst>
-              </p:cTn>
-              <p:prevCondLst>
-                <p:cond evt="onPrev" delay="0">
-                  <p:tgtEl>
-                    <p:sldTgt/>
-                  </p:tgtEl>
-                </p:cond>
-              </p:prevCondLst>
-              <p:nextCondLst>
-                <p:cond evt="onNext" delay="0">
-                  <p:tgtEl>
-                    <p:sldTgt/>
-                  </p:tgtEl>
-                </p:cond>
-              </p:nextCondLst>
-            </p:seq>
-          </p:childTnLst>
-        </p:cTn>
-      </p:par>
-    </p:tnLst>
-  </p:timing>
-</p:sld>
-</file>
-
 <file path=ppt/slides/slide38.xml><?xml version="1.0" encoding="utf-8"?>
 <p:sld xmlns:a="http://schemas.openxmlformats.org/drawingml/2006/main" xmlns:r="http://schemas.openxmlformats.org/officeDocument/2006/relationships" xmlns:p="http://schemas.openxmlformats.org/presentationml/2006/main">
   <p:cSld>
@@ -24847,7 +27758,7 @@
           <p:cNvPr id="2" name="Title 1">
             <a:extLst>
               <a:ext uri="{FF2B5EF4-FFF2-40B4-BE49-F238E27FC236}">
-                <a16:creationId xmlns:a16="http://schemas.microsoft.com/office/drawing/2014/main" id="{7BF475C8-E953-4BC1-B11A-F7FD7A847DDD}"/>
+                <a16:creationId xmlns:a16="http://schemas.microsoft.com/office/drawing/2014/main" id="{FDB3C014-1B46-458D-B710-4411FD3C74BB}"/>
               </a:ext>
             </a:extLst>
           </p:cNvPr>
@@ -24865,7 +27776,7 @@
           <a:p>
             <a:r>
               <a:rPr lang="en-US" dirty="0"/>
-              <a:t>You use ARM templates to deploy resources.  </a:t>
+              <a:t>You are updating an Azure Resource Manager (ARM) template.  </a:t>
             </a:r>
           </a:p>
         </p:txBody>
@@ -24875,7 +27786,7 @@
           <p:cNvPr id="3" name="Content Placeholder 2">
             <a:extLst>
               <a:ext uri="{FF2B5EF4-FFF2-40B4-BE49-F238E27FC236}">
-                <a16:creationId xmlns:a16="http://schemas.microsoft.com/office/drawing/2014/main" id="{881B509F-2A31-41DE-A29F-53509678859A}"/>
+                <a16:creationId xmlns:a16="http://schemas.microsoft.com/office/drawing/2014/main" id="{885A74C6-0D38-42E8-898B-330FC0C960C2}"/>
               </a:ext>
             </a:extLst>
           </p:cNvPr>
@@ -24891,199 +27802,67 @@
           <a:bodyPr/>
           <a:lstStyle/>
           <a:p>
-            <a:pPr marL="0" indent="0">
-              <a:buNone/>
-            </a:pPr>
-            <a:r>
-              <a:rPr lang="en-US" sz="1800" dirty="0"/>
-              <a:t>You need to ensure the storage resources defined in a template cannot be deleted. </a:t>
-            </a:r>
-          </a:p>
-          <a:p>
-            <a:endParaRPr lang="en-US" sz="700" dirty="0"/>
-          </a:p>
-          <a:p>
-            <a:pPr marL="0" indent="0">
-              <a:buNone/>
-            </a:pPr>
-            <a:r>
-              <a:rPr lang="en-US" sz="1800" dirty="0"/>
-              <a:t>Solution: </a:t>
-            </a:r>
-          </a:p>
-          <a:p>
-            <a:pPr marL="0" indent="0">
-              <a:buNone/>
-            </a:pPr>
-            <a:r>
-              <a:rPr lang="en-US" sz="1400" dirty="0"/>
-              <a:t>           “resources”: {</a:t>
-            </a:r>
-          </a:p>
-          <a:p>
-            <a:pPr marL="0" indent="0">
-              <a:buNone/>
-            </a:pPr>
-            <a:r>
-              <a:rPr lang="en-US" sz="1400" dirty="0"/>
-              <a:t> 	{</a:t>
-            </a:r>
-          </a:p>
-          <a:p>
-            <a:pPr marL="0" indent="0">
-              <a:buNone/>
-            </a:pPr>
-            <a:r>
-              <a:rPr lang="en-US" sz="1400" dirty="0"/>
-              <a:t>	   “name:”[</a:t>
-            </a:r>
-            <a:r>
-              <a:rPr lang="en-US" sz="1400" dirty="0" err="1"/>
-              <a:t>concat</a:t>
-            </a:r>
-            <a:r>
-              <a:rPr lang="en-US" sz="1400" dirty="0"/>
-              <a:t>(parameters(‘</a:t>
-            </a:r>
-            <a:r>
-              <a:rPr lang="en-US" sz="1400" dirty="0" err="1"/>
-              <a:t>lockedResource</a:t>
-            </a:r>
-            <a:r>
-              <a:rPr lang="en-US" sz="1400" dirty="0"/>
-              <a:t>’), ‘/</a:t>
-            </a:r>
-            <a:r>
-              <a:rPr lang="en-US" sz="1400" dirty="0" err="1"/>
-              <a:t>Microsoft.Authorization</a:t>
-            </a:r>
-            <a:r>
-              <a:rPr lang="en-US" sz="1400" dirty="0"/>
-              <a:t>/</a:t>
-            </a:r>
-            <a:r>
-              <a:rPr lang="en-US" sz="1400" dirty="0" err="1"/>
-              <a:t>myLock</a:t>
-            </a:r>
-            <a:r>
-              <a:rPr lang="en-US" sz="1400" dirty="0"/>
-              <a:t>’)}”,</a:t>
+            <a:r>
+              <a:rPr lang="en-US" dirty="0"/>
+              <a:t>You need to ensure that the JSON file uses the latest version available.   Which template element should you modify.</a:t>
             </a:r>
             <a:br>
-              <a:rPr lang="en-US" sz="1400" dirty="0"/>
+              <a:rPr lang="en-US" dirty="0"/>
             </a:br>
-            <a:r>
-              <a:rPr lang="en-US" sz="1400" dirty="0"/>
-              <a:t>	   “type”: “</a:t>
-            </a:r>
-            <a:r>
-              <a:rPr lang="en-US" sz="1400" dirty="0" err="1"/>
-              <a:t>Microsoft.Authorization</a:t>
-            </a:r>
-            <a:r>
-              <a:rPr lang="en-US" sz="1400" dirty="0"/>
-              <a:t>/locks”,</a:t>
-            </a:r>
-            <a:br>
-              <a:rPr lang="en-US" sz="1400" dirty="0"/>
-            </a:br>
-            <a:r>
-              <a:rPr lang="en-US" sz="1400" dirty="0"/>
-              <a:t>                   “</a:t>
-            </a:r>
-            <a:r>
-              <a:rPr lang="en-US" sz="1400" dirty="0" err="1"/>
-              <a:t>apiVersion</a:t>
-            </a:r>
-            <a:r>
-              <a:rPr lang="en-US" sz="1400" dirty="0"/>
-              <a:t>”: “2018-01-01”,</a:t>
-            </a:r>
-            <a:br>
-              <a:rPr lang="en-US" sz="1400" dirty="0"/>
-            </a:br>
-            <a:r>
-              <a:rPr lang="en-US" sz="1400" dirty="0"/>
-              <a:t>	  “properties”: { </a:t>
-            </a:r>
-          </a:p>
-          <a:p>
-            <a:pPr marL="0" indent="0">
-              <a:buNone/>
-            </a:pPr>
-            <a:r>
-              <a:rPr lang="en-US" sz="1400" dirty="0"/>
-              <a:t>                            “level”: “</a:t>
-            </a:r>
-            <a:r>
-              <a:rPr lang="en-US" sz="1400" dirty="0" err="1"/>
-              <a:t>ReadOnly</a:t>
-            </a:r>
-            <a:r>
-              <a:rPr lang="en-US" sz="1400" dirty="0"/>
-              <a:t>”</a:t>
-            </a:r>
-          </a:p>
-          <a:p>
-            <a:pPr marL="0" indent="0">
-              <a:buNone/>
-            </a:pPr>
-            <a:r>
-              <a:rPr lang="en-US" sz="1400" dirty="0"/>
-              <a:t>                           }</a:t>
-            </a:r>
-            <a:br>
-              <a:rPr lang="en-US" sz="1400" dirty="0"/>
-            </a:br>
-            <a:r>
-              <a:rPr lang="en-US" sz="1400" dirty="0"/>
-              <a:t>                      }</a:t>
-            </a:r>
-            <a:br>
-              <a:rPr lang="en-US" sz="1400" dirty="0"/>
-            </a:br>
-            <a:r>
-              <a:rPr lang="en-US" sz="1400" dirty="0"/>
-              <a:t>                  }</a:t>
-            </a:r>
-          </a:p>
-          <a:p>
-            <a:pPr marL="0" indent="0">
-              <a:buNone/>
-            </a:pPr>
-            <a:r>
-              <a:rPr lang="en-US" sz="1600" dirty="0"/>
-              <a:t>Does the solution meet the goal?</a:t>
-            </a:r>
-          </a:p>
-          <a:p>
-            <a:pPr marL="342900" indent="-342900">
+            <a:endParaRPr lang="en-US" dirty="0"/>
+          </a:p>
+          <a:p>
+            <a:pPr marL="514350" indent="-514350">
               <a:buFont typeface="+mj-lt"/>
               <a:buAutoNum type="alphaUcPeriod"/>
             </a:pPr>
             <a:r>
-              <a:rPr lang="en-US" sz="1600" dirty="0"/>
-              <a:t>Yes</a:t>
-            </a:r>
-          </a:p>
-          <a:p>
-            <a:pPr marL="342900" indent="-342900">
+              <a:rPr lang="en-US" dirty="0"/>
+              <a:t>$schema </a:t>
+            </a:r>
+          </a:p>
+          <a:p>
+            <a:pPr marL="514350" indent="-514350">
               <a:buFont typeface="+mj-lt"/>
               <a:buAutoNum type="alphaUcPeriod"/>
             </a:pPr>
             <a:r>
-              <a:rPr lang="en-US" sz="1600" dirty="0"/>
-              <a:t>No</a:t>
-            </a:r>
-          </a:p>
-          <a:p>
-            <a:pPr marL="0" indent="0">
-              <a:buNone/>
+              <a:rPr lang="en-US" dirty="0"/>
+              <a:t>variables </a:t>
+            </a:r>
+          </a:p>
+          <a:p>
+            <a:pPr marL="514350" indent="-514350">
+              <a:buFont typeface="+mj-lt"/>
+              <a:buAutoNum type="alphaUcPeriod"/>
             </a:pPr>
             <a:r>
-              <a:rPr lang="en-US" sz="1600" dirty="0"/>
-              <a:t>	 </a:t>
-            </a:r>
+              <a:rPr lang="en-US" dirty="0"/>
+              <a:t>resources</a:t>
+            </a:r>
+          </a:p>
+          <a:p>
+            <a:pPr marL="514350" indent="-514350">
+              <a:buFont typeface="+mj-lt"/>
+              <a:buAutoNum type="alphaUcPeriod"/>
+            </a:pPr>
+            <a:r>
+              <a:rPr lang="en-US" dirty="0"/>
+              <a:t>parameters</a:t>
+            </a:r>
+          </a:p>
+          <a:p>
+            <a:pPr marL="514350" indent="-514350">
+              <a:buFont typeface="+mj-lt"/>
+              <a:buAutoNum type="alphaUcPeriod"/>
+            </a:pPr>
+            <a:endParaRPr lang="en-US" dirty="0"/>
+          </a:p>
+          <a:p>
+            <a:pPr marL="514350" indent="-514350">
+              <a:buFont typeface="+mj-lt"/>
+              <a:buAutoNum type="alphaUcPeriod"/>
+            </a:pPr>
             <a:endParaRPr lang="en-US" dirty="0"/>
           </a:p>
         </p:txBody>
@@ -25093,7 +27872,7 @@
           <p:cNvPr id="4" name="Text Placeholder 3">
             <a:extLst>
               <a:ext uri="{FF2B5EF4-FFF2-40B4-BE49-F238E27FC236}">
-                <a16:creationId xmlns:a16="http://schemas.microsoft.com/office/drawing/2014/main" id="{125271E6-0583-45F8-B52C-5467D2FC7D82}"/>
+                <a16:creationId xmlns:a16="http://schemas.microsoft.com/office/drawing/2014/main" id="{7B6A381F-4692-4C36-95C6-60D26316E193}"/>
               </a:ext>
             </a:extLst>
           </p:cNvPr>
@@ -25116,88 +27895,13 @@
     </p:spTree>
     <p:extLst>
       <p:ext uri="{BB962C8B-B14F-4D97-AF65-F5344CB8AC3E}">
-        <p14:creationId xmlns:p14="http://schemas.microsoft.com/office/powerpoint/2010/main" val="2570337417"/>
+        <p14:creationId xmlns:p14="http://schemas.microsoft.com/office/powerpoint/2010/main" val="1730212763"/>
       </p:ext>
     </p:extLst>
   </p:cSld>
   <p:clrMapOvr>
     <a:masterClrMapping/>
   </p:clrMapOvr>
-  <p:timing>
-    <p:tnLst>
-      <p:par>
-        <p:cTn id="1" dur="indefinite" restart="never" nodeType="tmRoot">
-          <p:childTnLst>
-            <p:seq concurrent="1" nextAc="seek">
-              <p:cTn id="2" dur="indefinite" nodeType="mainSeq">
-                <p:childTnLst>
-                  <p:par>
-                    <p:cTn id="3" fill="hold">
-                      <p:stCondLst>
-                        <p:cond delay="indefinite"/>
-                      </p:stCondLst>
-                      <p:childTnLst>
-                        <p:par>
-                          <p:cTn id="4" fill="hold">
-                            <p:stCondLst>
-                              <p:cond delay="0"/>
-                            </p:stCondLst>
-                            <p:childTnLst>
-                              <p:par>
-                                <p:cTn id="5" presetID="3" presetClass="emph" presetSubtype="2" fill="hold" nodeType="clickEffect">
-                                  <p:stCondLst>
-                                    <p:cond delay="0"/>
-                                  </p:stCondLst>
-                                  <p:childTnLst>
-                                    <p:animClr clrSpc="rgb" dir="cw">
-                                      <p:cBhvr override="childStyle">
-                                        <p:cTn id="6" dur="2000" fill="hold"/>
-                                        <p:tgtEl>
-                                          <p:spTgt spid="3">
-                                            <p:txEl>
-                                              <p:pRg st="9" end="9"/>
-                                            </p:txEl>
-                                          </p:spTgt>
-                                        </p:tgtEl>
-                                        <p:attrNameLst>
-                                          <p:attrName>style.color</p:attrName>
-                                        </p:attrNameLst>
-                                      </p:cBhvr>
-                                      <p:to>
-                                        <a:srgbClr val="FF0000"/>
-                                      </p:to>
-                                    </p:animClr>
-                                  </p:childTnLst>
-                                </p:cTn>
-                              </p:par>
-                            </p:childTnLst>
-                          </p:cTn>
-                        </p:par>
-                      </p:childTnLst>
-                    </p:cTn>
-                  </p:par>
-                </p:childTnLst>
-              </p:cTn>
-              <p:prevCondLst>
-                <p:cond evt="onPrev" delay="0">
-                  <p:tgtEl>
-                    <p:sldTgt/>
-                  </p:tgtEl>
-                </p:cond>
-              </p:prevCondLst>
-              <p:nextCondLst>
-                <p:cond evt="onNext" delay="0">
-                  <p:tgtEl>
-                    <p:sldTgt/>
-                  </p:tgtEl>
-                </p:cond>
-              </p:nextCondLst>
-            </p:seq>
-          </p:childTnLst>
-        </p:cTn>
-      </p:par>
-    </p:tnLst>
-  </p:timing>
 </p:sld>
 </file>
 
@@ -25223,7 +27927,7 @@
           <p:cNvPr id="2" name="Title 1">
             <a:extLst>
               <a:ext uri="{FF2B5EF4-FFF2-40B4-BE49-F238E27FC236}">
-                <a16:creationId xmlns:a16="http://schemas.microsoft.com/office/drawing/2014/main" id="{7BF475C8-E953-4BC1-B11A-F7FD7A847DDD}"/>
+                <a16:creationId xmlns:a16="http://schemas.microsoft.com/office/drawing/2014/main" id="{FDB3C014-1B46-458D-B710-4411FD3C74BB}"/>
               </a:ext>
             </a:extLst>
           </p:cNvPr>
@@ -25241,7 +27945,7 @@
           <a:p>
             <a:r>
               <a:rPr lang="en-US" dirty="0"/>
-              <a:t>You use ARM templates to deploy resources.  </a:t>
+              <a:t>You are updating an Azure Resource Manager (ARM) template.  </a:t>
             </a:r>
           </a:p>
         </p:txBody>
@@ -25251,7 +27955,7 @@
           <p:cNvPr id="3" name="Content Placeholder 2">
             <a:extLst>
               <a:ext uri="{FF2B5EF4-FFF2-40B4-BE49-F238E27FC236}">
-                <a16:creationId xmlns:a16="http://schemas.microsoft.com/office/drawing/2014/main" id="{881B509F-2A31-41DE-A29F-53509678859A}"/>
+                <a16:creationId xmlns:a16="http://schemas.microsoft.com/office/drawing/2014/main" id="{885A74C6-0D38-42E8-898B-330FC0C960C2}"/>
               </a:ext>
             </a:extLst>
           </p:cNvPr>
@@ -25267,209 +27971,99 @@
           <a:bodyPr/>
           <a:lstStyle/>
           <a:p>
-            <a:pPr marL="0" indent="0">
-              <a:buNone/>
-            </a:pPr>
-            <a:r>
-              <a:rPr lang="en-US" sz="1800" dirty="0"/>
-              <a:t>You need to ensure the storage resources defined in a template cannot be deleted. </a:t>
-            </a:r>
-          </a:p>
-          <a:p>
-            <a:endParaRPr lang="en-US" sz="700" dirty="0"/>
-          </a:p>
-          <a:p>
-            <a:pPr marL="0" indent="0">
-              <a:buNone/>
-            </a:pPr>
-            <a:r>
-              <a:rPr lang="en-US" sz="1800" dirty="0"/>
-              <a:t>Solution: </a:t>
-            </a:r>
-          </a:p>
-          <a:p>
-            <a:pPr marL="0" indent="0">
-              <a:buNone/>
-            </a:pPr>
-            <a:r>
-              <a:rPr lang="en-US" sz="1400" dirty="0"/>
-              <a:t>           “resources”: {</a:t>
-            </a:r>
-          </a:p>
-          <a:p>
-            <a:pPr marL="0" indent="0">
-              <a:buNone/>
-            </a:pPr>
-            <a:r>
-              <a:rPr lang="en-US" sz="1400" dirty="0"/>
-              <a:t> 	{</a:t>
-            </a:r>
-          </a:p>
-          <a:p>
-            <a:pPr marL="0" indent="0">
-              <a:buNone/>
-            </a:pPr>
-            <a:r>
-              <a:rPr lang="en-US" sz="1400" dirty="0"/>
-              <a:t>	   “name:”[</a:t>
-            </a:r>
-            <a:r>
-              <a:rPr lang="en-US" sz="1400" dirty="0" err="1"/>
-              <a:t>concat</a:t>
-            </a:r>
-            <a:r>
-              <a:rPr lang="en-US" sz="1400" dirty="0"/>
-              <a:t>(parameters(‘</a:t>
-            </a:r>
-            <a:r>
-              <a:rPr lang="en-US" sz="1400" dirty="0" err="1"/>
-              <a:t>lockedResource</a:t>
-            </a:r>
-            <a:r>
-              <a:rPr lang="en-US" sz="1400" dirty="0"/>
-              <a:t>’), ‘/</a:t>
-            </a:r>
-            <a:r>
-              <a:rPr lang="en-US" sz="1400" dirty="0" err="1"/>
-              <a:t>Microsoft.Authorization</a:t>
-            </a:r>
-            <a:r>
-              <a:rPr lang="en-US" sz="1400" dirty="0"/>
-              <a:t>/</a:t>
-            </a:r>
-            <a:r>
-              <a:rPr lang="en-US" sz="1400" dirty="0" err="1"/>
-              <a:t>myLock</a:t>
-            </a:r>
-            <a:r>
-              <a:rPr lang="en-US" sz="1400" dirty="0"/>
-              <a:t>’)}”,</a:t>
+            <a:r>
+              <a:rPr lang="en-US" dirty="0"/>
+              <a:t>You need to ensure that the JSON file uses the latest version available.   Which template element should you modify.</a:t>
             </a:r>
             <a:br>
-              <a:rPr lang="en-US" sz="1400" dirty="0"/>
+              <a:rPr lang="en-US" dirty="0"/>
             </a:br>
-            <a:r>
-              <a:rPr lang="en-US" sz="1400" dirty="0"/>
-              <a:t>	   “type”: “</a:t>
-            </a:r>
-            <a:r>
-              <a:rPr lang="en-US" sz="1400" dirty="0" err="1"/>
-              <a:t>Microsoft.Authorization</a:t>
-            </a:r>
-            <a:r>
-              <a:rPr lang="en-US" sz="1400" dirty="0"/>
-              <a:t>/locks”,</a:t>
-            </a:r>
-            <a:br>
-              <a:rPr lang="en-US" sz="1400" dirty="0"/>
-            </a:br>
-            <a:r>
-              <a:rPr lang="en-US" sz="1400" dirty="0"/>
-              <a:t>                   “</a:t>
-            </a:r>
-            <a:r>
-              <a:rPr lang="en-US" sz="1400" dirty="0" err="1"/>
-              <a:t>apiVersion</a:t>
-            </a:r>
-            <a:r>
-              <a:rPr lang="en-US" sz="1400" dirty="0"/>
-              <a:t>”: “2018-01-01”,</a:t>
-            </a:r>
-            <a:br>
-              <a:rPr lang="en-US" sz="1400" dirty="0"/>
-            </a:br>
-            <a:r>
-              <a:rPr lang="en-US" sz="1400" dirty="0"/>
-              <a:t>	  “properties”: { </a:t>
-            </a:r>
-          </a:p>
-          <a:p>
-            <a:pPr marL="0" indent="0">
-              <a:buNone/>
-            </a:pPr>
-            <a:r>
-              <a:rPr lang="en-US" sz="1400" dirty="0"/>
-              <a:t>                            “level”: “</a:t>
-            </a:r>
-            <a:r>
-              <a:rPr lang="en-US" sz="1400" dirty="0" err="1"/>
-              <a:t>CannotDelete</a:t>
-            </a:r>
-            <a:r>
-              <a:rPr lang="en-US" sz="1400" dirty="0"/>
-              <a:t>”</a:t>
-            </a:r>
-          </a:p>
-          <a:p>
-            <a:pPr marL="0" indent="0">
-              <a:buNone/>
-            </a:pPr>
-            <a:r>
-              <a:rPr lang="en-US" sz="1400" dirty="0"/>
-              <a:t>                           }</a:t>
-            </a:r>
-            <a:br>
-              <a:rPr lang="en-US" sz="1400" dirty="0"/>
-            </a:br>
-            <a:r>
-              <a:rPr lang="en-US" sz="1400" dirty="0"/>
-              <a:t>                      }</a:t>
-            </a:r>
-            <a:br>
-              <a:rPr lang="en-US" sz="1400" dirty="0"/>
-            </a:br>
-            <a:r>
-              <a:rPr lang="en-US" sz="1400" dirty="0"/>
-              <a:t>                  }</a:t>
-            </a:r>
-          </a:p>
-          <a:p>
-            <a:pPr marL="0" indent="0">
-              <a:buNone/>
-            </a:pPr>
-            <a:r>
-              <a:rPr lang="en-US" sz="1600" dirty="0"/>
-              <a:t>Does the solution meet the goal?</a:t>
-            </a:r>
-          </a:p>
-          <a:p>
-            <a:pPr marL="342900" indent="-342900">
+            <a:endParaRPr lang="en-US" dirty="0"/>
+          </a:p>
+          <a:p>
+            <a:pPr marL="514350" indent="-514350">
               <a:buFont typeface="+mj-lt"/>
               <a:buAutoNum type="alphaUcPeriod"/>
             </a:pPr>
             <a:r>
-              <a:rPr lang="en-US" sz="1600" dirty="0"/>
-              <a:t>Yes</a:t>
-            </a:r>
-          </a:p>
-          <a:p>
-            <a:pPr marL="342900" indent="-342900">
+              <a:rPr lang="en-US" dirty="0">
+                <a:solidFill>
+                  <a:schemeClr val="bg1">
+                    <a:lumMod val="75000"/>
+                  </a:schemeClr>
+                </a:solidFill>
+              </a:rPr>
+              <a:t>$schema </a:t>
+            </a:r>
+          </a:p>
+          <a:p>
+            <a:pPr marL="514350" indent="-514350">
               <a:buFont typeface="+mj-lt"/>
               <a:buAutoNum type="alphaUcPeriod"/>
             </a:pPr>
             <a:r>
-              <a:rPr lang="en-US" sz="1600" dirty="0"/>
-              <a:t>No</a:t>
-            </a:r>
-          </a:p>
-          <a:p>
-            <a:pPr marL="0" indent="0">
-              <a:buNone/>
+              <a:rPr lang="en-US" dirty="0">
+                <a:solidFill>
+                  <a:schemeClr val="bg1">
+                    <a:lumMod val="75000"/>
+                  </a:schemeClr>
+                </a:solidFill>
+              </a:rPr>
+              <a:t>variables </a:t>
+            </a:r>
+          </a:p>
+          <a:p>
+            <a:pPr marL="514350" indent="-514350">
+              <a:buFont typeface="+mj-lt"/>
+              <a:buAutoNum type="alphaUcPeriod"/>
             </a:pPr>
             <a:r>
-              <a:rPr lang="en-US" sz="1600" dirty="0"/>
-              <a:t>	 </a:t>
-            </a:r>
+              <a:rPr lang="en-US" dirty="0">
+                <a:solidFill>
+                  <a:schemeClr val="bg1">
+                    <a:lumMod val="75000"/>
+                  </a:schemeClr>
+                </a:solidFill>
+              </a:rPr>
+              <a:t>resources</a:t>
+            </a:r>
+          </a:p>
+          <a:p>
+            <a:pPr marL="514350" indent="-514350">
+              <a:buFont typeface="+mj-lt"/>
+              <a:buAutoNum type="alphaUcPeriod"/>
+            </a:pPr>
+            <a:r>
+              <a:rPr lang="en-US" dirty="0">
+                <a:solidFill>
+                  <a:srgbClr val="0070C0"/>
+                </a:solidFill>
+              </a:rPr>
+              <a:t>parameters</a:t>
+            </a:r>
+          </a:p>
+          <a:p>
+            <a:pPr marL="514350" indent="-514350">
+              <a:buFont typeface="+mj-lt"/>
+              <a:buAutoNum type="alphaUcPeriod"/>
+            </a:pPr>
             <a:endParaRPr lang="en-US" dirty="0"/>
           </a:p>
+          <a:p>
+            <a:pPr marL="514350" indent="-514350">
+              <a:buFont typeface="+mj-lt"/>
+              <a:buAutoNum type="alphaUcPeriod"/>
+            </a:pPr>
+            <a:endParaRPr lang="en-US" dirty="0"/>
+          </a:p>
         </p:txBody>
       </p:sp>
       <p:sp>
         <p:nvSpPr>
-          <p:cNvPr id="4" name="Text Placeholder 3">
+          <p:cNvPr id="5" name="Text Placeholder 4">
             <a:extLst>
               <a:ext uri="{FF2B5EF4-FFF2-40B4-BE49-F238E27FC236}">
-                <a16:creationId xmlns:a16="http://schemas.microsoft.com/office/drawing/2014/main" id="{125271E6-0583-45F8-B52C-5467D2FC7D82}"/>
+                <a16:creationId xmlns:a16="http://schemas.microsoft.com/office/drawing/2014/main" id="{C8F334CA-2F55-43E1-80A4-5936AD9FFC1A}"/>
               </a:ext>
             </a:extLst>
           </p:cNvPr>
@@ -25492,88 +28086,13 @@
     </p:spTree>
     <p:extLst>
       <p:ext uri="{BB962C8B-B14F-4D97-AF65-F5344CB8AC3E}">
-        <p14:creationId xmlns:p14="http://schemas.microsoft.com/office/powerpoint/2010/main" val="2027584297"/>
+        <p14:creationId xmlns:p14="http://schemas.microsoft.com/office/powerpoint/2010/main" val="1648459129"/>
       </p:ext>
     </p:extLst>
   </p:cSld>
   <p:clrMapOvr>
     <a:masterClrMapping/>
   </p:clrMapOvr>
-  <p:timing>
-    <p:tnLst>
-      <p:par>
-        <p:cTn id="1" dur="indefinite" restart="never" nodeType="tmRoot">
-          <p:childTnLst>
-            <p:seq concurrent="1" nextAc="seek">
-              <p:cTn id="2" dur="indefinite" nodeType="mainSeq">
-                <p:childTnLst>
-                  <p:par>
-                    <p:cTn id="3" fill="hold">
-                      <p:stCondLst>
-                        <p:cond delay="indefinite"/>
-                      </p:stCondLst>
-                      <p:childTnLst>
-                        <p:par>
-                          <p:cTn id="4" fill="hold">
-                            <p:stCondLst>
-                              <p:cond delay="0"/>
-                            </p:stCondLst>
-                            <p:childTnLst>
-                              <p:par>
-                                <p:cTn id="5" presetID="3" presetClass="emph" presetSubtype="2" fill="hold" nodeType="clickEffect">
-                                  <p:stCondLst>
-                                    <p:cond delay="0"/>
-                                  </p:stCondLst>
-                                  <p:childTnLst>
-                                    <p:animClr clrSpc="rgb" dir="cw">
-                                      <p:cBhvr override="childStyle">
-                                        <p:cTn id="6" dur="2000" fill="hold"/>
-                                        <p:tgtEl>
-                                          <p:spTgt spid="3">
-                                            <p:txEl>
-                                              <p:pRg st="9" end="9"/>
-                                            </p:txEl>
-                                          </p:spTgt>
-                                        </p:tgtEl>
-                                        <p:attrNameLst>
-                                          <p:attrName>style.color</p:attrName>
-                                        </p:attrNameLst>
-                                      </p:cBhvr>
-                                      <p:to>
-                                        <a:srgbClr val="FF0000"/>
-                                      </p:to>
-                                    </p:animClr>
-                                  </p:childTnLst>
-                                </p:cTn>
-                              </p:par>
-                            </p:childTnLst>
-                          </p:cTn>
-                        </p:par>
-                      </p:childTnLst>
-                    </p:cTn>
-                  </p:par>
-                </p:childTnLst>
-              </p:cTn>
-              <p:prevCondLst>
-                <p:cond evt="onPrev" delay="0">
-                  <p:tgtEl>
-                    <p:sldTgt/>
-                  </p:tgtEl>
-                </p:cond>
-              </p:prevCondLst>
-              <p:nextCondLst>
-                <p:cond evt="onNext" delay="0">
-                  <p:tgtEl>
-                    <p:sldTgt/>
-                  </p:tgtEl>
-                </p:cond>
-              </p:nextCondLst>
-            </p:seq>
-          </p:childTnLst>
-        </p:cTn>
-      </p:par>
-    </p:tnLst>
-  </p:timing>
 </p:sld>
 </file>
 
@@ -25735,6 +28254,1230 @@
           <p:cNvPr id="2" name="Title 1">
             <a:extLst>
               <a:ext uri="{FF2B5EF4-FFF2-40B4-BE49-F238E27FC236}">
+                <a16:creationId xmlns:a16="http://schemas.microsoft.com/office/drawing/2014/main" id="{7BF475C8-E953-4BC1-B11A-F7FD7A847DDD}"/>
+              </a:ext>
+            </a:extLst>
+          </p:cNvPr>
+          <p:cNvSpPr>
+            <a:spLocks noGrp="1"/>
+          </p:cNvSpPr>
+          <p:nvPr>
+            <p:ph type="title"/>
+          </p:nvPr>
+        </p:nvSpPr>
+        <p:spPr/>
+        <p:txBody>
+          <a:bodyPr/>
+          <a:lstStyle/>
+          <a:p>
+            <a:r>
+              <a:rPr lang="en-US" dirty="0"/>
+              <a:t>You use ARM templates to deploy resources.  </a:t>
+            </a:r>
+          </a:p>
+        </p:txBody>
+      </p:sp>
+      <p:sp>
+        <p:nvSpPr>
+          <p:cNvPr id="3" name="Content Placeholder 2">
+            <a:extLst>
+              <a:ext uri="{FF2B5EF4-FFF2-40B4-BE49-F238E27FC236}">
+                <a16:creationId xmlns:a16="http://schemas.microsoft.com/office/drawing/2014/main" id="{881B509F-2A31-41DE-A29F-53509678859A}"/>
+              </a:ext>
+            </a:extLst>
+          </p:cNvPr>
+          <p:cNvSpPr>
+            <a:spLocks noGrp="1"/>
+          </p:cNvSpPr>
+          <p:nvPr>
+            <p:ph idx="1"/>
+          </p:nvPr>
+        </p:nvSpPr>
+        <p:spPr/>
+        <p:txBody>
+          <a:bodyPr/>
+          <a:lstStyle/>
+          <a:p>
+            <a:pPr marL="0" indent="0">
+              <a:buNone/>
+            </a:pPr>
+            <a:r>
+              <a:rPr lang="en-US" sz="1800" dirty="0"/>
+              <a:t>You need to ensure the storage resources defined in a template cannot be deleted. </a:t>
+            </a:r>
+          </a:p>
+          <a:p>
+            <a:endParaRPr lang="en-US" sz="700" dirty="0"/>
+          </a:p>
+          <a:p>
+            <a:pPr marL="0" indent="0">
+              <a:buNone/>
+            </a:pPr>
+            <a:r>
+              <a:rPr lang="en-US" sz="1800" dirty="0"/>
+              <a:t>Solution: </a:t>
+            </a:r>
+          </a:p>
+          <a:p>
+            <a:pPr marL="0" indent="0">
+              <a:buNone/>
+            </a:pPr>
+            <a:r>
+              <a:rPr lang="en-US" sz="1400" dirty="0"/>
+              <a:t>           “resources”: {</a:t>
+            </a:r>
+          </a:p>
+          <a:p>
+            <a:pPr marL="0" indent="0">
+              <a:buNone/>
+            </a:pPr>
+            <a:r>
+              <a:rPr lang="en-US" sz="1400" dirty="0"/>
+              <a:t> 	{</a:t>
+            </a:r>
+          </a:p>
+          <a:p>
+            <a:pPr marL="0" indent="0">
+              <a:buNone/>
+            </a:pPr>
+            <a:r>
+              <a:rPr lang="en-US" sz="1400" dirty="0"/>
+              <a:t>	   “name:”[</a:t>
+            </a:r>
+            <a:r>
+              <a:rPr lang="en-US" sz="1400" dirty="0" err="1"/>
+              <a:t>concat</a:t>
+            </a:r>
+            <a:r>
+              <a:rPr lang="en-US" sz="1400" dirty="0"/>
+              <a:t>(parameters(‘</a:t>
+            </a:r>
+            <a:r>
+              <a:rPr lang="en-US" sz="1400" dirty="0" err="1"/>
+              <a:t>lockedResource</a:t>
+            </a:r>
+            <a:r>
+              <a:rPr lang="en-US" sz="1400" dirty="0"/>
+              <a:t>’), ‘/</a:t>
+            </a:r>
+            <a:r>
+              <a:rPr lang="en-US" sz="1400" dirty="0" err="1"/>
+              <a:t>Microsoft.Authorization</a:t>
+            </a:r>
+            <a:r>
+              <a:rPr lang="en-US" sz="1400" dirty="0"/>
+              <a:t>/</a:t>
+            </a:r>
+            <a:r>
+              <a:rPr lang="en-US" sz="1400" dirty="0" err="1"/>
+              <a:t>myLock</a:t>
+            </a:r>
+            <a:r>
+              <a:rPr lang="en-US" sz="1400" dirty="0"/>
+              <a:t>’)}”,</a:t>
+            </a:r>
+            <a:br>
+              <a:rPr lang="en-US" sz="1400" dirty="0"/>
+            </a:br>
+            <a:r>
+              <a:rPr lang="en-US" sz="1400" dirty="0"/>
+              <a:t>	   “type”: “</a:t>
+            </a:r>
+            <a:r>
+              <a:rPr lang="en-US" sz="1400" dirty="0" err="1"/>
+              <a:t>Microsoft.Authorization</a:t>
+            </a:r>
+            <a:r>
+              <a:rPr lang="en-US" sz="1400" dirty="0"/>
+              <a:t>/locks”,</a:t>
+            </a:r>
+            <a:br>
+              <a:rPr lang="en-US" sz="1400" dirty="0"/>
+            </a:br>
+            <a:r>
+              <a:rPr lang="en-US" sz="1400" dirty="0"/>
+              <a:t>                   “</a:t>
+            </a:r>
+            <a:r>
+              <a:rPr lang="en-US" sz="1400" dirty="0" err="1"/>
+              <a:t>apiVersion</a:t>
+            </a:r>
+            <a:r>
+              <a:rPr lang="en-US" sz="1400" dirty="0"/>
+              <a:t>”: “2018-01-01”,</a:t>
+            </a:r>
+            <a:br>
+              <a:rPr lang="en-US" sz="1400" dirty="0"/>
+            </a:br>
+            <a:r>
+              <a:rPr lang="en-US" sz="1400" dirty="0"/>
+              <a:t>	  “properties”: { </a:t>
+            </a:r>
+          </a:p>
+          <a:p>
+            <a:pPr marL="0" indent="0">
+              <a:buNone/>
+            </a:pPr>
+            <a:r>
+              <a:rPr lang="en-US" sz="1400" dirty="0"/>
+              <a:t>                            “level”: “</a:t>
+            </a:r>
+            <a:r>
+              <a:rPr lang="en-US" sz="1400" dirty="0" err="1"/>
+              <a:t>ReadOnly</a:t>
+            </a:r>
+            <a:r>
+              <a:rPr lang="en-US" sz="1400" dirty="0"/>
+              <a:t>”</a:t>
+            </a:r>
+          </a:p>
+          <a:p>
+            <a:pPr marL="0" indent="0">
+              <a:buNone/>
+            </a:pPr>
+            <a:r>
+              <a:rPr lang="en-US" sz="1400" dirty="0"/>
+              <a:t>                           }</a:t>
+            </a:r>
+            <a:br>
+              <a:rPr lang="en-US" sz="1400" dirty="0"/>
+            </a:br>
+            <a:r>
+              <a:rPr lang="en-US" sz="1400" dirty="0"/>
+              <a:t>                      }</a:t>
+            </a:r>
+            <a:br>
+              <a:rPr lang="en-US" sz="1400" dirty="0"/>
+            </a:br>
+            <a:r>
+              <a:rPr lang="en-US" sz="1400" dirty="0"/>
+              <a:t>                  }</a:t>
+            </a:r>
+          </a:p>
+          <a:p>
+            <a:pPr marL="0" indent="0">
+              <a:buNone/>
+            </a:pPr>
+            <a:r>
+              <a:rPr lang="en-US" sz="1600" dirty="0"/>
+              <a:t>Does the solution meet the goal?</a:t>
+            </a:r>
+          </a:p>
+          <a:p>
+            <a:pPr marL="342900" indent="-342900">
+              <a:buFont typeface="+mj-lt"/>
+              <a:buAutoNum type="alphaUcPeriod"/>
+            </a:pPr>
+            <a:r>
+              <a:rPr lang="en-US" sz="1600" dirty="0"/>
+              <a:t>Yes</a:t>
+            </a:r>
+          </a:p>
+          <a:p>
+            <a:pPr marL="342900" indent="-342900">
+              <a:buFont typeface="+mj-lt"/>
+              <a:buAutoNum type="alphaUcPeriod"/>
+            </a:pPr>
+            <a:r>
+              <a:rPr lang="en-US" sz="1600" dirty="0"/>
+              <a:t>No</a:t>
+            </a:r>
+          </a:p>
+          <a:p>
+            <a:pPr marL="0" indent="0">
+              <a:buNone/>
+            </a:pPr>
+            <a:r>
+              <a:rPr lang="en-US" sz="1600" dirty="0"/>
+              <a:t>	 </a:t>
+            </a:r>
+            <a:endParaRPr lang="en-US" dirty="0"/>
+          </a:p>
+        </p:txBody>
+      </p:sp>
+      <p:sp>
+        <p:nvSpPr>
+          <p:cNvPr id="4" name="Text Placeholder 3">
+            <a:extLst>
+              <a:ext uri="{FF2B5EF4-FFF2-40B4-BE49-F238E27FC236}">
+                <a16:creationId xmlns:a16="http://schemas.microsoft.com/office/drawing/2014/main" id="{125271E6-0583-45F8-B52C-5467D2FC7D82}"/>
+              </a:ext>
+            </a:extLst>
+          </p:cNvPr>
+          <p:cNvSpPr>
+            <a:spLocks noGrp="1"/>
+          </p:cNvSpPr>
+          <p:nvPr>
+            <p:ph type="body" sz="quarter" idx="10"/>
+          </p:nvPr>
+        </p:nvSpPr>
+        <p:spPr/>
+        <p:txBody>
+          <a:bodyPr/>
+          <a:lstStyle/>
+          <a:p>
+            <a:endParaRPr lang="en-US"/>
+          </a:p>
+        </p:txBody>
+      </p:sp>
+    </p:spTree>
+    <p:extLst>
+      <p:ext uri="{BB962C8B-B14F-4D97-AF65-F5344CB8AC3E}">
+        <p14:creationId xmlns:p14="http://schemas.microsoft.com/office/powerpoint/2010/main" val="2570337417"/>
+      </p:ext>
+    </p:extLst>
+  </p:cSld>
+  <p:clrMapOvr>
+    <a:masterClrMapping/>
+  </p:clrMapOvr>
+</p:sld>
+</file>
+
+<file path=ppt/slides/slide41.xml><?xml version="1.0" encoding="utf-8"?>
+<p:sld xmlns:a="http://schemas.openxmlformats.org/drawingml/2006/main" xmlns:r="http://schemas.openxmlformats.org/officeDocument/2006/relationships" xmlns:p="http://schemas.openxmlformats.org/presentationml/2006/main">
+  <p:cSld>
+    <p:spTree>
+      <p:nvGrpSpPr>
+        <p:cNvPr id="1" name=""/>
+        <p:cNvGrpSpPr/>
+        <p:nvPr/>
+      </p:nvGrpSpPr>
+      <p:grpSpPr>
+        <a:xfrm>
+          <a:off x="0" y="0"/>
+          <a:ext cx="0" cy="0"/>
+          <a:chOff x="0" y="0"/>
+          <a:chExt cx="0" cy="0"/>
+        </a:xfrm>
+      </p:grpSpPr>
+      <p:sp>
+        <p:nvSpPr>
+          <p:cNvPr id="2" name="Title 1">
+            <a:extLst>
+              <a:ext uri="{FF2B5EF4-FFF2-40B4-BE49-F238E27FC236}">
+                <a16:creationId xmlns:a16="http://schemas.microsoft.com/office/drawing/2014/main" id="{7BF475C8-E953-4BC1-B11A-F7FD7A847DDD}"/>
+              </a:ext>
+            </a:extLst>
+          </p:cNvPr>
+          <p:cNvSpPr>
+            <a:spLocks noGrp="1"/>
+          </p:cNvSpPr>
+          <p:nvPr>
+            <p:ph type="title"/>
+          </p:nvPr>
+        </p:nvSpPr>
+        <p:spPr/>
+        <p:txBody>
+          <a:bodyPr/>
+          <a:lstStyle/>
+          <a:p>
+            <a:r>
+              <a:rPr lang="en-US" dirty="0"/>
+              <a:t>You use ARM templates to deploy resources.  </a:t>
+            </a:r>
+          </a:p>
+        </p:txBody>
+      </p:sp>
+      <p:sp>
+        <p:nvSpPr>
+          <p:cNvPr id="3" name="Content Placeholder 2">
+            <a:extLst>
+              <a:ext uri="{FF2B5EF4-FFF2-40B4-BE49-F238E27FC236}">
+                <a16:creationId xmlns:a16="http://schemas.microsoft.com/office/drawing/2014/main" id="{881B509F-2A31-41DE-A29F-53509678859A}"/>
+              </a:ext>
+            </a:extLst>
+          </p:cNvPr>
+          <p:cNvSpPr>
+            <a:spLocks noGrp="1"/>
+          </p:cNvSpPr>
+          <p:nvPr>
+            <p:ph idx="1"/>
+          </p:nvPr>
+        </p:nvSpPr>
+        <p:spPr/>
+        <p:txBody>
+          <a:bodyPr/>
+          <a:lstStyle/>
+          <a:p>
+            <a:pPr marL="0" indent="0">
+              <a:buNone/>
+            </a:pPr>
+            <a:r>
+              <a:rPr lang="en-US" sz="1800" dirty="0"/>
+              <a:t>You need to ensure the storage resources defined in a template cannot be deleted. </a:t>
+            </a:r>
+          </a:p>
+          <a:p>
+            <a:endParaRPr lang="en-US" sz="700" dirty="0"/>
+          </a:p>
+          <a:p>
+            <a:pPr marL="0" indent="0">
+              <a:buNone/>
+            </a:pPr>
+            <a:r>
+              <a:rPr lang="en-US" sz="1800" dirty="0"/>
+              <a:t>Solution: </a:t>
+            </a:r>
+          </a:p>
+          <a:p>
+            <a:pPr marL="0" indent="0">
+              <a:buNone/>
+            </a:pPr>
+            <a:r>
+              <a:rPr lang="en-US" sz="1400" dirty="0"/>
+              <a:t>           “resources”: {</a:t>
+            </a:r>
+          </a:p>
+          <a:p>
+            <a:pPr marL="0" indent="0">
+              <a:buNone/>
+            </a:pPr>
+            <a:r>
+              <a:rPr lang="en-US" sz="1400" dirty="0"/>
+              <a:t> 	{</a:t>
+            </a:r>
+          </a:p>
+          <a:p>
+            <a:pPr marL="0" indent="0">
+              <a:buNone/>
+            </a:pPr>
+            <a:r>
+              <a:rPr lang="en-US" sz="1400" dirty="0"/>
+              <a:t>	   “name:”[</a:t>
+            </a:r>
+            <a:r>
+              <a:rPr lang="en-US" sz="1400" dirty="0" err="1"/>
+              <a:t>concat</a:t>
+            </a:r>
+            <a:r>
+              <a:rPr lang="en-US" sz="1400" dirty="0"/>
+              <a:t>(parameters(‘</a:t>
+            </a:r>
+            <a:r>
+              <a:rPr lang="en-US" sz="1400" dirty="0" err="1"/>
+              <a:t>lockedResource</a:t>
+            </a:r>
+            <a:r>
+              <a:rPr lang="en-US" sz="1400" dirty="0"/>
+              <a:t>’), ‘/</a:t>
+            </a:r>
+            <a:r>
+              <a:rPr lang="en-US" sz="1400" dirty="0" err="1"/>
+              <a:t>Microsoft.Authorization</a:t>
+            </a:r>
+            <a:r>
+              <a:rPr lang="en-US" sz="1400" dirty="0"/>
+              <a:t>/</a:t>
+            </a:r>
+            <a:r>
+              <a:rPr lang="en-US" sz="1400" dirty="0" err="1"/>
+              <a:t>myLock</a:t>
+            </a:r>
+            <a:r>
+              <a:rPr lang="en-US" sz="1400" dirty="0"/>
+              <a:t>’)}”,</a:t>
+            </a:r>
+            <a:br>
+              <a:rPr lang="en-US" sz="1400" dirty="0"/>
+            </a:br>
+            <a:r>
+              <a:rPr lang="en-US" sz="1400" dirty="0"/>
+              <a:t>	   “type”: “</a:t>
+            </a:r>
+            <a:r>
+              <a:rPr lang="en-US" sz="1400" dirty="0" err="1"/>
+              <a:t>Microsoft.Authorization</a:t>
+            </a:r>
+            <a:r>
+              <a:rPr lang="en-US" sz="1400" dirty="0"/>
+              <a:t>/locks”,</a:t>
+            </a:r>
+            <a:br>
+              <a:rPr lang="en-US" sz="1400" dirty="0"/>
+            </a:br>
+            <a:r>
+              <a:rPr lang="en-US" sz="1400" dirty="0"/>
+              <a:t>                   “</a:t>
+            </a:r>
+            <a:r>
+              <a:rPr lang="en-US" sz="1400" dirty="0" err="1"/>
+              <a:t>apiVersion</a:t>
+            </a:r>
+            <a:r>
+              <a:rPr lang="en-US" sz="1400" dirty="0"/>
+              <a:t>”: “2018-01-01”,</a:t>
+            </a:r>
+            <a:br>
+              <a:rPr lang="en-US" sz="1400" dirty="0"/>
+            </a:br>
+            <a:r>
+              <a:rPr lang="en-US" sz="1400" dirty="0"/>
+              <a:t>	  “properties”: { </a:t>
+            </a:r>
+          </a:p>
+          <a:p>
+            <a:pPr marL="0" indent="0">
+              <a:buNone/>
+            </a:pPr>
+            <a:r>
+              <a:rPr lang="en-US" sz="1400" dirty="0"/>
+              <a:t>                            “level”: “</a:t>
+            </a:r>
+            <a:r>
+              <a:rPr lang="en-US" sz="1400" dirty="0" err="1"/>
+              <a:t>ReadOnly</a:t>
+            </a:r>
+            <a:r>
+              <a:rPr lang="en-US" sz="1400" dirty="0"/>
+              <a:t>”</a:t>
+            </a:r>
+          </a:p>
+          <a:p>
+            <a:pPr marL="0" indent="0">
+              <a:buNone/>
+            </a:pPr>
+            <a:r>
+              <a:rPr lang="en-US" sz="1400" dirty="0"/>
+              <a:t>                           }</a:t>
+            </a:r>
+            <a:br>
+              <a:rPr lang="en-US" sz="1400" dirty="0"/>
+            </a:br>
+            <a:r>
+              <a:rPr lang="en-US" sz="1400" dirty="0"/>
+              <a:t>                      }</a:t>
+            </a:r>
+            <a:br>
+              <a:rPr lang="en-US" sz="1400" dirty="0"/>
+            </a:br>
+            <a:r>
+              <a:rPr lang="en-US" sz="1400" dirty="0"/>
+              <a:t>                  }</a:t>
+            </a:r>
+          </a:p>
+          <a:p>
+            <a:pPr marL="0" indent="0">
+              <a:buNone/>
+            </a:pPr>
+            <a:r>
+              <a:rPr lang="en-US" sz="1600" dirty="0"/>
+              <a:t>Does the solution meet the goal?</a:t>
+            </a:r>
+          </a:p>
+          <a:p>
+            <a:pPr marL="342900" indent="-342900">
+              <a:buFont typeface="+mj-lt"/>
+              <a:buAutoNum type="alphaUcPeriod"/>
+            </a:pPr>
+            <a:r>
+              <a:rPr lang="en-US" sz="1600" dirty="0">
+                <a:solidFill>
+                  <a:srgbClr val="0070C0"/>
+                </a:solidFill>
+              </a:rPr>
+              <a:t>Yes</a:t>
+            </a:r>
+          </a:p>
+          <a:p>
+            <a:pPr marL="342900" indent="-342900">
+              <a:buFont typeface="+mj-lt"/>
+              <a:buAutoNum type="alphaUcPeriod"/>
+            </a:pPr>
+            <a:r>
+              <a:rPr lang="en-US" sz="1600" dirty="0">
+                <a:solidFill>
+                  <a:schemeClr val="bg1">
+                    <a:lumMod val="75000"/>
+                  </a:schemeClr>
+                </a:solidFill>
+              </a:rPr>
+              <a:t>No</a:t>
+            </a:r>
+          </a:p>
+          <a:p>
+            <a:pPr marL="0" indent="0">
+              <a:buNone/>
+            </a:pPr>
+            <a:r>
+              <a:rPr lang="en-US" sz="1600" dirty="0"/>
+              <a:t>	 </a:t>
+            </a:r>
+            <a:endParaRPr lang="en-US" dirty="0"/>
+          </a:p>
+        </p:txBody>
+      </p:sp>
+      <p:sp>
+        <p:nvSpPr>
+          <p:cNvPr id="5" name="Text Placeholder 4">
+            <a:extLst>
+              <a:ext uri="{FF2B5EF4-FFF2-40B4-BE49-F238E27FC236}">
+                <a16:creationId xmlns:a16="http://schemas.microsoft.com/office/drawing/2014/main" id="{E037E97A-C0D3-4675-9A8F-5F2DC4C657C9}"/>
+              </a:ext>
+            </a:extLst>
+          </p:cNvPr>
+          <p:cNvSpPr>
+            <a:spLocks noGrp="1"/>
+          </p:cNvSpPr>
+          <p:nvPr>
+            <p:ph type="body" sz="quarter" idx="10"/>
+          </p:nvPr>
+        </p:nvSpPr>
+        <p:spPr/>
+        <p:txBody>
+          <a:bodyPr/>
+          <a:lstStyle/>
+          <a:p>
+            <a:endParaRPr lang="en-US"/>
+          </a:p>
+        </p:txBody>
+      </p:sp>
+    </p:spTree>
+    <p:extLst>
+      <p:ext uri="{BB962C8B-B14F-4D97-AF65-F5344CB8AC3E}">
+        <p14:creationId xmlns:p14="http://schemas.microsoft.com/office/powerpoint/2010/main" val="2174568677"/>
+      </p:ext>
+    </p:extLst>
+  </p:cSld>
+  <p:clrMapOvr>
+    <a:masterClrMapping/>
+  </p:clrMapOvr>
+</p:sld>
+</file>
+
+<file path=ppt/slides/slide42.xml><?xml version="1.0" encoding="utf-8"?>
+<p:sld xmlns:a="http://schemas.openxmlformats.org/drawingml/2006/main" xmlns:r="http://schemas.openxmlformats.org/officeDocument/2006/relationships" xmlns:p="http://schemas.openxmlformats.org/presentationml/2006/main">
+  <p:cSld>
+    <p:spTree>
+      <p:nvGrpSpPr>
+        <p:cNvPr id="1" name=""/>
+        <p:cNvGrpSpPr/>
+        <p:nvPr/>
+      </p:nvGrpSpPr>
+      <p:grpSpPr>
+        <a:xfrm>
+          <a:off x="0" y="0"/>
+          <a:ext cx="0" cy="0"/>
+          <a:chOff x="0" y="0"/>
+          <a:chExt cx="0" cy="0"/>
+        </a:xfrm>
+      </p:grpSpPr>
+      <p:sp>
+        <p:nvSpPr>
+          <p:cNvPr id="2" name="Title 1">
+            <a:extLst>
+              <a:ext uri="{FF2B5EF4-FFF2-40B4-BE49-F238E27FC236}">
+                <a16:creationId xmlns:a16="http://schemas.microsoft.com/office/drawing/2014/main" id="{7BF475C8-E953-4BC1-B11A-F7FD7A847DDD}"/>
+              </a:ext>
+            </a:extLst>
+          </p:cNvPr>
+          <p:cNvSpPr>
+            <a:spLocks noGrp="1"/>
+          </p:cNvSpPr>
+          <p:nvPr>
+            <p:ph type="title"/>
+          </p:nvPr>
+        </p:nvSpPr>
+        <p:spPr/>
+        <p:txBody>
+          <a:bodyPr/>
+          <a:lstStyle/>
+          <a:p>
+            <a:r>
+              <a:rPr lang="en-US" dirty="0"/>
+              <a:t>You use ARM templates to deploy resources.  </a:t>
+            </a:r>
+          </a:p>
+        </p:txBody>
+      </p:sp>
+      <p:sp>
+        <p:nvSpPr>
+          <p:cNvPr id="3" name="Content Placeholder 2">
+            <a:extLst>
+              <a:ext uri="{FF2B5EF4-FFF2-40B4-BE49-F238E27FC236}">
+                <a16:creationId xmlns:a16="http://schemas.microsoft.com/office/drawing/2014/main" id="{881B509F-2A31-41DE-A29F-53509678859A}"/>
+              </a:ext>
+            </a:extLst>
+          </p:cNvPr>
+          <p:cNvSpPr>
+            <a:spLocks noGrp="1"/>
+          </p:cNvSpPr>
+          <p:nvPr>
+            <p:ph idx="1"/>
+          </p:nvPr>
+        </p:nvSpPr>
+        <p:spPr/>
+        <p:txBody>
+          <a:bodyPr/>
+          <a:lstStyle/>
+          <a:p>
+            <a:pPr marL="0" indent="0">
+              <a:buNone/>
+            </a:pPr>
+            <a:r>
+              <a:rPr lang="en-US" sz="1800" dirty="0"/>
+              <a:t>You need to ensure the storage resources defined in a template cannot be deleted. </a:t>
+            </a:r>
+          </a:p>
+          <a:p>
+            <a:endParaRPr lang="en-US" sz="700" dirty="0"/>
+          </a:p>
+          <a:p>
+            <a:pPr marL="0" indent="0">
+              <a:buNone/>
+            </a:pPr>
+            <a:r>
+              <a:rPr lang="en-US" sz="1800" dirty="0"/>
+              <a:t>Solution: </a:t>
+            </a:r>
+          </a:p>
+          <a:p>
+            <a:pPr marL="0" indent="0">
+              <a:buNone/>
+            </a:pPr>
+            <a:r>
+              <a:rPr lang="en-US" sz="1400" dirty="0"/>
+              <a:t>           “resources”: {</a:t>
+            </a:r>
+          </a:p>
+          <a:p>
+            <a:pPr marL="0" indent="0">
+              <a:buNone/>
+            </a:pPr>
+            <a:r>
+              <a:rPr lang="en-US" sz="1400" dirty="0"/>
+              <a:t> 	{</a:t>
+            </a:r>
+          </a:p>
+          <a:p>
+            <a:pPr marL="0" indent="0">
+              <a:buNone/>
+            </a:pPr>
+            <a:r>
+              <a:rPr lang="en-US" sz="1400" dirty="0"/>
+              <a:t>	   “name:”[</a:t>
+            </a:r>
+            <a:r>
+              <a:rPr lang="en-US" sz="1400" dirty="0" err="1"/>
+              <a:t>concat</a:t>
+            </a:r>
+            <a:r>
+              <a:rPr lang="en-US" sz="1400" dirty="0"/>
+              <a:t>(parameters(‘</a:t>
+            </a:r>
+            <a:r>
+              <a:rPr lang="en-US" sz="1400" dirty="0" err="1"/>
+              <a:t>lockedResource</a:t>
+            </a:r>
+            <a:r>
+              <a:rPr lang="en-US" sz="1400" dirty="0"/>
+              <a:t>’), ‘/</a:t>
+            </a:r>
+            <a:r>
+              <a:rPr lang="en-US" sz="1400" dirty="0" err="1"/>
+              <a:t>Microsoft.Authorization</a:t>
+            </a:r>
+            <a:r>
+              <a:rPr lang="en-US" sz="1400" dirty="0"/>
+              <a:t>/</a:t>
+            </a:r>
+            <a:r>
+              <a:rPr lang="en-US" sz="1400" dirty="0" err="1"/>
+              <a:t>myLock</a:t>
+            </a:r>
+            <a:r>
+              <a:rPr lang="en-US" sz="1400" dirty="0"/>
+              <a:t>’)}”,</a:t>
+            </a:r>
+            <a:br>
+              <a:rPr lang="en-US" sz="1400" dirty="0"/>
+            </a:br>
+            <a:r>
+              <a:rPr lang="en-US" sz="1400" dirty="0"/>
+              <a:t>	   “type”: “</a:t>
+            </a:r>
+            <a:r>
+              <a:rPr lang="en-US" sz="1400" dirty="0" err="1"/>
+              <a:t>Microsoft.Authorization</a:t>
+            </a:r>
+            <a:r>
+              <a:rPr lang="en-US" sz="1400" dirty="0"/>
+              <a:t>/locks”,</a:t>
+            </a:r>
+            <a:br>
+              <a:rPr lang="en-US" sz="1400" dirty="0"/>
+            </a:br>
+            <a:r>
+              <a:rPr lang="en-US" sz="1400" dirty="0"/>
+              <a:t>                   “</a:t>
+            </a:r>
+            <a:r>
+              <a:rPr lang="en-US" sz="1400" dirty="0" err="1"/>
+              <a:t>apiVersion</a:t>
+            </a:r>
+            <a:r>
+              <a:rPr lang="en-US" sz="1400" dirty="0"/>
+              <a:t>”: “2018-01-01”,</a:t>
+            </a:r>
+            <a:br>
+              <a:rPr lang="en-US" sz="1400" dirty="0"/>
+            </a:br>
+            <a:r>
+              <a:rPr lang="en-US" sz="1400" dirty="0"/>
+              <a:t>	  “properties”: { </a:t>
+            </a:r>
+          </a:p>
+          <a:p>
+            <a:pPr marL="0" indent="0">
+              <a:buNone/>
+            </a:pPr>
+            <a:r>
+              <a:rPr lang="en-US" sz="1400" dirty="0"/>
+              <a:t>                            “level”: “</a:t>
+            </a:r>
+            <a:r>
+              <a:rPr lang="en-US" sz="1400" dirty="0" err="1"/>
+              <a:t>CannotDelete</a:t>
+            </a:r>
+            <a:r>
+              <a:rPr lang="en-US" sz="1400" dirty="0"/>
+              <a:t>”</a:t>
+            </a:r>
+          </a:p>
+          <a:p>
+            <a:pPr marL="0" indent="0">
+              <a:buNone/>
+            </a:pPr>
+            <a:r>
+              <a:rPr lang="en-US" sz="1400" dirty="0"/>
+              <a:t>                           }</a:t>
+            </a:r>
+            <a:br>
+              <a:rPr lang="en-US" sz="1400" dirty="0"/>
+            </a:br>
+            <a:r>
+              <a:rPr lang="en-US" sz="1400" dirty="0"/>
+              <a:t>                      }</a:t>
+            </a:r>
+            <a:br>
+              <a:rPr lang="en-US" sz="1400" dirty="0"/>
+            </a:br>
+            <a:r>
+              <a:rPr lang="en-US" sz="1400" dirty="0"/>
+              <a:t>                  }</a:t>
+            </a:r>
+          </a:p>
+          <a:p>
+            <a:pPr marL="0" indent="0">
+              <a:buNone/>
+            </a:pPr>
+            <a:r>
+              <a:rPr lang="en-US" sz="1600" dirty="0"/>
+              <a:t>Does the solution meet the goal?</a:t>
+            </a:r>
+          </a:p>
+          <a:p>
+            <a:pPr marL="342900" indent="-342900">
+              <a:buFont typeface="+mj-lt"/>
+              <a:buAutoNum type="alphaUcPeriod"/>
+            </a:pPr>
+            <a:r>
+              <a:rPr lang="en-US" sz="1600" dirty="0"/>
+              <a:t>Yes</a:t>
+            </a:r>
+          </a:p>
+          <a:p>
+            <a:pPr marL="342900" indent="-342900">
+              <a:buFont typeface="+mj-lt"/>
+              <a:buAutoNum type="alphaUcPeriod"/>
+            </a:pPr>
+            <a:r>
+              <a:rPr lang="en-US" sz="1600" dirty="0"/>
+              <a:t>No</a:t>
+            </a:r>
+          </a:p>
+          <a:p>
+            <a:pPr marL="0" indent="0">
+              <a:buNone/>
+            </a:pPr>
+            <a:r>
+              <a:rPr lang="en-US" sz="1600" dirty="0"/>
+              <a:t>	 </a:t>
+            </a:r>
+            <a:endParaRPr lang="en-US" dirty="0"/>
+          </a:p>
+        </p:txBody>
+      </p:sp>
+      <p:sp>
+        <p:nvSpPr>
+          <p:cNvPr id="4" name="Text Placeholder 3">
+            <a:extLst>
+              <a:ext uri="{FF2B5EF4-FFF2-40B4-BE49-F238E27FC236}">
+                <a16:creationId xmlns:a16="http://schemas.microsoft.com/office/drawing/2014/main" id="{125271E6-0583-45F8-B52C-5467D2FC7D82}"/>
+              </a:ext>
+            </a:extLst>
+          </p:cNvPr>
+          <p:cNvSpPr>
+            <a:spLocks noGrp="1"/>
+          </p:cNvSpPr>
+          <p:nvPr>
+            <p:ph type="body" sz="quarter" idx="10"/>
+          </p:nvPr>
+        </p:nvSpPr>
+        <p:spPr/>
+        <p:txBody>
+          <a:bodyPr/>
+          <a:lstStyle/>
+          <a:p>
+            <a:endParaRPr lang="en-US"/>
+          </a:p>
+        </p:txBody>
+      </p:sp>
+    </p:spTree>
+    <p:extLst>
+      <p:ext uri="{BB962C8B-B14F-4D97-AF65-F5344CB8AC3E}">
+        <p14:creationId xmlns:p14="http://schemas.microsoft.com/office/powerpoint/2010/main" val="2027584297"/>
+      </p:ext>
+    </p:extLst>
+  </p:cSld>
+  <p:clrMapOvr>
+    <a:masterClrMapping/>
+  </p:clrMapOvr>
+</p:sld>
+</file>
+
+<file path=ppt/slides/slide43.xml><?xml version="1.0" encoding="utf-8"?>
+<p:sld xmlns:a="http://schemas.openxmlformats.org/drawingml/2006/main" xmlns:r="http://schemas.openxmlformats.org/officeDocument/2006/relationships" xmlns:p="http://schemas.openxmlformats.org/presentationml/2006/main">
+  <p:cSld>
+    <p:spTree>
+      <p:nvGrpSpPr>
+        <p:cNvPr id="1" name=""/>
+        <p:cNvGrpSpPr/>
+        <p:nvPr/>
+      </p:nvGrpSpPr>
+      <p:grpSpPr>
+        <a:xfrm>
+          <a:off x="0" y="0"/>
+          <a:ext cx="0" cy="0"/>
+          <a:chOff x="0" y="0"/>
+          <a:chExt cx="0" cy="0"/>
+        </a:xfrm>
+      </p:grpSpPr>
+      <p:sp>
+        <p:nvSpPr>
+          <p:cNvPr id="2" name="Title 1">
+            <a:extLst>
+              <a:ext uri="{FF2B5EF4-FFF2-40B4-BE49-F238E27FC236}">
+                <a16:creationId xmlns:a16="http://schemas.microsoft.com/office/drawing/2014/main" id="{7BF475C8-E953-4BC1-B11A-F7FD7A847DDD}"/>
+              </a:ext>
+            </a:extLst>
+          </p:cNvPr>
+          <p:cNvSpPr>
+            <a:spLocks noGrp="1"/>
+          </p:cNvSpPr>
+          <p:nvPr>
+            <p:ph type="title"/>
+          </p:nvPr>
+        </p:nvSpPr>
+        <p:spPr/>
+        <p:txBody>
+          <a:bodyPr/>
+          <a:lstStyle/>
+          <a:p>
+            <a:r>
+              <a:rPr lang="en-US" dirty="0"/>
+              <a:t>You use ARM templates to deploy resources.  </a:t>
+            </a:r>
+          </a:p>
+        </p:txBody>
+      </p:sp>
+      <p:sp>
+        <p:nvSpPr>
+          <p:cNvPr id="3" name="Content Placeholder 2">
+            <a:extLst>
+              <a:ext uri="{FF2B5EF4-FFF2-40B4-BE49-F238E27FC236}">
+                <a16:creationId xmlns:a16="http://schemas.microsoft.com/office/drawing/2014/main" id="{881B509F-2A31-41DE-A29F-53509678859A}"/>
+              </a:ext>
+            </a:extLst>
+          </p:cNvPr>
+          <p:cNvSpPr>
+            <a:spLocks noGrp="1"/>
+          </p:cNvSpPr>
+          <p:nvPr>
+            <p:ph idx="1"/>
+          </p:nvPr>
+        </p:nvSpPr>
+        <p:spPr/>
+        <p:txBody>
+          <a:bodyPr/>
+          <a:lstStyle/>
+          <a:p>
+            <a:pPr marL="0" indent="0">
+              <a:buNone/>
+            </a:pPr>
+            <a:r>
+              <a:rPr lang="en-US" sz="1800" dirty="0"/>
+              <a:t>You need to ensure the storage resources defined in a template cannot be deleted. </a:t>
+            </a:r>
+          </a:p>
+          <a:p>
+            <a:endParaRPr lang="en-US" sz="700" dirty="0"/>
+          </a:p>
+          <a:p>
+            <a:pPr marL="0" indent="0">
+              <a:buNone/>
+            </a:pPr>
+            <a:r>
+              <a:rPr lang="en-US" sz="1800" dirty="0"/>
+              <a:t>Solution: </a:t>
+            </a:r>
+          </a:p>
+          <a:p>
+            <a:pPr marL="0" indent="0">
+              <a:buNone/>
+            </a:pPr>
+            <a:r>
+              <a:rPr lang="en-US" sz="1400" dirty="0"/>
+              <a:t>           “resources”: {</a:t>
+            </a:r>
+          </a:p>
+          <a:p>
+            <a:pPr marL="0" indent="0">
+              <a:buNone/>
+            </a:pPr>
+            <a:r>
+              <a:rPr lang="en-US" sz="1400" dirty="0"/>
+              <a:t> 	{</a:t>
+            </a:r>
+          </a:p>
+          <a:p>
+            <a:pPr marL="0" indent="0">
+              <a:buNone/>
+            </a:pPr>
+            <a:r>
+              <a:rPr lang="en-US" sz="1400" dirty="0"/>
+              <a:t>	   “name:”[</a:t>
+            </a:r>
+            <a:r>
+              <a:rPr lang="en-US" sz="1400" dirty="0" err="1"/>
+              <a:t>concat</a:t>
+            </a:r>
+            <a:r>
+              <a:rPr lang="en-US" sz="1400" dirty="0"/>
+              <a:t>(parameters(‘</a:t>
+            </a:r>
+            <a:r>
+              <a:rPr lang="en-US" sz="1400" dirty="0" err="1"/>
+              <a:t>lockedResource</a:t>
+            </a:r>
+            <a:r>
+              <a:rPr lang="en-US" sz="1400" dirty="0"/>
+              <a:t>’), ‘/</a:t>
+            </a:r>
+            <a:r>
+              <a:rPr lang="en-US" sz="1400" dirty="0" err="1"/>
+              <a:t>Microsoft.Authorization</a:t>
+            </a:r>
+            <a:r>
+              <a:rPr lang="en-US" sz="1400" dirty="0"/>
+              <a:t>/</a:t>
+            </a:r>
+            <a:r>
+              <a:rPr lang="en-US" sz="1400" dirty="0" err="1"/>
+              <a:t>myLock</a:t>
+            </a:r>
+            <a:r>
+              <a:rPr lang="en-US" sz="1400" dirty="0"/>
+              <a:t>’)}”,</a:t>
+            </a:r>
+            <a:br>
+              <a:rPr lang="en-US" sz="1400" dirty="0"/>
+            </a:br>
+            <a:r>
+              <a:rPr lang="en-US" sz="1400" dirty="0"/>
+              <a:t>	   “type”: “</a:t>
+            </a:r>
+            <a:r>
+              <a:rPr lang="en-US" sz="1400" dirty="0" err="1"/>
+              <a:t>Microsoft.Authorization</a:t>
+            </a:r>
+            <a:r>
+              <a:rPr lang="en-US" sz="1400" dirty="0"/>
+              <a:t>/locks”,</a:t>
+            </a:r>
+            <a:br>
+              <a:rPr lang="en-US" sz="1400" dirty="0"/>
+            </a:br>
+            <a:r>
+              <a:rPr lang="en-US" sz="1400" dirty="0"/>
+              <a:t>                   “</a:t>
+            </a:r>
+            <a:r>
+              <a:rPr lang="en-US" sz="1400" dirty="0" err="1"/>
+              <a:t>apiVersion</a:t>
+            </a:r>
+            <a:r>
+              <a:rPr lang="en-US" sz="1400" dirty="0"/>
+              <a:t>”: “2018-01-01”,</a:t>
+            </a:r>
+            <a:br>
+              <a:rPr lang="en-US" sz="1400" dirty="0"/>
+            </a:br>
+            <a:r>
+              <a:rPr lang="en-US" sz="1400" dirty="0"/>
+              <a:t>	  “properties”: { </a:t>
+            </a:r>
+          </a:p>
+          <a:p>
+            <a:pPr marL="0" indent="0">
+              <a:buNone/>
+            </a:pPr>
+            <a:r>
+              <a:rPr lang="en-US" sz="1400" dirty="0"/>
+              <a:t>                            “level”: “</a:t>
+            </a:r>
+            <a:r>
+              <a:rPr lang="en-US" sz="1400" dirty="0" err="1"/>
+              <a:t>CannotDelete</a:t>
+            </a:r>
+            <a:r>
+              <a:rPr lang="en-US" sz="1400" dirty="0"/>
+              <a:t>”</a:t>
+            </a:r>
+          </a:p>
+          <a:p>
+            <a:pPr marL="0" indent="0">
+              <a:buNone/>
+            </a:pPr>
+            <a:r>
+              <a:rPr lang="en-US" sz="1400" dirty="0"/>
+              <a:t>                           }</a:t>
+            </a:r>
+            <a:br>
+              <a:rPr lang="en-US" sz="1400" dirty="0"/>
+            </a:br>
+            <a:r>
+              <a:rPr lang="en-US" sz="1400" dirty="0"/>
+              <a:t>                      }</a:t>
+            </a:r>
+            <a:br>
+              <a:rPr lang="en-US" sz="1400" dirty="0"/>
+            </a:br>
+            <a:r>
+              <a:rPr lang="en-US" sz="1400" dirty="0"/>
+              <a:t>                  }</a:t>
+            </a:r>
+          </a:p>
+          <a:p>
+            <a:pPr marL="0" indent="0">
+              <a:buNone/>
+            </a:pPr>
+            <a:r>
+              <a:rPr lang="en-US" sz="1600" dirty="0"/>
+              <a:t>Does the solution meet the goal?</a:t>
+            </a:r>
+          </a:p>
+          <a:p>
+            <a:pPr marL="342900" indent="-342900">
+              <a:buFont typeface="+mj-lt"/>
+              <a:buAutoNum type="alphaUcPeriod"/>
+            </a:pPr>
+            <a:r>
+              <a:rPr lang="en-US" sz="1600" dirty="0">
+                <a:solidFill>
+                  <a:srgbClr val="0070C0"/>
+                </a:solidFill>
+              </a:rPr>
+              <a:t>Yes</a:t>
+            </a:r>
+          </a:p>
+          <a:p>
+            <a:pPr marL="342900" indent="-342900">
+              <a:buFont typeface="+mj-lt"/>
+              <a:buAutoNum type="alphaUcPeriod"/>
+            </a:pPr>
+            <a:r>
+              <a:rPr lang="en-US" sz="1600" dirty="0">
+                <a:solidFill>
+                  <a:schemeClr val="bg1">
+                    <a:lumMod val="75000"/>
+                  </a:schemeClr>
+                </a:solidFill>
+              </a:rPr>
+              <a:t>No</a:t>
+            </a:r>
+          </a:p>
+          <a:p>
+            <a:pPr marL="0" indent="0">
+              <a:buNone/>
+            </a:pPr>
+            <a:r>
+              <a:rPr lang="en-US" sz="1600" dirty="0"/>
+              <a:t>	 </a:t>
+            </a:r>
+            <a:endParaRPr lang="en-US" dirty="0"/>
+          </a:p>
+        </p:txBody>
+      </p:sp>
+      <p:sp>
+        <p:nvSpPr>
+          <p:cNvPr id="5" name="Text Placeholder 4">
+            <a:extLst>
+              <a:ext uri="{FF2B5EF4-FFF2-40B4-BE49-F238E27FC236}">
+                <a16:creationId xmlns:a16="http://schemas.microsoft.com/office/drawing/2014/main" id="{8187D1C9-8276-44BA-9A4B-595957752032}"/>
+              </a:ext>
+            </a:extLst>
+          </p:cNvPr>
+          <p:cNvSpPr>
+            <a:spLocks noGrp="1"/>
+          </p:cNvSpPr>
+          <p:nvPr>
+            <p:ph type="body" sz="quarter" idx="10"/>
+          </p:nvPr>
+        </p:nvSpPr>
+        <p:spPr/>
+        <p:txBody>
+          <a:bodyPr/>
+          <a:lstStyle/>
+          <a:p>
+            <a:endParaRPr lang="en-US"/>
+          </a:p>
+        </p:txBody>
+      </p:sp>
+    </p:spTree>
+    <p:extLst>
+      <p:ext uri="{BB962C8B-B14F-4D97-AF65-F5344CB8AC3E}">
+        <p14:creationId xmlns:p14="http://schemas.microsoft.com/office/powerpoint/2010/main" val="1812075531"/>
+      </p:ext>
+    </p:extLst>
+  </p:cSld>
+  <p:clrMapOvr>
+    <a:masterClrMapping/>
+  </p:clrMapOvr>
+</p:sld>
+</file>
+
+<file path=ppt/slides/slide44.xml><?xml version="1.0" encoding="utf-8"?>
+<p:sld xmlns:a="http://schemas.openxmlformats.org/drawingml/2006/main" xmlns:r="http://schemas.openxmlformats.org/officeDocument/2006/relationships" xmlns:p="http://schemas.openxmlformats.org/presentationml/2006/main">
+  <p:cSld>
+    <p:spTree>
+      <p:nvGrpSpPr>
+        <p:cNvPr id="1" name=""/>
+        <p:cNvGrpSpPr/>
+        <p:nvPr/>
+      </p:nvGrpSpPr>
+      <p:grpSpPr>
+        <a:xfrm>
+          <a:off x="0" y="0"/>
+          <a:ext cx="0" cy="0"/>
+          <a:chOff x="0" y="0"/>
+          <a:chExt cx="0" cy="0"/>
+        </a:xfrm>
+      </p:grpSpPr>
+      <p:sp>
+        <p:nvSpPr>
+          <p:cNvPr id="2" name="Title 1">
+            <a:extLst>
+              <a:ext uri="{FF2B5EF4-FFF2-40B4-BE49-F238E27FC236}">
                 <a16:creationId xmlns:a16="http://schemas.microsoft.com/office/drawing/2014/main" id="{42512416-D82B-49C2-A471-BD0880EEC63B}"/>
               </a:ext>
             </a:extLst>
@@ -25845,6 +29588,190 @@
             <a:extLst>
               <a:ext uri="{FF2B5EF4-FFF2-40B4-BE49-F238E27FC236}">
                 <a16:creationId xmlns:a16="http://schemas.microsoft.com/office/drawing/2014/main" id="{AD74FC1F-4078-48B7-B411-7D2C3A775E56}"/>
+              </a:ext>
+            </a:extLst>
+          </p:cNvPr>
+          <p:cNvSpPr>
+            <a:spLocks noGrp="1"/>
+          </p:cNvSpPr>
+          <p:nvPr>
+            <p:ph type="body" sz="quarter" idx="10"/>
+          </p:nvPr>
+        </p:nvSpPr>
+        <p:spPr/>
+        <p:txBody>
+          <a:bodyPr/>
+          <a:lstStyle/>
+          <a:p>
+            <a:endParaRPr lang="en-US"/>
+          </a:p>
+        </p:txBody>
+      </p:sp>
+    </p:spTree>
+    <p:extLst>
+      <p:ext uri="{BB962C8B-B14F-4D97-AF65-F5344CB8AC3E}">
+        <p14:creationId xmlns:p14="http://schemas.microsoft.com/office/powerpoint/2010/main" val="660087900"/>
+      </p:ext>
+    </p:extLst>
+  </p:cSld>
+  <p:clrMapOvr>
+    <a:masterClrMapping/>
+  </p:clrMapOvr>
+</p:sld>
+</file>
+
+<file path=ppt/slides/slide45.xml><?xml version="1.0" encoding="utf-8"?>
+<p:sld xmlns:a="http://schemas.openxmlformats.org/drawingml/2006/main" xmlns:r="http://schemas.openxmlformats.org/officeDocument/2006/relationships" xmlns:p="http://schemas.openxmlformats.org/presentationml/2006/main">
+  <p:cSld>
+    <p:spTree>
+      <p:nvGrpSpPr>
+        <p:cNvPr id="1" name=""/>
+        <p:cNvGrpSpPr/>
+        <p:nvPr/>
+      </p:nvGrpSpPr>
+      <p:grpSpPr>
+        <a:xfrm>
+          <a:off x="0" y="0"/>
+          <a:ext cx="0" cy="0"/>
+          <a:chOff x="0" y="0"/>
+          <a:chExt cx="0" cy="0"/>
+        </a:xfrm>
+      </p:grpSpPr>
+      <p:sp>
+        <p:nvSpPr>
+          <p:cNvPr id="2" name="Title 1">
+            <a:extLst>
+              <a:ext uri="{FF2B5EF4-FFF2-40B4-BE49-F238E27FC236}">
+                <a16:creationId xmlns:a16="http://schemas.microsoft.com/office/drawing/2014/main" id="{42512416-D82B-49C2-A471-BD0880EEC63B}"/>
+              </a:ext>
+            </a:extLst>
+          </p:cNvPr>
+          <p:cNvSpPr>
+            <a:spLocks noGrp="1"/>
+          </p:cNvSpPr>
+          <p:nvPr>
+            <p:ph type="title"/>
+          </p:nvPr>
+        </p:nvSpPr>
+        <p:spPr/>
+        <p:txBody>
+          <a:bodyPr/>
+          <a:lstStyle/>
+          <a:p>
+            <a:r>
+              <a:rPr lang="en-US" dirty="0"/>
+              <a:t>You created an application to authenticate using Azure AD.  </a:t>
+            </a:r>
+          </a:p>
+        </p:txBody>
+      </p:sp>
+      <p:sp>
+        <p:nvSpPr>
+          <p:cNvPr id="3" name="Content Placeholder 2">
+            <a:extLst>
+              <a:ext uri="{FF2B5EF4-FFF2-40B4-BE49-F238E27FC236}">
+                <a16:creationId xmlns:a16="http://schemas.microsoft.com/office/drawing/2014/main" id="{9D580B1A-298C-46E5-877A-38C588E1187C}"/>
+              </a:ext>
+            </a:extLst>
+          </p:cNvPr>
+          <p:cNvSpPr>
+            <a:spLocks noGrp="1"/>
+          </p:cNvSpPr>
+          <p:nvPr>
+            <p:ph idx="1"/>
+          </p:nvPr>
+        </p:nvSpPr>
+        <p:spPr/>
+        <p:txBody>
+          <a:bodyPr/>
+          <a:lstStyle/>
+          <a:p>
+            <a:pPr marL="0" indent="0">
+              <a:buNone/>
+            </a:pPr>
+            <a:r>
+              <a:rPr lang="en-US" dirty="0"/>
+              <a:t>You need to register the application in Azure AD.  What ways can you do this? </a:t>
+            </a:r>
+          </a:p>
+          <a:p>
+            <a:pPr marL="0" indent="0">
+              <a:buNone/>
+            </a:pPr>
+            <a:endParaRPr lang="en-US" dirty="0"/>
+          </a:p>
+          <a:p>
+            <a:pPr marL="514350" indent="-514350">
+              <a:buFont typeface="+mj-lt"/>
+              <a:buAutoNum type="alphaUcPeriod"/>
+            </a:pPr>
+            <a:r>
+              <a:rPr lang="en-US" dirty="0">
+                <a:solidFill>
+                  <a:srgbClr val="0070C0"/>
+                </a:solidFill>
+              </a:rPr>
+              <a:t>Azure CLI</a:t>
+            </a:r>
+          </a:p>
+          <a:p>
+            <a:pPr marL="514350" indent="-514350">
+              <a:buFont typeface="+mj-lt"/>
+              <a:buAutoNum type="alphaUcPeriod"/>
+            </a:pPr>
+            <a:r>
+              <a:rPr lang="en-US" dirty="0">
+                <a:solidFill>
+                  <a:schemeClr val="bg1">
+                    <a:lumMod val="75000"/>
+                  </a:schemeClr>
+                </a:solidFill>
+              </a:rPr>
+              <a:t>REST API </a:t>
+            </a:r>
+          </a:p>
+          <a:p>
+            <a:pPr marL="514350" indent="-514350">
+              <a:buFont typeface="+mj-lt"/>
+              <a:buAutoNum type="alphaUcPeriod"/>
+            </a:pPr>
+            <a:r>
+              <a:rPr lang="en-US" dirty="0">
+                <a:solidFill>
+                  <a:schemeClr val="bg1">
+                    <a:lumMod val="75000"/>
+                  </a:schemeClr>
+                </a:solidFill>
+              </a:rPr>
+              <a:t>Python</a:t>
+            </a:r>
+          </a:p>
+          <a:p>
+            <a:pPr marL="514350" indent="-514350">
+              <a:buFont typeface="+mj-lt"/>
+              <a:buAutoNum type="alphaUcPeriod"/>
+            </a:pPr>
+            <a:r>
+              <a:rPr lang="en-US" dirty="0">
+                <a:solidFill>
+                  <a:srgbClr val="0070C0"/>
+                </a:solidFill>
+              </a:rPr>
+              <a:t>Azure PowerShell </a:t>
+            </a:r>
+            <a:br>
+              <a:rPr lang="en-US" dirty="0"/>
+            </a:br>
+            <a:endParaRPr lang="en-US" dirty="0"/>
+          </a:p>
+        </p:txBody>
+      </p:sp>
+      <p:sp>
+        <p:nvSpPr>
+          <p:cNvPr id="5" name="Text Placeholder 4">
+            <a:extLst>
+              <a:ext uri="{FF2B5EF4-FFF2-40B4-BE49-F238E27FC236}">
+                <a16:creationId xmlns:a16="http://schemas.microsoft.com/office/drawing/2014/main" id="{B0EF7718-693B-4D20-B70A-BF21D7E4D791}"/>
               </a:ext>
             </a:extLst>
           </p:cNvPr>
@@ -25997,594 +29924,6 @@
 </p:sld>
 </file>
 
-<file path=ppt/slides/slide41.xml><?xml version="1.0" encoding="utf-8"?>
-<p:sld xmlns:a="http://schemas.openxmlformats.org/drawingml/2006/main" xmlns:r="http://schemas.openxmlformats.org/officeDocument/2006/relationships" xmlns:p="http://schemas.openxmlformats.org/presentationml/2006/main">
-  <p:cSld>
-    <p:spTree>
-      <p:nvGrpSpPr>
-        <p:cNvPr id="1" name=""/>
-        <p:cNvGrpSpPr/>
-        <p:nvPr/>
-      </p:nvGrpSpPr>
-      <p:grpSpPr>
-        <a:xfrm>
-          <a:off x="0" y="0"/>
-          <a:ext cx="0" cy="0"/>
-          <a:chOff x="0" y="0"/>
-          <a:chExt cx="0" cy="0"/>
-        </a:xfrm>
-      </p:grpSpPr>
-      <p:sp>
-        <p:nvSpPr>
-          <p:cNvPr id="2" name="Title 1"/>
-          <p:cNvSpPr>
-            <a:spLocks noGrp="1"/>
-          </p:cNvSpPr>
-          <p:nvPr>
-            <p:ph type="title"/>
-          </p:nvPr>
-        </p:nvSpPr>
-        <p:spPr/>
-        <p:txBody>
-          <a:bodyPr/>
-          <a:lstStyle/>
-          <a:p>
-            <a:r>
-              <a:rPr lang="en-US" dirty="0"/>
-              <a:t>Course outline</a:t>
-            </a:r>
-            <a:endParaRPr lang="en-IE" i="1" dirty="0"/>
-          </a:p>
-        </p:txBody>
-      </p:sp>
-      <p:sp>
-        <p:nvSpPr>
-          <p:cNvPr id="5" name="Text Placeholder 2"/>
-          <p:cNvSpPr>
-            <a:spLocks noGrp="1"/>
-          </p:cNvSpPr>
-          <p:nvPr>
-            <p:ph type="body" sz="quarter" idx="13"/>
-          </p:nvPr>
-        </p:nvSpPr>
-        <p:spPr>
-          <a:xfrm>
-            <a:off x="457200" y="1066800"/>
-            <a:ext cx="7924800" cy="5105400"/>
-          </a:xfrm>
-        </p:spPr>
-        <p:txBody>
-          <a:bodyPr/>
-          <a:lstStyle/>
-          <a:p>
-            <a:pPr marL="0" indent="0">
-              <a:spcBef>
-                <a:spcPts val="0"/>
-              </a:spcBef>
-              <a:buNone/>
-            </a:pPr>
-            <a:r>
-              <a:rPr lang="en-CA" sz="2000" dirty="0">
-                <a:solidFill>
-                  <a:srgbClr val="0070C0"/>
-                </a:solidFill>
-              </a:rPr>
-              <a:t>Module 1</a:t>
-            </a:r>
-          </a:p>
-          <a:p>
-            <a:pPr marL="0" indent="0">
-              <a:spcBef>
-                <a:spcPts val="0"/>
-              </a:spcBef>
-              <a:buNone/>
-            </a:pPr>
-            <a:r>
-              <a:rPr lang="en-US" sz="2000" dirty="0"/>
-              <a:t>Introduction to Microsoft Azure</a:t>
-            </a:r>
-            <a:endParaRPr lang="en-CA" sz="2000" dirty="0">
-              <a:solidFill>
-                <a:srgbClr val="0070C0"/>
-              </a:solidFill>
-            </a:endParaRPr>
-          </a:p>
-          <a:p>
-            <a:pPr marL="0" indent="0">
-              <a:spcBef>
-                <a:spcPts val="0"/>
-              </a:spcBef>
-              <a:buNone/>
-            </a:pPr>
-            <a:endParaRPr lang="en-CA" sz="2000" dirty="0">
-              <a:solidFill>
-                <a:srgbClr val="0070C0"/>
-              </a:solidFill>
-            </a:endParaRPr>
-          </a:p>
-          <a:p>
-            <a:pPr marL="0" indent="0">
-              <a:spcBef>
-                <a:spcPts val="0"/>
-              </a:spcBef>
-              <a:buNone/>
-            </a:pPr>
-            <a:r>
-              <a:rPr lang="en-CA" sz="2000" dirty="0">
-                <a:solidFill>
-                  <a:srgbClr val="0070C0"/>
-                </a:solidFill>
-              </a:rPr>
-              <a:t>Module 2</a:t>
-            </a:r>
-          </a:p>
-          <a:p>
-            <a:pPr marL="0" indent="0">
-              <a:spcBef>
-                <a:spcPts val="0"/>
-              </a:spcBef>
-              <a:buNone/>
-            </a:pPr>
-            <a:r>
-              <a:rPr lang="en-US" sz="2000" dirty="0"/>
-              <a:t>Implementing and managing Azure networking </a:t>
-            </a:r>
-            <a:endParaRPr lang="en-CA" sz="2000" dirty="0">
-              <a:solidFill>
-                <a:srgbClr val="0070C0"/>
-              </a:solidFill>
-            </a:endParaRPr>
-          </a:p>
-          <a:p>
-            <a:pPr marL="0" indent="0">
-              <a:spcBef>
-                <a:spcPts val="0"/>
-              </a:spcBef>
-              <a:buNone/>
-            </a:pPr>
-            <a:endParaRPr lang="en-CA" sz="2000" dirty="0">
-              <a:solidFill>
-                <a:srgbClr val="0070C0"/>
-              </a:solidFill>
-            </a:endParaRPr>
-          </a:p>
-          <a:p>
-            <a:pPr marL="0" indent="0">
-              <a:spcBef>
-                <a:spcPts val="0"/>
-              </a:spcBef>
-              <a:buNone/>
-            </a:pPr>
-            <a:r>
-              <a:rPr lang="en-CA" sz="2000" dirty="0">
-                <a:solidFill>
-                  <a:srgbClr val="0070C0"/>
-                </a:solidFill>
-              </a:rPr>
-              <a:t>Module 3</a:t>
-            </a:r>
-          </a:p>
-          <a:p>
-            <a:pPr marL="0" indent="0">
-              <a:spcBef>
-                <a:spcPts val="0"/>
-              </a:spcBef>
-              <a:buNone/>
-            </a:pPr>
-            <a:r>
-              <a:rPr lang="en-US" sz="2000" dirty="0"/>
-              <a:t>Implementing virtual machines</a:t>
-            </a:r>
-            <a:br>
-              <a:rPr lang="en-US" sz="2000" dirty="0"/>
-            </a:br>
-            <a:endParaRPr lang="en-CA" sz="2000" dirty="0">
-              <a:solidFill>
-                <a:srgbClr val="0070C0"/>
-              </a:solidFill>
-            </a:endParaRPr>
-          </a:p>
-          <a:p>
-            <a:pPr marL="0" indent="0">
-              <a:spcBef>
-                <a:spcPts val="0"/>
-              </a:spcBef>
-              <a:buNone/>
-            </a:pPr>
-            <a:r>
-              <a:rPr lang="en-CA" sz="2000" dirty="0">
-                <a:solidFill>
-                  <a:srgbClr val="0070C0"/>
-                </a:solidFill>
-              </a:rPr>
-              <a:t>Module 4</a:t>
-            </a:r>
-          </a:p>
-          <a:p>
-            <a:pPr marL="0" indent="0">
-              <a:spcBef>
-                <a:spcPts val="0"/>
-              </a:spcBef>
-              <a:buNone/>
-            </a:pPr>
-            <a:r>
-              <a:rPr lang="en-US" sz="2000" dirty="0"/>
-              <a:t>Managing Azure VMs</a:t>
-            </a:r>
-            <a:endParaRPr lang="en-CA" sz="2000" dirty="0">
-              <a:solidFill>
-                <a:srgbClr val="0070C0"/>
-              </a:solidFill>
-            </a:endParaRPr>
-          </a:p>
-          <a:p>
-            <a:pPr marL="0" indent="0">
-              <a:spcBef>
-                <a:spcPts val="0"/>
-              </a:spcBef>
-              <a:buNone/>
-            </a:pPr>
-            <a:endParaRPr lang="en-CA" sz="2000" dirty="0">
-              <a:solidFill>
-                <a:srgbClr val="0070C0"/>
-              </a:solidFill>
-            </a:endParaRPr>
-          </a:p>
-          <a:p>
-            <a:pPr marL="0" indent="0">
-              <a:spcBef>
-                <a:spcPts val="0"/>
-              </a:spcBef>
-              <a:buNone/>
-            </a:pPr>
-            <a:r>
-              <a:rPr lang="en-CA" sz="2000" dirty="0">
-                <a:solidFill>
-                  <a:srgbClr val="0070C0"/>
-                </a:solidFill>
-              </a:rPr>
-              <a:t>Module 5</a:t>
-            </a:r>
-          </a:p>
-          <a:p>
-            <a:pPr marL="0" indent="0">
-              <a:spcBef>
-                <a:spcPts val="0"/>
-              </a:spcBef>
-              <a:buNone/>
-            </a:pPr>
-            <a:r>
-              <a:rPr lang="en-IN" sz="2000" dirty="0"/>
-              <a:t>Implementing Azure App Service</a:t>
-            </a:r>
-            <a:endParaRPr lang="en-US" dirty="0"/>
-          </a:p>
-        </p:txBody>
-      </p:sp>
-    </p:spTree>
-    <p:custDataLst>
-      <p:tags r:id="rId1"/>
-    </p:custDataLst>
-    <p:extLst>
-      <p:ext uri="{BB962C8B-B14F-4D97-AF65-F5344CB8AC3E}">
-        <p14:creationId xmlns:p14="http://schemas.microsoft.com/office/powerpoint/2010/main" val="1743810166"/>
-      </p:ext>
-    </p:extLst>
-  </p:cSld>
-  <p:clrMapOvr>
-    <a:masterClrMapping/>
-  </p:clrMapOvr>
-</p:sld>
-</file>
-
-<file path=ppt/slides/slide42.xml><?xml version="1.0" encoding="utf-8"?>
-<p:sld xmlns:a="http://schemas.openxmlformats.org/drawingml/2006/main" xmlns:r="http://schemas.openxmlformats.org/officeDocument/2006/relationships" xmlns:p="http://schemas.openxmlformats.org/presentationml/2006/main">
-  <p:cSld>
-    <p:spTree>
-      <p:nvGrpSpPr>
-        <p:cNvPr id="1" name=""/>
-        <p:cNvGrpSpPr/>
-        <p:nvPr/>
-      </p:nvGrpSpPr>
-      <p:grpSpPr>
-        <a:xfrm>
-          <a:off x="0" y="0"/>
-          <a:ext cx="0" cy="0"/>
-          <a:chOff x="0" y="0"/>
-          <a:chExt cx="0" cy="0"/>
-        </a:xfrm>
-      </p:grpSpPr>
-      <p:sp>
-        <p:nvSpPr>
-          <p:cNvPr id="2" name="Title 1"/>
-          <p:cNvSpPr>
-            <a:spLocks noGrp="1"/>
-          </p:cNvSpPr>
-          <p:nvPr>
-            <p:ph type="title"/>
-          </p:nvPr>
-        </p:nvSpPr>
-        <p:spPr/>
-        <p:txBody>
-          <a:bodyPr/>
-          <a:lstStyle/>
-          <a:p>
-            <a:r>
-              <a:rPr lang="en-US" dirty="0"/>
-              <a:t>Course outline </a:t>
-            </a:r>
-            <a:r>
-              <a:rPr lang="en-US" i="1" dirty="0"/>
-              <a:t>(continued)</a:t>
-            </a:r>
-            <a:endParaRPr lang="en-IE" i="1" dirty="0"/>
-          </a:p>
-        </p:txBody>
-      </p:sp>
-      <p:sp>
-        <p:nvSpPr>
-          <p:cNvPr id="5" name="Text Placeholder 2"/>
-          <p:cNvSpPr>
-            <a:spLocks noGrp="1"/>
-          </p:cNvSpPr>
-          <p:nvPr>
-            <p:ph type="body" sz="quarter" idx="13"/>
-          </p:nvPr>
-        </p:nvSpPr>
-        <p:spPr>
-          <a:xfrm>
-            <a:off x="457200" y="1066800"/>
-            <a:ext cx="7924800" cy="5105400"/>
-          </a:xfrm>
-        </p:spPr>
-        <p:txBody>
-          <a:bodyPr/>
-          <a:lstStyle/>
-          <a:p>
-            <a:pPr marL="0" indent="0">
-              <a:spcBef>
-                <a:spcPts val="0"/>
-              </a:spcBef>
-              <a:buNone/>
-            </a:pPr>
-            <a:r>
-              <a:rPr lang="en-CA" sz="2000" dirty="0">
-                <a:solidFill>
-                  <a:srgbClr val="0070C0"/>
-                </a:solidFill>
-              </a:rPr>
-              <a:t>Module 6</a:t>
-            </a:r>
-          </a:p>
-          <a:p>
-            <a:pPr marL="0" indent="0">
-              <a:spcBef>
-                <a:spcPts val="0"/>
-              </a:spcBef>
-              <a:buNone/>
-            </a:pPr>
-            <a:r>
-              <a:rPr lang="en-US" sz="2000" dirty="0"/>
-              <a:t>Planning and implementing storage, backup, and recovery services</a:t>
-            </a:r>
-          </a:p>
-          <a:p>
-            <a:pPr marL="0" indent="0">
-              <a:spcBef>
-                <a:spcPts val="0"/>
-              </a:spcBef>
-              <a:buNone/>
-            </a:pPr>
-            <a:endParaRPr lang="en-CA" sz="2000" dirty="0"/>
-          </a:p>
-          <a:p>
-            <a:pPr marL="0" indent="0">
-              <a:spcBef>
-                <a:spcPts val="0"/>
-              </a:spcBef>
-              <a:buNone/>
-            </a:pPr>
-            <a:r>
-              <a:rPr lang="en-CA" sz="2000" dirty="0">
-                <a:solidFill>
-                  <a:srgbClr val="0070C0"/>
-                </a:solidFill>
-              </a:rPr>
-              <a:t>Module 7</a:t>
-            </a:r>
-          </a:p>
-          <a:p>
-            <a:pPr marL="0" indent="0">
-              <a:spcBef>
-                <a:spcPts val="0"/>
-              </a:spcBef>
-              <a:buNone/>
-            </a:pPr>
-            <a:r>
-              <a:rPr lang="en-US" sz="2000" dirty="0"/>
-              <a:t>Implementing containers in Azure</a:t>
-            </a:r>
-          </a:p>
-          <a:p>
-            <a:pPr marL="0" indent="0">
-              <a:spcBef>
-                <a:spcPts val="0"/>
-              </a:spcBef>
-              <a:buNone/>
-            </a:pPr>
-            <a:endParaRPr lang="en-CA" sz="2000" dirty="0"/>
-          </a:p>
-          <a:p>
-            <a:pPr marL="0" indent="0">
-              <a:spcBef>
-                <a:spcPts val="0"/>
-              </a:spcBef>
-              <a:buNone/>
-            </a:pPr>
-            <a:r>
-              <a:rPr lang="en-CA" sz="2000" dirty="0">
-                <a:solidFill>
-                  <a:srgbClr val="0070C0"/>
-                </a:solidFill>
-              </a:rPr>
-              <a:t>Module 8</a:t>
-            </a:r>
-          </a:p>
-          <a:p>
-            <a:pPr marL="0" indent="0">
-              <a:spcBef>
-                <a:spcPts val="0"/>
-              </a:spcBef>
-              <a:buNone/>
-            </a:pPr>
-            <a:r>
-              <a:rPr lang="en-US" sz="2000" dirty="0"/>
-              <a:t>Implementing Azure Cloud Services</a:t>
-            </a:r>
-          </a:p>
-          <a:p>
-            <a:pPr marL="0" indent="0">
-              <a:spcBef>
-                <a:spcPts val="0"/>
-              </a:spcBef>
-              <a:buNone/>
-            </a:pPr>
-            <a:endParaRPr lang="en-CA" sz="2000" dirty="0"/>
-          </a:p>
-          <a:p>
-            <a:pPr marL="0" indent="0">
-              <a:spcBef>
-                <a:spcPts val="0"/>
-              </a:spcBef>
-              <a:buNone/>
-            </a:pPr>
-            <a:r>
-              <a:rPr lang="en-CA" sz="2000" dirty="0">
-                <a:solidFill>
-                  <a:srgbClr val="0070C0"/>
-                </a:solidFill>
-              </a:rPr>
-              <a:t>Module 9</a:t>
-            </a:r>
-          </a:p>
-          <a:p>
-            <a:pPr marL="0" indent="0">
-              <a:spcBef>
-                <a:spcPts val="0"/>
-              </a:spcBef>
-              <a:buNone/>
-            </a:pPr>
-            <a:r>
-              <a:rPr lang="en-US" sz="2000" dirty="0"/>
-              <a:t>Implementing Azure Active Directory</a:t>
-            </a:r>
-          </a:p>
-          <a:p>
-            <a:pPr marL="0" indent="0">
-              <a:spcBef>
-                <a:spcPts val="0"/>
-              </a:spcBef>
-              <a:buNone/>
-            </a:pPr>
-            <a:endParaRPr lang="en-CA" sz="2000" dirty="0"/>
-          </a:p>
-          <a:p>
-            <a:pPr marL="0" indent="0">
-              <a:spcBef>
-                <a:spcPts val="0"/>
-              </a:spcBef>
-              <a:buNone/>
-            </a:pPr>
-            <a:r>
-              <a:rPr lang="en-CA" sz="2000" dirty="0">
-                <a:solidFill>
-                  <a:srgbClr val="0070C0"/>
-                </a:solidFill>
-              </a:rPr>
-              <a:t>Module 10</a:t>
-            </a:r>
-          </a:p>
-          <a:p>
-            <a:pPr marL="0" indent="0">
-              <a:spcBef>
-                <a:spcPts val="0"/>
-              </a:spcBef>
-              <a:buNone/>
-            </a:pPr>
-            <a:r>
-              <a:rPr lang="en-US" sz="2000" dirty="0"/>
-              <a:t>Managing an Active Directory infrastructure in a hybrid environment</a:t>
-            </a:r>
-          </a:p>
-          <a:p>
-            <a:pPr marL="0" indent="0">
-              <a:spcBef>
-                <a:spcPts val="0"/>
-              </a:spcBef>
-              <a:buNone/>
-            </a:pPr>
-            <a:endParaRPr lang="en-US" dirty="0"/>
-          </a:p>
-          <a:p>
-            <a:pPr marL="0" indent="0">
-              <a:spcBef>
-                <a:spcPts val="0"/>
-              </a:spcBef>
-              <a:buNone/>
-            </a:pPr>
-            <a:r>
-              <a:rPr lang="en-CA" sz="2000" dirty="0">
-                <a:solidFill>
-                  <a:srgbClr val="0070C0"/>
-                </a:solidFill>
-              </a:rPr>
-              <a:t>Module 11</a:t>
-            </a:r>
-          </a:p>
-          <a:p>
-            <a:pPr marL="0" indent="0">
-              <a:spcBef>
-                <a:spcPts val="0"/>
-              </a:spcBef>
-              <a:buNone/>
-            </a:pPr>
-            <a:r>
-              <a:rPr lang="en-US" sz="2000" dirty="0"/>
-              <a:t>Implementing Azure-based management and automation</a:t>
-            </a:r>
-            <a:endParaRPr lang="en-CA" sz="2000" dirty="0">
-              <a:solidFill>
-                <a:srgbClr val="0070C0"/>
-              </a:solidFill>
-            </a:endParaRPr>
-          </a:p>
-          <a:p>
-            <a:pPr marL="0" indent="0">
-              <a:spcBef>
-                <a:spcPts val="0"/>
-              </a:spcBef>
-              <a:buNone/>
-            </a:pPr>
-            <a:endParaRPr lang="en-US" dirty="0"/>
-          </a:p>
-        </p:txBody>
-      </p:sp>
-    </p:spTree>
-    <p:custDataLst>
-      <p:tags r:id="rId1"/>
-    </p:custDataLst>
-    <p:extLst>
-      <p:ext uri="{BB962C8B-B14F-4D97-AF65-F5344CB8AC3E}">
-        <p14:creationId xmlns:p14="http://schemas.microsoft.com/office/powerpoint/2010/main" val="4156281064"/>
-      </p:ext>
-    </p:extLst>
-  </p:cSld>
-  <p:clrMapOvr>
-    <a:masterClrMapping/>
-  </p:clrMapOvr>
-</p:sld>
-</file>
-
 <file path=ppt/slides/slide5.xml><?xml version="1.0" encoding="utf-8"?>
 <p:sld xmlns:a="http://schemas.openxmlformats.org/drawingml/2006/main" xmlns:r="http://schemas.openxmlformats.org/officeDocument/2006/relationships" xmlns:p="http://schemas.openxmlformats.org/presentationml/2006/main">
   <p:cSld>
@@ -26699,7 +30038,7 @@
             <a:pPr lvl="1"/>
             <a:r>
               <a:rPr lang="en-US" dirty="0">
-                <a:hlinkClick r:id="rId2"/>
+                <a:hlinkClick r:id="rId3"/>
               </a:rPr>
               <a:t>https://code.visualstudio.com</a:t>
             </a:r>
@@ -26809,7 +30148,7 @@
           <p:nvPr/>
         </p:nvPicPr>
         <p:blipFill>
-          <a:blip r:embed="rId2"/>
+          <a:blip r:embed="rId3"/>
           <a:stretch>
             <a:fillRect/>
           </a:stretch>
@@ -27341,7 +30680,7 @@
           <p:nvPr/>
         </p:nvPicPr>
         <p:blipFill>
-          <a:blip r:embed="rId2"/>
+          <a:blip r:embed="rId3"/>
           <a:stretch>
             <a:fillRect/>
           </a:stretch>
@@ -27742,18 +31081,6 @@
     <a:masterClrMapping/>
   </p:clrMapOvr>
 </p:sld>
-</file>
-
-<file path=ppt/tags/tag1.xml><?xml version="1.0" encoding="utf-8"?>
-<p:tagLst xmlns:a="http://schemas.openxmlformats.org/drawingml/2006/main" xmlns:r="http://schemas.openxmlformats.org/officeDocument/2006/relationships" xmlns:p="http://schemas.openxmlformats.org/presentationml/2006/main">
-  <p:tag name="ARTICULATE_SLIDE_THUMBNAIL_REFRESH" val="1"/>
-</p:tagLst>
-</file>
-
-<file path=ppt/tags/tag2.xml><?xml version="1.0" encoding="utf-8"?>
-<p:tagLst xmlns:a="http://schemas.openxmlformats.org/drawingml/2006/main" xmlns:r="http://schemas.openxmlformats.org/officeDocument/2006/relationships" xmlns:p="http://schemas.openxmlformats.org/presentationml/2006/main">
-  <p:tag name="ARTICULATE_SLIDE_THUMBNAIL_REFRESH" val="1"/>
-</p:tagLst>
 </file>
 
 <file path=ppt/theme/theme1.xml><?xml version="1.0" encoding="utf-8"?>

--- a/70-533-05-ARMTemplates.pptx
+++ b/70-533-05-ARMTemplates.pptx
@@ -61,37 +61,37 @@
   <p:notesSz cx="6858000" cy="9144000"/>
   <p:embeddedFontLst>
     <p:embeddedFont>
-      <p:font typeface="Segoe UI" panose="020B0502040204020203" pitchFamily="34" charset="0"/>
+      <p:font typeface="Consolas" panose="020B0609020204030204" pitchFamily="49" charset="0"/>
       <p:regular r:id="rId49"/>
       <p:bold r:id="rId50"/>
       <p:italic r:id="rId51"/>
       <p:boldItalic r:id="rId52"/>
     </p:embeddedFont>
     <p:embeddedFont>
-      <p:font typeface="Verdana" panose="020B0604030504040204" pitchFamily="34" charset="0"/>
+      <p:font typeface="Calibri" panose="020F0502020204030204" pitchFamily="34" charset="0"/>
       <p:regular r:id="rId53"/>
       <p:bold r:id="rId54"/>
       <p:italic r:id="rId55"/>
       <p:boldItalic r:id="rId56"/>
     </p:embeddedFont>
     <p:embeddedFont>
-      <p:font typeface="Consolas" panose="020B0609020204030204" pitchFamily="49" charset="0"/>
+      <p:font typeface="Segoe UI Light" panose="020B0502040204020203" pitchFamily="34" charset="0"/>
       <p:regular r:id="rId57"/>
-      <p:bold r:id="rId58"/>
-      <p:italic r:id="rId59"/>
-      <p:boldItalic r:id="rId60"/>
+      <p:italic r:id="rId58"/>
     </p:embeddedFont>
     <p:embeddedFont>
-      <p:font typeface="Calibri" panose="020F0502020204030204" pitchFamily="34" charset="0"/>
-      <p:regular r:id="rId61"/>
-      <p:bold r:id="rId62"/>
-      <p:italic r:id="rId63"/>
-      <p:boldItalic r:id="rId64"/>
+      <p:font typeface="Segoe UI" panose="020B0502040204020203" pitchFamily="34" charset="0"/>
+      <p:regular r:id="rId59"/>
+      <p:bold r:id="rId60"/>
+      <p:italic r:id="rId61"/>
+      <p:boldItalic r:id="rId62"/>
     </p:embeddedFont>
     <p:embeddedFont>
-      <p:font typeface="Segoe UI Light" panose="020B0502040204020203" pitchFamily="34" charset="0"/>
-      <p:regular r:id="rId65"/>
-      <p:italic r:id="rId66"/>
+      <p:font typeface="Verdana" panose="020B0604030504040204" pitchFamily="34" charset="0"/>
+      <p:regular r:id="rId63"/>
+      <p:bold r:id="rId64"/>
+      <p:italic r:id="rId65"/>
+      <p:boldItalic r:id="rId66"/>
     </p:embeddedFont>
   </p:embeddedFontLst>
   <p:defaultTextStyle>
@@ -6534,7 +6534,7 @@
           <a:p>
             <a:fld id="{7D784404-57E5-4341-9230-5EC072B8C3C5}" type="datetimeFigureOut">
               <a:rPr lang="en-US" smtClean="0"/>
-              <a:t>2/6/2018</a:t>
+              <a:t>2/7/2018</a:t>
             </a:fld>
             <a:endParaRPr lang="en-US"/>
           </a:p>
@@ -6711,7 +6711,7 @@
           <a:p>
             <a:fld id="{9933EFA3-31EF-403B-8080-9776000D59FF}" type="datetimeFigureOut">
               <a:rPr lang="en-US" smtClean="0"/>
-              <a:t>2/6/2018</a:t>
+              <a:t>2/7/2018</a:t>
             </a:fld>
             <a:endParaRPr lang="en-US" dirty="0"/>
           </a:p>
@@ -11632,7 +11632,7 @@
 
 <file path=ppt/slideLayouts/slideLayout1.xml><?xml version="1.0" encoding="utf-8"?>
 <p:sldLayout xmlns:a="http://schemas.openxmlformats.org/drawingml/2006/main" xmlns:r="http://schemas.openxmlformats.org/officeDocument/2006/relationships" xmlns:p="http://schemas.openxmlformats.org/presentationml/2006/main" showMasterSp="0" preserve="1" userDrawn="1">
-  <p:cSld name="Title Slide">
+  <p:cSld name="Speaker Intro">
     <p:bg>
       <p:bgPr>
         <a:solidFill>
@@ -11720,8 +11720,8 @@
         </p:nvSpPr>
         <p:spPr>
           <a:xfrm>
-            <a:off x="3685592" y="2110581"/>
-            <a:ext cx="5290768" cy="3722293"/>
+            <a:off x="3685592" y="2595282"/>
+            <a:ext cx="5290768" cy="3237592"/>
           </a:xfrm>
         </p:spPr>
         <p:txBody>
@@ -11773,7 +11773,7 @@
             <a:spLocks noGrp="1"/>
           </p:cNvSpPr>
           <p:nvPr>
-            <p:ph type="body" sz="quarter" idx="10"/>
+            <p:ph type="body" sz="quarter" idx="10" hasCustomPrompt="1"/>
           </p:nvPr>
         </p:nvSpPr>
         <p:spPr>
@@ -11781,14 +11781,18 @@
             <a:off x="261938" y="2756542"/>
             <a:ext cx="3241675" cy="2851150"/>
           </a:xfrm>
+          <a:solidFill>
+            <a:schemeClr val="bg1"/>
+          </a:solidFill>
         </p:spPr>
         <p:txBody>
           <a:bodyPr/>
           <a:lstStyle>
-            <a:lvl1pPr>
-              <a:defRPr sz="2000">
+            <a:lvl1pPr marL="0" indent="0">
+              <a:buNone/>
+              <a:defRPr sz="2000" baseline="0">
                 <a:solidFill>
-                  <a:schemeClr val="bg1"/>
+                  <a:srgbClr val="0070C0"/>
                 </a:solidFill>
               </a:defRPr>
             </a:lvl1pPr>
@@ -11797,7 +11801,7 @@
             <a:pPr lvl="0"/>
             <a:r>
               <a:rPr lang="en-US" dirty="0"/>
-              <a:t>Edit Master text</a:t>
+              <a:t>Speaker Information:</a:t>
             </a:r>
           </a:p>
         </p:txBody>
@@ -11919,10 +11923,77 @@
           </a:p>
         </p:txBody>
       </p:sp>
+      <p:sp>
+        <p:nvSpPr>
+          <p:cNvPr id="8" name="Text Placeholder 6">
+            <a:extLst>
+              <a:ext uri="{FF2B5EF4-FFF2-40B4-BE49-F238E27FC236}">
+                <a16:creationId xmlns:a16="http://schemas.microsoft.com/office/drawing/2014/main" id="{02AE59D8-F91B-4102-844E-46CD5A0795C5}"/>
+              </a:ext>
+            </a:extLst>
+          </p:cNvPr>
+          <p:cNvSpPr>
+            <a:spLocks noGrp="1"/>
+          </p:cNvSpPr>
+          <p:nvPr>
+            <p:ph type="body" sz="quarter" idx="12" hasCustomPrompt="1"/>
+          </p:nvPr>
+        </p:nvSpPr>
+        <p:spPr>
+          <a:xfrm>
+            <a:off x="275386" y="1689742"/>
+            <a:ext cx="8595190" cy="780034"/>
+          </a:xfrm>
+          <a:noFill/>
+        </p:spPr>
+        <p:txBody>
+          <a:bodyPr/>
+          <a:lstStyle>
+            <a:lvl1pPr marL="0" indent="0">
+              <a:buNone/>
+              <a:defRPr sz="2000" baseline="0">
+                <a:solidFill>
+                  <a:schemeClr val="bg1"/>
+                </a:solidFill>
+              </a:defRPr>
+            </a:lvl1pPr>
+          </a:lstStyle>
+          <a:p>
+            <a:pPr lvl="0"/>
+            <a:r>
+              <a:rPr lang="en-US" dirty="0" err="1"/>
+              <a:t>WiFi</a:t>
+            </a:r>
+            <a:r>
+              <a:rPr lang="en-US" dirty="0"/>
+              <a:t>: </a:t>
+            </a:r>
+            <a:r>
+              <a:rPr lang="en-US" dirty="0" err="1"/>
+              <a:t>msftguest</a:t>
+            </a:r>
+            <a:r>
+              <a:rPr lang="en-US" dirty="0"/>
+              <a:t> =&gt; event code: msevent11lz</a:t>
+            </a:r>
+          </a:p>
+          <a:p>
+            <a:pPr lvl="0"/>
+            <a:r>
+              <a:rPr lang="en-US" dirty="0"/>
+              <a:t>Content &amp; Labs: http://github.com/guruskill/70-533</a:t>
+            </a:r>
+          </a:p>
+          <a:p>
+            <a:pPr lvl="0"/>
+            <a:endParaRPr lang="en-US" dirty="0"/>
+          </a:p>
+        </p:txBody>
+      </p:sp>
     </p:spTree>
     <p:extLst>
       <p:ext uri="{BB962C8B-B14F-4D97-AF65-F5344CB8AC3E}">
-        <p14:creationId xmlns:p14="http://schemas.microsoft.com/office/powerpoint/2010/main" val="3414292977"/>
+        <p14:creationId xmlns:p14="http://schemas.microsoft.com/office/powerpoint/2010/main" val="843988573"/>
       </p:ext>
     </p:extLst>
   </p:cSld>
@@ -11933,6 +12004,496 @@
 </file>
 
 <file path=ppt/slideLayouts/slideLayout10.xml><?xml version="1.0" encoding="utf-8"?>
+<p:sldLayout xmlns:a="http://schemas.openxmlformats.org/drawingml/2006/main" xmlns:r="http://schemas.openxmlformats.org/officeDocument/2006/relationships" xmlns:p="http://schemas.openxmlformats.org/presentationml/2006/main" preserve="1" userDrawn="1">
+  <p:cSld name="Content &amp; Code">
+    <p:spTree>
+      <p:nvGrpSpPr>
+        <p:cNvPr id="1" name=""/>
+        <p:cNvGrpSpPr/>
+        <p:nvPr/>
+      </p:nvGrpSpPr>
+      <p:grpSpPr>
+        <a:xfrm>
+          <a:off x="0" y="0"/>
+          <a:ext cx="0" cy="0"/>
+          <a:chOff x="0" y="0"/>
+          <a:chExt cx="0" cy="0"/>
+        </a:xfrm>
+      </p:grpSpPr>
+      <p:sp>
+        <p:nvSpPr>
+          <p:cNvPr id="2" name="Title 1"/>
+          <p:cNvSpPr>
+            <a:spLocks noGrp="1"/>
+          </p:cNvSpPr>
+          <p:nvPr>
+            <p:ph type="title" hasCustomPrompt="1"/>
+          </p:nvPr>
+        </p:nvSpPr>
+        <p:spPr>
+          <a:xfrm>
+            <a:off x="151194" y="0"/>
+            <a:ext cx="8833654" cy="878350"/>
+          </a:xfrm>
+        </p:spPr>
+        <p:txBody>
+          <a:bodyPr/>
+          <a:lstStyle>
+            <a:lvl1pPr>
+              <a:defRPr/>
+            </a:lvl1pPr>
+          </a:lstStyle>
+          <a:p>
+            <a:r>
+              <a:rPr lang="en-US" dirty="0"/>
+              <a:t>Content &amp; Code</a:t>
+            </a:r>
+          </a:p>
+        </p:txBody>
+      </p:sp>
+      <p:sp>
+        <p:nvSpPr>
+          <p:cNvPr id="3" name="Content Placeholder 2"/>
+          <p:cNvSpPr>
+            <a:spLocks noGrp="1"/>
+          </p:cNvSpPr>
+          <p:nvPr>
+            <p:ph idx="1"/>
+          </p:nvPr>
+        </p:nvSpPr>
+        <p:spPr>
+          <a:xfrm>
+            <a:off x="151194" y="1231902"/>
+            <a:ext cx="8833654" cy="2421204"/>
+          </a:xfrm>
+        </p:spPr>
+        <p:txBody>
+          <a:bodyPr>
+            <a:normAutofit/>
+          </a:bodyPr>
+          <a:lstStyle>
+            <a:lvl1pPr marL="0" indent="0">
+              <a:buFont typeface="Arial" panose="020B0604020202020204" pitchFamily="34" charset="0"/>
+              <a:buNone/>
+              <a:defRPr sz="2100"/>
+            </a:lvl1pPr>
+            <a:lvl2pPr marL="342900" indent="0">
+              <a:buFont typeface="Arial" panose="020B0604020202020204" pitchFamily="34" charset="0"/>
+              <a:buNone/>
+              <a:defRPr sz="1800"/>
+            </a:lvl2pPr>
+            <a:lvl3pPr marL="685800" indent="0">
+              <a:buFont typeface="Arial" panose="020B0604020202020204" pitchFamily="34" charset="0"/>
+              <a:buNone/>
+              <a:defRPr sz="1500"/>
+            </a:lvl3pPr>
+            <a:lvl4pPr marL="1028700" indent="0">
+              <a:buFont typeface="Arial" panose="020B0604020202020204" pitchFamily="34" charset="0"/>
+              <a:buNone/>
+              <a:defRPr sz="1350"/>
+            </a:lvl4pPr>
+            <a:lvl5pPr marL="1371600" indent="0">
+              <a:buFont typeface="Arial" panose="020B0604020202020204" pitchFamily="34" charset="0"/>
+              <a:buNone/>
+              <a:defRPr sz="1350"/>
+            </a:lvl5pPr>
+          </a:lstStyle>
+          <a:p>
+            <a:pPr lvl="0"/>
+            <a:r>
+              <a:rPr lang="en-US" dirty="0"/>
+              <a:t>Click to edit Master text styles</a:t>
+            </a:r>
+          </a:p>
+          <a:p>
+            <a:pPr lvl="1"/>
+            <a:r>
+              <a:rPr lang="en-US" dirty="0"/>
+              <a:t>Second level</a:t>
+            </a:r>
+          </a:p>
+          <a:p>
+            <a:pPr lvl="2"/>
+            <a:r>
+              <a:rPr lang="en-US" dirty="0"/>
+              <a:t>Third level</a:t>
+            </a:r>
+          </a:p>
+          <a:p>
+            <a:pPr lvl="3"/>
+            <a:r>
+              <a:rPr lang="en-US" dirty="0"/>
+              <a:t>Fourth level</a:t>
+            </a:r>
+          </a:p>
+          <a:p>
+            <a:pPr lvl="4"/>
+            <a:r>
+              <a:rPr lang="en-US" dirty="0"/>
+              <a:t>Fifth level</a:t>
+            </a:r>
+          </a:p>
+        </p:txBody>
+      </p:sp>
+      <p:sp>
+        <p:nvSpPr>
+          <p:cNvPr id="7" name="Rectangle 6">
+            <a:extLst>
+              <a:ext uri="{FF2B5EF4-FFF2-40B4-BE49-F238E27FC236}">
+                <a16:creationId xmlns:a16="http://schemas.microsoft.com/office/drawing/2014/main" id="{06833DA2-9089-4E59-9B9D-7F3A29DCE61C}"/>
+              </a:ext>
+            </a:extLst>
+          </p:cNvPr>
+          <p:cNvSpPr/>
+          <p:nvPr userDrawn="1"/>
+        </p:nvSpPr>
+        <p:spPr bwMode="auto">
+          <a:xfrm>
+            <a:off x="33849" y="3653108"/>
+            <a:ext cx="9020275" cy="3129417"/>
+          </a:xfrm>
+          <a:prstGeom prst="rect">
+            <a:avLst/>
+          </a:prstGeom>
+          <a:solidFill>
+            <a:schemeClr val="accent1"/>
+          </a:solidFill>
+          <a:ln w="3175">
+            <a:noFill/>
+            <a:headEnd type="none" w="med" len="med"/>
+            <a:tailEnd type="none" w="med" len="med"/>
+          </a:ln>
+        </p:spPr>
+        <p:style>
+          <a:lnRef idx="2">
+            <a:schemeClr val="accent1">
+              <a:shade val="50000"/>
+            </a:schemeClr>
+          </a:lnRef>
+          <a:fillRef idx="1">
+            <a:schemeClr val="accent1"/>
+          </a:fillRef>
+          <a:effectRef idx="0">
+            <a:schemeClr val="accent1"/>
+          </a:effectRef>
+          <a:fontRef idx="minor">
+            <a:schemeClr val="lt1"/>
+          </a:fontRef>
+        </p:style>
+        <p:txBody>
+          <a:bodyPr vert="horz" wrap="square" lIns="0" tIns="34290" rIns="0" bIns="34290" numCol="1" rtlCol="0" anchor="ctr" anchorCtr="0" compatLnSpc="1">
+            <a:prstTxWarp prst="textNoShape">
+              <a:avLst/>
+            </a:prstTxWarp>
+          </a:bodyPr>
+          <a:lstStyle/>
+          <a:p>
+            <a:pPr algn="ctr" defTabSz="685577" fontAlgn="base">
+              <a:spcBef>
+                <a:spcPct val="0"/>
+              </a:spcBef>
+              <a:spcAft>
+                <a:spcPct val="0"/>
+              </a:spcAft>
+            </a:pPr>
+            <a:endParaRPr lang="en-US" sz="1471" dirty="0">
+              <a:gradFill>
+                <a:gsLst>
+                  <a:gs pos="0">
+                    <a:srgbClr val="FFFFFF"/>
+                  </a:gs>
+                  <a:gs pos="100000">
+                    <a:srgbClr val="FFFFFF"/>
+                  </a:gs>
+                </a:gsLst>
+                <a:lin ang="5400000" scaled="0"/>
+              </a:gradFill>
+            </a:endParaRPr>
+          </a:p>
+        </p:txBody>
+      </p:sp>
+      <p:sp>
+        <p:nvSpPr>
+          <p:cNvPr id="10" name="Content Placeholder 2">
+            <a:extLst>
+              <a:ext uri="{FF2B5EF4-FFF2-40B4-BE49-F238E27FC236}">
+                <a16:creationId xmlns:a16="http://schemas.microsoft.com/office/drawing/2014/main" id="{A7A07890-C86B-4334-9F28-D4C01C01B9F8}"/>
+              </a:ext>
+            </a:extLst>
+          </p:cNvPr>
+          <p:cNvSpPr>
+            <a:spLocks noGrp="1"/>
+          </p:cNvSpPr>
+          <p:nvPr>
+            <p:ph idx="10" hasCustomPrompt="1"/>
+          </p:nvPr>
+        </p:nvSpPr>
+        <p:spPr>
+          <a:xfrm>
+            <a:off x="151194" y="3795486"/>
+            <a:ext cx="8833654" cy="2910114"/>
+          </a:xfrm>
+          <a:solidFill>
+            <a:schemeClr val="bg1"/>
+          </a:solidFill>
+          <a:ln w="60325" cmpd="sng">
+            <a:solidFill>
+              <a:srgbClr val="0070C0"/>
+            </a:solidFill>
+          </a:ln>
+        </p:spPr>
+        <p:txBody>
+          <a:bodyPr>
+            <a:normAutofit/>
+          </a:bodyPr>
+          <a:lstStyle>
+            <a:lvl1pPr marL="0" indent="0" defTabSz="0">
+              <a:buFont typeface="Arial" panose="020B0604020202020204" pitchFamily="34" charset="0"/>
+              <a:buNone/>
+              <a:defRPr sz="1200">
+                <a:latin typeface="Courier New" panose="02070309020205020404" pitchFamily="49" charset="0"/>
+                <a:cs typeface="Courier New" panose="02070309020205020404" pitchFamily="49" charset="0"/>
+              </a:defRPr>
+            </a:lvl1pPr>
+            <a:lvl2pPr marL="342900" indent="0" defTabSz="0">
+              <a:buFont typeface="Arial" panose="020B0604020202020204" pitchFamily="34" charset="0"/>
+              <a:buNone/>
+              <a:defRPr sz="1200">
+                <a:latin typeface="Courier New" panose="02070309020205020404" pitchFamily="49" charset="0"/>
+                <a:cs typeface="Courier New" panose="02070309020205020404" pitchFamily="49" charset="0"/>
+              </a:defRPr>
+            </a:lvl2pPr>
+            <a:lvl3pPr marL="685800" indent="0" defTabSz="0">
+              <a:buFont typeface="Arial" panose="020B0604020202020204" pitchFamily="34" charset="0"/>
+              <a:buNone/>
+              <a:defRPr sz="1200">
+                <a:latin typeface="Courier New" panose="02070309020205020404" pitchFamily="49" charset="0"/>
+                <a:cs typeface="Courier New" panose="02070309020205020404" pitchFamily="49" charset="0"/>
+              </a:defRPr>
+            </a:lvl3pPr>
+            <a:lvl4pPr marL="1028700" indent="0" defTabSz="0">
+              <a:buFont typeface="Arial" panose="020B0604020202020204" pitchFamily="34" charset="0"/>
+              <a:buNone/>
+              <a:defRPr sz="1200">
+                <a:latin typeface="Courier New" panose="02070309020205020404" pitchFamily="49" charset="0"/>
+                <a:cs typeface="Courier New" panose="02070309020205020404" pitchFamily="49" charset="0"/>
+              </a:defRPr>
+            </a:lvl4pPr>
+            <a:lvl5pPr marL="1371600" indent="0" defTabSz="0">
+              <a:buFont typeface="Arial" panose="020B0604020202020204" pitchFamily="34" charset="0"/>
+              <a:buNone/>
+              <a:defRPr sz="1200">
+                <a:latin typeface="Courier New" panose="02070309020205020404" pitchFamily="49" charset="0"/>
+                <a:cs typeface="Courier New" panose="02070309020205020404" pitchFamily="49" charset="0"/>
+              </a:defRPr>
+            </a:lvl5pPr>
+          </a:lstStyle>
+          <a:p>
+            <a:pPr lvl="0"/>
+            <a:r>
+              <a:rPr lang="en-US" dirty="0"/>
+              <a:t>Click to Edit/Paste/Insert Code or Paste/Insert Screenshot</a:t>
+            </a:r>
+          </a:p>
+          <a:p>
+            <a:pPr lvl="1"/>
+            <a:r>
+              <a:rPr lang="en-US" dirty="0"/>
+              <a:t>	Second level</a:t>
+            </a:r>
+          </a:p>
+          <a:p>
+            <a:pPr lvl="2"/>
+            <a:r>
+              <a:rPr lang="en-US" dirty="0"/>
+              <a:t>Third level</a:t>
+            </a:r>
+          </a:p>
+          <a:p>
+            <a:pPr lvl="3"/>
+            <a:r>
+              <a:rPr lang="en-US" dirty="0"/>
+              <a:t>Fourth level</a:t>
+            </a:r>
+          </a:p>
+          <a:p>
+            <a:pPr lvl="4"/>
+            <a:r>
+              <a:rPr lang="en-US" dirty="0"/>
+              <a:t>Fifth level</a:t>
+            </a:r>
+          </a:p>
+        </p:txBody>
+      </p:sp>
+    </p:spTree>
+    <p:extLst>
+      <p:ext uri="{BB962C8B-B14F-4D97-AF65-F5344CB8AC3E}">
+        <p14:creationId xmlns:p14="http://schemas.microsoft.com/office/powerpoint/2010/main" val="1605699000"/>
+      </p:ext>
+    </p:extLst>
+  </p:cSld>
+  <p:clrMapOvr>
+    <a:masterClrMapping/>
+  </p:clrMapOvr>
+</p:sldLayout>
+</file>
+
+<file path=ppt/slideLayouts/slideLayout11.xml><?xml version="1.0" encoding="utf-8"?>
+<p:sldLayout xmlns:a="http://schemas.openxmlformats.org/drawingml/2006/main" xmlns:r="http://schemas.openxmlformats.org/officeDocument/2006/relationships" xmlns:p="http://schemas.openxmlformats.org/presentationml/2006/main" preserve="1" userDrawn="1">
+  <p:cSld name="Custom Layout">
+    <p:spTree>
+      <p:nvGrpSpPr>
+        <p:cNvPr id="1" name=""/>
+        <p:cNvGrpSpPr/>
+        <p:nvPr/>
+      </p:nvGrpSpPr>
+      <p:grpSpPr>
+        <a:xfrm>
+          <a:off x="0" y="0"/>
+          <a:ext cx="0" cy="0"/>
+          <a:chOff x="0" y="0"/>
+          <a:chExt cx="0" cy="0"/>
+        </a:xfrm>
+      </p:grpSpPr>
+      <p:sp>
+        <p:nvSpPr>
+          <p:cNvPr id="2" name="Title 1">
+            <a:extLst>
+              <a:ext uri="{FF2B5EF4-FFF2-40B4-BE49-F238E27FC236}">
+                <a16:creationId xmlns:a16="http://schemas.microsoft.com/office/drawing/2014/main" id="{F523216E-3091-410D-83D4-F3B694551529}"/>
+              </a:ext>
+            </a:extLst>
+          </p:cNvPr>
+          <p:cNvSpPr>
+            <a:spLocks noGrp="1"/>
+          </p:cNvSpPr>
+          <p:nvPr>
+            <p:ph type="title" hasCustomPrompt="1"/>
+          </p:nvPr>
+        </p:nvSpPr>
+        <p:spPr/>
+        <p:txBody>
+          <a:bodyPr/>
+          <a:lstStyle>
+            <a:lvl1pPr>
+              <a:defRPr/>
+            </a:lvl1pPr>
+          </a:lstStyle>
+          <a:p>
+            <a:r>
+              <a:rPr lang="en-US" dirty="0"/>
+              <a:t>Click to edit Code Title</a:t>
+            </a:r>
+          </a:p>
+        </p:txBody>
+      </p:sp>
+      <p:sp>
+        <p:nvSpPr>
+          <p:cNvPr id="4" name="Text Placeholder 3">
+            <a:extLst>
+              <a:ext uri="{FF2B5EF4-FFF2-40B4-BE49-F238E27FC236}">
+                <a16:creationId xmlns:a16="http://schemas.microsoft.com/office/drawing/2014/main" id="{8AA8E3D7-116C-400A-AC64-F86759F16B62}"/>
+              </a:ext>
+            </a:extLst>
+          </p:cNvPr>
+          <p:cNvSpPr>
+            <a:spLocks noGrp="1"/>
+          </p:cNvSpPr>
+          <p:nvPr>
+            <p:ph type="body" sz="quarter" idx="10" hasCustomPrompt="1"/>
+          </p:nvPr>
+        </p:nvSpPr>
+        <p:spPr>
+          <a:xfrm>
+            <a:off x="93306" y="811763"/>
+            <a:ext cx="8929396" cy="5859625"/>
+          </a:xfrm>
+        </p:spPr>
+        <p:txBody>
+          <a:bodyPr/>
+          <a:lstStyle>
+            <a:lvl1pPr marL="0" indent="0">
+              <a:buNone/>
+              <a:defRPr sz="2400">
+                <a:latin typeface="Consolas" panose="020B0609020204030204" pitchFamily="49" charset="0"/>
+              </a:defRPr>
+            </a:lvl1pPr>
+            <a:lvl2pPr marL="288925" indent="0">
+              <a:buNone/>
+              <a:defRPr sz="2000">
+                <a:latin typeface="Consolas" panose="020B0609020204030204" pitchFamily="49" charset="0"/>
+              </a:defRPr>
+            </a:lvl2pPr>
+            <a:lvl3pPr marL="681037" indent="0">
+              <a:buNone/>
+              <a:defRPr sz="1800">
+                <a:latin typeface="Consolas" panose="020B0609020204030204" pitchFamily="49" charset="0"/>
+              </a:defRPr>
+            </a:lvl3pPr>
+            <a:lvl4pPr marL="1089025" indent="0">
+              <a:buNone/>
+              <a:defRPr sz="1600">
+                <a:latin typeface="Consolas" panose="020B0609020204030204" pitchFamily="49" charset="0"/>
+              </a:defRPr>
+            </a:lvl4pPr>
+            <a:lvl5pPr marL="1376363" indent="0">
+              <a:buNone/>
+              <a:defRPr sz="1600">
+                <a:latin typeface="Consolas" panose="020B0609020204030204" pitchFamily="49" charset="0"/>
+              </a:defRPr>
+            </a:lvl5pPr>
+          </a:lstStyle>
+          <a:p>
+            <a:pPr lvl="0"/>
+            <a:r>
+              <a:rPr lang="en-US" dirty="0"/>
+              <a:t>Edit Code</a:t>
+            </a:r>
+          </a:p>
+          <a:p>
+            <a:pPr lvl="1"/>
+            <a:r>
+              <a:rPr lang="en-US" dirty="0"/>
+              <a:t>Second level</a:t>
+            </a:r>
+          </a:p>
+          <a:p>
+            <a:pPr lvl="2"/>
+            <a:r>
+              <a:rPr lang="en-US" dirty="0"/>
+              <a:t>Third level</a:t>
+            </a:r>
+          </a:p>
+          <a:p>
+            <a:pPr lvl="3"/>
+            <a:r>
+              <a:rPr lang="en-US" dirty="0"/>
+              <a:t>Fourth level</a:t>
+            </a:r>
+          </a:p>
+          <a:p>
+            <a:pPr lvl="4"/>
+            <a:r>
+              <a:rPr lang="en-US" dirty="0"/>
+              <a:t>Fifth level</a:t>
+            </a:r>
+          </a:p>
+        </p:txBody>
+      </p:sp>
+    </p:spTree>
+    <p:extLst>
+      <p:ext uri="{BB962C8B-B14F-4D97-AF65-F5344CB8AC3E}">
+        <p14:creationId xmlns:p14="http://schemas.microsoft.com/office/powerpoint/2010/main" val="1117181669"/>
+      </p:ext>
+    </p:extLst>
+  </p:cSld>
+  <p:clrMapOvr>
+    <a:masterClrMapping/>
+  </p:clrMapOvr>
+</p:sldLayout>
+</file>
+
+<file path=ppt/slideLayouts/slideLayout12.xml><?xml version="1.0" encoding="utf-8"?>
 <p:sldLayout xmlns:a="http://schemas.openxmlformats.org/drawingml/2006/main" xmlns:r="http://schemas.openxmlformats.org/officeDocument/2006/relationships" xmlns:p="http://schemas.openxmlformats.org/presentationml/2006/main" preserve="1" userDrawn="1">
   <p:cSld name="Black Notes slide Layout">
     <p:bg bwMode="black">
@@ -12261,7 +12822,7 @@
 </p:sldLayout>
 </file>
 
-<file path=ppt/slideLayouts/slideLayout11.xml><?xml version="1.0" encoding="utf-8"?>
+<file path=ppt/slideLayouts/slideLayout13.xml><?xml version="1.0" encoding="utf-8"?>
 <p:sldLayout xmlns:a="http://schemas.openxmlformats.org/drawingml/2006/main" xmlns:r="http://schemas.openxmlformats.org/officeDocument/2006/relationships" xmlns:p="http://schemas.openxmlformats.org/presentationml/2006/main" preserve="1" userDrawn="1">
   <p:cSld name="Steps">
     <p:spTree>
@@ -13710,7 +14271,7 @@
 </p:sldLayout>
 </file>
 
-<file path=ppt/slideLayouts/slideLayout12.xml><?xml version="1.0" encoding="utf-8"?>
+<file path=ppt/slideLayouts/slideLayout14.xml><?xml version="1.0" encoding="utf-8"?>
 <p:sldLayout xmlns:a="http://schemas.openxmlformats.org/drawingml/2006/main" xmlns:r="http://schemas.openxmlformats.org/officeDocument/2006/relationships" xmlns:p="http://schemas.openxmlformats.org/presentationml/2006/main" preserve="1" userDrawn="1">
   <p:cSld name="Section Header">
     <p:spTree>
@@ -13896,7 +14457,7 @@
 </p:sldLayout>
 </file>
 
-<file path=ppt/slideLayouts/slideLayout13.xml><?xml version="1.0" encoding="utf-8"?>
+<file path=ppt/slideLayouts/slideLayout15.xml><?xml version="1.0" encoding="utf-8"?>
 <p:sldLayout xmlns:a="http://schemas.openxmlformats.org/drawingml/2006/main" xmlns:r="http://schemas.openxmlformats.org/officeDocument/2006/relationships" xmlns:p="http://schemas.openxmlformats.org/presentationml/2006/main" preserve="1" userDrawn="1">
   <p:cSld name="Two Content">
     <p:spTree>
@@ -14179,7 +14740,7 @@
 </p:sldLayout>
 </file>
 
-<file path=ppt/slideLayouts/slideLayout14.xml><?xml version="1.0" encoding="utf-8"?>
+<file path=ppt/slideLayouts/slideLayout16.xml><?xml version="1.0" encoding="utf-8"?>
 <p:sldLayout xmlns:a="http://schemas.openxmlformats.org/drawingml/2006/main" xmlns:r="http://schemas.openxmlformats.org/officeDocument/2006/relationships" xmlns:p="http://schemas.openxmlformats.org/presentationml/2006/main" preserve="1" userDrawn="1">
   <p:cSld name="Comparison">
     <p:spTree>
@@ -14608,7 +15169,7 @@
 </p:sldLayout>
 </file>
 
-<file path=ppt/slideLayouts/slideLayout15.xml><?xml version="1.0" encoding="utf-8"?>
+<file path=ppt/slideLayouts/slideLayout17.xml><?xml version="1.0" encoding="utf-8"?>
 <p:sldLayout xmlns:a="http://schemas.openxmlformats.org/drawingml/2006/main" xmlns:r="http://schemas.openxmlformats.org/officeDocument/2006/relationships" xmlns:p="http://schemas.openxmlformats.org/presentationml/2006/main" preserve="1" userDrawn="1">
   <p:cSld name="Blank">
     <p:spTree>
@@ -14698,7 +15259,7 @@
 </p:sldLayout>
 </file>
 
-<file path=ppt/slideLayouts/slideLayout16.xml><?xml version="1.0" encoding="utf-8"?>
+<file path=ppt/slideLayouts/slideLayout18.xml><?xml version="1.0" encoding="utf-8"?>
 <p:sldLayout xmlns:a="http://schemas.openxmlformats.org/drawingml/2006/main" xmlns:r="http://schemas.openxmlformats.org/officeDocument/2006/relationships" xmlns:p="http://schemas.openxmlformats.org/presentationml/2006/main" preserve="1" userDrawn="1">
   <p:cSld name="Content with Caption">
     <p:spTree>
@@ -14974,7 +15535,7 @@
 </p:sldLayout>
 </file>
 
-<file path=ppt/slideLayouts/slideLayout17.xml><?xml version="1.0" encoding="utf-8"?>
+<file path=ppt/slideLayouts/slideLayout19.xml><?xml version="1.0" encoding="utf-8"?>
 <p:sldLayout xmlns:a="http://schemas.openxmlformats.org/drawingml/2006/main" xmlns:r="http://schemas.openxmlformats.org/officeDocument/2006/relationships" xmlns:p="http://schemas.openxmlformats.org/presentationml/2006/main" preserve="1" userDrawn="1">
   <p:cSld name="Picture with Caption">
     <p:spTree>
@@ -15225,7 +15786,309 @@
 </p:sldLayout>
 </file>
 
-<file path=ppt/slideLayouts/slideLayout18.xml><?xml version="1.0" encoding="utf-8"?>
+<file path=ppt/slideLayouts/slideLayout2.xml><?xml version="1.0" encoding="utf-8"?>
+<p:sldLayout xmlns:a="http://schemas.openxmlformats.org/drawingml/2006/main" xmlns:r="http://schemas.openxmlformats.org/officeDocument/2006/relationships" xmlns:p="http://schemas.openxmlformats.org/presentationml/2006/main" showMasterSp="0" preserve="1" userDrawn="1">
+  <p:cSld name="Title Slide">
+    <p:bg>
+      <p:bgPr>
+        <a:solidFill>
+          <a:srgbClr val="0070C0"/>
+        </a:solidFill>
+        <a:effectLst/>
+      </p:bgPr>
+    </p:bg>
+    <p:spTree>
+      <p:nvGrpSpPr>
+        <p:cNvPr id="1" name=""/>
+        <p:cNvGrpSpPr/>
+        <p:nvPr/>
+      </p:nvGrpSpPr>
+      <p:grpSpPr>
+        <a:xfrm>
+          <a:off x="0" y="0"/>
+          <a:ext cx="0" cy="0"/>
+          <a:chOff x="0" y="0"/>
+          <a:chExt cx="0" cy="0"/>
+        </a:xfrm>
+      </p:grpSpPr>
+      <p:sp>
+        <p:nvSpPr>
+          <p:cNvPr id="726019" name="Rectangle 3"/>
+          <p:cNvSpPr>
+            <a:spLocks noGrp="1" noChangeArrowheads="1"/>
+          </p:cNvSpPr>
+          <p:nvPr>
+            <p:ph type="ctrTitle" sz="quarter" hasCustomPrompt="1"/>
+          </p:nvPr>
+        </p:nvSpPr>
+        <p:spPr>
+          <a:xfrm>
+            <a:off x="597160" y="508962"/>
+            <a:ext cx="8379200" cy="1011928"/>
+          </a:xfrm>
+          <a:solidFill>
+            <a:srgbClr val="3399FF"/>
+          </a:solidFill>
+          <a:ln algn="ctr"/>
+        </p:spPr>
+        <p:txBody>
+          <a:bodyPr wrap="square" tIns="0" rIns="0" bIns="0" anchor="t" anchorCtr="0">
+            <a:noAutofit/>
+          </a:bodyPr>
+          <a:lstStyle>
+            <a:lvl1pPr algn="l">
+              <a:spcBef>
+                <a:spcPct val="60000"/>
+              </a:spcBef>
+              <a:buClr>
+                <a:schemeClr val="hlink"/>
+              </a:buClr>
+              <a:buSzPct val="90000"/>
+              <a:buFontTx/>
+              <a:buNone/>
+              <a:defRPr sz="3800" baseline="0">
+                <a:solidFill>
+                  <a:schemeClr val="bg1"/>
+                </a:solidFill>
+                <a:latin typeface="Segoe UI" pitchFamily="34" charset="0"/>
+                <a:ea typeface="Segoe UI" pitchFamily="34" charset="0"/>
+                <a:cs typeface="Segoe UI" pitchFamily="34" charset="0"/>
+              </a:defRPr>
+            </a:lvl1pPr>
+          </a:lstStyle>
+          <a:p>
+            <a:r>
+              <a:rPr lang="en-US" dirty="0"/>
+              <a:t>Topic</a:t>
+            </a:r>
+          </a:p>
+        </p:txBody>
+      </p:sp>
+      <p:sp>
+        <p:nvSpPr>
+          <p:cNvPr id="726020" name="Rectangle 4"/>
+          <p:cNvSpPr>
+            <a:spLocks noGrp="1" noChangeArrowheads="1"/>
+          </p:cNvSpPr>
+          <p:nvPr>
+            <p:ph type="subTitle" sz="quarter" idx="1" hasCustomPrompt="1"/>
+          </p:nvPr>
+        </p:nvSpPr>
+        <p:spPr>
+          <a:xfrm>
+            <a:off x="3685592" y="2110581"/>
+            <a:ext cx="5290768" cy="3722293"/>
+          </a:xfrm>
+        </p:spPr>
+        <p:txBody>
+          <a:bodyPr lIns="91440" tIns="45720" rIns="91440" bIns="45720"/>
+          <a:lstStyle>
+            <a:lvl1pPr marL="285750" indent="-285750" algn="l">
+              <a:lnSpc>
+                <a:spcPct val="95000"/>
+              </a:lnSpc>
+              <a:spcBef>
+                <a:spcPct val="60000"/>
+              </a:spcBef>
+              <a:buClr>
+                <a:schemeClr val="bg1"/>
+              </a:buClr>
+              <a:buFont typeface="Wingdings" panose="05000000000000000000" pitchFamily="2" charset="2"/>
+              <a:buChar char="Ø"/>
+              <a:defRPr sz="1800">
+                <a:solidFill>
+                  <a:schemeClr val="bg1"/>
+                </a:solidFill>
+                <a:latin typeface="Segoe UI" pitchFamily="34" charset="0"/>
+                <a:ea typeface="Segoe UI" pitchFamily="34" charset="0"/>
+                <a:cs typeface="Segoe UI" pitchFamily="34" charset="0"/>
+              </a:defRPr>
+            </a:lvl1pPr>
+          </a:lstStyle>
+          <a:p>
+            <a:r>
+              <a:rPr lang="en-US" dirty="0"/>
+              <a:t>Topic Description</a:t>
+            </a:r>
+          </a:p>
+          <a:p>
+            <a:endParaRPr lang="en-US" dirty="0"/>
+          </a:p>
+        </p:txBody>
+      </p:sp>
+      <p:sp>
+        <p:nvSpPr>
+          <p:cNvPr id="7" name="Text Placeholder 6">
+            <a:extLst>
+              <a:ext uri="{FF2B5EF4-FFF2-40B4-BE49-F238E27FC236}">
+                <a16:creationId xmlns:a16="http://schemas.microsoft.com/office/drawing/2014/main" id="{05E1913A-614D-4F38-AB69-5348B29CCD5D}"/>
+              </a:ext>
+            </a:extLst>
+          </p:cNvPr>
+          <p:cNvSpPr>
+            <a:spLocks noGrp="1"/>
+          </p:cNvSpPr>
+          <p:nvPr>
+            <p:ph type="body" sz="quarter" idx="10"/>
+          </p:nvPr>
+        </p:nvSpPr>
+        <p:spPr>
+          <a:xfrm>
+            <a:off x="261938" y="2756542"/>
+            <a:ext cx="3241675" cy="2851150"/>
+          </a:xfrm>
+        </p:spPr>
+        <p:txBody>
+          <a:bodyPr/>
+          <a:lstStyle>
+            <a:lvl1pPr>
+              <a:defRPr sz="2000">
+                <a:solidFill>
+                  <a:schemeClr val="bg1"/>
+                </a:solidFill>
+              </a:defRPr>
+            </a:lvl1pPr>
+          </a:lstStyle>
+          <a:p>
+            <a:pPr lvl="0"/>
+            <a:r>
+              <a:rPr lang="en-US" dirty="0"/>
+              <a:t>Edit Master text</a:t>
+            </a:r>
+          </a:p>
+        </p:txBody>
+      </p:sp>
+      <p:sp>
+        <p:nvSpPr>
+          <p:cNvPr id="11" name="Text Placeholder 10">
+            <a:extLst>
+              <a:ext uri="{FF2B5EF4-FFF2-40B4-BE49-F238E27FC236}">
+                <a16:creationId xmlns:a16="http://schemas.microsoft.com/office/drawing/2014/main" id="{6A2AE784-2CA5-4194-B30C-8D50C676A59B}"/>
+              </a:ext>
+            </a:extLst>
+          </p:cNvPr>
+          <p:cNvSpPr>
+            <a:spLocks noGrp="1"/>
+          </p:cNvSpPr>
+          <p:nvPr>
+            <p:ph type="body" sz="quarter" idx="11" hasCustomPrompt="1"/>
+          </p:nvPr>
+        </p:nvSpPr>
+        <p:spPr>
+          <a:xfrm>
+            <a:off x="261938" y="6018240"/>
+            <a:ext cx="8714421" cy="391882"/>
+          </a:xfrm>
+          <a:solidFill>
+            <a:schemeClr val="bg1"/>
+          </a:solidFill>
+        </p:spPr>
+        <p:txBody>
+          <a:bodyPr/>
+          <a:lstStyle>
+            <a:lvl1pPr marL="0" indent="0">
+              <a:buNone/>
+              <a:defRPr sz="1400">
+                <a:solidFill>
+                  <a:srgbClr val="3399FF"/>
+                </a:solidFill>
+              </a:defRPr>
+            </a:lvl1pPr>
+            <a:lvl2pPr>
+              <a:defRPr>
+                <a:solidFill>
+                  <a:schemeClr val="bg1">
+                    <a:lumMod val="75000"/>
+                  </a:schemeClr>
+                </a:solidFill>
+              </a:defRPr>
+            </a:lvl2pPr>
+            <a:lvl3pPr>
+              <a:defRPr>
+                <a:solidFill>
+                  <a:schemeClr val="bg1">
+                    <a:lumMod val="75000"/>
+                  </a:schemeClr>
+                </a:solidFill>
+              </a:defRPr>
+            </a:lvl3pPr>
+            <a:lvl4pPr>
+              <a:defRPr>
+                <a:solidFill>
+                  <a:schemeClr val="bg1">
+                    <a:lumMod val="75000"/>
+                  </a:schemeClr>
+                </a:solidFill>
+              </a:defRPr>
+            </a:lvl4pPr>
+            <a:lvl5pPr>
+              <a:defRPr>
+                <a:solidFill>
+                  <a:schemeClr val="bg1">
+                    <a:lumMod val="75000"/>
+                  </a:schemeClr>
+                </a:solidFill>
+              </a:defRPr>
+            </a:lvl5pPr>
+          </a:lstStyle>
+          <a:p>
+            <a:pPr lvl="0"/>
+            <a:r>
+              <a:rPr lang="en-US" dirty="0"/>
+              <a:t>URL</a:t>
+            </a:r>
+          </a:p>
+        </p:txBody>
+      </p:sp>
+      <p:sp>
+        <p:nvSpPr>
+          <p:cNvPr id="12" name="TextBox 11">
+            <a:extLst>
+              <a:ext uri="{FF2B5EF4-FFF2-40B4-BE49-F238E27FC236}">
+                <a16:creationId xmlns:a16="http://schemas.microsoft.com/office/drawing/2014/main" id="{E1C05B86-1160-4370-A04A-9508198B968C}"/>
+              </a:ext>
+            </a:extLst>
+          </p:cNvPr>
+          <p:cNvSpPr txBox="1"/>
+          <p:nvPr userDrawn="1"/>
+        </p:nvSpPr>
+        <p:spPr>
+          <a:xfrm>
+            <a:off x="6662057" y="6512893"/>
+            <a:ext cx="2388641" cy="307777"/>
+          </a:xfrm>
+          <a:prstGeom prst="rect">
+            <a:avLst/>
+          </a:prstGeom>
+          <a:noFill/>
+        </p:spPr>
+        <p:txBody>
+          <a:bodyPr wrap="square" rtlCol="0">
+            <a:spAutoFit/>
+          </a:bodyPr>
+          <a:lstStyle/>
+          <a:p>
+            <a:r>
+              <a:rPr lang="en-US" sz="1400" dirty="0"/>
+              <a:t>#70-533 @ITProGuru</a:t>
+            </a:r>
+          </a:p>
+        </p:txBody>
+      </p:sp>
+    </p:spTree>
+    <p:extLst>
+      <p:ext uri="{BB962C8B-B14F-4D97-AF65-F5344CB8AC3E}">
+        <p14:creationId xmlns:p14="http://schemas.microsoft.com/office/powerpoint/2010/main" val="3414292977"/>
+      </p:ext>
+    </p:extLst>
+  </p:cSld>
+  <p:clrMapOvr>
+    <a:masterClrMapping/>
+  </p:clrMapOvr>
+</p:sldLayout>
+</file>
+
+<file path=ppt/slideLayouts/slideLayout20.xml><?xml version="1.0" encoding="utf-8"?>
 <p:sldLayout xmlns:a="http://schemas.openxmlformats.org/drawingml/2006/main" xmlns:r="http://schemas.openxmlformats.org/officeDocument/2006/relationships" xmlns:p="http://schemas.openxmlformats.org/presentationml/2006/main" type="vertTx" preserve="1">
   <p:cSld name="Title and Vertical Text">
     <p:spTree>
@@ -15329,7 +16192,7 @@
 </p:sldLayout>
 </file>
 
-<file path=ppt/slideLayouts/slideLayout19.xml><?xml version="1.0" encoding="utf-8"?>
+<file path=ppt/slideLayouts/slideLayout21.xml><?xml version="1.0" encoding="utf-8"?>
 <p:sldLayout xmlns:a="http://schemas.openxmlformats.org/drawingml/2006/main" xmlns:r="http://schemas.openxmlformats.org/officeDocument/2006/relationships" xmlns:p="http://schemas.openxmlformats.org/presentationml/2006/main" type="vertTitleAndTx" preserve="1">
   <p:cSld name="Vertical Title and Text">
     <p:spTree>
@@ -15444,7 +16307,7 @@
 </p:sldLayout>
 </file>
 
-<file path=ppt/slideLayouts/slideLayout2.xml><?xml version="1.0" encoding="utf-8"?>
+<file path=ppt/slideLayouts/slideLayout3.xml><?xml version="1.0" encoding="utf-8"?>
 <p:sldLayout xmlns:a="http://schemas.openxmlformats.org/drawingml/2006/main" xmlns:r="http://schemas.openxmlformats.org/officeDocument/2006/relationships" xmlns:p="http://schemas.openxmlformats.org/presentationml/2006/main" preserve="1" userDrawn="1">
   <p:cSld name="Title and Text">
     <p:spTree>
@@ -15607,7 +16470,7 @@
 </p:sldLayout>
 </file>
 
-<file path=ppt/slideLayouts/slideLayout3.xml><?xml version="1.0" encoding="utf-8"?>
+<file path=ppt/slideLayouts/slideLayout4.xml><?xml version="1.0" encoding="utf-8"?>
 <p:sldLayout xmlns:a="http://schemas.openxmlformats.org/drawingml/2006/main" xmlns:r="http://schemas.openxmlformats.org/officeDocument/2006/relationships" xmlns:p="http://schemas.openxmlformats.org/presentationml/2006/main" preserve="1" userDrawn="1">
   <p:cSld name="Title Only">
     <p:spTree>
@@ -15719,7 +16582,7 @@
 </p:sldLayout>
 </file>
 
-<file path=ppt/slideLayouts/slideLayout4.xml><?xml version="1.0" encoding="utf-8"?>
+<file path=ppt/slideLayouts/slideLayout5.xml><?xml version="1.0" encoding="utf-8"?>
 <p:sldLayout xmlns:a="http://schemas.openxmlformats.org/drawingml/2006/main" xmlns:r="http://schemas.openxmlformats.org/officeDocument/2006/relationships" xmlns:p="http://schemas.openxmlformats.org/presentationml/2006/main" preserve="1" userDrawn="1">
   <p:cSld name="Exam Tip">
     <p:spTree>
@@ -16059,9 +16922,9 @@
 </p:sldLayout>
 </file>
 
-<file path=ppt/slideLayouts/slideLayout5.xml><?xml version="1.0" encoding="utf-8"?>
+<file path=ppt/slideLayouts/slideLayout6.xml><?xml version="1.0" encoding="utf-8"?>
 <p:sldLayout xmlns:a="http://schemas.openxmlformats.org/drawingml/2006/main" xmlns:r="http://schemas.openxmlformats.org/officeDocument/2006/relationships" xmlns:p="http://schemas.openxmlformats.org/presentationml/2006/main" preserve="1" userDrawn="1">
-  <p:cSld name="Question">
+  <p:cSld name="1_Question">
     <p:spTree>
       <p:nvGrpSpPr>
         <p:cNvPr id="1" name=""/>
@@ -16091,7 +16954,7 @@
         <p:spPr>
           <a:xfrm>
             <a:off x="0" y="0"/>
-            <a:ext cx="9144000" cy="1371600"/>
+            <a:ext cx="9144000" cy="2008094"/>
           </a:xfrm>
           <a:prstGeom prst="rect">
             <a:avLst/>
@@ -16140,49 +17003,59 @@
         </p:nvSpPr>
         <p:spPr>
           <a:xfrm>
-            <a:off x="460375" y="-3"/>
-            <a:ext cx="7773988" cy="1296957"/>
+            <a:off x="93306" y="-4"/>
+            <a:ext cx="8836089" cy="1824321"/>
           </a:xfrm>
         </p:spPr>
         <p:txBody>
           <a:bodyPr/>
           <a:lstStyle>
             <a:lvl1pPr>
+              <a:defRPr sz="2400">
+                <a:solidFill>
+                  <a:schemeClr val="bg1"/>
+                </a:solidFill>
+              </a:defRPr>
+            </a:lvl1pPr>
+          </a:lstStyle>
+          <a:p>
+            <a:r>
+              <a:rPr lang="en-US" dirty="0"/>
+              <a:t>Question…. This is a test</a:t>
+            </a:r>
+          </a:p>
+        </p:txBody>
+      </p:sp>
+      <p:sp>
+        <p:nvSpPr>
+          <p:cNvPr id="3" name="Content Placeholder 2"/>
+          <p:cNvSpPr>
+            <a:spLocks noGrp="1"/>
+          </p:cNvSpPr>
+          <p:nvPr>
+            <p:ph idx="1" hasCustomPrompt="1"/>
+          </p:nvPr>
+        </p:nvSpPr>
+        <p:spPr>
+          <a:xfrm>
+            <a:off x="261187" y="2057400"/>
+            <a:ext cx="8574837" cy="4138466"/>
+          </a:xfrm>
+        </p:spPr>
+        <p:txBody>
+          <a:bodyPr/>
+          <a:lstStyle>
+            <a:lvl1pPr marL="514350" indent="-514350">
+              <a:buFont typeface="+mj-lt"/>
+              <a:buAutoNum type="arabicParenR"/>
               <a:defRPr/>
             </a:lvl1pPr>
           </a:lstStyle>
           <a:p>
+            <a:pPr lvl="0"/>
             <a:r>
               <a:rPr lang="en-US" dirty="0"/>
-              <a:t>Question….</a:t>
-            </a:r>
-          </a:p>
-        </p:txBody>
-      </p:sp>
-      <p:sp>
-        <p:nvSpPr>
-          <p:cNvPr id="3" name="Content Placeholder 2"/>
-          <p:cNvSpPr>
-            <a:spLocks noGrp="1"/>
-          </p:cNvSpPr>
-          <p:nvPr>
-            <p:ph idx="1"/>
-          </p:nvPr>
-        </p:nvSpPr>
-        <p:spPr>
-          <a:xfrm>
-            <a:off x="261187" y="1482871"/>
-            <a:ext cx="8574837" cy="4712995"/>
-          </a:xfrm>
-        </p:spPr>
-        <p:txBody>
-          <a:bodyPr/>
-          <a:lstStyle/>
-          <a:p>
-            <a:pPr lvl="0"/>
-            <a:r>
-              <a:rPr lang="en-US" dirty="0"/>
-              <a:t>Edit Master text styles</a:t>
+              <a:t>Edit Question</a:t>
             </a:r>
           </a:p>
           <a:p>
@@ -16278,7 +17151,7 @@
     </p:spTree>
     <p:extLst>
       <p:ext uri="{BB962C8B-B14F-4D97-AF65-F5344CB8AC3E}">
-        <p14:creationId xmlns:p14="http://schemas.microsoft.com/office/powerpoint/2010/main" val="422124692"/>
+        <p14:creationId xmlns:p14="http://schemas.microsoft.com/office/powerpoint/2010/main" val="3272986576"/>
       </p:ext>
     </p:extLst>
   </p:cSld>
@@ -16288,9 +17161,9 @@
 </p:sldLayout>
 </file>
 
-<file path=ppt/slideLayouts/slideLayout6.xml><?xml version="1.0" encoding="utf-8"?>
+<file path=ppt/slideLayouts/slideLayout7.xml><?xml version="1.0" encoding="utf-8"?>
 <p:sldLayout xmlns:a="http://schemas.openxmlformats.org/drawingml/2006/main" xmlns:r="http://schemas.openxmlformats.org/officeDocument/2006/relationships" xmlns:p="http://schemas.openxmlformats.org/presentationml/2006/main" preserve="1" userDrawn="1">
-  <p:cSld name="Answer">
+  <p:cSld name="1_Answer">
     <p:spTree>
       <p:nvGrpSpPr>
         <p:cNvPr id="1" name=""/>
@@ -16307,10 +17180,10 @@
       </p:grpSpPr>
       <p:sp>
         <p:nvSpPr>
-          <p:cNvPr id="6" name="Rectangle 5">
+          <p:cNvPr id="7" name="Rectangle 6">
             <a:extLst>
               <a:ext uri="{FF2B5EF4-FFF2-40B4-BE49-F238E27FC236}">
-                <a16:creationId xmlns:a16="http://schemas.microsoft.com/office/drawing/2014/main" id="{18074CDC-0128-42E8-B232-786D9C2CD277}"/>
+                <a16:creationId xmlns:a16="http://schemas.microsoft.com/office/drawing/2014/main" id="{E17D637C-ACFC-4A4F-854E-9FA928AAF434}"/>
               </a:ext>
             </a:extLst>
           </p:cNvPr>
@@ -16320,7 +17193,7 @@
         <p:spPr>
           <a:xfrm>
             <a:off x="0" y="0"/>
-            <a:ext cx="9144000" cy="1371600"/>
+            <a:ext cx="9144000" cy="2008094"/>
           </a:xfrm>
           <a:prstGeom prst="rect">
             <a:avLst/>
@@ -16369,49 +17242,59 @@
         </p:nvSpPr>
         <p:spPr>
           <a:xfrm>
-            <a:off x="460375" y="-3"/>
-            <a:ext cx="7773988" cy="1296957"/>
+            <a:off x="167054" y="-3"/>
+            <a:ext cx="8862646" cy="1931897"/>
           </a:xfrm>
         </p:spPr>
         <p:txBody>
           <a:bodyPr/>
           <a:lstStyle>
             <a:lvl1pPr>
+              <a:defRPr sz="2400">
+                <a:solidFill>
+                  <a:schemeClr val="bg1"/>
+                </a:solidFill>
+              </a:defRPr>
+            </a:lvl1pPr>
+          </a:lstStyle>
+          <a:p>
+            <a:r>
+              <a:rPr lang="en-US" dirty="0"/>
+              <a:t>Answer Repeat Question Here…</a:t>
+            </a:r>
+          </a:p>
+        </p:txBody>
+      </p:sp>
+      <p:sp>
+        <p:nvSpPr>
+          <p:cNvPr id="3" name="Content Placeholder 2"/>
+          <p:cNvSpPr>
+            <a:spLocks noGrp="1"/>
+          </p:cNvSpPr>
+          <p:nvPr>
+            <p:ph idx="1" hasCustomPrompt="1"/>
+          </p:nvPr>
+        </p:nvSpPr>
+        <p:spPr>
+          <a:xfrm>
+            <a:off x="261187" y="2061882"/>
+            <a:ext cx="8574837" cy="4133984"/>
+          </a:xfrm>
+        </p:spPr>
+        <p:txBody>
+          <a:bodyPr/>
+          <a:lstStyle>
+            <a:lvl1pPr marL="514350" indent="-514350">
+              <a:buFont typeface="+mj-lt"/>
+              <a:buAutoNum type="arabicParenR"/>
               <a:defRPr/>
             </a:lvl1pPr>
           </a:lstStyle>
           <a:p>
+            <a:pPr lvl="0"/>
             <a:r>
               <a:rPr lang="en-US" dirty="0"/>
-              <a:t>Answer…</a:t>
-            </a:r>
-          </a:p>
-        </p:txBody>
-      </p:sp>
-      <p:sp>
-        <p:nvSpPr>
-          <p:cNvPr id="3" name="Content Placeholder 2"/>
-          <p:cNvSpPr>
-            <a:spLocks noGrp="1"/>
-          </p:cNvSpPr>
-          <p:nvPr>
-            <p:ph idx="1"/>
-          </p:nvPr>
-        </p:nvSpPr>
-        <p:spPr>
-          <a:xfrm>
-            <a:off x="261187" y="1482871"/>
-            <a:ext cx="8574837" cy="4712995"/>
-          </a:xfrm>
-        </p:spPr>
-        <p:txBody>
-          <a:bodyPr/>
-          <a:lstStyle/>
-          <a:p>
-            <a:pPr lvl="0"/>
-            <a:r>
-              <a:rPr lang="en-US" dirty="0"/>
-              <a:t>Edit Master text styles</a:t>
+              <a:t>Paste Answers from Question Slide</a:t>
             </a:r>
           </a:p>
           <a:p>
@@ -16507,7 +17390,7 @@
     </p:spTree>
     <p:extLst>
       <p:ext uri="{BB962C8B-B14F-4D97-AF65-F5344CB8AC3E}">
-        <p14:creationId xmlns:p14="http://schemas.microsoft.com/office/powerpoint/2010/main" val="3205732288"/>
+        <p14:creationId xmlns:p14="http://schemas.microsoft.com/office/powerpoint/2010/main" val="3598346525"/>
       </p:ext>
     </p:extLst>
   </p:cSld>
@@ -16517,8 +17400,355 @@
 </p:sldLayout>
 </file>
 
-<file path=ppt/slideLayouts/slideLayout7.xml><?xml version="1.0" encoding="utf-8"?>
-<p:sldLayout xmlns:a="http://schemas.openxmlformats.org/drawingml/2006/main" xmlns:r="http://schemas.openxmlformats.org/officeDocument/2006/relationships" xmlns:p="http://schemas.openxmlformats.org/presentationml/2006/main" type="obj" preserve="1">
+<file path=ppt/slideLayouts/slideLayout8.xml><?xml version="1.0" encoding="utf-8"?>
+<p:sldLayout xmlns:a="http://schemas.openxmlformats.org/drawingml/2006/main" xmlns:r="http://schemas.openxmlformats.org/officeDocument/2006/relationships" xmlns:p="http://schemas.openxmlformats.org/presentationml/2006/main" showMasterSp="0" preserve="1" userDrawn="1">
+  <p:cSld name="Demo">
+    <p:bg>
+      <p:bgPr>
+        <a:solidFill>
+          <a:srgbClr val="7030A0"/>
+        </a:solidFill>
+        <a:effectLst/>
+      </p:bgPr>
+    </p:bg>
+    <p:spTree>
+      <p:nvGrpSpPr>
+        <p:cNvPr id="1" name=""/>
+        <p:cNvGrpSpPr/>
+        <p:nvPr/>
+      </p:nvGrpSpPr>
+      <p:grpSpPr>
+        <a:xfrm>
+          <a:off x="0" y="0"/>
+          <a:ext cx="0" cy="0"/>
+          <a:chOff x="0" y="0"/>
+          <a:chExt cx="0" cy="0"/>
+        </a:xfrm>
+      </p:grpSpPr>
+      <p:sp>
+        <p:nvSpPr>
+          <p:cNvPr id="726019" name="Rectangle 3"/>
+          <p:cNvSpPr>
+            <a:spLocks noGrp="1" noChangeArrowheads="1"/>
+          </p:cNvSpPr>
+          <p:nvPr>
+            <p:ph type="ctrTitle" sz="quarter" hasCustomPrompt="1"/>
+          </p:nvPr>
+        </p:nvSpPr>
+        <p:spPr>
+          <a:xfrm>
+            <a:off x="307911" y="770219"/>
+            <a:ext cx="8379200" cy="1011928"/>
+          </a:xfrm>
+          <a:solidFill>
+            <a:srgbClr val="7030A0"/>
+          </a:solidFill>
+          <a:ln algn="ctr"/>
+        </p:spPr>
+        <p:txBody>
+          <a:bodyPr wrap="square" tIns="0" rIns="0" bIns="0" anchor="t" anchorCtr="0">
+            <a:noAutofit/>
+          </a:bodyPr>
+          <a:lstStyle>
+            <a:lvl1pPr algn="l">
+              <a:spcBef>
+                <a:spcPct val="60000"/>
+              </a:spcBef>
+              <a:buClr>
+                <a:schemeClr val="hlink"/>
+              </a:buClr>
+              <a:buSzPct val="90000"/>
+              <a:buFontTx/>
+              <a:buNone/>
+              <a:defRPr sz="3800" baseline="0">
+                <a:solidFill>
+                  <a:schemeClr val="bg1"/>
+                </a:solidFill>
+                <a:latin typeface="Segoe UI" pitchFamily="34" charset="0"/>
+                <a:ea typeface="Segoe UI" pitchFamily="34" charset="0"/>
+                <a:cs typeface="Segoe UI" pitchFamily="34" charset="0"/>
+              </a:defRPr>
+            </a:lvl1pPr>
+          </a:lstStyle>
+          <a:p>
+            <a:r>
+              <a:rPr lang="en-US" dirty="0"/>
+              <a:t>Demo Title</a:t>
+            </a:r>
+          </a:p>
+        </p:txBody>
+      </p:sp>
+      <p:sp>
+        <p:nvSpPr>
+          <p:cNvPr id="726020" name="Rectangle 4"/>
+          <p:cNvSpPr>
+            <a:spLocks noGrp="1" noChangeArrowheads="1"/>
+          </p:cNvSpPr>
+          <p:nvPr>
+            <p:ph type="subTitle" sz="quarter" idx="1" hasCustomPrompt="1"/>
+          </p:nvPr>
+        </p:nvSpPr>
+        <p:spPr>
+          <a:xfrm>
+            <a:off x="3685592" y="2110581"/>
+            <a:ext cx="5290768" cy="3722293"/>
+          </a:xfrm>
+          <a:solidFill>
+            <a:srgbClr val="7030A0"/>
+          </a:solidFill>
+        </p:spPr>
+        <p:txBody>
+          <a:bodyPr lIns="91440" tIns="45720" rIns="91440" bIns="45720"/>
+          <a:lstStyle>
+            <a:lvl1pPr marL="285750" indent="-285750" algn="l">
+              <a:lnSpc>
+                <a:spcPct val="95000"/>
+              </a:lnSpc>
+              <a:spcBef>
+                <a:spcPct val="60000"/>
+              </a:spcBef>
+              <a:buClr>
+                <a:schemeClr val="bg1"/>
+              </a:buClr>
+              <a:buFont typeface="Wingdings" panose="05000000000000000000" pitchFamily="2" charset="2"/>
+              <a:buChar char="Ø"/>
+              <a:defRPr sz="1800">
+                <a:solidFill>
+                  <a:schemeClr val="bg1"/>
+                </a:solidFill>
+                <a:latin typeface="Segoe UI" pitchFamily="34" charset="0"/>
+                <a:ea typeface="Segoe UI" pitchFamily="34" charset="0"/>
+                <a:cs typeface="Segoe UI" pitchFamily="34" charset="0"/>
+              </a:defRPr>
+            </a:lvl1pPr>
+            <a:lvl2pPr marL="288925" indent="0">
+              <a:buNone/>
+              <a:defRPr/>
+            </a:lvl2pPr>
+          </a:lstStyle>
+          <a:p>
+            <a:r>
+              <a:rPr lang="en-US" dirty="0"/>
+              <a:t>Enter Description(s)</a:t>
+            </a:r>
+          </a:p>
+          <a:p>
+            <a:endParaRPr lang="en-US" dirty="0"/>
+          </a:p>
+        </p:txBody>
+      </p:sp>
+      <p:sp>
+        <p:nvSpPr>
+          <p:cNvPr id="7" name="Text Placeholder 6">
+            <a:extLst>
+              <a:ext uri="{FF2B5EF4-FFF2-40B4-BE49-F238E27FC236}">
+                <a16:creationId xmlns:a16="http://schemas.microsoft.com/office/drawing/2014/main" id="{05E1913A-614D-4F38-AB69-5348B29CCD5D}"/>
+              </a:ext>
+            </a:extLst>
+          </p:cNvPr>
+          <p:cNvSpPr>
+            <a:spLocks noGrp="1"/>
+          </p:cNvSpPr>
+          <p:nvPr>
+            <p:ph type="body" sz="quarter" idx="10"/>
+          </p:nvPr>
+        </p:nvSpPr>
+        <p:spPr>
+          <a:xfrm>
+            <a:off x="261938" y="2756542"/>
+            <a:ext cx="3241675" cy="2851150"/>
+          </a:xfrm>
+        </p:spPr>
+        <p:txBody>
+          <a:bodyPr/>
+          <a:lstStyle>
+            <a:lvl1pPr>
+              <a:defRPr sz="2000">
+                <a:solidFill>
+                  <a:schemeClr val="bg1"/>
+                </a:solidFill>
+              </a:defRPr>
+            </a:lvl1pPr>
+          </a:lstStyle>
+          <a:p>
+            <a:pPr lvl="0"/>
+            <a:r>
+              <a:rPr lang="en-US" dirty="0"/>
+              <a:t>Edit Master text</a:t>
+            </a:r>
+          </a:p>
+        </p:txBody>
+      </p:sp>
+      <p:sp>
+        <p:nvSpPr>
+          <p:cNvPr id="11" name="Text Placeholder 10">
+            <a:extLst>
+              <a:ext uri="{FF2B5EF4-FFF2-40B4-BE49-F238E27FC236}">
+                <a16:creationId xmlns:a16="http://schemas.microsoft.com/office/drawing/2014/main" id="{6A2AE784-2CA5-4194-B30C-8D50C676A59B}"/>
+              </a:ext>
+            </a:extLst>
+          </p:cNvPr>
+          <p:cNvSpPr>
+            <a:spLocks noGrp="1"/>
+          </p:cNvSpPr>
+          <p:nvPr>
+            <p:ph type="body" sz="quarter" idx="11" hasCustomPrompt="1"/>
+          </p:nvPr>
+        </p:nvSpPr>
+        <p:spPr>
+          <a:xfrm>
+            <a:off x="261938" y="6018240"/>
+            <a:ext cx="8714421" cy="391882"/>
+          </a:xfrm>
+          <a:solidFill>
+            <a:schemeClr val="bg1"/>
+          </a:solidFill>
+        </p:spPr>
+        <p:txBody>
+          <a:bodyPr/>
+          <a:lstStyle>
+            <a:lvl1pPr marL="0" indent="0">
+              <a:buNone/>
+              <a:defRPr sz="1400">
+                <a:solidFill>
+                  <a:srgbClr val="3399FF"/>
+                </a:solidFill>
+              </a:defRPr>
+            </a:lvl1pPr>
+            <a:lvl2pPr>
+              <a:defRPr>
+                <a:solidFill>
+                  <a:schemeClr val="bg1">
+                    <a:lumMod val="75000"/>
+                  </a:schemeClr>
+                </a:solidFill>
+              </a:defRPr>
+            </a:lvl2pPr>
+            <a:lvl3pPr>
+              <a:defRPr>
+                <a:solidFill>
+                  <a:schemeClr val="bg1">
+                    <a:lumMod val="75000"/>
+                  </a:schemeClr>
+                </a:solidFill>
+              </a:defRPr>
+            </a:lvl3pPr>
+            <a:lvl4pPr>
+              <a:defRPr>
+                <a:solidFill>
+                  <a:schemeClr val="bg1">
+                    <a:lumMod val="75000"/>
+                  </a:schemeClr>
+                </a:solidFill>
+              </a:defRPr>
+            </a:lvl4pPr>
+            <a:lvl5pPr>
+              <a:defRPr>
+                <a:solidFill>
+                  <a:schemeClr val="bg1">
+                    <a:lumMod val="75000"/>
+                  </a:schemeClr>
+                </a:solidFill>
+              </a:defRPr>
+            </a:lvl5pPr>
+          </a:lstStyle>
+          <a:p>
+            <a:pPr lvl="0"/>
+            <a:r>
+              <a:rPr lang="en-US" dirty="0"/>
+              <a:t>URL</a:t>
+            </a:r>
+          </a:p>
+        </p:txBody>
+      </p:sp>
+      <p:sp>
+        <p:nvSpPr>
+          <p:cNvPr id="12" name="TextBox 11">
+            <a:extLst>
+              <a:ext uri="{FF2B5EF4-FFF2-40B4-BE49-F238E27FC236}">
+                <a16:creationId xmlns:a16="http://schemas.microsoft.com/office/drawing/2014/main" id="{E1C05B86-1160-4370-A04A-9508198B968C}"/>
+              </a:ext>
+            </a:extLst>
+          </p:cNvPr>
+          <p:cNvSpPr txBox="1"/>
+          <p:nvPr userDrawn="1"/>
+        </p:nvSpPr>
+        <p:spPr>
+          <a:xfrm>
+            <a:off x="6662057" y="6512893"/>
+            <a:ext cx="2388641" cy="307777"/>
+          </a:xfrm>
+          <a:prstGeom prst="rect">
+            <a:avLst/>
+          </a:prstGeom>
+          <a:noFill/>
+        </p:spPr>
+        <p:txBody>
+          <a:bodyPr wrap="square" rtlCol="0">
+            <a:spAutoFit/>
+          </a:bodyPr>
+          <a:lstStyle/>
+          <a:p>
+            <a:r>
+              <a:rPr lang="en-US" sz="1400" dirty="0"/>
+              <a:t>#70-533 @ITProGuru</a:t>
+            </a:r>
+          </a:p>
+        </p:txBody>
+      </p:sp>
+      <p:sp>
+        <p:nvSpPr>
+          <p:cNvPr id="8" name="Rectangle 7">
+            <a:extLst>
+              <a:ext uri="{FF2B5EF4-FFF2-40B4-BE49-F238E27FC236}">
+                <a16:creationId xmlns:a16="http://schemas.microsoft.com/office/drawing/2014/main" id="{2E5CD9C4-3903-4CFA-9CED-0878686ABD1A}"/>
+              </a:ext>
+            </a:extLst>
+          </p:cNvPr>
+          <p:cNvSpPr/>
+          <p:nvPr userDrawn="1"/>
+        </p:nvSpPr>
+        <p:spPr>
+          <a:xfrm>
+            <a:off x="158449" y="117610"/>
+            <a:ext cx="1903085" cy="715581"/>
+          </a:xfrm>
+          <a:prstGeom prst="rect">
+            <a:avLst/>
+          </a:prstGeom>
+        </p:spPr>
+        <p:txBody>
+          <a:bodyPr wrap="none">
+            <a:spAutoFit/>
+          </a:bodyPr>
+          <a:lstStyle/>
+          <a:p>
+            <a:r>
+              <a:rPr lang="en-US" sz="4050" dirty="0">
+                <a:solidFill>
+                  <a:srgbClr val="00B0F0"/>
+                </a:solidFill>
+              </a:rPr>
+              <a:t>DEMO</a:t>
+            </a:r>
+          </a:p>
+        </p:txBody>
+      </p:sp>
+    </p:spTree>
+    <p:extLst>
+      <p:ext uri="{BB962C8B-B14F-4D97-AF65-F5344CB8AC3E}">
+        <p14:creationId xmlns:p14="http://schemas.microsoft.com/office/powerpoint/2010/main" val="757537817"/>
+      </p:ext>
+    </p:extLst>
+  </p:cSld>
+  <p:clrMapOvr>
+    <a:masterClrMapping/>
+  </p:clrMapOvr>
+</p:sldLayout>
+</file>
+
+<file path=ppt/slideLayouts/slideLayout9.xml><?xml version="1.0" encoding="utf-8"?>
+<p:sldLayout xmlns:a="http://schemas.openxmlformats.org/drawingml/2006/main" xmlns:r="http://schemas.openxmlformats.org/officeDocument/2006/relationships" xmlns:p="http://schemas.openxmlformats.org/presentationml/2006/main" preserve="1" userDrawn="1">
   <p:cSld name="Lab">
     <p:bg>
       <p:bgPr>
@@ -16646,9 +17876,9 @@
             <a:normAutofit/>
           </a:bodyPr>
           <a:lstStyle>
-            <a:lvl1pPr marL="0" indent="0">
-              <a:buFontTx/>
-              <a:buNone/>
+            <a:lvl1pPr marL="514350" indent="-514350">
+              <a:buFont typeface="+mj-lt"/>
+              <a:buAutoNum type="arabicParenR"/>
               <a:defRPr sz="2700"/>
             </a:lvl1pPr>
             <a:lvl2pPr marL="342900" indent="0">
@@ -16737,7 +17967,11 @@
           <a:lstStyle/>
           <a:p>
             <a:r>
-              <a:rPr lang="en-US" sz="4050" dirty="0"/>
+              <a:rPr lang="en-US" sz="4050" dirty="0">
+                <a:solidFill>
+                  <a:srgbClr val="00B0F0"/>
+                </a:solidFill>
+              </a:rPr>
               <a:t>LAB</a:t>
             </a:r>
           </a:p>
@@ -16745,396 +17979,60 @@
       </p:sp>
       <p:sp>
         <p:nvSpPr>
-          <p:cNvPr id="9" name="Title 1">
+          <p:cNvPr id="8" name="Text Placeholder 4">
             <a:extLst>
               <a:ext uri="{FF2B5EF4-FFF2-40B4-BE49-F238E27FC236}">
-                <a16:creationId xmlns:a16="http://schemas.microsoft.com/office/drawing/2014/main" id="{C610877B-30C7-48C5-8BDA-CA0DB0C7F805}"/>
+                <a16:creationId xmlns:a16="http://schemas.microsoft.com/office/drawing/2014/main" id="{5F53A04A-F1A4-47F1-8696-966F2AE336F7}"/>
               </a:ext>
             </a:extLst>
           </p:cNvPr>
-          <p:cNvSpPr txBox="1">
-            <a:spLocks/>
-          </p:cNvSpPr>
-          <p:nvPr userDrawn="1"/>
+          <p:cNvSpPr>
+            <a:spLocks noGrp="1"/>
+          </p:cNvSpPr>
+          <p:nvPr>
+            <p:ph type="body" sz="quarter" idx="10" hasCustomPrompt="1"/>
+          </p:nvPr>
         </p:nvSpPr>
         <p:spPr>
           <a:xfrm>
-            <a:off x="151194" y="6219372"/>
-            <a:ext cx="8833654" cy="587829"/>
-          </a:xfrm>
-          <a:prstGeom prst="rect">
-            <a:avLst/>
-          </a:prstGeom>
-          <a:solidFill>
-            <a:schemeClr val="bg1"/>
-          </a:solidFill>
-        </p:spPr>
-        <p:txBody>
-          <a:bodyPr vert="horz" lIns="68580" tIns="34290" rIns="68580" bIns="34290" rtlCol="0" anchor="ctr">
-            <a:noAutofit/>
-          </a:bodyPr>
-          <a:lstStyle>
-            <a:lvl1pPr algn="l" defTabSz="914400" rtl="0" eaLnBrk="1" latinLnBrk="0" hangingPunct="1">
-              <a:lnSpc>
-                <a:spcPct val="90000"/>
-              </a:lnSpc>
-              <a:spcBef>
-                <a:spcPct val="0"/>
-              </a:spcBef>
-              <a:buNone/>
-              <a:defRPr sz="4400" kern="1200">
-                <a:solidFill>
-                  <a:schemeClr val="tx1"/>
-                </a:solidFill>
-                <a:latin typeface="+mj-lt"/>
-                <a:ea typeface="+mj-ea"/>
-                <a:cs typeface="+mj-cs"/>
-              </a:defRPr>
-            </a:lvl1pPr>
-          </a:lstStyle>
-          <a:p>
-            <a:r>
-              <a:rPr lang="en-US" sz="1500" u="sng" dirty="0">
-                <a:solidFill>
-                  <a:srgbClr val="0070C0"/>
-                </a:solidFill>
-              </a:rPr>
-              <a:t>Click to edit Lab URL</a:t>
-            </a:r>
-          </a:p>
-        </p:txBody>
-      </p:sp>
-    </p:spTree>
-    <p:extLst>
-      <p:ext uri="{BB962C8B-B14F-4D97-AF65-F5344CB8AC3E}">
-        <p14:creationId xmlns:p14="http://schemas.microsoft.com/office/powerpoint/2010/main" val="2625449846"/>
-      </p:ext>
-    </p:extLst>
-  </p:cSld>
-  <p:clrMapOvr>
-    <a:masterClrMapping/>
-  </p:clrMapOvr>
-</p:sldLayout>
-</file>
-
-<file path=ppt/slideLayouts/slideLayout8.xml><?xml version="1.0" encoding="utf-8"?>
-<p:sldLayout xmlns:a="http://schemas.openxmlformats.org/drawingml/2006/main" xmlns:r="http://schemas.openxmlformats.org/officeDocument/2006/relationships" xmlns:p="http://schemas.openxmlformats.org/presentationml/2006/main" preserve="1" userDrawn="1">
-  <p:cSld name="Content &amp; Code">
-    <p:spTree>
-      <p:nvGrpSpPr>
-        <p:cNvPr id="1" name=""/>
-        <p:cNvGrpSpPr/>
-        <p:nvPr/>
-      </p:nvGrpSpPr>
-      <p:grpSpPr>
-        <a:xfrm>
-          <a:off x="0" y="0"/>
-          <a:ext cx="0" cy="0"/>
-          <a:chOff x="0" y="0"/>
-          <a:chExt cx="0" cy="0"/>
-        </a:xfrm>
-      </p:grpSpPr>
-      <p:sp>
-        <p:nvSpPr>
-          <p:cNvPr id="2" name="Title 1"/>
-          <p:cNvSpPr>
-            <a:spLocks noGrp="1"/>
-          </p:cNvSpPr>
-          <p:nvPr>
-            <p:ph type="title" hasCustomPrompt="1"/>
-          </p:nvPr>
-        </p:nvSpPr>
-        <p:spPr>
-          <a:xfrm>
-            <a:off x="151194" y="0"/>
-            <a:ext cx="8833654" cy="878350"/>
+            <a:off x="261188" y="6307137"/>
+            <a:ext cx="8574837" cy="410903"/>
           </a:xfrm>
         </p:spPr>
         <p:txBody>
           <a:bodyPr/>
-          <a:lstStyle>
-            <a:lvl1pPr>
-              <a:defRPr/>
-            </a:lvl1pPr>
-          </a:lstStyle>
-          <a:p>
-            <a:r>
-              <a:rPr lang="en-US" dirty="0"/>
-              <a:t>Content &amp; Code</a:t>
-            </a:r>
-          </a:p>
-        </p:txBody>
-      </p:sp>
-      <p:sp>
-        <p:nvSpPr>
-          <p:cNvPr id="3" name="Content Placeholder 2"/>
-          <p:cNvSpPr>
-            <a:spLocks noGrp="1"/>
-          </p:cNvSpPr>
-          <p:nvPr>
-            <p:ph idx="1"/>
-          </p:nvPr>
-        </p:nvSpPr>
-        <p:spPr>
-          <a:xfrm>
-            <a:off x="151194" y="1231902"/>
-            <a:ext cx="8833654" cy="2421204"/>
-          </a:xfrm>
-        </p:spPr>
-        <p:txBody>
-          <a:bodyPr>
-            <a:normAutofit/>
-          </a:bodyPr>
           <a:lstStyle>
             <a:lvl1pPr marL="0" indent="0">
               <a:buFont typeface="Arial" panose="020B0604020202020204" pitchFamily="34" charset="0"/>
               <a:buNone/>
-              <a:defRPr sz="2100"/>
+              <a:defRPr sz="1400"/>
             </a:lvl1pPr>
-            <a:lvl2pPr marL="342900" indent="0">
+            <a:lvl2pPr marL="574675" indent="-285750">
               <a:buFont typeface="Arial" panose="020B0604020202020204" pitchFamily="34" charset="0"/>
-              <a:buNone/>
-              <a:defRPr sz="1800"/>
+              <a:buChar char="•"/>
+              <a:defRPr sz="1600"/>
             </a:lvl2pPr>
-            <a:lvl3pPr marL="685800" indent="0">
+            <a:lvl3pPr marL="966787" indent="-285750">
               <a:buFont typeface="Arial" panose="020B0604020202020204" pitchFamily="34" charset="0"/>
-              <a:buNone/>
-              <a:defRPr sz="1500"/>
+              <a:buChar char="•"/>
+              <a:defRPr sz="1400"/>
             </a:lvl3pPr>
-            <a:lvl4pPr marL="1028700" indent="0">
+            <a:lvl4pPr marL="1260475" indent="-171450">
               <a:buFont typeface="Arial" panose="020B0604020202020204" pitchFamily="34" charset="0"/>
-              <a:buNone/>
-              <a:defRPr sz="1350"/>
+              <a:buChar char="•"/>
+              <a:defRPr sz="1200"/>
             </a:lvl4pPr>
-            <a:lvl5pPr marL="1371600" indent="0">
+            <a:lvl5pPr marL="1547813" indent="-171450">
               <a:buFont typeface="Arial" panose="020B0604020202020204" pitchFamily="34" charset="0"/>
-              <a:buNone/>
-              <a:defRPr sz="1350"/>
+              <a:buChar char="•"/>
+              <a:defRPr sz="1200"/>
             </a:lvl5pPr>
           </a:lstStyle>
           <a:p>
             <a:pPr lvl="0"/>
             <a:r>
               <a:rPr lang="en-US" dirty="0"/>
-              <a:t>Click to edit Master text styles</a:t>
-            </a:r>
-          </a:p>
-          <a:p>
-            <a:pPr lvl="1"/>
-            <a:r>
-              <a:rPr lang="en-US" dirty="0"/>
-              <a:t>Second level</a:t>
-            </a:r>
-          </a:p>
-          <a:p>
-            <a:pPr lvl="2"/>
-            <a:r>
-              <a:rPr lang="en-US" dirty="0"/>
-              <a:t>Third level</a:t>
-            </a:r>
-          </a:p>
-          <a:p>
-            <a:pPr lvl="3"/>
-            <a:r>
-              <a:rPr lang="en-US" dirty="0"/>
-              <a:t>Fourth level</a:t>
-            </a:r>
-          </a:p>
-          <a:p>
-            <a:pPr lvl="4"/>
-            <a:r>
-              <a:rPr lang="en-US" dirty="0"/>
-              <a:t>Fifth level</a:t>
-            </a:r>
-          </a:p>
-        </p:txBody>
-      </p:sp>
-      <p:sp>
-        <p:nvSpPr>
-          <p:cNvPr id="7" name="Rectangle 6">
-            <a:extLst>
-              <a:ext uri="{FF2B5EF4-FFF2-40B4-BE49-F238E27FC236}">
-                <a16:creationId xmlns:a16="http://schemas.microsoft.com/office/drawing/2014/main" id="{06833DA2-9089-4E59-9B9D-7F3A29DCE61C}"/>
-              </a:ext>
-            </a:extLst>
-          </p:cNvPr>
-          <p:cNvSpPr/>
-          <p:nvPr userDrawn="1"/>
-        </p:nvSpPr>
-        <p:spPr bwMode="auto">
-          <a:xfrm>
-            <a:off x="33849" y="3653108"/>
-            <a:ext cx="9020275" cy="3129417"/>
-          </a:xfrm>
-          <a:prstGeom prst="rect">
-            <a:avLst/>
-          </a:prstGeom>
-          <a:solidFill>
-            <a:schemeClr val="accent1"/>
-          </a:solidFill>
-          <a:ln w="3175">
-            <a:noFill/>
-            <a:headEnd type="none" w="med" len="med"/>
-            <a:tailEnd type="none" w="med" len="med"/>
-          </a:ln>
-        </p:spPr>
-        <p:style>
-          <a:lnRef idx="2">
-            <a:schemeClr val="accent1">
-              <a:shade val="50000"/>
-            </a:schemeClr>
-          </a:lnRef>
-          <a:fillRef idx="1">
-            <a:schemeClr val="accent1"/>
-          </a:fillRef>
-          <a:effectRef idx="0">
-            <a:schemeClr val="accent1"/>
-          </a:effectRef>
-          <a:fontRef idx="minor">
-            <a:schemeClr val="lt1"/>
-          </a:fontRef>
-        </p:style>
-        <p:txBody>
-          <a:bodyPr vert="horz" wrap="square" lIns="0" tIns="34290" rIns="0" bIns="34290" numCol="1" rtlCol="0" anchor="ctr" anchorCtr="0" compatLnSpc="1">
-            <a:prstTxWarp prst="textNoShape">
-              <a:avLst/>
-            </a:prstTxWarp>
-          </a:bodyPr>
-          <a:lstStyle/>
-          <a:p>
-            <a:pPr algn="ctr" defTabSz="685577" fontAlgn="base">
-              <a:spcBef>
-                <a:spcPct val="0"/>
-              </a:spcBef>
-              <a:spcAft>
-                <a:spcPct val="0"/>
-              </a:spcAft>
-            </a:pPr>
-            <a:endParaRPr lang="en-US" sz="1471" dirty="0">
-              <a:gradFill>
-                <a:gsLst>
-                  <a:gs pos="0">
-                    <a:srgbClr val="FFFFFF"/>
-                  </a:gs>
-                  <a:gs pos="100000">
-                    <a:srgbClr val="FFFFFF"/>
-                  </a:gs>
-                </a:gsLst>
-                <a:lin ang="5400000" scaled="0"/>
-              </a:gradFill>
-            </a:endParaRPr>
-          </a:p>
-        </p:txBody>
-      </p:sp>
-      <p:sp>
-        <p:nvSpPr>
-          <p:cNvPr id="10" name="Content Placeholder 2">
-            <a:extLst>
-              <a:ext uri="{FF2B5EF4-FFF2-40B4-BE49-F238E27FC236}">
-                <a16:creationId xmlns:a16="http://schemas.microsoft.com/office/drawing/2014/main" id="{A7A07890-C86B-4334-9F28-D4C01C01B9F8}"/>
-              </a:ext>
-            </a:extLst>
-          </p:cNvPr>
-          <p:cNvSpPr>
-            <a:spLocks noGrp="1"/>
-          </p:cNvSpPr>
-          <p:nvPr>
-            <p:ph idx="10" hasCustomPrompt="1"/>
-          </p:nvPr>
-        </p:nvSpPr>
-        <p:spPr>
-          <a:xfrm>
-            <a:off x="151194" y="3795486"/>
-            <a:ext cx="8833654" cy="2910114"/>
-          </a:xfrm>
-          <a:solidFill>
-            <a:schemeClr val="bg1"/>
-          </a:solidFill>
-          <a:ln w="60325" cmpd="sng">
-            <a:solidFill>
-              <a:srgbClr val="0070C0"/>
-            </a:solidFill>
-          </a:ln>
-        </p:spPr>
-        <p:txBody>
-          <a:bodyPr>
-            <a:normAutofit/>
-          </a:bodyPr>
-          <a:lstStyle>
-            <a:lvl1pPr marL="0" indent="0" defTabSz="0">
-              <a:buFont typeface="Arial" panose="020B0604020202020204" pitchFamily="34" charset="0"/>
-              <a:buNone/>
-              <a:defRPr sz="1200">
-                <a:latin typeface="Courier New" panose="02070309020205020404" pitchFamily="49" charset="0"/>
-                <a:cs typeface="Courier New" panose="02070309020205020404" pitchFamily="49" charset="0"/>
-              </a:defRPr>
-            </a:lvl1pPr>
-            <a:lvl2pPr marL="342900" indent="0" defTabSz="0">
-              <a:buFont typeface="Arial" panose="020B0604020202020204" pitchFamily="34" charset="0"/>
-              <a:buNone/>
-              <a:defRPr sz="1200">
-                <a:latin typeface="Courier New" panose="02070309020205020404" pitchFamily="49" charset="0"/>
-                <a:cs typeface="Courier New" panose="02070309020205020404" pitchFamily="49" charset="0"/>
-              </a:defRPr>
-            </a:lvl2pPr>
-            <a:lvl3pPr marL="685800" indent="0" defTabSz="0">
-              <a:buFont typeface="Arial" panose="020B0604020202020204" pitchFamily="34" charset="0"/>
-              <a:buNone/>
-              <a:defRPr sz="1200">
-                <a:latin typeface="Courier New" panose="02070309020205020404" pitchFamily="49" charset="0"/>
-                <a:cs typeface="Courier New" panose="02070309020205020404" pitchFamily="49" charset="0"/>
-              </a:defRPr>
-            </a:lvl3pPr>
-            <a:lvl4pPr marL="1028700" indent="0" defTabSz="0">
-              <a:buFont typeface="Arial" panose="020B0604020202020204" pitchFamily="34" charset="0"/>
-              <a:buNone/>
-              <a:defRPr sz="1200">
-                <a:latin typeface="Courier New" panose="02070309020205020404" pitchFamily="49" charset="0"/>
-                <a:cs typeface="Courier New" panose="02070309020205020404" pitchFamily="49" charset="0"/>
-              </a:defRPr>
-            </a:lvl4pPr>
-            <a:lvl5pPr marL="1371600" indent="0" defTabSz="0">
-              <a:buFont typeface="Arial" panose="020B0604020202020204" pitchFamily="34" charset="0"/>
-              <a:buNone/>
-              <a:defRPr sz="1200">
-                <a:latin typeface="Courier New" panose="02070309020205020404" pitchFamily="49" charset="0"/>
-                <a:cs typeface="Courier New" panose="02070309020205020404" pitchFamily="49" charset="0"/>
-              </a:defRPr>
-            </a:lvl5pPr>
-          </a:lstStyle>
-          <a:p>
-            <a:pPr lvl="0"/>
-            <a:r>
-              <a:rPr lang="en-US" dirty="0"/>
-              <a:t>Click to Edit/Paste/Insert Code or Paste/Insert Screenshot</a:t>
-            </a:r>
-          </a:p>
-          <a:p>
-            <a:pPr lvl="1"/>
-            <a:r>
-              <a:rPr lang="en-US" dirty="0"/>
-              <a:t>	Second level</a:t>
-            </a:r>
-          </a:p>
-          <a:p>
-            <a:pPr lvl="2"/>
-            <a:r>
-              <a:rPr lang="en-US" dirty="0"/>
-              <a:t>Third level</a:t>
-            </a:r>
-          </a:p>
-          <a:p>
-            <a:pPr lvl="3"/>
-            <a:r>
-              <a:rPr lang="en-US" dirty="0"/>
-              <a:t>Fourth level</a:t>
-            </a:r>
-          </a:p>
-          <a:p>
-            <a:pPr lvl="4"/>
-            <a:r>
-              <a:rPr lang="en-US" dirty="0"/>
-              <a:t>Fifth level</a:t>
+              <a:t>Edit URL</a:t>
             </a:r>
           </a:p>
         </p:txBody>
@@ -17142,162 +18040,7 @@
     </p:spTree>
     <p:extLst>
       <p:ext uri="{BB962C8B-B14F-4D97-AF65-F5344CB8AC3E}">
-        <p14:creationId xmlns:p14="http://schemas.microsoft.com/office/powerpoint/2010/main" val="1605699000"/>
-      </p:ext>
-    </p:extLst>
-  </p:cSld>
-  <p:clrMapOvr>
-    <a:masterClrMapping/>
-  </p:clrMapOvr>
-</p:sldLayout>
-</file>
-
-<file path=ppt/slideLayouts/slideLayout9.xml><?xml version="1.0" encoding="utf-8"?>
-<p:sldLayout xmlns:a="http://schemas.openxmlformats.org/drawingml/2006/main" xmlns:r="http://schemas.openxmlformats.org/officeDocument/2006/relationships" xmlns:p="http://schemas.openxmlformats.org/presentationml/2006/main" preserve="1" userDrawn="1">
-  <p:cSld name="Custom Layout">
-    <p:spTree>
-      <p:nvGrpSpPr>
-        <p:cNvPr id="1" name=""/>
-        <p:cNvGrpSpPr/>
-        <p:nvPr/>
-      </p:nvGrpSpPr>
-      <p:grpSpPr>
-        <a:xfrm>
-          <a:off x="0" y="0"/>
-          <a:ext cx="0" cy="0"/>
-          <a:chOff x="0" y="0"/>
-          <a:chExt cx="0" cy="0"/>
-        </a:xfrm>
-      </p:grpSpPr>
-      <p:sp>
-        <p:nvSpPr>
-          <p:cNvPr id="2" name="Title 1">
-            <a:extLst>
-              <a:ext uri="{FF2B5EF4-FFF2-40B4-BE49-F238E27FC236}">
-                <a16:creationId xmlns:a16="http://schemas.microsoft.com/office/drawing/2014/main" id="{F523216E-3091-410D-83D4-F3B694551529}"/>
-              </a:ext>
-            </a:extLst>
-          </p:cNvPr>
-          <p:cNvSpPr>
-            <a:spLocks noGrp="1"/>
-          </p:cNvSpPr>
-          <p:nvPr>
-            <p:ph type="title" hasCustomPrompt="1"/>
-          </p:nvPr>
-        </p:nvSpPr>
-        <p:spPr/>
-        <p:txBody>
-          <a:bodyPr/>
-          <a:lstStyle>
-            <a:lvl1pPr>
-              <a:defRPr/>
-            </a:lvl1pPr>
-          </a:lstStyle>
-          <a:p>
-            <a:r>
-              <a:rPr lang="en-US" dirty="0"/>
-              <a:t>Click to edit Code Title</a:t>
-            </a:r>
-          </a:p>
-        </p:txBody>
-      </p:sp>
-      <p:sp>
-        <p:nvSpPr>
-          <p:cNvPr id="4" name="Text Placeholder 3">
-            <a:extLst>
-              <a:ext uri="{FF2B5EF4-FFF2-40B4-BE49-F238E27FC236}">
-                <a16:creationId xmlns:a16="http://schemas.microsoft.com/office/drawing/2014/main" id="{8AA8E3D7-116C-400A-AC64-F86759F16B62}"/>
-              </a:ext>
-            </a:extLst>
-          </p:cNvPr>
-          <p:cNvSpPr>
-            <a:spLocks noGrp="1"/>
-          </p:cNvSpPr>
-          <p:nvPr>
-            <p:ph type="body" sz="quarter" idx="10" hasCustomPrompt="1"/>
-          </p:nvPr>
-        </p:nvSpPr>
-        <p:spPr>
-          <a:xfrm>
-            <a:off x="93306" y="811763"/>
-            <a:ext cx="8929396" cy="5859625"/>
-          </a:xfrm>
-        </p:spPr>
-        <p:txBody>
-          <a:bodyPr/>
-          <a:lstStyle>
-            <a:lvl1pPr marL="0" indent="0">
-              <a:buNone/>
-              <a:defRPr sz="2400">
-                <a:latin typeface="Consolas" panose="020B0609020204030204" pitchFamily="49" charset="0"/>
-              </a:defRPr>
-            </a:lvl1pPr>
-            <a:lvl2pPr marL="288925" indent="0">
-              <a:buNone/>
-              <a:defRPr sz="2000">
-                <a:latin typeface="Consolas" panose="020B0609020204030204" pitchFamily="49" charset="0"/>
-              </a:defRPr>
-            </a:lvl2pPr>
-            <a:lvl3pPr marL="681037" indent="0">
-              <a:buNone/>
-              <a:defRPr sz="1800">
-                <a:latin typeface="Consolas" panose="020B0609020204030204" pitchFamily="49" charset="0"/>
-              </a:defRPr>
-            </a:lvl3pPr>
-            <a:lvl4pPr marL="1089025" indent="0">
-              <a:buNone/>
-              <a:defRPr sz="1600">
-                <a:latin typeface="Consolas" panose="020B0609020204030204" pitchFamily="49" charset="0"/>
-              </a:defRPr>
-            </a:lvl4pPr>
-            <a:lvl5pPr marL="1376363" indent="0">
-              <a:buNone/>
-              <a:defRPr sz="1600">
-                <a:latin typeface="Consolas" panose="020B0609020204030204" pitchFamily="49" charset="0"/>
-              </a:defRPr>
-            </a:lvl5pPr>
-          </a:lstStyle>
-          <a:p>
-            <a:pPr lvl="0"/>
-            <a:r>
-              <a:rPr lang="en-US" dirty="0"/>
-              <a:t>Edit Code</a:t>
-            </a:r>
-          </a:p>
-          <a:p>
-            <a:pPr lvl="1"/>
-            <a:r>
-              <a:rPr lang="en-US" dirty="0"/>
-              <a:t>Second level</a:t>
-            </a:r>
-          </a:p>
-          <a:p>
-            <a:pPr lvl="2"/>
-            <a:r>
-              <a:rPr lang="en-US" dirty="0"/>
-              <a:t>Third level</a:t>
-            </a:r>
-          </a:p>
-          <a:p>
-            <a:pPr lvl="3"/>
-            <a:r>
-              <a:rPr lang="en-US" dirty="0"/>
-              <a:t>Fourth level</a:t>
-            </a:r>
-          </a:p>
-          <a:p>
-            <a:pPr lvl="4"/>
-            <a:r>
-              <a:rPr lang="en-US" dirty="0"/>
-              <a:t>Fifth level</a:t>
-            </a:r>
-          </a:p>
-        </p:txBody>
-      </p:sp>
-    </p:spTree>
-    <p:extLst>
-      <p:ext uri="{BB962C8B-B14F-4D97-AF65-F5344CB8AC3E}">
-        <p14:creationId xmlns:p14="http://schemas.microsoft.com/office/powerpoint/2010/main" val="1117181669"/>
+        <p14:creationId xmlns:p14="http://schemas.microsoft.com/office/powerpoint/2010/main" val="3030905483"/>
       </p:ext>
     </p:extLst>
   </p:cSld>
@@ -17579,25 +18322,27 @@
   </p:cSld>
   <p:clrMap bg1="lt1" tx1="dk1" bg2="lt2" tx2="dk2" accent1="accent1" accent2="accent2" accent3="accent3" accent4="accent4" accent5="accent5" accent6="accent6" hlink="hlink" folHlink="folHlink"/>
   <p:sldLayoutIdLst>
-    <p:sldLayoutId id="2147483661" r:id="rId1"/>
-    <p:sldLayoutId id="2147483672" r:id="rId2"/>
-    <p:sldLayoutId id="2147483666" r:id="rId3"/>
-    <p:sldLayoutId id="2147483701" r:id="rId4"/>
-    <p:sldLayoutId id="2147483662" r:id="rId5"/>
-    <p:sldLayoutId id="2147483699" r:id="rId6"/>
-    <p:sldLayoutId id="2147483702" r:id="rId7"/>
-    <p:sldLayoutId id="2147483700" r:id="rId8"/>
-    <p:sldLayoutId id="2147483705" r:id="rId9"/>
-    <p:sldLayoutId id="2147483703" r:id="rId10"/>
-    <p:sldLayoutId id="2147483706" r:id="rId11"/>
-    <p:sldLayoutId id="2147483663" r:id="rId12"/>
-    <p:sldLayoutId id="2147483664" r:id="rId13"/>
-    <p:sldLayoutId id="2147483665" r:id="rId14"/>
-    <p:sldLayoutId id="2147483667" r:id="rId15"/>
-    <p:sldLayoutId id="2147483668" r:id="rId16"/>
-    <p:sldLayoutId id="2147483669" r:id="rId17"/>
-    <p:sldLayoutId id="2147483670" r:id="rId18"/>
-    <p:sldLayoutId id="2147483671" r:id="rId19"/>
+    <p:sldLayoutId id="2147483707" r:id="rId1"/>
+    <p:sldLayoutId id="2147483661" r:id="rId2"/>
+    <p:sldLayoutId id="2147483672" r:id="rId3"/>
+    <p:sldLayoutId id="2147483666" r:id="rId4"/>
+    <p:sldLayoutId id="2147483701" r:id="rId5"/>
+    <p:sldLayoutId id="2147483708" r:id="rId6"/>
+    <p:sldLayoutId id="2147483709" r:id="rId7"/>
+    <p:sldLayoutId id="2147483710" r:id="rId8"/>
+    <p:sldLayoutId id="2147483711" r:id="rId9"/>
+    <p:sldLayoutId id="2147483700" r:id="rId10"/>
+    <p:sldLayoutId id="2147483705" r:id="rId11"/>
+    <p:sldLayoutId id="2147483703" r:id="rId12"/>
+    <p:sldLayoutId id="2147483706" r:id="rId13"/>
+    <p:sldLayoutId id="2147483663" r:id="rId14"/>
+    <p:sldLayoutId id="2147483664" r:id="rId15"/>
+    <p:sldLayoutId id="2147483665" r:id="rId16"/>
+    <p:sldLayoutId id="2147483667" r:id="rId17"/>
+    <p:sldLayoutId id="2147483668" r:id="rId18"/>
+    <p:sldLayoutId id="2147483669" r:id="rId19"/>
+    <p:sldLayoutId id="2147483670" r:id="rId20"/>
+    <p:sldLayoutId id="2147483671" r:id="rId21"/>
   </p:sldLayoutIdLst>
   <p:txStyles>
     <p:titleStyle>
@@ -18192,7 +18937,11 @@
           </a:p>
           <a:p>
             <a:r>
-              <a:rPr lang="en-US" sz="1600" dirty="0"/>
+              <a:rPr lang="en-US" sz="1600" dirty="0">
+                <a:solidFill>
+                  <a:srgbClr val="FFC000"/>
+                </a:solidFill>
+              </a:rPr>
               <a:t>Design and Deploy ARM Templates (10-15%)</a:t>
             </a:r>
           </a:p>
@@ -27236,10 +27985,10 @@
       </p:sp>
       <p:sp>
         <p:nvSpPr>
-          <p:cNvPr id="10" name="Text Placeholder 9">
+          <p:cNvPr id="3" name="Text Placeholder 2">
             <a:extLst>
               <a:ext uri="{FF2B5EF4-FFF2-40B4-BE49-F238E27FC236}">
-                <a16:creationId xmlns:a16="http://schemas.microsoft.com/office/drawing/2014/main" id="{83B6A522-28EE-4309-99DD-97DA56272723}"/>
+                <a16:creationId xmlns:a16="http://schemas.microsoft.com/office/drawing/2014/main" id="{9069AF42-414D-42D9-AC6A-FD6631B0CBF0}"/>
               </a:ext>
             </a:extLst>
           </p:cNvPr>
@@ -27420,10 +28169,10 @@
       </p:sp>
       <p:sp>
         <p:nvSpPr>
-          <p:cNvPr id="2" name="Text Placeholder 1">
+          <p:cNvPr id="3" name="Text Placeholder 2">
             <a:extLst>
               <a:ext uri="{FF2B5EF4-FFF2-40B4-BE49-F238E27FC236}">
-                <a16:creationId xmlns:a16="http://schemas.microsoft.com/office/drawing/2014/main" id="{CAD323CF-6264-4FE3-9145-BFD61F03D18C}"/>
+                <a16:creationId xmlns:a16="http://schemas.microsoft.com/office/drawing/2014/main" id="{4C841724-12A8-4795-992C-5A3333F4974E}"/>
               </a:ext>
             </a:extLst>
           </p:cNvPr>
@@ -27869,10 +28618,10 @@
       </p:sp>
       <p:sp>
         <p:nvSpPr>
-          <p:cNvPr id="4" name="Text Placeholder 3">
+          <p:cNvPr id="6" name="Text Placeholder 5">
             <a:extLst>
               <a:ext uri="{FF2B5EF4-FFF2-40B4-BE49-F238E27FC236}">
-                <a16:creationId xmlns:a16="http://schemas.microsoft.com/office/drawing/2014/main" id="{7B6A381F-4692-4C36-95C6-60D26316E193}"/>
+                <a16:creationId xmlns:a16="http://schemas.microsoft.com/office/drawing/2014/main" id="{AAF85362-515F-488D-A7C0-8C9DBD7CABDF}"/>
               </a:ext>
             </a:extLst>
           </p:cNvPr>
@@ -28060,10 +28809,10 @@
       </p:sp>
       <p:sp>
         <p:nvSpPr>
-          <p:cNvPr id="5" name="Text Placeholder 4">
+          <p:cNvPr id="4" name="Text Placeholder 3">
             <a:extLst>
               <a:ext uri="{FF2B5EF4-FFF2-40B4-BE49-F238E27FC236}">
-                <a16:creationId xmlns:a16="http://schemas.microsoft.com/office/drawing/2014/main" id="{C8F334CA-2F55-43E1-80A4-5936AD9FFC1A}"/>
+                <a16:creationId xmlns:a16="http://schemas.microsoft.com/office/drawing/2014/main" id="{C6D2B5F7-3872-4A5F-8615-CBC38E0FB307}"/>
               </a:ext>
             </a:extLst>
           </p:cNvPr>
@@ -28497,10 +29246,10 @@
       </p:sp>
       <p:sp>
         <p:nvSpPr>
-          <p:cNvPr id="4" name="Text Placeholder 3">
+          <p:cNvPr id="5" name="Text Placeholder 4">
             <a:extLst>
               <a:ext uri="{FF2B5EF4-FFF2-40B4-BE49-F238E27FC236}">
-                <a16:creationId xmlns:a16="http://schemas.microsoft.com/office/drawing/2014/main" id="{125271E6-0583-45F8-B52C-5467D2FC7D82}"/>
+                <a16:creationId xmlns:a16="http://schemas.microsoft.com/office/drawing/2014/main" id="{C38B9EF5-0F46-4912-8719-460AA4766375}"/>
               </a:ext>
             </a:extLst>
           </p:cNvPr>
@@ -28808,10 +29557,10 @@
       </p:sp>
       <p:sp>
         <p:nvSpPr>
-          <p:cNvPr id="5" name="Text Placeholder 4">
+          <p:cNvPr id="4" name="Text Placeholder 3">
             <a:extLst>
               <a:ext uri="{FF2B5EF4-FFF2-40B4-BE49-F238E27FC236}">
-                <a16:creationId xmlns:a16="http://schemas.microsoft.com/office/drawing/2014/main" id="{E037E97A-C0D3-4675-9A8F-5F2DC4C657C9}"/>
+                <a16:creationId xmlns:a16="http://schemas.microsoft.com/office/drawing/2014/main" id="{EB70C40B-9C58-42B1-B267-081ABD27F39C}"/>
               </a:ext>
             </a:extLst>
           </p:cNvPr>
@@ -29109,10 +29858,10 @@
       </p:sp>
       <p:sp>
         <p:nvSpPr>
-          <p:cNvPr id="4" name="Text Placeholder 3">
+          <p:cNvPr id="5" name="Text Placeholder 4">
             <a:extLst>
               <a:ext uri="{FF2B5EF4-FFF2-40B4-BE49-F238E27FC236}">
-                <a16:creationId xmlns:a16="http://schemas.microsoft.com/office/drawing/2014/main" id="{125271E6-0583-45F8-B52C-5467D2FC7D82}"/>
+                <a16:creationId xmlns:a16="http://schemas.microsoft.com/office/drawing/2014/main" id="{3494BB91-604E-4489-9E94-11A05EC1C0CB}"/>
               </a:ext>
             </a:extLst>
           </p:cNvPr>
@@ -29420,10 +30169,10 @@
       </p:sp>
       <p:sp>
         <p:nvSpPr>
-          <p:cNvPr id="5" name="Text Placeholder 4">
+          <p:cNvPr id="4" name="Text Placeholder 3">
             <a:extLst>
               <a:ext uri="{FF2B5EF4-FFF2-40B4-BE49-F238E27FC236}">
-                <a16:creationId xmlns:a16="http://schemas.microsoft.com/office/drawing/2014/main" id="{8187D1C9-8276-44BA-9A4B-595957752032}"/>
+                <a16:creationId xmlns:a16="http://schemas.microsoft.com/office/drawing/2014/main" id="{9172D8FF-4334-450A-8678-B1C59CBE5F73}"/>
               </a:ext>
             </a:extLst>
           </p:cNvPr>
@@ -29584,10 +30333,10 @@
       </p:sp>
       <p:sp>
         <p:nvSpPr>
-          <p:cNvPr id="4" name="Text Placeholder 3">
+          <p:cNvPr id="5" name="Text Placeholder 4">
             <a:extLst>
               <a:ext uri="{FF2B5EF4-FFF2-40B4-BE49-F238E27FC236}">
-                <a16:creationId xmlns:a16="http://schemas.microsoft.com/office/drawing/2014/main" id="{AD74FC1F-4078-48B7-B411-7D2C3A775E56}"/>
+                <a16:creationId xmlns:a16="http://schemas.microsoft.com/office/drawing/2014/main" id="{DAC7202F-4607-412C-83CD-41CF1518BAF2}"/>
               </a:ext>
             </a:extLst>
           </p:cNvPr>
@@ -29768,10 +30517,10 @@
       </p:sp>
       <p:sp>
         <p:nvSpPr>
-          <p:cNvPr id="5" name="Text Placeholder 4">
+          <p:cNvPr id="4" name="Text Placeholder 3">
             <a:extLst>
               <a:ext uri="{FF2B5EF4-FFF2-40B4-BE49-F238E27FC236}">
-                <a16:creationId xmlns:a16="http://schemas.microsoft.com/office/drawing/2014/main" id="{B0EF7718-693B-4D20-B70A-BF21D7E4D791}"/>
+                <a16:creationId xmlns:a16="http://schemas.microsoft.com/office/drawing/2014/main" id="{559973D9-DF70-499C-A865-7D80D08A7B56}"/>
               </a:ext>
             </a:extLst>
           </p:cNvPr>

--- a/70-533-05-ARMTemplates.pptx
+++ b/70-533-05-ARMTemplates.pptx
@@ -61,37 +61,37 @@
   <p:notesSz cx="6858000" cy="9144000"/>
   <p:embeddedFontLst>
     <p:embeddedFont>
-      <p:font typeface="Consolas" panose="020B0609020204030204" pitchFamily="49" charset="0"/>
+      <p:font typeface="Segoe UI" panose="020B0502040204020203" pitchFamily="34" charset="0"/>
       <p:regular r:id="rId49"/>
       <p:bold r:id="rId50"/>
       <p:italic r:id="rId51"/>
       <p:boldItalic r:id="rId52"/>
     </p:embeddedFont>
     <p:embeddedFont>
-      <p:font typeface="Calibri" panose="020F0502020204030204" pitchFamily="34" charset="0"/>
+      <p:font typeface="Verdana" panose="020B0604030504040204" pitchFamily="34" charset="0"/>
       <p:regular r:id="rId53"/>
       <p:bold r:id="rId54"/>
       <p:italic r:id="rId55"/>
       <p:boldItalic r:id="rId56"/>
     </p:embeddedFont>
     <p:embeddedFont>
-      <p:font typeface="Segoe UI Light" panose="020B0502040204020203" pitchFamily="34" charset="0"/>
+      <p:font typeface="Consolas" panose="020B0609020204030204" pitchFamily="49" charset="0"/>
       <p:regular r:id="rId57"/>
-      <p:italic r:id="rId58"/>
+      <p:bold r:id="rId58"/>
+      <p:italic r:id="rId59"/>
+      <p:boldItalic r:id="rId60"/>
     </p:embeddedFont>
     <p:embeddedFont>
-      <p:font typeface="Segoe UI" panose="020B0502040204020203" pitchFamily="34" charset="0"/>
-      <p:regular r:id="rId59"/>
-      <p:bold r:id="rId60"/>
-      <p:italic r:id="rId61"/>
-      <p:boldItalic r:id="rId62"/>
+      <p:font typeface="Calibri" panose="020F0502020204030204" pitchFamily="34" charset="0"/>
+      <p:regular r:id="rId61"/>
+      <p:bold r:id="rId62"/>
+      <p:italic r:id="rId63"/>
+      <p:boldItalic r:id="rId64"/>
     </p:embeddedFont>
     <p:embeddedFont>
-      <p:font typeface="Verdana" panose="020B0604030504040204" pitchFamily="34" charset="0"/>
-      <p:regular r:id="rId63"/>
-      <p:bold r:id="rId64"/>
-      <p:italic r:id="rId65"/>
-      <p:boldItalic r:id="rId66"/>
+      <p:font typeface="Segoe UI Light" panose="020B0502040204020203" pitchFamily="34" charset="0"/>
+      <p:regular r:id="rId65"/>
+      <p:italic r:id="rId66"/>
     </p:embeddedFont>
   </p:embeddedFontLst>
   <p:defaultTextStyle>
@@ -28061,7 +28061,31 @@
           <a:p>
             <a:r>
               <a:rPr lang="en-US" dirty="0"/>
-              <a:t>A developer creates an application that needs access to external resources.  This application will be deployed in the domain.  </a:t>
+              <a:t>A developer creates </a:t>
+            </a:r>
+            <a:r>
+              <a:rPr lang="en-US" b="1" dirty="0">
+                <a:solidFill>
+                  <a:srgbClr val="0070C0"/>
+                </a:solidFill>
+              </a:rPr>
+              <a:t>an application </a:t>
+            </a:r>
+            <a:r>
+              <a:rPr lang="en-US" dirty="0"/>
+              <a:t>that needs access to </a:t>
+            </a:r>
+            <a:r>
+              <a:rPr lang="en-US" b="1" dirty="0">
+                <a:solidFill>
+                  <a:srgbClr val="0070C0"/>
+                </a:solidFill>
+              </a:rPr>
+              <a:t>external resources</a:t>
+            </a:r>
+            <a:r>
+              <a:rPr lang="en-US" dirty="0"/>
+              <a:t>.  This application will be deployed in the domain.  </a:t>
             </a:r>
           </a:p>
         </p:txBody>
@@ -28082,14 +28106,31 @@
             <p:ph idx="1"/>
           </p:nvPr>
         </p:nvSpPr>
-        <p:spPr/>
+        <p:spPr>
+          <a:xfrm>
+            <a:off x="261187" y="2066387"/>
+            <a:ext cx="8574837" cy="4133984"/>
+          </a:xfrm>
+        </p:spPr>
         <p:txBody>
           <a:bodyPr/>
           <a:lstStyle/>
           <a:p>
             <a:r>
               <a:rPr lang="en-US" sz="2400" dirty="0"/>
-              <a:t>You need to use Azure Command-Line Interface (CLI) to create a service principle.  How should you configure the command? </a:t>
+              <a:t>You need to use Azure Command-Line Interface (CLI) to </a:t>
+            </a:r>
+            <a:r>
+              <a:rPr lang="en-US" sz="2400" b="1" dirty="0">
+                <a:solidFill>
+                  <a:srgbClr val="0070C0"/>
+                </a:solidFill>
+              </a:rPr>
+              <a:t>create </a:t>
+            </a:r>
+            <a:r>
+              <a:rPr lang="en-US" sz="2400" dirty="0"/>
+              <a:t>a service principle.  How should you configure the command? </a:t>
             </a:r>
           </a:p>
           <a:p>
@@ -28188,7 +28229,7 @@
           <a:bodyPr/>
           <a:lstStyle/>
           <a:p>
-            <a:endParaRPr lang="en-US"/>
+            <a:endParaRPr lang="en-US" dirty="0"/>
           </a:p>
         </p:txBody>
       </p:sp>
@@ -28206,8 +28247,8 @@
         </p:nvSpPr>
         <p:spPr bwMode="auto">
           <a:xfrm>
-            <a:off x="4763386" y="3827721"/>
-            <a:ext cx="1722474" cy="318977"/>
+            <a:off x="4785907" y="4116004"/>
+            <a:ext cx="1939211" cy="318977"/>
           </a:xfrm>
           <a:prstGeom prst="rect">
             <a:avLst/>
@@ -28279,7 +28320,7 @@
         </p:nvSpPr>
         <p:spPr bwMode="auto">
           <a:xfrm>
-            <a:off x="4763386" y="5139070"/>
+            <a:off x="4763386" y="5400328"/>
             <a:ext cx="1722474" cy="318977"/>
           </a:xfrm>
           <a:prstGeom prst="rect">
